--- a/Presentations/10_Web.pptx
+++ b/Presentations/10_Web.pptx
@@ -7,6 +7,14 @@
   <p:sldIdLst>
     <p:sldId id="257" r:id="rId2"/>
     <p:sldId id="258" r:id="rId3"/>
+    <p:sldId id="260" r:id="rId4"/>
+    <p:sldId id="262" r:id="rId5"/>
+    <p:sldId id="263" r:id="rId6"/>
+    <p:sldId id="264" r:id="rId7"/>
+    <p:sldId id="265" r:id="rId8"/>
+    <p:sldId id="266" r:id="rId9"/>
+    <p:sldId id="261" r:id="rId10"/>
+    <p:sldId id="267" r:id="rId11"/>
   </p:sldIdLst>
   <p:sldSz cx="12192000" cy="6858000"/>
   <p:notesSz cx="6858000" cy="9144000"/>
@@ -105,7 +113,3298 @@
       </a:defRPr>
     </a:lvl9pPr>
   </p:defaultTextStyle>
+  <p:extLst>
+    <p:ext uri="{EFAFB233-063F-42B5-8137-9DF3F51BA10A}">
+      <p15:sldGuideLst xmlns:p15="http://schemas.microsoft.com/office/powerpoint/2012/main"/>
+    </p:ext>
+  </p:extLst>
 </p:presentation>
+</file>
+
+<file path=ppt/diagrams/colors1.xml><?xml version="1.0" encoding="utf-8"?>
+<dgm:colorsDef xmlns:dgm="http://schemas.openxmlformats.org/drawingml/2006/diagram" xmlns:a="http://schemas.openxmlformats.org/drawingml/2006/main" uniqueId="urn:microsoft.com/office/officeart/2018/5/colors/Iconchunking_neutralicon_colorful1">
+  <dgm:title val=""/>
+  <dgm:desc val=""/>
+  <dgm:catLst>
+    <dgm:cat type="colorful" pri="10100"/>
+  </dgm:catLst>
+  <dgm:styleLbl name="node0">
+    <dgm:fillClrLst meth="repeat">
+      <a:schemeClr val="accent1"/>
+    </dgm:fillClrLst>
+    <dgm:linClrLst meth="repeat">
+      <a:schemeClr val="lt1"/>
+    </dgm:linClrLst>
+    <dgm:effectClrLst/>
+    <dgm:txLinClrLst/>
+    <dgm:txFillClrLst/>
+    <dgm:txEffectClrLst/>
+  </dgm:styleLbl>
+  <dgm:styleLbl name="node1">
+    <dgm:fillClrLst meth="repeat">
+      <a:schemeClr val="bg1"/>
+    </dgm:fillClrLst>
+    <dgm:linClrLst meth="repeat">
+      <a:schemeClr val="lt1">
+        <a:alpha val="0"/>
+      </a:schemeClr>
+    </dgm:linClrLst>
+    <dgm:effectClrLst/>
+    <dgm:txLinClrLst/>
+    <dgm:txFillClrLst meth="repeat">
+      <a:schemeClr val="dk1"/>
+    </dgm:txFillClrLst>
+    <dgm:txEffectClrLst/>
+  </dgm:styleLbl>
+  <dgm:styleLbl name="alignNode1">
+    <dgm:fillClrLst meth="repeat">
+      <a:schemeClr val="accent2"/>
+      <a:schemeClr val="accent3"/>
+      <a:schemeClr val="accent4"/>
+      <a:schemeClr val="accent5"/>
+      <a:schemeClr val="accent6"/>
+    </dgm:fillClrLst>
+    <dgm:linClrLst meth="repeat">
+      <a:schemeClr val="accent2"/>
+      <a:schemeClr val="accent3"/>
+      <a:schemeClr val="accent4"/>
+      <a:schemeClr val="accent5"/>
+      <a:schemeClr val="accent6"/>
+    </dgm:linClrLst>
+    <dgm:effectClrLst/>
+    <dgm:txLinClrLst/>
+    <dgm:txFillClrLst/>
+    <dgm:txEffectClrLst/>
+  </dgm:styleLbl>
+  <dgm:styleLbl name="lnNode1">
+    <dgm:fillClrLst meth="repeat">
+      <a:schemeClr val="accent2"/>
+      <a:schemeClr val="accent3"/>
+      <a:schemeClr val="accent4"/>
+      <a:schemeClr val="accent5"/>
+      <a:schemeClr val="accent6"/>
+    </dgm:fillClrLst>
+    <dgm:linClrLst meth="repeat">
+      <a:schemeClr val="lt1"/>
+    </dgm:linClrLst>
+    <dgm:effectClrLst/>
+    <dgm:txLinClrLst/>
+    <dgm:txFillClrLst/>
+    <dgm:txEffectClrLst/>
+  </dgm:styleLbl>
+  <dgm:styleLbl name="vennNode1">
+    <dgm:fillClrLst meth="repeat">
+      <a:schemeClr val="accent2">
+        <a:alpha val="50000"/>
+      </a:schemeClr>
+      <a:schemeClr val="accent3">
+        <a:alpha val="50000"/>
+      </a:schemeClr>
+      <a:schemeClr val="accent4">
+        <a:alpha val="50000"/>
+      </a:schemeClr>
+      <a:schemeClr val="accent5">
+        <a:alpha val="50000"/>
+      </a:schemeClr>
+      <a:schemeClr val="accent6">
+        <a:alpha val="50000"/>
+      </a:schemeClr>
+    </dgm:fillClrLst>
+    <dgm:linClrLst meth="repeat">
+      <a:schemeClr val="lt1"/>
+    </dgm:linClrLst>
+    <dgm:effectClrLst/>
+    <dgm:txLinClrLst/>
+    <dgm:txFillClrLst/>
+    <dgm:txEffectClrLst/>
+  </dgm:styleLbl>
+  <dgm:styleLbl name="node2">
+    <dgm:fillClrLst>
+      <a:schemeClr val="accent2"/>
+    </dgm:fillClrLst>
+    <dgm:linClrLst meth="repeat">
+      <a:schemeClr val="lt1"/>
+    </dgm:linClrLst>
+    <dgm:effectClrLst/>
+    <dgm:txLinClrLst/>
+    <dgm:txFillClrLst/>
+    <dgm:txEffectClrLst/>
+  </dgm:styleLbl>
+  <dgm:styleLbl name="node3">
+    <dgm:fillClrLst>
+      <a:schemeClr val="accent3"/>
+    </dgm:fillClrLst>
+    <dgm:linClrLst meth="repeat">
+      <a:schemeClr val="lt1"/>
+    </dgm:linClrLst>
+    <dgm:effectClrLst/>
+    <dgm:txLinClrLst/>
+    <dgm:txFillClrLst/>
+    <dgm:txEffectClrLst/>
+  </dgm:styleLbl>
+  <dgm:styleLbl name="node4">
+    <dgm:fillClrLst>
+      <a:schemeClr val="accent4"/>
+    </dgm:fillClrLst>
+    <dgm:linClrLst meth="repeat">
+      <a:schemeClr val="lt1"/>
+    </dgm:linClrLst>
+    <dgm:effectClrLst/>
+    <dgm:txLinClrLst/>
+    <dgm:txFillClrLst/>
+    <dgm:txEffectClrLst/>
+  </dgm:styleLbl>
+  <dgm:styleLbl name="fgImgPlace1">
+    <dgm:fillClrLst meth="repeat">
+      <a:schemeClr val="accent2">
+        <a:tint val="50000"/>
+      </a:schemeClr>
+      <a:schemeClr val="accent3">
+        <a:tint val="50000"/>
+      </a:schemeClr>
+      <a:schemeClr val="accent4">
+        <a:tint val="50000"/>
+      </a:schemeClr>
+      <a:schemeClr val="accent5">
+        <a:tint val="50000"/>
+      </a:schemeClr>
+      <a:schemeClr val="accent6">
+        <a:tint val="50000"/>
+      </a:schemeClr>
+    </dgm:fillClrLst>
+    <dgm:linClrLst meth="repeat">
+      <a:schemeClr val="lt1"/>
+    </dgm:linClrLst>
+    <dgm:effectClrLst/>
+    <dgm:txLinClrLst/>
+    <dgm:txFillClrLst meth="repeat">
+      <a:schemeClr val="lt1"/>
+    </dgm:txFillClrLst>
+    <dgm:txEffectClrLst/>
+  </dgm:styleLbl>
+  <dgm:styleLbl name="alignImgPlace1">
+    <dgm:fillClrLst>
+      <a:schemeClr val="accent1">
+        <a:tint val="50000"/>
+      </a:schemeClr>
+      <a:schemeClr val="accent2">
+        <a:tint val="20000"/>
+      </a:schemeClr>
+    </dgm:fillClrLst>
+    <dgm:linClrLst meth="repeat">
+      <a:schemeClr val="lt1"/>
+    </dgm:linClrLst>
+    <dgm:effectClrLst/>
+    <dgm:txLinClrLst/>
+    <dgm:txFillClrLst meth="repeat">
+      <a:schemeClr val="lt1"/>
+    </dgm:txFillClrLst>
+    <dgm:txEffectClrLst/>
+  </dgm:styleLbl>
+  <dgm:styleLbl name="bgImgPlace1">
+    <dgm:fillClrLst>
+      <a:schemeClr val="accent1">
+        <a:tint val="50000"/>
+      </a:schemeClr>
+      <a:schemeClr val="accent2">
+        <a:tint val="20000"/>
+      </a:schemeClr>
+    </dgm:fillClrLst>
+    <dgm:linClrLst meth="repeat">
+      <a:schemeClr val="lt1"/>
+    </dgm:linClrLst>
+    <dgm:effectClrLst/>
+    <dgm:txLinClrLst/>
+    <dgm:txFillClrLst meth="repeat">
+      <a:schemeClr val="lt1"/>
+    </dgm:txFillClrLst>
+    <dgm:txEffectClrLst/>
+  </dgm:styleLbl>
+  <dgm:styleLbl name="sibTrans2D1">
+    <dgm:fillClrLst meth="repeat">
+      <a:schemeClr val="accent2"/>
+      <a:schemeClr val="accent3"/>
+      <a:schemeClr val="accent4"/>
+      <a:schemeClr val="accent5"/>
+      <a:schemeClr val="accent6"/>
+    </dgm:fillClrLst>
+    <dgm:linClrLst meth="cycle">
+      <a:schemeClr val="lt1"/>
+    </dgm:linClrLst>
+    <dgm:effectClrLst/>
+    <dgm:txLinClrLst/>
+    <dgm:txFillClrLst/>
+    <dgm:txEffectClrLst/>
+  </dgm:styleLbl>
+  <dgm:styleLbl name="fgSibTrans2D1">
+    <dgm:fillClrLst meth="repeat">
+      <a:schemeClr val="accent2"/>
+      <a:schemeClr val="accent3"/>
+      <a:schemeClr val="accent4"/>
+      <a:schemeClr val="accent5"/>
+      <a:schemeClr val="accent6"/>
+    </dgm:fillClrLst>
+    <dgm:linClrLst meth="cycle">
+      <a:schemeClr val="lt1"/>
+    </dgm:linClrLst>
+    <dgm:effectClrLst/>
+    <dgm:txLinClrLst/>
+    <dgm:txFillClrLst meth="repeat">
+      <a:schemeClr val="lt1"/>
+    </dgm:txFillClrLst>
+    <dgm:txEffectClrLst/>
+  </dgm:styleLbl>
+  <dgm:styleLbl name="bgSibTrans2D1">
+    <dgm:fillClrLst meth="repeat">
+      <a:schemeClr val="accent2"/>
+      <a:schemeClr val="accent3"/>
+      <a:schemeClr val="accent4"/>
+      <a:schemeClr val="accent5"/>
+      <a:schemeClr val="accent6"/>
+    </dgm:fillClrLst>
+    <dgm:linClrLst meth="cycle">
+      <a:schemeClr val="lt1"/>
+    </dgm:linClrLst>
+    <dgm:effectClrLst/>
+    <dgm:txLinClrLst/>
+    <dgm:txFillClrLst meth="repeat">
+      <a:schemeClr val="lt1"/>
+    </dgm:txFillClrLst>
+    <dgm:txEffectClrLst/>
+  </dgm:styleLbl>
+  <dgm:styleLbl name="sibTrans1D1">
+    <dgm:fillClrLst meth="repeat">
+      <a:schemeClr val="accent2"/>
+      <a:schemeClr val="accent3"/>
+      <a:schemeClr val="accent4"/>
+      <a:schemeClr val="accent5"/>
+      <a:schemeClr val="accent6"/>
+    </dgm:fillClrLst>
+    <dgm:linClrLst meth="repeat">
+      <a:schemeClr val="accent2"/>
+      <a:schemeClr val="accent3"/>
+      <a:schemeClr val="accent4"/>
+      <a:schemeClr val="accent5"/>
+      <a:schemeClr val="accent6"/>
+    </dgm:linClrLst>
+    <dgm:effectClrLst/>
+    <dgm:txLinClrLst/>
+    <dgm:txFillClrLst meth="repeat">
+      <a:schemeClr val="tx1"/>
+    </dgm:txFillClrLst>
+    <dgm:txEffectClrLst/>
+  </dgm:styleLbl>
+  <dgm:styleLbl name="callout">
+    <dgm:fillClrLst meth="repeat">
+      <a:schemeClr val="accent2"/>
+    </dgm:fillClrLst>
+    <dgm:linClrLst meth="repeat">
+      <a:schemeClr val="accent2">
+        <a:tint val="50000"/>
+      </a:schemeClr>
+    </dgm:linClrLst>
+    <dgm:effectClrLst/>
+    <dgm:txLinClrLst/>
+    <dgm:txFillClrLst meth="repeat">
+      <a:schemeClr val="tx1"/>
+    </dgm:txFillClrLst>
+    <dgm:txEffectClrLst/>
+  </dgm:styleLbl>
+  <dgm:styleLbl name="asst0">
+    <dgm:fillClrLst meth="repeat">
+      <a:schemeClr val="accent1"/>
+    </dgm:fillClrLst>
+    <dgm:linClrLst meth="repeat">
+      <a:schemeClr val="lt1"/>
+    </dgm:linClrLst>
+    <dgm:effectClrLst/>
+    <dgm:txLinClrLst/>
+    <dgm:txFillClrLst/>
+    <dgm:txEffectClrLst/>
+  </dgm:styleLbl>
+  <dgm:styleLbl name="asst1">
+    <dgm:fillClrLst meth="repeat">
+      <a:schemeClr val="accent2"/>
+    </dgm:fillClrLst>
+    <dgm:linClrLst meth="repeat">
+      <a:schemeClr val="lt1"/>
+    </dgm:linClrLst>
+    <dgm:effectClrLst/>
+    <dgm:txLinClrLst/>
+    <dgm:txFillClrLst/>
+    <dgm:txEffectClrLst/>
+  </dgm:styleLbl>
+  <dgm:styleLbl name="asst2">
+    <dgm:fillClrLst>
+      <a:schemeClr val="accent3"/>
+    </dgm:fillClrLst>
+    <dgm:linClrLst meth="repeat">
+      <a:schemeClr val="lt1"/>
+    </dgm:linClrLst>
+    <dgm:effectClrLst/>
+    <dgm:txLinClrLst/>
+    <dgm:txFillClrLst/>
+    <dgm:txEffectClrLst/>
+  </dgm:styleLbl>
+  <dgm:styleLbl name="asst3">
+    <dgm:fillClrLst>
+      <a:schemeClr val="accent4"/>
+    </dgm:fillClrLst>
+    <dgm:linClrLst meth="repeat">
+      <a:schemeClr val="lt1"/>
+    </dgm:linClrLst>
+    <dgm:effectClrLst/>
+    <dgm:txLinClrLst/>
+    <dgm:txFillClrLst/>
+    <dgm:txEffectClrLst/>
+  </dgm:styleLbl>
+  <dgm:styleLbl name="asst4">
+    <dgm:fillClrLst>
+      <a:schemeClr val="accent5"/>
+    </dgm:fillClrLst>
+    <dgm:linClrLst meth="repeat">
+      <a:schemeClr val="lt1"/>
+    </dgm:linClrLst>
+    <dgm:effectClrLst/>
+    <dgm:txLinClrLst/>
+    <dgm:txFillClrLst/>
+    <dgm:txEffectClrLst/>
+  </dgm:styleLbl>
+  <dgm:styleLbl name="parChTrans2D1">
+    <dgm:fillClrLst meth="repeat">
+      <a:schemeClr val="accent2"/>
+    </dgm:fillClrLst>
+    <dgm:linClrLst meth="repeat">
+      <a:schemeClr val="lt1"/>
+    </dgm:linClrLst>
+    <dgm:effectClrLst/>
+    <dgm:txLinClrLst/>
+    <dgm:txFillClrLst meth="repeat">
+      <a:schemeClr val="lt1"/>
+    </dgm:txFillClrLst>
+    <dgm:txEffectClrLst/>
+  </dgm:styleLbl>
+  <dgm:styleLbl name="parChTrans2D2">
+    <dgm:fillClrLst meth="repeat">
+      <a:schemeClr val="accent3"/>
+    </dgm:fillClrLst>
+    <dgm:linClrLst meth="repeat">
+      <a:schemeClr val="lt1"/>
+    </dgm:linClrLst>
+    <dgm:effectClrLst/>
+    <dgm:txLinClrLst/>
+    <dgm:txFillClrLst/>
+    <dgm:txEffectClrLst/>
+  </dgm:styleLbl>
+  <dgm:styleLbl name="parChTrans2D3">
+    <dgm:fillClrLst meth="repeat">
+      <a:schemeClr val="accent4"/>
+    </dgm:fillClrLst>
+    <dgm:linClrLst meth="repeat">
+      <a:schemeClr val="lt1"/>
+    </dgm:linClrLst>
+    <dgm:effectClrLst/>
+    <dgm:txLinClrLst/>
+    <dgm:txFillClrLst/>
+    <dgm:txEffectClrLst/>
+  </dgm:styleLbl>
+  <dgm:styleLbl name="parChTrans2D4">
+    <dgm:fillClrLst meth="repeat">
+      <a:schemeClr val="accent5"/>
+    </dgm:fillClrLst>
+    <dgm:linClrLst meth="repeat">
+      <a:schemeClr val="lt1"/>
+    </dgm:linClrLst>
+    <dgm:effectClrLst/>
+    <dgm:txLinClrLst/>
+    <dgm:txFillClrLst meth="repeat">
+      <a:schemeClr val="lt1"/>
+    </dgm:txFillClrLst>
+    <dgm:txEffectClrLst/>
+  </dgm:styleLbl>
+  <dgm:styleLbl name="parChTrans1D1">
+    <dgm:fillClrLst meth="repeat">
+      <a:schemeClr val="accent2"/>
+    </dgm:fillClrLst>
+    <dgm:linClrLst meth="repeat">
+      <a:schemeClr val="accent1"/>
+    </dgm:linClrLst>
+    <dgm:effectClrLst/>
+    <dgm:txLinClrLst/>
+    <dgm:txFillClrLst meth="repeat">
+      <a:schemeClr val="tx1"/>
+    </dgm:txFillClrLst>
+    <dgm:txEffectClrLst/>
+  </dgm:styleLbl>
+  <dgm:styleLbl name="parChTrans1D2">
+    <dgm:fillClrLst meth="repeat">
+      <a:schemeClr val="accent3">
+        <a:tint val="90000"/>
+      </a:schemeClr>
+    </dgm:fillClrLst>
+    <dgm:linClrLst meth="repeat">
+      <a:schemeClr val="accent2"/>
+    </dgm:linClrLst>
+    <dgm:effectClrLst/>
+    <dgm:txLinClrLst/>
+    <dgm:txFillClrLst meth="repeat">
+      <a:schemeClr val="tx1"/>
+    </dgm:txFillClrLst>
+    <dgm:txEffectClrLst/>
+  </dgm:styleLbl>
+  <dgm:styleLbl name="parChTrans1D3">
+    <dgm:fillClrLst meth="repeat">
+      <a:schemeClr val="accent4">
+        <a:tint val="70000"/>
+      </a:schemeClr>
+    </dgm:fillClrLst>
+    <dgm:linClrLst meth="repeat">
+      <a:schemeClr val="accent3"/>
+    </dgm:linClrLst>
+    <dgm:effectClrLst/>
+    <dgm:txLinClrLst/>
+    <dgm:txFillClrLst meth="repeat">
+      <a:schemeClr val="tx1"/>
+    </dgm:txFillClrLst>
+    <dgm:txEffectClrLst/>
+  </dgm:styleLbl>
+  <dgm:styleLbl name="parChTrans1D4">
+    <dgm:fillClrLst meth="repeat">
+      <a:schemeClr val="accent5">
+        <a:tint val="50000"/>
+      </a:schemeClr>
+    </dgm:fillClrLst>
+    <dgm:linClrLst meth="repeat">
+      <a:schemeClr val="accent4"/>
+    </dgm:linClrLst>
+    <dgm:effectClrLst/>
+    <dgm:txLinClrLst/>
+    <dgm:txFillClrLst meth="repeat">
+      <a:schemeClr val="tx1"/>
+    </dgm:txFillClrLst>
+    <dgm:txEffectClrLst/>
+  </dgm:styleLbl>
+  <dgm:styleLbl name="fgAcc1">
+    <dgm:fillClrLst meth="repeat">
+      <a:schemeClr val="lt1">
+        <a:alpha val="90000"/>
+      </a:schemeClr>
+    </dgm:fillClrLst>
+    <dgm:linClrLst meth="repeat">
+      <a:schemeClr val="accent2"/>
+      <a:schemeClr val="accent3"/>
+      <a:schemeClr val="accent4"/>
+      <a:schemeClr val="accent5"/>
+      <a:schemeClr val="accent6"/>
+    </dgm:linClrLst>
+    <dgm:effectClrLst/>
+    <dgm:txLinClrLst/>
+    <dgm:txFillClrLst meth="repeat">
+      <a:schemeClr val="dk1"/>
+    </dgm:txFillClrLst>
+    <dgm:txEffectClrLst/>
+  </dgm:styleLbl>
+  <dgm:styleLbl name="conFgAcc1">
+    <dgm:fillClrLst meth="repeat">
+      <a:schemeClr val="lt1">
+        <a:alpha val="90000"/>
+      </a:schemeClr>
+    </dgm:fillClrLst>
+    <dgm:linClrLst meth="repeat">
+      <a:schemeClr val="accent2"/>
+      <a:schemeClr val="accent3"/>
+      <a:schemeClr val="accent4"/>
+      <a:schemeClr val="accent5"/>
+      <a:schemeClr val="accent6"/>
+    </dgm:linClrLst>
+    <dgm:effectClrLst/>
+    <dgm:txLinClrLst/>
+    <dgm:txFillClrLst meth="repeat">
+      <a:schemeClr val="dk1"/>
+    </dgm:txFillClrLst>
+    <dgm:txEffectClrLst/>
+  </dgm:styleLbl>
+  <dgm:styleLbl name="alignAcc1">
+    <dgm:fillClrLst meth="repeat">
+      <a:schemeClr val="lt1">
+        <a:alpha val="90000"/>
+      </a:schemeClr>
+    </dgm:fillClrLst>
+    <dgm:linClrLst meth="repeat">
+      <a:schemeClr val="accent2"/>
+      <a:schemeClr val="accent3"/>
+      <a:schemeClr val="accent4"/>
+      <a:schemeClr val="accent5"/>
+      <a:schemeClr val="accent6"/>
+    </dgm:linClrLst>
+    <dgm:effectClrLst/>
+    <dgm:txLinClrLst/>
+    <dgm:txFillClrLst meth="repeat">
+      <a:schemeClr val="dk1"/>
+    </dgm:txFillClrLst>
+    <dgm:txEffectClrLst/>
+  </dgm:styleLbl>
+  <dgm:styleLbl name="trAlignAcc1">
+    <dgm:fillClrLst meth="repeat">
+      <a:schemeClr val="lt1">
+        <a:alpha val="40000"/>
+      </a:schemeClr>
+    </dgm:fillClrLst>
+    <dgm:linClrLst meth="repeat">
+      <a:schemeClr val="accent1"/>
+    </dgm:linClrLst>
+    <dgm:effectClrLst/>
+    <dgm:txLinClrLst/>
+    <dgm:txFillClrLst meth="repeat">
+      <a:schemeClr val="dk1"/>
+    </dgm:txFillClrLst>
+    <dgm:txEffectClrLst/>
+  </dgm:styleLbl>
+  <dgm:styleLbl name="bgAcc1">
+    <dgm:fillClrLst meth="repeat">
+      <a:schemeClr val="lt1">
+        <a:alpha val="90000"/>
+      </a:schemeClr>
+    </dgm:fillClrLst>
+    <dgm:linClrLst meth="repeat">
+      <a:schemeClr val="accent2"/>
+      <a:schemeClr val="accent3"/>
+      <a:schemeClr val="accent4"/>
+      <a:schemeClr val="accent5"/>
+      <a:schemeClr val="accent6"/>
+    </dgm:linClrLst>
+    <dgm:effectClrLst/>
+    <dgm:txLinClrLst/>
+    <dgm:txFillClrLst meth="repeat">
+      <a:schemeClr val="dk1"/>
+    </dgm:txFillClrLst>
+    <dgm:txEffectClrLst/>
+  </dgm:styleLbl>
+  <dgm:styleLbl name="solidFgAcc1">
+    <dgm:fillClrLst meth="repeat">
+      <a:schemeClr val="lt1"/>
+    </dgm:fillClrLst>
+    <dgm:linClrLst meth="repeat">
+      <a:schemeClr val="accent2"/>
+      <a:schemeClr val="accent3"/>
+      <a:schemeClr val="accent4"/>
+      <a:schemeClr val="accent5"/>
+      <a:schemeClr val="accent6"/>
+    </dgm:linClrLst>
+    <dgm:effectClrLst/>
+    <dgm:txLinClrLst/>
+    <dgm:txFillClrLst meth="repeat">
+      <a:schemeClr val="dk1"/>
+    </dgm:txFillClrLst>
+    <dgm:txEffectClrLst/>
+  </dgm:styleLbl>
+  <dgm:styleLbl name="solidAlignAcc1">
+    <dgm:fillClrLst meth="repeat">
+      <a:schemeClr val="lt1"/>
+    </dgm:fillClrLst>
+    <dgm:linClrLst meth="repeat">
+      <a:schemeClr val="accent2"/>
+      <a:schemeClr val="accent3"/>
+      <a:schemeClr val="accent4"/>
+      <a:schemeClr val="accent5"/>
+      <a:schemeClr val="accent6"/>
+    </dgm:linClrLst>
+    <dgm:effectClrLst/>
+    <dgm:txLinClrLst/>
+    <dgm:txFillClrLst meth="repeat">
+      <a:schemeClr val="dk1"/>
+    </dgm:txFillClrLst>
+    <dgm:txEffectClrLst/>
+  </dgm:styleLbl>
+  <dgm:styleLbl name="solidBgAcc1">
+    <dgm:fillClrLst meth="repeat">
+      <a:schemeClr val="lt1"/>
+    </dgm:fillClrLst>
+    <dgm:linClrLst meth="repeat">
+      <a:schemeClr val="accent2"/>
+      <a:schemeClr val="accent3"/>
+      <a:schemeClr val="accent4"/>
+      <a:schemeClr val="accent5"/>
+      <a:schemeClr val="accent6"/>
+    </dgm:linClrLst>
+    <dgm:effectClrLst/>
+    <dgm:txLinClrLst/>
+    <dgm:txFillClrLst meth="repeat">
+      <a:schemeClr val="dk1"/>
+    </dgm:txFillClrLst>
+    <dgm:txEffectClrLst/>
+  </dgm:styleLbl>
+  <dgm:styleLbl name="fgAccFollowNode1">
+    <dgm:fillClrLst meth="repeat">
+      <a:schemeClr val="accent2">
+        <a:tint val="40000"/>
+        <a:alpha val="90000"/>
+      </a:schemeClr>
+      <a:schemeClr val="accent3">
+        <a:tint val="40000"/>
+        <a:alpha val="90000"/>
+      </a:schemeClr>
+      <a:schemeClr val="accent4">
+        <a:tint val="40000"/>
+        <a:alpha val="90000"/>
+      </a:schemeClr>
+      <a:schemeClr val="accent5">
+        <a:tint val="40000"/>
+        <a:alpha val="90000"/>
+      </a:schemeClr>
+      <a:schemeClr val="accent6">
+        <a:tint val="40000"/>
+        <a:alpha val="90000"/>
+      </a:schemeClr>
+    </dgm:fillClrLst>
+    <dgm:linClrLst meth="repeat">
+      <a:schemeClr val="accent2">
+        <a:tint val="40000"/>
+        <a:alpha val="90000"/>
+      </a:schemeClr>
+      <a:schemeClr val="accent3">
+        <a:tint val="40000"/>
+        <a:alpha val="90000"/>
+      </a:schemeClr>
+      <a:schemeClr val="accent4">
+        <a:tint val="40000"/>
+        <a:alpha val="90000"/>
+      </a:schemeClr>
+      <a:schemeClr val="accent5">
+        <a:tint val="40000"/>
+        <a:alpha val="90000"/>
+      </a:schemeClr>
+      <a:schemeClr val="accent6">
+        <a:tint val="40000"/>
+        <a:alpha val="90000"/>
+      </a:schemeClr>
+    </dgm:linClrLst>
+    <dgm:effectClrLst/>
+    <dgm:txLinClrLst/>
+    <dgm:txFillClrLst meth="repeat">
+      <a:schemeClr val="dk1"/>
+    </dgm:txFillClrLst>
+    <dgm:txEffectClrLst/>
+  </dgm:styleLbl>
+  <dgm:styleLbl name="alignAccFollowNode1">
+    <dgm:fillClrLst meth="repeat">
+      <a:schemeClr val="accent2">
+        <a:tint val="40000"/>
+        <a:alpha val="90000"/>
+      </a:schemeClr>
+      <a:schemeClr val="accent3">
+        <a:tint val="40000"/>
+        <a:alpha val="90000"/>
+      </a:schemeClr>
+      <a:schemeClr val="accent4">
+        <a:tint val="40000"/>
+        <a:alpha val="90000"/>
+      </a:schemeClr>
+      <a:schemeClr val="accent5">
+        <a:tint val="40000"/>
+        <a:alpha val="90000"/>
+      </a:schemeClr>
+      <a:schemeClr val="accent6">
+        <a:tint val="40000"/>
+        <a:alpha val="90000"/>
+      </a:schemeClr>
+    </dgm:fillClrLst>
+    <dgm:linClrLst meth="repeat">
+      <a:schemeClr val="accent2">
+        <a:tint val="40000"/>
+        <a:alpha val="90000"/>
+      </a:schemeClr>
+      <a:schemeClr val="accent3">
+        <a:tint val="40000"/>
+        <a:alpha val="90000"/>
+      </a:schemeClr>
+      <a:schemeClr val="accent4">
+        <a:tint val="40000"/>
+        <a:alpha val="90000"/>
+      </a:schemeClr>
+      <a:schemeClr val="accent5">
+        <a:tint val="40000"/>
+        <a:alpha val="90000"/>
+      </a:schemeClr>
+      <a:schemeClr val="accent6">
+        <a:tint val="40000"/>
+        <a:alpha val="90000"/>
+      </a:schemeClr>
+    </dgm:linClrLst>
+    <dgm:effectClrLst/>
+    <dgm:txLinClrLst/>
+    <dgm:txFillClrLst meth="repeat">
+      <a:schemeClr val="dk1"/>
+    </dgm:txFillClrLst>
+    <dgm:txEffectClrLst/>
+  </dgm:styleLbl>
+  <dgm:styleLbl name="bgAccFollowNode1">
+    <dgm:fillClrLst meth="repeat">
+      <a:schemeClr val="accent2">
+        <a:tint val="40000"/>
+        <a:alpha val="90000"/>
+      </a:schemeClr>
+      <a:schemeClr val="accent3">
+        <a:tint val="40000"/>
+        <a:alpha val="90000"/>
+      </a:schemeClr>
+      <a:schemeClr val="accent4">
+        <a:tint val="40000"/>
+        <a:alpha val="90000"/>
+      </a:schemeClr>
+      <a:schemeClr val="accent5">
+        <a:tint val="40000"/>
+        <a:alpha val="90000"/>
+      </a:schemeClr>
+      <a:schemeClr val="accent6">
+        <a:tint val="40000"/>
+        <a:alpha val="90000"/>
+      </a:schemeClr>
+    </dgm:fillClrLst>
+    <dgm:linClrLst meth="repeat">
+      <a:schemeClr val="accent2">
+        <a:tint val="40000"/>
+        <a:alpha val="90000"/>
+      </a:schemeClr>
+      <a:schemeClr val="accent3">
+        <a:tint val="40000"/>
+        <a:alpha val="90000"/>
+      </a:schemeClr>
+      <a:schemeClr val="accent4">
+        <a:tint val="40000"/>
+        <a:alpha val="90000"/>
+      </a:schemeClr>
+      <a:schemeClr val="accent5">
+        <a:tint val="40000"/>
+        <a:alpha val="90000"/>
+      </a:schemeClr>
+      <a:schemeClr val="accent6">
+        <a:tint val="40000"/>
+        <a:alpha val="90000"/>
+      </a:schemeClr>
+    </dgm:linClrLst>
+    <dgm:effectClrLst/>
+    <dgm:txLinClrLst/>
+    <dgm:txFillClrLst meth="repeat">
+      <a:schemeClr val="dk1"/>
+    </dgm:txFillClrLst>
+    <dgm:txEffectClrLst/>
+  </dgm:styleLbl>
+  <dgm:styleLbl name="fgAcc0">
+    <dgm:fillClrLst meth="repeat">
+      <a:schemeClr val="lt1">
+        <a:alpha val="90000"/>
+      </a:schemeClr>
+    </dgm:fillClrLst>
+    <dgm:linClrLst>
+      <a:schemeClr val="accent1"/>
+    </dgm:linClrLst>
+    <dgm:effectClrLst/>
+    <dgm:txLinClrLst/>
+    <dgm:txFillClrLst meth="repeat">
+      <a:schemeClr val="dk1"/>
+    </dgm:txFillClrLst>
+    <dgm:txEffectClrLst/>
+  </dgm:styleLbl>
+  <dgm:styleLbl name="fgAcc2">
+    <dgm:fillClrLst meth="repeat">
+      <a:schemeClr val="lt1">
+        <a:alpha val="90000"/>
+      </a:schemeClr>
+    </dgm:fillClrLst>
+    <dgm:linClrLst>
+      <a:schemeClr val="accent2"/>
+    </dgm:linClrLst>
+    <dgm:effectClrLst/>
+    <dgm:txLinClrLst/>
+    <dgm:txFillClrLst meth="repeat">
+      <a:schemeClr val="dk1"/>
+    </dgm:txFillClrLst>
+    <dgm:txEffectClrLst/>
+  </dgm:styleLbl>
+  <dgm:styleLbl name="fgAcc3">
+    <dgm:fillClrLst meth="repeat">
+      <a:schemeClr val="lt1">
+        <a:alpha val="90000"/>
+      </a:schemeClr>
+    </dgm:fillClrLst>
+    <dgm:linClrLst>
+      <a:schemeClr val="accent3"/>
+    </dgm:linClrLst>
+    <dgm:effectClrLst/>
+    <dgm:txLinClrLst/>
+    <dgm:txFillClrLst meth="repeat">
+      <a:schemeClr val="dk1"/>
+    </dgm:txFillClrLst>
+    <dgm:txEffectClrLst/>
+  </dgm:styleLbl>
+  <dgm:styleLbl name="fgAcc4">
+    <dgm:fillClrLst meth="repeat">
+      <a:schemeClr val="lt1">
+        <a:alpha val="90000"/>
+      </a:schemeClr>
+    </dgm:fillClrLst>
+    <dgm:linClrLst>
+      <a:schemeClr val="accent4"/>
+    </dgm:linClrLst>
+    <dgm:effectClrLst/>
+    <dgm:txLinClrLst/>
+    <dgm:txFillClrLst meth="repeat">
+      <a:schemeClr val="dk1"/>
+    </dgm:txFillClrLst>
+    <dgm:txEffectClrLst/>
+  </dgm:styleLbl>
+  <dgm:styleLbl name="bgShp">
+    <dgm:fillClrLst meth="repeat">
+      <a:schemeClr val="accent2"/>
+      <a:schemeClr val="accent3"/>
+      <a:schemeClr val="accent4"/>
+      <a:schemeClr val="accent5"/>
+      <a:schemeClr val="accent6"/>
+    </dgm:fillClrLst>
+    <dgm:linClrLst meth="repeat">
+      <a:schemeClr val="lt1">
+        <a:alpha val="0"/>
+      </a:schemeClr>
+    </dgm:linClrLst>
+    <dgm:effectClrLst/>
+    <dgm:txLinClrLst/>
+    <dgm:txFillClrLst/>
+    <dgm:txEffectClrLst/>
+  </dgm:styleLbl>
+  <dgm:styleLbl name="dkBgShp">
+    <dgm:fillClrLst meth="repeat">
+      <a:schemeClr val="accent2">
+        <a:shade val="90000"/>
+      </a:schemeClr>
+    </dgm:fillClrLst>
+    <dgm:linClrLst meth="repeat">
+      <a:schemeClr val="dk1"/>
+    </dgm:linClrLst>
+    <dgm:effectClrLst/>
+    <dgm:txLinClrLst/>
+    <dgm:txFillClrLst meth="repeat">
+      <a:schemeClr val="lt1"/>
+    </dgm:txFillClrLst>
+    <dgm:txEffectClrLst/>
+  </dgm:styleLbl>
+  <dgm:styleLbl name="trBgShp">
+    <dgm:fillClrLst meth="repeat">
+      <a:schemeClr val="accent1">
+        <a:tint val="50000"/>
+        <a:alpha val="40000"/>
+      </a:schemeClr>
+    </dgm:fillClrLst>
+    <dgm:linClrLst meth="repeat">
+      <a:schemeClr val="accent2"/>
+    </dgm:linClrLst>
+    <dgm:effectClrLst/>
+    <dgm:txLinClrLst/>
+    <dgm:txFillClrLst meth="repeat">
+      <a:schemeClr val="lt1"/>
+    </dgm:txFillClrLst>
+    <dgm:txEffectClrLst/>
+  </dgm:styleLbl>
+  <dgm:styleLbl name="fgShp">
+    <dgm:fillClrLst meth="repeat">
+      <a:schemeClr val="accent2">
+        <a:tint val="40000"/>
+      </a:schemeClr>
+    </dgm:fillClrLst>
+    <dgm:linClrLst meth="repeat">
+      <a:schemeClr val="lt1"/>
+    </dgm:linClrLst>
+    <dgm:effectClrLst/>
+    <dgm:txLinClrLst/>
+    <dgm:txFillClrLst meth="repeat">
+      <a:schemeClr val="dk1"/>
+    </dgm:txFillClrLst>
+    <dgm:txEffectClrLst/>
+  </dgm:styleLbl>
+  <dgm:styleLbl name="revTx">
+    <dgm:fillClrLst meth="repeat">
+      <a:schemeClr val="lt1">
+        <a:alpha val="0"/>
+      </a:schemeClr>
+    </dgm:fillClrLst>
+    <dgm:linClrLst meth="repeat">
+      <a:schemeClr val="dk1">
+        <a:alpha val="0"/>
+      </a:schemeClr>
+    </dgm:linClrLst>
+    <dgm:effectClrLst/>
+    <dgm:txLinClrLst/>
+    <dgm:txFillClrLst meth="repeat">
+      <a:schemeClr val="tx1"/>
+    </dgm:txFillClrLst>
+    <dgm:txEffectClrLst/>
+  </dgm:styleLbl>
+</dgm:colorsDef>
+</file>
+
+<file path=ppt/diagrams/data1.xml><?xml version="1.0" encoding="utf-8"?>
+<dgm:dataModel xmlns:dgm="http://schemas.openxmlformats.org/drawingml/2006/diagram" xmlns:a="http://schemas.openxmlformats.org/drawingml/2006/main">
+  <dgm:ptLst>
+    <dgm:pt modelId="{12BBEF41-E8F8-4A9E-8A9B-D56498F3B4D7}" type="doc">
+      <dgm:prSet loTypeId="urn:microsoft.com/office/officeart/2018/5/layout/IconLeafLabelList" loCatId="icon" qsTypeId="urn:microsoft.com/office/officeart/2005/8/quickstyle/simple1" qsCatId="simple" csTypeId="urn:microsoft.com/office/officeart/2018/5/colors/Iconchunking_neutralicon_colorful1" csCatId="colorful" phldr="1"/>
+      <dgm:spPr/>
+      <dgm:t>
+        <a:bodyPr/>
+        <a:lstStyle/>
+        <a:p>
+          <a:endParaRPr lang="en-US"/>
+        </a:p>
+      </dgm:t>
+    </dgm:pt>
+    <dgm:pt modelId="{4B39B46A-9232-433E-94C8-D3CDA171861F}">
+      <dgm:prSet/>
+      <dgm:spPr/>
+      <dgm:t>
+        <a:bodyPr/>
+        <a:lstStyle/>
+        <a:p>
+          <a:pPr>
+            <a:lnSpc>
+              <a:spcPct val="100000"/>
+            </a:lnSpc>
+            <a:defRPr cap="all"/>
+          </a:pPr>
+          <a:r>
+            <a:rPr lang="da-DK"/>
+            <a:t>Custom Elements</a:t>
+          </a:r>
+          <a:endParaRPr lang="en-US"/>
+        </a:p>
+      </dgm:t>
+    </dgm:pt>
+    <dgm:pt modelId="{560EDD67-53A1-420B-8660-B6D5F370E3FA}" type="parTrans" cxnId="{BA899003-0663-430E-995F-8AD31DF82FC1}">
+      <dgm:prSet/>
+      <dgm:spPr/>
+      <dgm:t>
+        <a:bodyPr/>
+        <a:lstStyle/>
+        <a:p>
+          <a:endParaRPr lang="en-US"/>
+        </a:p>
+      </dgm:t>
+    </dgm:pt>
+    <dgm:pt modelId="{D95D208F-C303-4FF9-84AA-6572B2B871D8}" type="sibTrans" cxnId="{BA899003-0663-430E-995F-8AD31DF82FC1}">
+      <dgm:prSet/>
+      <dgm:spPr/>
+      <dgm:t>
+        <a:bodyPr/>
+        <a:lstStyle/>
+        <a:p>
+          <a:endParaRPr lang="en-US"/>
+        </a:p>
+      </dgm:t>
+    </dgm:pt>
+    <dgm:pt modelId="{1067B352-79F5-40E6-AEFD-73E2E953BA0C}">
+      <dgm:prSet/>
+      <dgm:spPr/>
+      <dgm:t>
+        <a:bodyPr/>
+        <a:lstStyle/>
+        <a:p>
+          <a:pPr>
+            <a:lnSpc>
+              <a:spcPct val="100000"/>
+            </a:lnSpc>
+            <a:defRPr cap="all"/>
+          </a:pPr>
+          <a:r>
+            <a:rPr lang="da-DK"/>
+            <a:t>HTML Template</a:t>
+          </a:r>
+          <a:endParaRPr lang="en-US"/>
+        </a:p>
+      </dgm:t>
+    </dgm:pt>
+    <dgm:pt modelId="{339D1936-88BC-4310-B64C-8868A3ECE669}" type="parTrans" cxnId="{1379F22A-FE68-4CFA-BC88-A1F0D6A57B9F}">
+      <dgm:prSet/>
+      <dgm:spPr/>
+      <dgm:t>
+        <a:bodyPr/>
+        <a:lstStyle/>
+        <a:p>
+          <a:endParaRPr lang="en-US"/>
+        </a:p>
+      </dgm:t>
+    </dgm:pt>
+    <dgm:pt modelId="{34A2131A-E800-49B3-B4A6-21AD29A8DCE2}" type="sibTrans" cxnId="{1379F22A-FE68-4CFA-BC88-A1F0D6A57B9F}">
+      <dgm:prSet/>
+      <dgm:spPr/>
+      <dgm:t>
+        <a:bodyPr/>
+        <a:lstStyle/>
+        <a:p>
+          <a:endParaRPr lang="en-US"/>
+        </a:p>
+      </dgm:t>
+    </dgm:pt>
+    <dgm:pt modelId="{B7A7128D-58E2-48F9-BC02-B3AFF367036D}">
+      <dgm:prSet/>
+      <dgm:spPr/>
+      <dgm:t>
+        <a:bodyPr/>
+        <a:lstStyle/>
+        <a:p>
+          <a:pPr>
+            <a:lnSpc>
+              <a:spcPct val="100000"/>
+            </a:lnSpc>
+            <a:defRPr cap="all"/>
+          </a:pPr>
+          <a:r>
+            <a:rPr lang="da-DK"/>
+            <a:t>Shadow Dom</a:t>
+          </a:r>
+          <a:endParaRPr lang="en-US"/>
+        </a:p>
+      </dgm:t>
+    </dgm:pt>
+    <dgm:pt modelId="{A0F11B80-4B6E-490C-A397-BCD92DB5EE71}" type="parTrans" cxnId="{A221E5DB-27B9-4085-B817-3A0AE3F36B83}">
+      <dgm:prSet/>
+      <dgm:spPr/>
+      <dgm:t>
+        <a:bodyPr/>
+        <a:lstStyle/>
+        <a:p>
+          <a:endParaRPr lang="en-US"/>
+        </a:p>
+      </dgm:t>
+    </dgm:pt>
+    <dgm:pt modelId="{238E1F94-605E-43E0-80C9-817417F5A545}" type="sibTrans" cxnId="{A221E5DB-27B9-4085-B817-3A0AE3F36B83}">
+      <dgm:prSet/>
+      <dgm:spPr/>
+      <dgm:t>
+        <a:bodyPr/>
+        <a:lstStyle/>
+        <a:p>
+          <a:endParaRPr lang="en-US"/>
+        </a:p>
+      </dgm:t>
+    </dgm:pt>
+    <dgm:pt modelId="{92AA3AB1-8305-4E13-8E5C-D57404C6A789}">
+      <dgm:prSet/>
+      <dgm:spPr/>
+      <dgm:t>
+        <a:bodyPr/>
+        <a:lstStyle/>
+        <a:p>
+          <a:pPr>
+            <a:lnSpc>
+              <a:spcPct val="100000"/>
+            </a:lnSpc>
+            <a:defRPr cap="all"/>
+          </a:pPr>
+          <a:r>
+            <a:rPr lang="da-DK"/>
+            <a:t>ES Modules</a:t>
+          </a:r>
+          <a:endParaRPr lang="en-US"/>
+        </a:p>
+      </dgm:t>
+    </dgm:pt>
+    <dgm:pt modelId="{6A125E83-4167-4BE0-BEEC-6D68B40F4C2F}" type="parTrans" cxnId="{6600C4D0-DAD5-47E6-B941-4FD9A5D15624}">
+      <dgm:prSet/>
+      <dgm:spPr/>
+      <dgm:t>
+        <a:bodyPr/>
+        <a:lstStyle/>
+        <a:p>
+          <a:endParaRPr lang="en-US"/>
+        </a:p>
+      </dgm:t>
+    </dgm:pt>
+    <dgm:pt modelId="{9D2A3766-720E-432A-A30C-67BA61DEC71C}" type="sibTrans" cxnId="{6600C4D0-DAD5-47E6-B941-4FD9A5D15624}">
+      <dgm:prSet/>
+      <dgm:spPr/>
+      <dgm:t>
+        <a:bodyPr/>
+        <a:lstStyle/>
+        <a:p>
+          <a:endParaRPr lang="en-US"/>
+        </a:p>
+      </dgm:t>
+    </dgm:pt>
+    <dgm:pt modelId="{DB2B3CC7-8726-4EAD-A145-98345F198874}" type="pres">
+      <dgm:prSet presAssocID="{12BBEF41-E8F8-4A9E-8A9B-D56498F3B4D7}" presName="root" presStyleCnt="0">
+        <dgm:presLayoutVars>
+          <dgm:dir/>
+          <dgm:resizeHandles val="exact"/>
+        </dgm:presLayoutVars>
+      </dgm:prSet>
+      <dgm:spPr/>
+    </dgm:pt>
+    <dgm:pt modelId="{313A4FF8-53A7-4AB4-9D19-7377ED2CDCC5}" type="pres">
+      <dgm:prSet presAssocID="{4B39B46A-9232-433E-94C8-D3CDA171861F}" presName="compNode" presStyleCnt="0"/>
+      <dgm:spPr/>
+    </dgm:pt>
+    <dgm:pt modelId="{41C49998-BC2A-4877-856C-990A46FD1826}" type="pres">
+      <dgm:prSet presAssocID="{4B39B46A-9232-433E-94C8-D3CDA171861F}" presName="iconBgRect" presStyleLbl="bgShp" presStyleIdx="0" presStyleCnt="4"/>
+      <dgm:spPr>
+        <a:prstGeom prst="round2DiagRect">
+          <a:avLst>
+            <a:gd name="adj1" fmla="val 29727"/>
+            <a:gd name="adj2" fmla="val 0"/>
+          </a:avLst>
+        </a:prstGeom>
+      </dgm:spPr>
+    </dgm:pt>
+    <dgm:pt modelId="{E7A79646-1C43-43B7-9B51-0B9F1FEE7E55}" type="pres">
+      <dgm:prSet presAssocID="{4B39B46A-9232-433E-94C8-D3CDA171861F}" presName="iconRect" presStyleLbl="node1" presStyleIdx="0" presStyleCnt="4"/>
+      <dgm:spPr>
+        <a:blipFill>
+          <a:blip xmlns:r="http://schemas.openxmlformats.org/officeDocument/2006/relationships" r:embed="rId1">
+            <a:extLst>
+              <a:ext uri="{28A0092B-C50C-407E-A947-70E740481C1C}">
+                <a14:useLocalDpi xmlns:a14="http://schemas.microsoft.com/office/drawing/2010/main" val="0"/>
+              </a:ext>
+              <a:ext uri="{96DAC541-7B7A-43D3-8B79-37D633B846F1}">
+                <asvg:svgBlip xmlns:asvg="http://schemas.microsoft.com/office/drawing/2016/SVG/main" r:embed="rId2"/>
+              </a:ext>
+            </a:extLst>
+          </a:blip>
+          <a:stretch>
+            <a:fillRect/>
+          </a:stretch>
+        </a:blipFill>
+        <a:ln>
+          <a:noFill/>
+        </a:ln>
+      </dgm:spPr>
+      <dgm:extLst>
+        <a:ext uri="{E40237B7-FDA0-4F09-8148-C483321AD2D9}">
+          <dgm14:cNvPr xmlns:dgm14="http://schemas.microsoft.com/office/drawing/2010/diagram" id="0" name="" descr="Malerrulle"/>
+        </a:ext>
+      </dgm:extLst>
+    </dgm:pt>
+    <dgm:pt modelId="{0E806D6C-3B60-4461-B164-5A485FC4AC2C}" type="pres">
+      <dgm:prSet presAssocID="{4B39B46A-9232-433E-94C8-D3CDA171861F}" presName="spaceRect" presStyleCnt="0"/>
+      <dgm:spPr/>
+    </dgm:pt>
+    <dgm:pt modelId="{0873E3D9-1E07-4462-A6B2-530FD203A22D}" type="pres">
+      <dgm:prSet presAssocID="{4B39B46A-9232-433E-94C8-D3CDA171861F}" presName="textRect" presStyleLbl="revTx" presStyleIdx="0" presStyleCnt="4">
+        <dgm:presLayoutVars>
+          <dgm:chMax val="1"/>
+          <dgm:chPref val="1"/>
+        </dgm:presLayoutVars>
+      </dgm:prSet>
+      <dgm:spPr/>
+    </dgm:pt>
+    <dgm:pt modelId="{6DF5DED3-E688-452B-A5AC-CDF981761951}" type="pres">
+      <dgm:prSet presAssocID="{D95D208F-C303-4FF9-84AA-6572B2B871D8}" presName="sibTrans" presStyleCnt="0"/>
+      <dgm:spPr/>
+    </dgm:pt>
+    <dgm:pt modelId="{AEDF0AE8-BFD9-426C-A1B5-9DF31202CCE0}" type="pres">
+      <dgm:prSet presAssocID="{1067B352-79F5-40E6-AEFD-73E2E953BA0C}" presName="compNode" presStyleCnt="0"/>
+      <dgm:spPr/>
+    </dgm:pt>
+    <dgm:pt modelId="{53C1109E-D448-427A-81CA-17576CE5984A}" type="pres">
+      <dgm:prSet presAssocID="{1067B352-79F5-40E6-AEFD-73E2E953BA0C}" presName="iconBgRect" presStyleLbl="bgShp" presStyleIdx="1" presStyleCnt="4"/>
+      <dgm:spPr>
+        <a:prstGeom prst="round2DiagRect">
+          <a:avLst>
+            <a:gd name="adj1" fmla="val 29727"/>
+            <a:gd name="adj2" fmla="val 0"/>
+          </a:avLst>
+        </a:prstGeom>
+      </dgm:spPr>
+    </dgm:pt>
+    <dgm:pt modelId="{0A0DAE17-CE8F-4230-85BA-4F4449FDA572}" type="pres">
+      <dgm:prSet presAssocID="{1067B352-79F5-40E6-AEFD-73E2E953BA0C}" presName="iconRect" presStyleLbl="node1" presStyleIdx="1" presStyleCnt="4"/>
+      <dgm:spPr>
+        <a:blipFill>
+          <a:blip xmlns:r="http://schemas.openxmlformats.org/officeDocument/2006/relationships" r:embed="rId3">
+            <a:extLst>
+              <a:ext uri="{28A0092B-C50C-407E-A947-70E740481C1C}">
+                <a14:useLocalDpi xmlns:a14="http://schemas.microsoft.com/office/drawing/2010/main" val="0"/>
+              </a:ext>
+              <a:ext uri="{96DAC541-7B7A-43D3-8B79-37D633B846F1}">
+                <asvg:svgBlip xmlns:asvg="http://schemas.microsoft.com/office/drawing/2016/SVG/main" r:embed="rId4"/>
+              </a:ext>
+            </a:extLst>
+          </a:blip>
+          <a:stretch>
+            <a:fillRect/>
+          </a:stretch>
+        </a:blipFill>
+        <a:ln>
+          <a:noFill/>
+        </a:ln>
+      </dgm:spPr>
+      <dgm:extLst>
+        <a:ext uri="{E40237B7-FDA0-4F09-8148-C483321AD2D9}">
+          <dgm14:cNvPr xmlns:dgm14="http://schemas.microsoft.com/office/drawing/2010/diagram" id="0" name="" descr="Skærm"/>
+        </a:ext>
+      </dgm:extLst>
+    </dgm:pt>
+    <dgm:pt modelId="{D165A7D3-8191-410A-981A-D8FEF2FCDD8D}" type="pres">
+      <dgm:prSet presAssocID="{1067B352-79F5-40E6-AEFD-73E2E953BA0C}" presName="spaceRect" presStyleCnt="0"/>
+      <dgm:spPr/>
+    </dgm:pt>
+    <dgm:pt modelId="{99C401D8-B748-4553-A511-F502B1F4108E}" type="pres">
+      <dgm:prSet presAssocID="{1067B352-79F5-40E6-AEFD-73E2E953BA0C}" presName="textRect" presStyleLbl="revTx" presStyleIdx="1" presStyleCnt="4">
+        <dgm:presLayoutVars>
+          <dgm:chMax val="1"/>
+          <dgm:chPref val="1"/>
+        </dgm:presLayoutVars>
+      </dgm:prSet>
+      <dgm:spPr/>
+    </dgm:pt>
+    <dgm:pt modelId="{CB78B977-3982-43F9-B6BF-19A0EE7FC154}" type="pres">
+      <dgm:prSet presAssocID="{34A2131A-E800-49B3-B4A6-21AD29A8DCE2}" presName="sibTrans" presStyleCnt="0"/>
+      <dgm:spPr/>
+    </dgm:pt>
+    <dgm:pt modelId="{F6EFD31E-7AB5-46AE-BD97-D0B8B0D94B46}" type="pres">
+      <dgm:prSet presAssocID="{B7A7128D-58E2-48F9-BC02-B3AFF367036D}" presName="compNode" presStyleCnt="0"/>
+      <dgm:spPr/>
+    </dgm:pt>
+    <dgm:pt modelId="{6F06BE49-BB88-4DD7-BF08-4384D746A295}" type="pres">
+      <dgm:prSet presAssocID="{B7A7128D-58E2-48F9-BC02-B3AFF367036D}" presName="iconBgRect" presStyleLbl="bgShp" presStyleIdx="2" presStyleCnt="4"/>
+      <dgm:spPr>
+        <a:prstGeom prst="round2DiagRect">
+          <a:avLst>
+            <a:gd name="adj1" fmla="val 29727"/>
+            <a:gd name="adj2" fmla="val 0"/>
+          </a:avLst>
+        </a:prstGeom>
+      </dgm:spPr>
+    </dgm:pt>
+    <dgm:pt modelId="{2904CD99-1572-4245-BDEA-A2898EC5252D}" type="pres">
+      <dgm:prSet presAssocID="{B7A7128D-58E2-48F9-BC02-B3AFF367036D}" presName="iconRect" presStyleLbl="node1" presStyleIdx="2" presStyleCnt="4"/>
+      <dgm:spPr>
+        <a:blipFill>
+          <a:blip xmlns:r="http://schemas.openxmlformats.org/officeDocument/2006/relationships" r:embed="rId5">
+            <a:extLst>
+              <a:ext uri="{28A0092B-C50C-407E-A947-70E740481C1C}">
+                <a14:useLocalDpi xmlns:a14="http://schemas.microsoft.com/office/drawing/2010/main" val="0"/>
+              </a:ext>
+              <a:ext uri="{96DAC541-7B7A-43D3-8B79-37D633B846F1}">
+                <asvg:svgBlip xmlns:asvg="http://schemas.microsoft.com/office/drawing/2016/SVG/main" r:embed="rId6"/>
+              </a:ext>
+            </a:extLst>
+          </a:blip>
+          <a:stretch>
+            <a:fillRect/>
+          </a:stretch>
+        </a:blipFill>
+        <a:ln>
+          <a:noFill/>
+        </a:ln>
+      </dgm:spPr>
+      <dgm:extLst>
+        <a:ext uri="{E40237B7-FDA0-4F09-8148-C483321AD2D9}">
+          <dgm14:cNvPr xmlns:dgm14="http://schemas.microsoft.com/office/drawing/2010/diagram" id="0" name="" descr="Hammer"/>
+        </a:ext>
+      </dgm:extLst>
+    </dgm:pt>
+    <dgm:pt modelId="{AFE16A33-2BAC-4ACE-8760-2727CA1A3C42}" type="pres">
+      <dgm:prSet presAssocID="{B7A7128D-58E2-48F9-BC02-B3AFF367036D}" presName="spaceRect" presStyleCnt="0"/>
+      <dgm:spPr/>
+    </dgm:pt>
+    <dgm:pt modelId="{A45F451A-CFCC-4687-B7EF-A0455ABBFBFE}" type="pres">
+      <dgm:prSet presAssocID="{B7A7128D-58E2-48F9-BC02-B3AFF367036D}" presName="textRect" presStyleLbl="revTx" presStyleIdx="2" presStyleCnt="4">
+        <dgm:presLayoutVars>
+          <dgm:chMax val="1"/>
+          <dgm:chPref val="1"/>
+        </dgm:presLayoutVars>
+      </dgm:prSet>
+      <dgm:spPr/>
+    </dgm:pt>
+    <dgm:pt modelId="{C5EDF027-2D76-47F1-82BE-FEBDBE6F2C71}" type="pres">
+      <dgm:prSet presAssocID="{238E1F94-605E-43E0-80C9-817417F5A545}" presName="sibTrans" presStyleCnt="0"/>
+      <dgm:spPr/>
+    </dgm:pt>
+    <dgm:pt modelId="{69BD399C-9257-4F80-8E97-47C335DE1EBC}" type="pres">
+      <dgm:prSet presAssocID="{92AA3AB1-8305-4E13-8E5C-D57404C6A789}" presName="compNode" presStyleCnt="0"/>
+      <dgm:spPr/>
+    </dgm:pt>
+    <dgm:pt modelId="{C6BFBD68-9378-4817-BEDD-CC901D7EE4E2}" type="pres">
+      <dgm:prSet presAssocID="{92AA3AB1-8305-4E13-8E5C-D57404C6A789}" presName="iconBgRect" presStyleLbl="bgShp" presStyleIdx="3" presStyleCnt="4"/>
+      <dgm:spPr>
+        <a:prstGeom prst="round2DiagRect">
+          <a:avLst>
+            <a:gd name="adj1" fmla="val 29727"/>
+            <a:gd name="adj2" fmla="val 0"/>
+          </a:avLst>
+        </a:prstGeom>
+      </dgm:spPr>
+    </dgm:pt>
+    <dgm:pt modelId="{119A3364-4714-472C-8CCC-565DAD5A462B}" type="pres">
+      <dgm:prSet presAssocID="{92AA3AB1-8305-4E13-8E5C-D57404C6A789}" presName="iconRect" presStyleLbl="node1" presStyleIdx="3" presStyleCnt="4"/>
+      <dgm:spPr>
+        <a:blipFill>
+          <a:blip xmlns:r="http://schemas.openxmlformats.org/officeDocument/2006/relationships" r:embed="rId7">
+            <a:extLst>
+              <a:ext uri="{28A0092B-C50C-407E-A947-70E740481C1C}">
+                <a14:useLocalDpi xmlns:a14="http://schemas.microsoft.com/office/drawing/2010/main" val="0"/>
+              </a:ext>
+              <a:ext uri="{96DAC541-7B7A-43D3-8B79-37D633B846F1}">
+                <asvg:svgBlip xmlns:asvg="http://schemas.microsoft.com/office/drawing/2016/SVG/main" r:embed="rId8"/>
+              </a:ext>
+            </a:extLst>
+          </a:blip>
+          <a:stretch>
+            <a:fillRect/>
+          </a:stretch>
+        </a:blipFill>
+        <a:ln>
+          <a:noFill/>
+        </a:ln>
+      </dgm:spPr>
+      <dgm:extLst>
+        <a:ext uri="{E40237B7-FDA0-4F09-8148-C483321AD2D9}">
+          <dgm14:cNvPr xmlns:dgm14="http://schemas.microsoft.com/office/drawing/2010/diagram" id="0" name="" descr="Solpaneler"/>
+        </a:ext>
+      </dgm:extLst>
+    </dgm:pt>
+    <dgm:pt modelId="{B25FE1EE-69D3-4DE1-A927-0DACB4C019D9}" type="pres">
+      <dgm:prSet presAssocID="{92AA3AB1-8305-4E13-8E5C-D57404C6A789}" presName="spaceRect" presStyleCnt="0"/>
+      <dgm:spPr/>
+    </dgm:pt>
+    <dgm:pt modelId="{0FA270A7-BED2-497F-BAB0-33BD68004BB0}" type="pres">
+      <dgm:prSet presAssocID="{92AA3AB1-8305-4E13-8E5C-D57404C6A789}" presName="textRect" presStyleLbl="revTx" presStyleIdx="3" presStyleCnt="4">
+        <dgm:presLayoutVars>
+          <dgm:chMax val="1"/>
+          <dgm:chPref val="1"/>
+        </dgm:presLayoutVars>
+      </dgm:prSet>
+      <dgm:spPr/>
+    </dgm:pt>
+  </dgm:ptLst>
+  <dgm:cxnLst>
+    <dgm:cxn modelId="{BA899003-0663-430E-995F-8AD31DF82FC1}" srcId="{12BBEF41-E8F8-4A9E-8A9B-D56498F3B4D7}" destId="{4B39B46A-9232-433E-94C8-D3CDA171861F}" srcOrd="0" destOrd="0" parTransId="{560EDD67-53A1-420B-8660-B6D5F370E3FA}" sibTransId="{D95D208F-C303-4FF9-84AA-6572B2B871D8}"/>
+    <dgm:cxn modelId="{1379F22A-FE68-4CFA-BC88-A1F0D6A57B9F}" srcId="{12BBEF41-E8F8-4A9E-8A9B-D56498F3B4D7}" destId="{1067B352-79F5-40E6-AEFD-73E2E953BA0C}" srcOrd="1" destOrd="0" parTransId="{339D1936-88BC-4310-B64C-8868A3ECE669}" sibTransId="{34A2131A-E800-49B3-B4A6-21AD29A8DCE2}"/>
+    <dgm:cxn modelId="{6E3B7060-970A-471B-BF86-33EAC142DA64}" type="presOf" srcId="{B7A7128D-58E2-48F9-BC02-B3AFF367036D}" destId="{A45F451A-CFCC-4687-B7EF-A0455ABBFBFE}" srcOrd="0" destOrd="0" presId="urn:microsoft.com/office/officeart/2018/5/layout/IconLeafLabelList"/>
+    <dgm:cxn modelId="{58370E59-486E-40CF-9B66-3CA46B27B4E5}" type="presOf" srcId="{92AA3AB1-8305-4E13-8E5C-D57404C6A789}" destId="{0FA270A7-BED2-497F-BAB0-33BD68004BB0}" srcOrd="0" destOrd="0" presId="urn:microsoft.com/office/officeart/2018/5/layout/IconLeafLabelList"/>
+    <dgm:cxn modelId="{1EDD8589-C833-4673-BACE-FF1FD10FE071}" type="presOf" srcId="{12BBEF41-E8F8-4A9E-8A9B-D56498F3B4D7}" destId="{DB2B3CC7-8726-4EAD-A145-98345F198874}" srcOrd="0" destOrd="0" presId="urn:microsoft.com/office/officeart/2018/5/layout/IconLeafLabelList"/>
+    <dgm:cxn modelId="{3A0DBEAB-F99A-4259-B184-5FD40C8A401B}" type="presOf" srcId="{4B39B46A-9232-433E-94C8-D3CDA171861F}" destId="{0873E3D9-1E07-4462-A6B2-530FD203A22D}" srcOrd="0" destOrd="0" presId="urn:microsoft.com/office/officeart/2018/5/layout/IconLeafLabelList"/>
+    <dgm:cxn modelId="{6600C4D0-DAD5-47E6-B941-4FD9A5D15624}" srcId="{12BBEF41-E8F8-4A9E-8A9B-D56498F3B4D7}" destId="{92AA3AB1-8305-4E13-8E5C-D57404C6A789}" srcOrd="3" destOrd="0" parTransId="{6A125E83-4167-4BE0-BEEC-6D68B40F4C2F}" sibTransId="{9D2A3766-720E-432A-A30C-67BA61DEC71C}"/>
+    <dgm:cxn modelId="{A221E5DB-27B9-4085-B817-3A0AE3F36B83}" srcId="{12BBEF41-E8F8-4A9E-8A9B-D56498F3B4D7}" destId="{B7A7128D-58E2-48F9-BC02-B3AFF367036D}" srcOrd="2" destOrd="0" parTransId="{A0F11B80-4B6E-490C-A397-BCD92DB5EE71}" sibTransId="{238E1F94-605E-43E0-80C9-817417F5A545}"/>
+    <dgm:cxn modelId="{5C91BBF9-FEE0-4D02-9058-D1D5B8A04BD8}" type="presOf" srcId="{1067B352-79F5-40E6-AEFD-73E2E953BA0C}" destId="{99C401D8-B748-4553-A511-F502B1F4108E}" srcOrd="0" destOrd="0" presId="urn:microsoft.com/office/officeart/2018/5/layout/IconLeafLabelList"/>
+    <dgm:cxn modelId="{CA797AAF-6D9C-4878-A686-21F0E8A44CAC}" type="presParOf" srcId="{DB2B3CC7-8726-4EAD-A145-98345F198874}" destId="{313A4FF8-53A7-4AB4-9D19-7377ED2CDCC5}" srcOrd="0" destOrd="0" presId="urn:microsoft.com/office/officeart/2018/5/layout/IconLeafLabelList"/>
+    <dgm:cxn modelId="{E6AA7497-8555-4B0D-A50D-2F3652E9DF27}" type="presParOf" srcId="{313A4FF8-53A7-4AB4-9D19-7377ED2CDCC5}" destId="{41C49998-BC2A-4877-856C-990A46FD1826}" srcOrd="0" destOrd="0" presId="urn:microsoft.com/office/officeart/2018/5/layout/IconLeafLabelList"/>
+    <dgm:cxn modelId="{7CD74223-A3D4-4A67-BC06-C01481BE6C42}" type="presParOf" srcId="{313A4FF8-53A7-4AB4-9D19-7377ED2CDCC5}" destId="{E7A79646-1C43-43B7-9B51-0B9F1FEE7E55}" srcOrd="1" destOrd="0" presId="urn:microsoft.com/office/officeart/2018/5/layout/IconLeafLabelList"/>
+    <dgm:cxn modelId="{78BA8B6B-8856-4AC2-B194-C7642DFC6774}" type="presParOf" srcId="{313A4FF8-53A7-4AB4-9D19-7377ED2CDCC5}" destId="{0E806D6C-3B60-4461-B164-5A485FC4AC2C}" srcOrd="2" destOrd="0" presId="urn:microsoft.com/office/officeart/2018/5/layout/IconLeafLabelList"/>
+    <dgm:cxn modelId="{5D644102-C0FD-4774-B059-6C183B334E9D}" type="presParOf" srcId="{313A4FF8-53A7-4AB4-9D19-7377ED2CDCC5}" destId="{0873E3D9-1E07-4462-A6B2-530FD203A22D}" srcOrd="3" destOrd="0" presId="urn:microsoft.com/office/officeart/2018/5/layout/IconLeafLabelList"/>
+    <dgm:cxn modelId="{6B6CC598-3919-4010-A8F4-FA5AB9D98034}" type="presParOf" srcId="{DB2B3CC7-8726-4EAD-A145-98345F198874}" destId="{6DF5DED3-E688-452B-A5AC-CDF981761951}" srcOrd="1" destOrd="0" presId="urn:microsoft.com/office/officeart/2018/5/layout/IconLeafLabelList"/>
+    <dgm:cxn modelId="{63F19F9A-17DA-42B6-BE6A-814ABF5E2376}" type="presParOf" srcId="{DB2B3CC7-8726-4EAD-A145-98345F198874}" destId="{AEDF0AE8-BFD9-426C-A1B5-9DF31202CCE0}" srcOrd="2" destOrd="0" presId="urn:microsoft.com/office/officeart/2018/5/layout/IconLeafLabelList"/>
+    <dgm:cxn modelId="{97A73B73-2C0A-43BC-AC0F-6D16BC5EE74D}" type="presParOf" srcId="{AEDF0AE8-BFD9-426C-A1B5-9DF31202CCE0}" destId="{53C1109E-D448-427A-81CA-17576CE5984A}" srcOrd="0" destOrd="0" presId="urn:microsoft.com/office/officeart/2018/5/layout/IconLeafLabelList"/>
+    <dgm:cxn modelId="{439DB704-83C5-4736-8CE2-FF4922E267BD}" type="presParOf" srcId="{AEDF0AE8-BFD9-426C-A1B5-9DF31202CCE0}" destId="{0A0DAE17-CE8F-4230-85BA-4F4449FDA572}" srcOrd="1" destOrd="0" presId="urn:microsoft.com/office/officeart/2018/5/layout/IconLeafLabelList"/>
+    <dgm:cxn modelId="{AA228563-C97E-4990-880B-1B44F5AC1817}" type="presParOf" srcId="{AEDF0AE8-BFD9-426C-A1B5-9DF31202CCE0}" destId="{D165A7D3-8191-410A-981A-D8FEF2FCDD8D}" srcOrd="2" destOrd="0" presId="urn:microsoft.com/office/officeart/2018/5/layout/IconLeafLabelList"/>
+    <dgm:cxn modelId="{55CF2DE4-A555-48C1-A0A1-7C5D5BE63F52}" type="presParOf" srcId="{AEDF0AE8-BFD9-426C-A1B5-9DF31202CCE0}" destId="{99C401D8-B748-4553-A511-F502B1F4108E}" srcOrd="3" destOrd="0" presId="urn:microsoft.com/office/officeart/2018/5/layout/IconLeafLabelList"/>
+    <dgm:cxn modelId="{EF86EC7E-1CEB-4EE8-83F5-147FB3AE867B}" type="presParOf" srcId="{DB2B3CC7-8726-4EAD-A145-98345F198874}" destId="{CB78B977-3982-43F9-B6BF-19A0EE7FC154}" srcOrd="3" destOrd="0" presId="urn:microsoft.com/office/officeart/2018/5/layout/IconLeafLabelList"/>
+    <dgm:cxn modelId="{801DB333-446F-4DD4-BAB8-832E060E4F83}" type="presParOf" srcId="{DB2B3CC7-8726-4EAD-A145-98345F198874}" destId="{F6EFD31E-7AB5-46AE-BD97-D0B8B0D94B46}" srcOrd="4" destOrd="0" presId="urn:microsoft.com/office/officeart/2018/5/layout/IconLeafLabelList"/>
+    <dgm:cxn modelId="{9D2AED65-E178-42FB-A468-E265CACA8BC2}" type="presParOf" srcId="{F6EFD31E-7AB5-46AE-BD97-D0B8B0D94B46}" destId="{6F06BE49-BB88-4DD7-BF08-4384D746A295}" srcOrd="0" destOrd="0" presId="urn:microsoft.com/office/officeart/2018/5/layout/IconLeafLabelList"/>
+    <dgm:cxn modelId="{BB7D6A7A-CD79-4E76-B9F7-8A3C4545427E}" type="presParOf" srcId="{F6EFD31E-7AB5-46AE-BD97-D0B8B0D94B46}" destId="{2904CD99-1572-4245-BDEA-A2898EC5252D}" srcOrd="1" destOrd="0" presId="urn:microsoft.com/office/officeart/2018/5/layout/IconLeafLabelList"/>
+    <dgm:cxn modelId="{CE101E0B-8CD3-4167-856D-C9B014E445E0}" type="presParOf" srcId="{F6EFD31E-7AB5-46AE-BD97-D0B8B0D94B46}" destId="{AFE16A33-2BAC-4ACE-8760-2727CA1A3C42}" srcOrd="2" destOrd="0" presId="urn:microsoft.com/office/officeart/2018/5/layout/IconLeafLabelList"/>
+    <dgm:cxn modelId="{60549BB5-1DC8-4F22-9101-DE35C06C9F97}" type="presParOf" srcId="{F6EFD31E-7AB5-46AE-BD97-D0B8B0D94B46}" destId="{A45F451A-CFCC-4687-B7EF-A0455ABBFBFE}" srcOrd="3" destOrd="0" presId="urn:microsoft.com/office/officeart/2018/5/layout/IconLeafLabelList"/>
+    <dgm:cxn modelId="{8D409B6C-7C7B-41E2-B1AB-DD6609EDD885}" type="presParOf" srcId="{DB2B3CC7-8726-4EAD-A145-98345F198874}" destId="{C5EDF027-2D76-47F1-82BE-FEBDBE6F2C71}" srcOrd="5" destOrd="0" presId="urn:microsoft.com/office/officeart/2018/5/layout/IconLeafLabelList"/>
+    <dgm:cxn modelId="{15D3E81F-B8A2-4410-8409-4A07729D761B}" type="presParOf" srcId="{DB2B3CC7-8726-4EAD-A145-98345F198874}" destId="{69BD399C-9257-4F80-8E97-47C335DE1EBC}" srcOrd="6" destOrd="0" presId="urn:microsoft.com/office/officeart/2018/5/layout/IconLeafLabelList"/>
+    <dgm:cxn modelId="{2429256C-285A-4690-98C9-2E7348171558}" type="presParOf" srcId="{69BD399C-9257-4F80-8E97-47C335DE1EBC}" destId="{C6BFBD68-9378-4817-BEDD-CC901D7EE4E2}" srcOrd="0" destOrd="0" presId="urn:microsoft.com/office/officeart/2018/5/layout/IconLeafLabelList"/>
+    <dgm:cxn modelId="{DA0C7D0B-5236-4E0F-9716-F50073D7DEC6}" type="presParOf" srcId="{69BD399C-9257-4F80-8E97-47C335DE1EBC}" destId="{119A3364-4714-472C-8CCC-565DAD5A462B}" srcOrd="1" destOrd="0" presId="urn:microsoft.com/office/officeart/2018/5/layout/IconLeafLabelList"/>
+    <dgm:cxn modelId="{CB3655FA-58C8-491D-B407-671940FB40B3}" type="presParOf" srcId="{69BD399C-9257-4F80-8E97-47C335DE1EBC}" destId="{B25FE1EE-69D3-4DE1-A927-0DACB4C019D9}" srcOrd="2" destOrd="0" presId="urn:microsoft.com/office/officeart/2018/5/layout/IconLeafLabelList"/>
+    <dgm:cxn modelId="{4E3F16B7-DDC9-44B9-B5BF-A14AB7E35F84}" type="presParOf" srcId="{69BD399C-9257-4F80-8E97-47C335DE1EBC}" destId="{0FA270A7-BED2-497F-BAB0-33BD68004BB0}" srcOrd="3" destOrd="0" presId="urn:microsoft.com/office/officeart/2018/5/layout/IconLeafLabelList"/>
+  </dgm:cxnLst>
+  <dgm:bg/>
+  <dgm:whole/>
+  <dgm:extLst>
+    <a:ext uri="http://schemas.microsoft.com/office/drawing/2008/diagram">
+      <dsp:dataModelExt xmlns:dsp="http://schemas.microsoft.com/office/drawing/2008/diagram" relId="rId6" minVer="http://schemas.openxmlformats.org/drawingml/2006/diagram"/>
+    </a:ext>
+  </dgm:extLst>
+</dgm:dataModel>
+</file>
+
+<file path=ppt/diagrams/drawing1.xml><?xml version="1.0" encoding="utf-8"?>
+<dsp:drawing xmlns:dgm="http://schemas.openxmlformats.org/drawingml/2006/diagram" xmlns:dsp="http://schemas.microsoft.com/office/drawing/2008/diagram" xmlns:a="http://schemas.openxmlformats.org/drawingml/2006/main">
+  <dsp:spTree>
+    <dsp:nvGrpSpPr>
+      <dsp:cNvPr id="0" name=""/>
+      <dsp:cNvGrpSpPr/>
+    </dsp:nvGrpSpPr>
+    <dsp:grpSpPr/>
+    <dsp:sp modelId="{41C49998-BC2A-4877-856C-990A46FD1826}">
+      <dsp:nvSpPr>
+        <dsp:cNvPr id="0" name=""/>
+        <dsp:cNvSpPr/>
+      </dsp:nvSpPr>
+      <dsp:spPr>
+        <a:xfrm>
+          <a:off x="1509050" y="32046"/>
+          <a:ext cx="1187457" cy="1187457"/>
+        </a:xfrm>
+        <a:prstGeom prst="round2DiagRect">
+          <a:avLst>
+            <a:gd name="adj1" fmla="val 29727"/>
+            <a:gd name="adj2" fmla="val 0"/>
+          </a:avLst>
+        </a:prstGeom>
+        <a:solidFill>
+          <a:schemeClr val="accent2">
+            <a:hueOff val="0"/>
+            <a:satOff val="0"/>
+            <a:lumOff val="0"/>
+            <a:alphaOff val="0"/>
+          </a:schemeClr>
+        </a:solidFill>
+        <a:ln>
+          <a:noFill/>
+        </a:ln>
+        <a:effectLst/>
+      </dsp:spPr>
+      <dsp:style>
+        <a:lnRef idx="0">
+          <a:scrgbClr r="0" g="0" b="0"/>
+        </a:lnRef>
+        <a:fillRef idx="1">
+          <a:scrgbClr r="0" g="0" b="0"/>
+        </a:fillRef>
+        <a:effectRef idx="0">
+          <a:scrgbClr r="0" g="0" b="0"/>
+        </a:effectRef>
+        <a:fontRef idx="minor"/>
+      </dsp:style>
+    </dsp:sp>
+    <dsp:sp modelId="{E7A79646-1C43-43B7-9B51-0B9F1FEE7E55}">
+      <dsp:nvSpPr>
+        <dsp:cNvPr id="0" name=""/>
+        <dsp:cNvSpPr/>
+      </dsp:nvSpPr>
+      <dsp:spPr>
+        <a:xfrm>
+          <a:off x="1762115" y="285111"/>
+          <a:ext cx="681328" cy="681328"/>
+        </a:xfrm>
+        <a:prstGeom prst="rect">
+          <a:avLst/>
+        </a:prstGeom>
+        <a:blipFill>
+          <a:blip xmlns:r="http://schemas.openxmlformats.org/officeDocument/2006/relationships" r:embed="rId1">
+            <a:extLst>
+              <a:ext uri="{28A0092B-C50C-407E-A947-70E740481C1C}">
+                <a14:useLocalDpi xmlns:a14="http://schemas.microsoft.com/office/drawing/2010/main" val="0"/>
+              </a:ext>
+              <a:ext uri="{96DAC541-7B7A-43D3-8B79-37D633B846F1}">
+                <asvg:svgBlip xmlns:asvg="http://schemas.microsoft.com/office/drawing/2016/SVG/main" r:embed="rId2"/>
+              </a:ext>
+            </a:extLst>
+          </a:blip>
+          <a:stretch>
+            <a:fillRect/>
+          </a:stretch>
+        </a:blipFill>
+        <a:ln w="12700" cap="flat" cmpd="sng" algn="ctr">
+          <a:noFill/>
+          <a:prstDash val="solid"/>
+          <a:miter lim="800000"/>
+        </a:ln>
+        <a:effectLst/>
+      </dsp:spPr>
+      <dsp:style>
+        <a:lnRef idx="2">
+          <a:scrgbClr r="0" g="0" b="0"/>
+        </a:lnRef>
+        <a:fillRef idx="1">
+          <a:scrgbClr r="0" g="0" b="0"/>
+        </a:fillRef>
+        <a:effectRef idx="0">
+          <a:scrgbClr r="0" g="0" b="0"/>
+        </a:effectRef>
+        <a:fontRef idx="minor">
+          <a:schemeClr val="lt1"/>
+        </a:fontRef>
+      </dsp:style>
+    </dsp:sp>
+    <dsp:sp modelId="{0873E3D9-1E07-4462-A6B2-530FD203A22D}">
+      <dsp:nvSpPr>
+        <dsp:cNvPr id="0" name=""/>
+        <dsp:cNvSpPr/>
+      </dsp:nvSpPr>
+      <dsp:spPr>
+        <a:xfrm>
+          <a:off x="1129453" y="1589368"/>
+          <a:ext cx="1946652" cy="720000"/>
+        </a:xfrm>
+        <a:prstGeom prst="rect">
+          <a:avLst/>
+        </a:prstGeom>
+        <a:noFill/>
+        <a:ln>
+          <a:noFill/>
+        </a:ln>
+        <a:effectLst/>
+      </dsp:spPr>
+      <dsp:style>
+        <a:lnRef idx="0">
+          <a:scrgbClr r="0" g="0" b="0"/>
+        </a:lnRef>
+        <a:fillRef idx="0">
+          <a:scrgbClr r="0" g="0" b="0"/>
+        </a:fillRef>
+        <a:effectRef idx="0">
+          <a:scrgbClr r="0" g="0" b="0"/>
+        </a:effectRef>
+        <a:fontRef idx="minor"/>
+      </dsp:style>
+      <dsp:txBody>
+        <a:bodyPr spcFirstLastPara="0" vert="horz" wrap="square" lIns="0" tIns="0" rIns="0" bIns="0" numCol="1" spcCol="1270" anchor="t" anchorCtr="0">
+          <a:noAutofit/>
+        </a:bodyPr>
+        <a:lstStyle/>
+        <a:p>
+          <a:pPr marL="0" lvl="0" indent="0" algn="ctr" defTabSz="1022350">
+            <a:lnSpc>
+              <a:spcPct val="100000"/>
+            </a:lnSpc>
+            <a:spcBef>
+              <a:spcPct val="0"/>
+            </a:spcBef>
+            <a:spcAft>
+              <a:spcPct val="35000"/>
+            </a:spcAft>
+            <a:buNone/>
+            <a:defRPr cap="all"/>
+          </a:pPr>
+          <a:r>
+            <a:rPr lang="da-DK" sz="2300" kern="1200"/>
+            <a:t>Custom Elements</a:t>
+          </a:r>
+          <a:endParaRPr lang="en-US" sz="2300" kern="1200"/>
+        </a:p>
+      </dsp:txBody>
+      <dsp:txXfrm>
+        <a:off x="1129453" y="1589368"/>
+        <a:ext cx="1946652" cy="720000"/>
+      </dsp:txXfrm>
+    </dsp:sp>
+    <dsp:sp modelId="{53C1109E-D448-427A-81CA-17576CE5984A}">
+      <dsp:nvSpPr>
+        <dsp:cNvPr id="0" name=""/>
+        <dsp:cNvSpPr/>
+      </dsp:nvSpPr>
+      <dsp:spPr>
+        <a:xfrm>
+          <a:off x="3796366" y="32046"/>
+          <a:ext cx="1187457" cy="1187457"/>
+        </a:xfrm>
+        <a:prstGeom prst="round2DiagRect">
+          <a:avLst>
+            <a:gd name="adj1" fmla="val 29727"/>
+            <a:gd name="adj2" fmla="val 0"/>
+          </a:avLst>
+        </a:prstGeom>
+        <a:solidFill>
+          <a:schemeClr val="accent3">
+            <a:hueOff val="0"/>
+            <a:satOff val="0"/>
+            <a:lumOff val="0"/>
+            <a:alphaOff val="0"/>
+          </a:schemeClr>
+        </a:solidFill>
+        <a:ln>
+          <a:noFill/>
+        </a:ln>
+        <a:effectLst/>
+      </dsp:spPr>
+      <dsp:style>
+        <a:lnRef idx="0">
+          <a:scrgbClr r="0" g="0" b="0"/>
+        </a:lnRef>
+        <a:fillRef idx="1">
+          <a:scrgbClr r="0" g="0" b="0"/>
+        </a:fillRef>
+        <a:effectRef idx="0">
+          <a:scrgbClr r="0" g="0" b="0"/>
+        </a:effectRef>
+        <a:fontRef idx="minor"/>
+      </dsp:style>
+    </dsp:sp>
+    <dsp:sp modelId="{0A0DAE17-CE8F-4230-85BA-4F4449FDA572}">
+      <dsp:nvSpPr>
+        <dsp:cNvPr id="0" name=""/>
+        <dsp:cNvSpPr/>
+      </dsp:nvSpPr>
+      <dsp:spPr>
+        <a:xfrm>
+          <a:off x="4049431" y="285111"/>
+          <a:ext cx="681328" cy="681328"/>
+        </a:xfrm>
+        <a:prstGeom prst="rect">
+          <a:avLst/>
+        </a:prstGeom>
+        <a:blipFill>
+          <a:blip xmlns:r="http://schemas.openxmlformats.org/officeDocument/2006/relationships" r:embed="rId3">
+            <a:extLst>
+              <a:ext uri="{28A0092B-C50C-407E-A947-70E740481C1C}">
+                <a14:useLocalDpi xmlns:a14="http://schemas.microsoft.com/office/drawing/2010/main" val="0"/>
+              </a:ext>
+              <a:ext uri="{96DAC541-7B7A-43D3-8B79-37D633B846F1}">
+                <asvg:svgBlip xmlns:asvg="http://schemas.microsoft.com/office/drawing/2016/SVG/main" r:embed="rId4"/>
+              </a:ext>
+            </a:extLst>
+          </a:blip>
+          <a:stretch>
+            <a:fillRect/>
+          </a:stretch>
+        </a:blipFill>
+        <a:ln w="12700" cap="flat" cmpd="sng" algn="ctr">
+          <a:noFill/>
+          <a:prstDash val="solid"/>
+          <a:miter lim="800000"/>
+        </a:ln>
+        <a:effectLst/>
+      </dsp:spPr>
+      <dsp:style>
+        <a:lnRef idx="2">
+          <a:scrgbClr r="0" g="0" b="0"/>
+        </a:lnRef>
+        <a:fillRef idx="1">
+          <a:scrgbClr r="0" g="0" b="0"/>
+        </a:fillRef>
+        <a:effectRef idx="0">
+          <a:scrgbClr r="0" g="0" b="0"/>
+        </a:effectRef>
+        <a:fontRef idx="minor">
+          <a:schemeClr val="lt1"/>
+        </a:fontRef>
+      </dsp:style>
+    </dsp:sp>
+    <dsp:sp modelId="{99C401D8-B748-4553-A511-F502B1F4108E}">
+      <dsp:nvSpPr>
+        <dsp:cNvPr id="0" name=""/>
+        <dsp:cNvSpPr/>
+      </dsp:nvSpPr>
+      <dsp:spPr>
+        <a:xfrm>
+          <a:off x="3416769" y="1589368"/>
+          <a:ext cx="1946652" cy="720000"/>
+        </a:xfrm>
+        <a:prstGeom prst="rect">
+          <a:avLst/>
+        </a:prstGeom>
+        <a:noFill/>
+        <a:ln>
+          <a:noFill/>
+        </a:ln>
+        <a:effectLst/>
+      </dsp:spPr>
+      <dsp:style>
+        <a:lnRef idx="0">
+          <a:scrgbClr r="0" g="0" b="0"/>
+        </a:lnRef>
+        <a:fillRef idx="0">
+          <a:scrgbClr r="0" g="0" b="0"/>
+        </a:fillRef>
+        <a:effectRef idx="0">
+          <a:scrgbClr r="0" g="0" b="0"/>
+        </a:effectRef>
+        <a:fontRef idx="minor"/>
+      </dsp:style>
+      <dsp:txBody>
+        <a:bodyPr spcFirstLastPara="0" vert="horz" wrap="square" lIns="0" tIns="0" rIns="0" bIns="0" numCol="1" spcCol="1270" anchor="t" anchorCtr="0">
+          <a:noAutofit/>
+        </a:bodyPr>
+        <a:lstStyle/>
+        <a:p>
+          <a:pPr marL="0" lvl="0" indent="0" algn="ctr" defTabSz="1022350">
+            <a:lnSpc>
+              <a:spcPct val="100000"/>
+            </a:lnSpc>
+            <a:spcBef>
+              <a:spcPct val="0"/>
+            </a:spcBef>
+            <a:spcAft>
+              <a:spcPct val="35000"/>
+            </a:spcAft>
+            <a:buNone/>
+            <a:defRPr cap="all"/>
+          </a:pPr>
+          <a:r>
+            <a:rPr lang="da-DK" sz="2300" kern="1200"/>
+            <a:t>HTML Template</a:t>
+          </a:r>
+          <a:endParaRPr lang="en-US" sz="2300" kern="1200"/>
+        </a:p>
+      </dsp:txBody>
+      <dsp:txXfrm>
+        <a:off x="3416769" y="1589368"/>
+        <a:ext cx="1946652" cy="720000"/>
+      </dsp:txXfrm>
+    </dsp:sp>
+    <dsp:sp modelId="{6F06BE49-BB88-4DD7-BF08-4384D746A295}">
+      <dsp:nvSpPr>
+        <dsp:cNvPr id="0" name=""/>
+        <dsp:cNvSpPr/>
+      </dsp:nvSpPr>
+      <dsp:spPr>
+        <a:xfrm>
+          <a:off x="1509050" y="2796031"/>
+          <a:ext cx="1187457" cy="1187457"/>
+        </a:xfrm>
+        <a:prstGeom prst="round2DiagRect">
+          <a:avLst>
+            <a:gd name="adj1" fmla="val 29727"/>
+            <a:gd name="adj2" fmla="val 0"/>
+          </a:avLst>
+        </a:prstGeom>
+        <a:solidFill>
+          <a:schemeClr val="accent4">
+            <a:hueOff val="0"/>
+            <a:satOff val="0"/>
+            <a:lumOff val="0"/>
+            <a:alphaOff val="0"/>
+          </a:schemeClr>
+        </a:solidFill>
+        <a:ln>
+          <a:noFill/>
+        </a:ln>
+        <a:effectLst/>
+      </dsp:spPr>
+      <dsp:style>
+        <a:lnRef idx="0">
+          <a:scrgbClr r="0" g="0" b="0"/>
+        </a:lnRef>
+        <a:fillRef idx="1">
+          <a:scrgbClr r="0" g="0" b="0"/>
+        </a:fillRef>
+        <a:effectRef idx="0">
+          <a:scrgbClr r="0" g="0" b="0"/>
+        </a:effectRef>
+        <a:fontRef idx="minor"/>
+      </dsp:style>
+    </dsp:sp>
+    <dsp:sp modelId="{2904CD99-1572-4245-BDEA-A2898EC5252D}">
+      <dsp:nvSpPr>
+        <dsp:cNvPr id="0" name=""/>
+        <dsp:cNvSpPr/>
+      </dsp:nvSpPr>
+      <dsp:spPr>
+        <a:xfrm>
+          <a:off x="1762115" y="3049096"/>
+          <a:ext cx="681328" cy="681328"/>
+        </a:xfrm>
+        <a:prstGeom prst="rect">
+          <a:avLst/>
+        </a:prstGeom>
+        <a:blipFill>
+          <a:blip xmlns:r="http://schemas.openxmlformats.org/officeDocument/2006/relationships" r:embed="rId5">
+            <a:extLst>
+              <a:ext uri="{28A0092B-C50C-407E-A947-70E740481C1C}">
+                <a14:useLocalDpi xmlns:a14="http://schemas.microsoft.com/office/drawing/2010/main" val="0"/>
+              </a:ext>
+              <a:ext uri="{96DAC541-7B7A-43D3-8B79-37D633B846F1}">
+                <asvg:svgBlip xmlns:asvg="http://schemas.microsoft.com/office/drawing/2016/SVG/main" r:embed="rId6"/>
+              </a:ext>
+            </a:extLst>
+          </a:blip>
+          <a:stretch>
+            <a:fillRect/>
+          </a:stretch>
+        </a:blipFill>
+        <a:ln w="12700" cap="flat" cmpd="sng" algn="ctr">
+          <a:noFill/>
+          <a:prstDash val="solid"/>
+          <a:miter lim="800000"/>
+        </a:ln>
+        <a:effectLst/>
+      </dsp:spPr>
+      <dsp:style>
+        <a:lnRef idx="2">
+          <a:scrgbClr r="0" g="0" b="0"/>
+        </a:lnRef>
+        <a:fillRef idx="1">
+          <a:scrgbClr r="0" g="0" b="0"/>
+        </a:fillRef>
+        <a:effectRef idx="0">
+          <a:scrgbClr r="0" g="0" b="0"/>
+        </a:effectRef>
+        <a:fontRef idx="minor">
+          <a:schemeClr val="lt1"/>
+        </a:fontRef>
+      </dsp:style>
+    </dsp:sp>
+    <dsp:sp modelId="{A45F451A-CFCC-4687-B7EF-A0455ABBFBFE}">
+      <dsp:nvSpPr>
+        <dsp:cNvPr id="0" name=""/>
+        <dsp:cNvSpPr/>
+      </dsp:nvSpPr>
+      <dsp:spPr>
+        <a:xfrm>
+          <a:off x="1129453" y="4353353"/>
+          <a:ext cx="1946652" cy="720000"/>
+        </a:xfrm>
+        <a:prstGeom prst="rect">
+          <a:avLst/>
+        </a:prstGeom>
+        <a:noFill/>
+        <a:ln>
+          <a:noFill/>
+        </a:ln>
+        <a:effectLst/>
+      </dsp:spPr>
+      <dsp:style>
+        <a:lnRef idx="0">
+          <a:scrgbClr r="0" g="0" b="0"/>
+        </a:lnRef>
+        <a:fillRef idx="0">
+          <a:scrgbClr r="0" g="0" b="0"/>
+        </a:fillRef>
+        <a:effectRef idx="0">
+          <a:scrgbClr r="0" g="0" b="0"/>
+        </a:effectRef>
+        <a:fontRef idx="minor"/>
+      </dsp:style>
+      <dsp:txBody>
+        <a:bodyPr spcFirstLastPara="0" vert="horz" wrap="square" lIns="0" tIns="0" rIns="0" bIns="0" numCol="1" spcCol="1270" anchor="t" anchorCtr="0">
+          <a:noAutofit/>
+        </a:bodyPr>
+        <a:lstStyle/>
+        <a:p>
+          <a:pPr marL="0" lvl="0" indent="0" algn="ctr" defTabSz="1022350">
+            <a:lnSpc>
+              <a:spcPct val="100000"/>
+            </a:lnSpc>
+            <a:spcBef>
+              <a:spcPct val="0"/>
+            </a:spcBef>
+            <a:spcAft>
+              <a:spcPct val="35000"/>
+            </a:spcAft>
+            <a:buNone/>
+            <a:defRPr cap="all"/>
+          </a:pPr>
+          <a:r>
+            <a:rPr lang="da-DK" sz="2300" kern="1200"/>
+            <a:t>Shadow Dom</a:t>
+          </a:r>
+          <a:endParaRPr lang="en-US" sz="2300" kern="1200"/>
+        </a:p>
+      </dsp:txBody>
+      <dsp:txXfrm>
+        <a:off x="1129453" y="4353353"/>
+        <a:ext cx="1946652" cy="720000"/>
+      </dsp:txXfrm>
+    </dsp:sp>
+    <dsp:sp modelId="{C6BFBD68-9378-4817-BEDD-CC901D7EE4E2}">
+      <dsp:nvSpPr>
+        <dsp:cNvPr id="0" name=""/>
+        <dsp:cNvSpPr/>
+      </dsp:nvSpPr>
+      <dsp:spPr>
+        <a:xfrm>
+          <a:off x="3796366" y="2796031"/>
+          <a:ext cx="1187457" cy="1187457"/>
+        </a:xfrm>
+        <a:prstGeom prst="round2DiagRect">
+          <a:avLst>
+            <a:gd name="adj1" fmla="val 29727"/>
+            <a:gd name="adj2" fmla="val 0"/>
+          </a:avLst>
+        </a:prstGeom>
+        <a:solidFill>
+          <a:schemeClr val="accent5">
+            <a:hueOff val="0"/>
+            <a:satOff val="0"/>
+            <a:lumOff val="0"/>
+            <a:alphaOff val="0"/>
+          </a:schemeClr>
+        </a:solidFill>
+        <a:ln>
+          <a:noFill/>
+        </a:ln>
+        <a:effectLst/>
+      </dsp:spPr>
+      <dsp:style>
+        <a:lnRef idx="0">
+          <a:scrgbClr r="0" g="0" b="0"/>
+        </a:lnRef>
+        <a:fillRef idx="1">
+          <a:scrgbClr r="0" g="0" b="0"/>
+        </a:fillRef>
+        <a:effectRef idx="0">
+          <a:scrgbClr r="0" g="0" b="0"/>
+        </a:effectRef>
+        <a:fontRef idx="minor"/>
+      </dsp:style>
+    </dsp:sp>
+    <dsp:sp modelId="{119A3364-4714-472C-8CCC-565DAD5A462B}">
+      <dsp:nvSpPr>
+        <dsp:cNvPr id="0" name=""/>
+        <dsp:cNvSpPr/>
+      </dsp:nvSpPr>
+      <dsp:spPr>
+        <a:xfrm>
+          <a:off x="4049431" y="3049096"/>
+          <a:ext cx="681328" cy="681328"/>
+        </a:xfrm>
+        <a:prstGeom prst="rect">
+          <a:avLst/>
+        </a:prstGeom>
+        <a:blipFill>
+          <a:blip xmlns:r="http://schemas.openxmlformats.org/officeDocument/2006/relationships" r:embed="rId7">
+            <a:extLst>
+              <a:ext uri="{28A0092B-C50C-407E-A947-70E740481C1C}">
+                <a14:useLocalDpi xmlns:a14="http://schemas.microsoft.com/office/drawing/2010/main" val="0"/>
+              </a:ext>
+              <a:ext uri="{96DAC541-7B7A-43D3-8B79-37D633B846F1}">
+                <asvg:svgBlip xmlns:asvg="http://schemas.microsoft.com/office/drawing/2016/SVG/main" r:embed="rId8"/>
+              </a:ext>
+            </a:extLst>
+          </a:blip>
+          <a:stretch>
+            <a:fillRect/>
+          </a:stretch>
+        </a:blipFill>
+        <a:ln w="12700" cap="flat" cmpd="sng" algn="ctr">
+          <a:noFill/>
+          <a:prstDash val="solid"/>
+          <a:miter lim="800000"/>
+        </a:ln>
+        <a:effectLst/>
+      </dsp:spPr>
+      <dsp:style>
+        <a:lnRef idx="2">
+          <a:scrgbClr r="0" g="0" b="0"/>
+        </a:lnRef>
+        <a:fillRef idx="1">
+          <a:scrgbClr r="0" g="0" b="0"/>
+        </a:fillRef>
+        <a:effectRef idx="0">
+          <a:scrgbClr r="0" g="0" b="0"/>
+        </a:effectRef>
+        <a:fontRef idx="minor">
+          <a:schemeClr val="lt1"/>
+        </a:fontRef>
+      </dsp:style>
+    </dsp:sp>
+    <dsp:sp modelId="{0FA270A7-BED2-497F-BAB0-33BD68004BB0}">
+      <dsp:nvSpPr>
+        <dsp:cNvPr id="0" name=""/>
+        <dsp:cNvSpPr/>
+      </dsp:nvSpPr>
+      <dsp:spPr>
+        <a:xfrm>
+          <a:off x="3416769" y="4353353"/>
+          <a:ext cx="1946652" cy="720000"/>
+        </a:xfrm>
+        <a:prstGeom prst="rect">
+          <a:avLst/>
+        </a:prstGeom>
+        <a:noFill/>
+        <a:ln>
+          <a:noFill/>
+        </a:ln>
+        <a:effectLst/>
+      </dsp:spPr>
+      <dsp:style>
+        <a:lnRef idx="0">
+          <a:scrgbClr r="0" g="0" b="0"/>
+        </a:lnRef>
+        <a:fillRef idx="0">
+          <a:scrgbClr r="0" g="0" b="0"/>
+        </a:fillRef>
+        <a:effectRef idx="0">
+          <a:scrgbClr r="0" g="0" b="0"/>
+        </a:effectRef>
+        <a:fontRef idx="minor"/>
+      </dsp:style>
+      <dsp:txBody>
+        <a:bodyPr spcFirstLastPara="0" vert="horz" wrap="square" lIns="0" tIns="0" rIns="0" bIns="0" numCol="1" spcCol="1270" anchor="t" anchorCtr="0">
+          <a:noAutofit/>
+        </a:bodyPr>
+        <a:lstStyle/>
+        <a:p>
+          <a:pPr marL="0" lvl="0" indent="0" algn="ctr" defTabSz="1022350">
+            <a:lnSpc>
+              <a:spcPct val="100000"/>
+            </a:lnSpc>
+            <a:spcBef>
+              <a:spcPct val="0"/>
+            </a:spcBef>
+            <a:spcAft>
+              <a:spcPct val="35000"/>
+            </a:spcAft>
+            <a:buNone/>
+            <a:defRPr cap="all"/>
+          </a:pPr>
+          <a:r>
+            <a:rPr lang="da-DK" sz="2300" kern="1200"/>
+            <a:t>ES Modules</a:t>
+          </a:r>
+          <a:endParaRPr lang="en-US" sz="2300" kern="1200"/>
+        </a:p>
+      </dsp:txBody>
+      <dsp:txXfrm>
+        <a:off x="3416769" y="4353353"/>
+        <a:ext cx="1946652" cy="720000"/>
+      </dsp:txXfrm>
+    </dsp:sp>
+  </dsp:spTree>
+</dsp:drawing>
+</file>
+
+<file path=ppt/diagrams/layout1.xml><?xml version="1.0" encoding="utf-8"?>
+<dgm:layoutDef xmlns:dgm="http://schemas.openxmlformats.org/drawingml/2006/diagram" xmlns:a="http://schemas.openxmlformats.org/drawingml/2006/main" uniqueId="urn:microsoft.com/office/officeart/2018/5/layout/IconLeafLabelList">
+  <dgm:title val="Icon Leaf Label List"/>
+  <dgm:desc val="Use to show non-sequential or grouped chunks of information accompanied by a related visuals. Works best with icons or small pictures with short text captions."/>
+  <dgm:catLst>
+    <dgm:cat type="icon" pri="500"/>
+  </dgm:catLst>
+  <dgm:sampData useDef="1">
+    <dgm:dataModel>
+      <dgm:ptLst/>
+      <dgm:bg/>
+      <dgm:whole/>
+    </dgm:dataModel>
+  </dgm:sampData>
+  <dgm:styleData useDef="1">
+    <dgm:dataModel>
+      <dgm:ptLst/>
+      <dgm:bg/>
+      <dgm:whole/>
+    </dgm:dataModel>
+  </dgm:styleData>
+  <dgm:clrData useDef="1">
+    <dgm:dataModel>
+      <dgm:ptLst/>
+      <dgm:bg/>
+      <dgm:whole/>
+    </dgm:dataModel>
+  </dgm:clrData>
+  <dgm:layoutNode name="root">
+    <dgm:varLst>
+      <dgm:dir/>
+      <dgm:resizeHandles val="exact"/>
+    </dgm:varLst>
+    <dgm:choose name="Name0">
+      <dgm:if name="Name1" axis="self" func="var" arg="dir" op="equ" val="norm">
+        <dgm:alg type="snake">
+          <dgm:param type="grDir" val="tL"/>
+          <dgm:param type="flowDir" val="row"/>
+          <dgm:param type="contDir" val="sameDir"/>
+          <dgm:param type="off" val="ctr"/>
+          <dgm:param type="vertAlign" val="mid"/>
+          <dgm:param type="horzAlign" val="ctr"/>
+        </dgm:alg>
+      </dgm:if>
+      <dgm:else name="Name2">
+        <dgm:alg type="snake">
+          <dgm:param type="grDir" val="tR"/>
+          <dgm:param type="flowDir" val="row"/>
+          <dgm:param type="contDir" val="sameDir"/>
+          <dgm:param type="off" val="ctr"/>
+          <dgm:param type="vertAlign" val="mid"/>
+          <dgm:param type="horzAlign" val="ctr"/>
+        </dgm:alg>
+      </dgm:else>
+    </dgm:choose>
+    <dgm:shape xmlns:r="http://schemas.openxmlformats.org/officeDocument/2006/relationships" r:blip="">
+      <dgm:adjLst/>
+    </dgm:shape>
+    <dgm:presOf/>
+    <dgm:choose name="Name3">
+      <dgm:if name="Name4" axis="ch" ptType="node" func="cnt" op="lte" val="2">
+        <dgm:constrLst>
+          <dgm:constr type="h" for="ch" forName="compNode" refType="h" fact="0.4"/>
+          <dgm:constr type="w" for="ch" forName="compNode" val="100"/>
+          <dgm:constr type="w" for="ch" forName="sibTrans" refType="w" refFor="ch" refForName="compNode" fact="0.175"/>
+          <dgm:constr type="sp" refType="w" refFor="ch" refForName="compNode" op="equ" fact="0.25"/>
+          <dgm:constr type="primFontSz" for="des" ptType="node" op="equ" val="44"/>
+          <dgm:constr type="h" for="des" forName="compNode" op="equ"/>
+          <dgm:constr type="h" for="des" forName="textRect" op="equ"/>
+        </dgm:constrLst>
+      </dgm:if>
+      <dgm:if name="Name5" axis="ch" ptType="node" func="cnt" op="lte" val="3">
+        <dgm:constrLst>
+          <dgm:constr type="h" for="ch" forName="compNode" refType="h" fact="0.4"/>
+          <dgm:constr type="w" for="ch" forName="compNode" val="100"/>
+          <dgm:constr type="w" for="ch" forName="sibTrans" refType="w" refFor="ch" refForName="compNode" fact="0.175"/>
+          <dgm:constr type="sp" refType="w" refFor="ch" refForName="compNode" op="equ" fact="0.25"/>
+          <dgm:constr type="primFontSz" for="des" ptType="node" op="equ" val="40"/>
+          <dgm:constr type="h" for="des" forName="compNode" op="equ"/>
+          <dgm:constr type="h" for="des" forName="textRect" op="equ"/>
+        </dgm:constrLst>
+      </dgm:if>
+      <dgm:if name="Name6" axis="ch" ptType="node" func="cnt" op="lte" val="4">
+        <dgm:constrLst>
+          <dgm:constr type="h" for="ch" forName="compNode" refType="h" fact="0.4"/>
+          <dgm:constr type="w" for="ch" forName="compNode" refType="w"/>
+          <dgm:constr type="w" for="ch" forName="sibTrans" refType="w" refFor="ch" refForName="compNode" fact="0.175"/>
+          <dgm:constr type="sp" refType="w" refFor="ch" refForName="compNode" op="equ" fact="0.25"/>
+          <dgm:constr type="primFontSz" for="des" ptType="node" op="equ" val="32"/>
+          <dgm:constr type="h" for="des" forName="compNode" op="equ"/>
+          <dgm:constr type="h" for="des" forName="textRect" op="equ"/>
+        </dgm:constrLst>
+      </dgm:if>
+      <dgm:else name="Name7">
+        <dgm:constrLst>
+          <dgm:constr type="h" for="ch" forName="compNode" refType="h" fact="0.4"/>
+          <dgm:constr type="w" for="ch" forName="compNode" refType="w"/>
+          <dgm:constr type="w" for="ch" forName="sibTrans" refType="w" refFor="ch" refForName="compNode" fact="0.175"/>
+          <dgm:constr type="sp" refType="w" refFor="ch" refForName="compNode" op="equ" fact="0.25"/>
+          <dgm:constr type="primFontSz" for="des" ptType="node" op="equ" val="24"/>
+          <dgm:constr type="h" for="des" forName="compNode" op="equ"/>
+          <dgm:constr type="h" for="des" forName="textRect" op="equ"/>
+        </dgm:constrLst>
+      </dgm:else>
+    </dgm:choose>
+    <dgm:ruleLst>
+      <dgm:rule type="w" for="ch" forName="compNode" val="50" fact="NaN" max="NaN"/>
+    </dgm:ruleLst>
+    <dgm:forEach name="Name8" axis="ch" ptType="node">
+      <dgm:layoutNode name="compNode">
+        <dgm:alg type="composite"/>
+        <dgm:shape xmlns:r="http://schemas.openxmlformats.org/officeDocument/2006/relationships" r:blip="">
+          <dgm:adjLst/>
+        </dgm:shape>
+        <dgm:presOf axis="self"/>
+        <dgm:constrLst>
+          <dgm:constr type="w" for="ch" forName="iconBgRect" refType="w" fact="0.61"/>
+          <dgm:constr type="h" for="ch" forName="iconBgRect" refType="w" refFor="ch" refForName="iconBgRect"/>
+          <dgm:constr type="t" for="ch" forName="iconBgRect"/>
+          <dgm:constr type="ctrX" for="ch" forName="iconBgRect" refType="w" fact="0.5"/>
+          <dgm:constr type="w" for="ch" forName="iconRect" refType="w" fact="0.35"/>
+          <dgm:constr type="h" for="ch" forName="iconRect" refType="w" refFor="ch" refForName="iconRect"/>
+          <dgm:constr type="ctrX" for="ch" forName="iconRect" refType="ctrX" refFor="ch" refForName="iconBgRect"/>
+          <dgm:constr type="ctrY" for="ch" forName="iconRect" refType="ctrY" refFor="ch" refForName="iconBgRect"/>
+          <dgm:constr type="h" for="ch" forName="spaceRect" refType="w" fact="0.19"/>
+          <dgm:constr type="w" for="ch" forName="spaceRect" refType="w"/>
+          <dgm:constr type="l" for="ch" forName="spaceRect"/>
+          <dgm:constr type="t" for="ch" forName="spaceRect" refType="b" refFor="ch" refForName="iconBgRect"/>
+          <dgm:constr type="h" for="ch" forName="textRect" val="20"/>
+          <dgm:constr type="w" for="ch" forName="textRect" refType="w"/>
+          <dgm:constr type="l" for="ch" forName="textRect"/>
+          <dgm:constr type="t" for="ch" forName="textRect" refType="b" refFor="ch" refForName="spaceRect"/>
+        </dgm:constrLst>
+        <dgm:ruleLst>
+          <dgm:rule type="h" val="INF" fact="NaN" max="NaN"/>
+        </dgm:ruleLst>
+        <dgm:layoutNode name="iconBgRect" styleLbl="bgShp">
+          <dgm:alg type="sp"/>
+          <dgm:shape xmlns:r="http://schemas.openxmlformats.org/officeDocument/2006/relationships" type="round2DiagRect" r:blip="">
+            <dgm:adjLst/>
+            <dgm:extLst>
+              <a:ext uri="{B698B0E9-8C71-41B9-8309-B3DCBF30829C}">
+                <dgm1612:spPr xmlns:dgm1612="http://schemas.microsoft.com/office/drawing/2016/12/diagram">
+                  <a:prstGeom prst="round2DiagRect">
+                    <a:avLst>
+                      <a:gd name="adj1" fmla="val 29727"/>
+                      <a:gd name="adj2" fmla="val 0"/>
+                    </a:avLst>
+                  </a:prstGeom>
+                </dgm1612:spPr>
+              </a:ext>
+            </dgm:extLst>
+          </dgm:shape>
+          <dgm:presOf/>
+          <dgm:constrLst/>
+          <dgm:ruleLst/>
+        </dgm:layoutNode>
+        <dgm:layoutNode name="iconRect" styleLbl="node1">
+          <dgm:alg type="sp"/>
+          <dgm:shape xmlns:r="http://schemas.openxmlformats.org/officeDocument/2006/relationships" type="rect" r:blip="" blipPhldr="1">
+            <dgm:adjLst/>
+          </dgm:shape>
+          <dgm:presOf/>
+          <dgm:constrLst/>
+          <dgm:ruleLst/>
+        </dgm:layoutNode>
+        <dgm:layoutNode name="spaceRect">
+          <dgm:alg type="sp"/>
+          <dgm:shape xmlns:r="http://schemas.openxmlformats.org/officeDocument/2006/relationships" r:blip="">
+            <dgm:adjLst/>
+          </dgm:shape>
+          <dgm:presOf/>
+          <dgm:constrLst/>
+          <dgm:ruleLst/>
+        </dgm:layoutNode>
+        <dgm:layoutNode name="textRect" styleLbl="revTx">
+          <dgm:varLst>
+            <dgm:chMax val="1"/>
+            <dgm:chPref val="1"/>
+          </dgm:varLst>
+          <dgm:alg type="tx">
+            <dgm:param type="txAnchorVert" val="t"/>
+          </dgm:alg>
+          <dgm:shape xmlns:r="http://schemas.openxmlformats.org/officeDocument/2006/relationships" type="rect" r:blip="">
+            <dgm:adjLst/>
+          </dgm:shape>
+          <dgm:presOf axis="self" ptType="node"/>
+          <dgm:constrLst>
+            <dgm:constr type="lMarg"/>
+            <dgm:constr type="rMarg"/>
+            <dgm:constr type="tMarg"/>
+            <dgm:constr type="bMarg"/>
+          </dgm:constrLst>
+          <dgm:ruleLst>
+            <dgm:rule type="primFontSz" val="11" fact="NaN" max="NaN"/>
+            <dgm:rule type="h" val="INF" fact="NaN" max="NaN"/>
+          </dgm:ruleLst>
+        </dgm:layoutNode>
+      </dgm:layoutNode>
+      <dgm:forEach name="Name9" axis="followSib" ptType="sibTrans" cnt="1">
+        <dgm:layoutNode name="sibTrans">
+          <dgm:alg type="sp"/>
+          <dgm:shape xmlns:r="http://schemas.openxmlformats.org/officeDocument/2006/relationships" r:blip="">
+            <dgm:adjLst/>
+          </dgm:shape>
+          <dgm:presOf axis="self"/>
+          <dgm:constrLst/>
+          <dgm:ruleLst/>
+        </dgm:layoutNode>
+      </dgm:forEach>
+    </dgm:forEach>
+  </dgm:layoutNode>
+  <dgm:extLst>
+    <a:ext uri="{68A01E43-0DF5-4B5B-8FA6-DAF915123BFB}">
+      <dgm1612:lstStyle xmlns:dgm1612="http://schemas.microsoft.com/office/drawing/2016/12/diagram">
+        <a:lvl1pPr>
+          <a:lnSpc>
+            <a:spcPct val="100000"/>
+          </a:lnSpc>
+          <a:defRPr cap="all"/>
+        </a:lvl1pPr>
+      </dgm1612:lstStyle>
+    </a:ext>
+  </dgm:extLst>
+</dgm:layoutDef>
+</file>
+
+<file path=ppt/diagrams/quickStyle1.xml><?xml version="1.0" encoding="utf-8"?>
+<dgm:styleDef xmlns:dgm="http://schemas.openxmlformats.org/drawingml/2006/diagram" xmlns:a="http://schemas.openxmlformats.org/drawingml/2006/main" uniqueId="urn:microsoft.com/office/officeart/2005/8/quickstyle/simple1">
+  <dgm:title val=""/>
+  <dgm:desc val=""/>
+  <dgm:catLst>
+    <dgm:cat type="simple" pri="10100"/>
+  </dgm:catLst>
+  <dgm:scene3d>
+    <a:camera prst="orthographicFront"/>
+    <a:lightRig rig="threePt" dir="t"/>
+  </dgm:scene3d>
+  <dgm:styleLbl name="node0">
+    <dgm:scene3d>
+      <a:camera prst="orthographicFront"/>
+      <a:lightRig rig="threePt" dir="t"/>
+    </dgm:scene3d>
+    <dgm:sp3d/>
+    <dgm:txPr/>
+    <dgm:style>
+      <a:lnRef idx="2">
+        <a:scrgbClr r="0" g="0" b="0"/>
+      </a:lnRef>
+      <a:fillRef idx="1">
+        <a:scrgbClr r="0" g="0" b="0"/>
+      </a:fillRef>
+      <a:effectRef idx="0">
+        <a:scrgbClr r="0" g="0" b="0"/>
+      </a:effectRef>
+      <a:fontRef idx="minor">
+        <a:schemeClr val="lt1"/>
+      </a:fontRef>
+    </dgm:style>
+  </dgm:styleLbl>
+  <dgm:styleLbl name="lnNode1">
+    <dgm:scene3d>
+      <a:camera prst="orthographicFront"/>
+      <a:lightRig rig="threePt" dir="t"/>
+    </dgm:scene3d>
+    <dgm:sp3d/>
+    <dgm:txPr/>
+    <dgm:style>
+      <a:lnRef idx="2">
+        <a:scrgbClr r="0" g="0" b="0"/>
+      </a:lnRef>
+      <a:fillRef idx="1">
+        <a:scrgbClr r="0" g="0" b="0"/>
+      </a:fillRef>
+      <a:effectRef idx="0">
+        <a:scrgbClr r="0" g="0" b="0"/>
+      </a:effectRef>
+      <a:fontRef idx="minor">
+        <a:schemeClr val="lt1"/>
+      </a:fontRef>
+    </dgm:style>
+  </dgm:styleLbl>
+  <dgm:styleLbl name="vennNode1">
+    <dgm:scene3d>
+      <a:camera prst="orthographicFront"/>
+      <a:lightRig rig="threePt" dir="t"/>
+    </dgm:scene3d>
+    <dgm:sp3d/>
+    <dgm:txPr/>
+    <dgm:style>
+      <a:lnRef idx="2">
+        <a:scrgbClr r="0" g="0" b="0"/>
+      </a:lnRef>
+      <a:fillRef idx="1">
+        <a:scrgbClr r="0" g="0" b="0"/>
+      </a:fillRef>
+      <a:effectRef idx="0">
+        <a:scrgbClr r="0" g="0" b="0"/>
+      </a:effectRef>
+      <a:fontRef idx="minor">
+        <a:schemeClr val="tx1"/>
+      </a:fontRef>
+    </dgm:style>
+  </dgm:styleLbl>
+  <dgm:styleLbl name="alignNode1">
+    <dgm:scene3d>
+      <a:camera prst="orthographicFront"/>
+      <a:lightRig rig="threePt" dir="t"/>
+    </dgm:scene3d>
+    <dgm:sp3d/>
+    <dgm:txPr/>
+    <dgm:style>
+      <a:lnRef idx="2">
+        <a:scrgbClr r="0" g="0" b="0"/>
+      </a:lnRef>
+      <a:fillRef idx="1">
+        <a:scrgbClr r="0" g="0" b="0"/>
+      </a:fillRef>
+      <a:effectRef idx="0">
+        <a:scrgbClr r="0" g="0" b="0"/>
+      </a:effectRef>
+      <a:fontRef idx="minor">
+        <a:schemeClr val="lt1"/>
+      </a:fontRef>
+    </dgm:style>
+  </dgm:styleLbl>
+  <dgm:styleLbl name="node1">
+    <dgm:scene3d>
+      <a:camera prst="orthographicFront"/>
+      <a:lightRig rig="threePt" dir="t"/>
+    </dgm:scene3d>
+    <dgm:sp3d/>
+    <dgm:txPr/>
+    <dgm:style>
+      <a:lnRef idx="2">
+        <a:scrgbClr r="0" g="0" b="0"/>
+      </a:lnRef>
+      <a:fillRef idx="1">
+        <a:scrgbClr r="0" g="0" b="0"/>
+      </a:fillRef>
+      <a:effectRef idx="0">
+        <a:scrgbClr r="0" g="0" b="0"/>
+      </a:effectRef>
+      <a:fontRef idx="minor">
+        <a:schemeClr val="lt1"/>
+      </a:fontRef>
+    </dgm:style>
+  </dgm:styleLbl>
+  <dgm:styleLbl name="node2">
+    <dgm:scene3d>
+      <a:camera prst="orthographicFront"/>
+      <a:lightRig rig="threePt" dir="t"/>
+    </dgm:scene3d>
+    <dgm:sp3d/>
+    <dgm:txPr/>
+    <dgm:style>
+      <a:lnRef idx="2">
+        <a:scrgbClr r="0" g="0" b="0"/>
+      </a:lnRef>
+      <a:fillRef idx="1">
+        <a:scrgbClr r="0" g="0" b="0"/>
+      </a:fillRef>
+      <a:effectRef idx="0">
+        <a:scrgbClr r="0" g="0" b="0"/>
+      </a:effectRef>
+      <a:fontRef idx="minor">
+        <a:schemeClr val="lt1"/>
+      </a:fontRef>
+    </dgm:style>
+  </dgm:styleLbl>
+  <dgm:styleLbl name="node3">
+    <dgm:scene3d>
+      <a:camera prst="orthographicFront"/>
+      <a:lightRig rig="threePt" dir="t"/>
+    </dgm:scene3d>
+    <dgm:sp3d/>
+    <dgm:txPr/>
+    <dgm:style>
+      <a:lnRef idx="2">
+        <a:scrgbClr r="0" g="0" b="0"/>
+      </a:lnRef>
+      <a:fillRef idx="1">
+        <a:scrgbClr r="0" g="0" b="0"/>
+      </a:fillRef>
+      <a:effectRef idx="0">
+        <a:scrgbClr r="0" g="0" b="0"/>
+      </a:effectRef>
+      <a:fontRef idx="minor">
+        <a:schemeClr val="lt1"/>
+      </a:fontRef>
+    </dgm:style>
+  </dgm:styleLbl>
+  <dgm:styleLbl name="node4">
+    <dgm:scene3d>
+      <a:camera prst="orthographicFront"/>
+      <a:lightRig rig="threePt" dir="t"/>
+    </dgm:scene3d>
+    <dgm:sp3d/>
+    <dgm:txPr/>
+    <dgm:style>
+      <a:lnRef idx="2">
+        <a:scrgbClr r="0" g="0" b="0"/>
+      </a:lnRef>
+      <a:fillRef idx="1">
+        <a:scrgbClr r="0" g="0" b="0"/>
+      </a:fillRef>
+      <a:effectRef idx="0">
+        <a:scrgbClr r="0" g="0" b="0"/>
+      </a:effectRef>
+      <a:fontRef idx="minor">
+        <a:schemeClr val="lt1"/>
+      </a:fontRef>
+    </dgm:style>
+  </dgm:styleLbl>
+  <dgm:styleLbl name="fgImgPlace1">
+    <dgm:scene3d>
+      <a:camera prst="orthographicFront"/>
+      <a:lightRig rig="threePt" dir="t"/>
+    </dgm:scene3d>
+    <dgm:sp3d/>
+    <dgm:txPr/>
+    <dgm:style>
+      <a:lnRef idx="2">
+        <a:scrgbClr r="0" g="0" b="0"/>
+      </a:lnRef>
+      <a:fillRef idx="1">
+        <a:scrgbClr r="0" g="0" b="0"/>
+      </a:fillRef>
+      <a:effectRef idx="0">
+        <a:scrgbClr r="0" g="0" b="0"/>
+      </a:effectRef>
+      <a:fontRef idx="minor"/>
+    </dgm:style>
+  </dgm:styleLbl>
+  <dgm:styleLbl name="alignImgPlace1">
+    <dgm:scene3d>
+      <a:camera prst="orthographicFront"/>
+      <a:lightRig rig="threePt" dir="t"/>
+    </dgm:scene3d>
+    <dgm:sp3d/>
+    <dgm:txPr/>
+    <dgm:style>
+      <a:lnRef idx="2">
+        <a:scrgbClr r="0" g="0" b="0"/>
+      </a:lnRef>
+      <a:fillRef idx="1">
+        <a:scrgbClr r="0" g="0" b="0"/>
+      </a:fillRef>
+      <a:effectRef idx="0">
+        <a:scrgbClr r="0" g="0" b="0"/>
+      </a:effectRef>
+      <a:fontRef idx="minor"/>
+    </dgm:style>
+  </dgm:styleLbl>
+  <dgm:styleLbl name="bgImgPlace1">
+    <dgm:scene3d>
+      <a:camera prst="orthographicFront"/>
+      <a:lightRig rig="threePt" dir="t"/>
+    </dgm:scene3d>
+    <dgm:sp3d/>
+    <dgm:txPr/>
+    <dgm:style>
+      <a:lnRef idx="2">
+        <a:scrgbClr r="0" g="0" b="0"/>
+      </a:lnRef>
+      <a:fillRef idx="1">
+        <a:scrgbClr r="0" g="0" b="0"/>
+      </a:fillRef>
+      <a:effectRef idx="0">
+        <a:scrgbClr r="0" g="0" b="0"/>
+      </a:effectRef>
+      <a:fontRef idx="minor"/>
+    </dgm:style>
+  </dgm:styleLbl>
+  <dgm:styleLbl name="sibTrans2D1">
+    <dgm:scene3d>
+      <a:camera prst="orthographicFront"/>
+      <a:lightRig rig="threePt" dir="t"/>
+    </dgm:scene3d>
+    <dgm:sp3d/>
+    <dgm:txPr/>
+    <dgm:style>
+      <a:lnRef idx="0">
+        <a:scrgbClr r="0" g="0" b="0"/>
+      </a:lnRef>
+      <a:fillRef idx="1">
+        <a:scrgbClr r="0" g="0" b="0"/>
+      </a:fillRef>
+      <a:effectRef idx="0">
+        <a:scrgbClr r="0" g="0" b="0"/>
+      </a:effectRef>
+      <a:fontRef idx="minor">
+        <a:schemeClr val="lt1"/>
+      </a:fontRef>
+    </dgm:style>
+  </dgm:styleLbl>
+  <dgm:styleLbl name="fgSibTrans2D1">
+    <dgm:scene3d>
+      <a:camera prst="orthographicFront"/>
+      <a:lightRig rig="threePt" dir="t"/>
+    </dgm:scene3d>
+    <dgm:sp3d/>
+    <dgm:txPr/>
+    <dgm:style>
+      <a:lnRef idx="0">
+        <a:scrgbClr r="0" g="0" b="0"/>
+      </a:lnRef>
+      <a:fillRef idx="1">
+        <a:scrgbClr r="0" g="0" b="0"/>
+      </a:fillRef>
+      <a:effectRef idx="0">
+        <a:scrgbClr r="0" g="0" b="0"/>
+      </a:effectRef>
+      <a:fontRef idx="minor">
+        <a:schemeClr val="lt1"/>
+      </a:fontRef>
+    </dgm:style>
+  </dgm:styleLbl>
+  <dgm:styleLbl name="bgSibTrans2D1">
+    <dgm:scene3d>
+      <a:camera prst="orthographicFront"/>
+      <a:lightRig rig="threePt" dir="t"/>
+    </dgm:scene3d>
+    <dgm:sp3d/>
+    <dgm:txPr/>
+    <dgm:style>
+      <a:lnRef idx="0">
+        <a:scrgbClr r="0" g="0" b="0"/>
+      </a:lnRef>
+      <a:fillRef idx="1">
+        <a:scrgbClr r="0" g="0" b="0"/>
+      </a:fillRef>
+      <a:effectRef idx="0">
+        <a:scrgbClr r="0" g="0" b="0"/>
+      </a:effectRef>
+      <a:fontRef idx="minor">
+        <a:schemeClr val="lt1"/>
+      </a:fontRef>
+    </dgm:style>
+  </dgm:styleLbl>
+  <dgm:styleLbl name="sibTrans1D1">
+    <dgm:scene3d>
+      <a:camera prst="orthographicFront"/>
+      <a:lightRig rig="threePt" dir="t"/>
+    </dgm:scene3d>
+    <dgm:sp3d/>
+    <dgm:txPr/>
+    <dgm:style>
+      <a:lnRef idx="1">
+        <a:scrgbClr r="0" g="0" b="0"/>
+      </a:lnRef>
+      <a:fillRef idx="0">
+        <a:scrgbClr r="0" g="0" b="0"/>
+      </a:fillRef>
+      <a:effectRef idx="0">
+        <a:scrgbClr r="0" g="0" b="0"/>
+      </a:effectRef>
+      <a:fontRef idx="minor"/>
+    </dgm:style>
+  </dgm:styleLbl>
+  <dgm:styleLbl name="callout">
+    <dgm:scene3d>
+      <a:camera prst="orthographicFront"/>
+      <a:lightRig rig="threePt" dir="t"/>
+    </dgm:scene3d>
+    <dgm:sp3d/>
+    <dgm:txPr/>
+    <dgm:style>
+      <a:lnRef idx="2">
+        <a:scrgbClr r="0" g="0" b="0"/>
+      </a:lnRef>
+      <a:fillRef idx="1">
+        <a:scrgbClr r="0" g="0" b="0"/>
+      </a:fillRef>
+      <a:effectRef idx="0">
+        <a:scrgbClr r="0" g="0" b="0"/>
+      </a:effectRef>
+      <a:fontRef idx="minor"/>
+    </dgm:style>
+  </dgm:styleLbl>
+  <dgm:styleLbl name="asst0">
+    <dgm:scene3d>
+      <a:camera prst="orthographicFront"/>
+      <a:lightRig rig="threePt" dir="t"/>
+    </dgm:scene3d>
+    <dgm:sp3d/>
+    <dgm:txPr/>
+    <dgm:style>
+      <a:lnRef idx="2">
+        <a:scrgbClr r="0" g="0" b="0"/>
+      </a:lnRef>
+      <a:fillRef idx="1">
+        <a:scrgbClr r="0" g="0" b="0"/>
+      </a:fillRef>
+      <a:effectRef idx="0">
+        <a:scrgbClr r="0" g="0" b="0"/>
+      </a:effectRef>
+      <a:fontRef idx="minor">
+        <a:schemeClr val="lt1"/>
+      </a:fontRef>
+    </dgm:style>
+  </dgm:styleLbl>
+  <dgm:styleLbl name="asst1">
+    <dgm:scene3d>
+      <a:camera prst="orthographicFront"/>
+      <a:lightRig rig="threePt" dir="t"/>
+    </dgm:scene3d>
+    <dgm:sp3d/>
+    <dgm:txPr/>
+    <dgm:style>
+      <a:lnRef idx="2">
+        <a:scrgbClr r="0" g="0" b="0"/>
+      </a:lnRef>
+      <a:fillRef idx="1">
+        <a:scrgbClr r="0" g="0" b="0"/>
+      </a:fillRef>
+      <a:effectRef idx="0">
+        <a:scrgbClr r="0" g="0" b="0"/>
+      </a:effectRef>
+      <a:fontRef idx="minor">
+        <a:schemeClr val="lt1"/>
+      </a:fontRef>
+    </dgm:style>
+  </dgm:styleLbl>
+  <dgm:styleLbl name="asst2">
+    <dgm:scene3d>
+      <a:camera prst="orthographicFront"/>
+      <a:lightRig rig="threePt" dir="t"/>
+    </dgm:scene3d>
+    <dgm:sp3d/>
+    <dgm:txPr/>
+    <dgm:style>
+      <a:lnRef idx="2">
+        <a:scrgbClr r="0" g="0" b="0"/>
+      </a:lnRef>
+      <a:fillRef idx="1">
+        <a:scrgbClr r="0" g="0" b="0"/>
+      </a:fillRef>
+      <a:effectRef idx="0">
+        <a:scrgbClr r="0" g="0" b="0"/>
+      </a:effectRef>
+      <a:fontRef idx="minor">
+        <a:schemeClr val="lt1"/>
+      </a:fontRef>
+    </dgm:style>
+  </dgm:styleLbl>
+  <dgm:styleLbl name="asst3">
+    <dgm:scene3d>
+      <a:camera prst="orthographicFront"/>
+      <a:lightRig rig="threePt" dir="t"/>
+    </dgm:scene3d>
+    <dgm:sp3d/>
+    <dgm:txPr/>
+    <dgm:style>
+      <a:lnRef idx="2">
+        <a:scrgbClr r="0" g="0" b="0"/>
+      </a:lnRef>
+      <a:fillRef idx="1">
+        <a:scrgbClr r="0" g="0" b="0"/>
+      </a:fillRef>
+      <a:effectRef idx="0">
+        <a:scrgbClr r="0" g="0" b="0"/>
+      </a:effectRef>
+      <a:fontRef idx="minor">
+        <a:schemeClr val="lt1"/>
+      </a:fontRef>
+    </dgm:style>
+  </dgm:styleLbl>
+  <dgm:styleLbl name="asst4">
+    <dgm:scene3d>
+      <a:camera prst="orthographicFront"/>
+      <a:lightRig rig="threePt" dir="t"/>
+    </dgm:scene3d>
+    <dgm:sp3d/>
+    <dgm:txPr/>
+    <dgm:style>
+      <a:lnRef idx="2">
+        <a:scrgbClr r="0" g="0" b="0"/>
+      </a:lnRef>
+      <a:fillRef idx="1">
+        <a:scrgbClr r="0" g="0" b="0"/>
+      </a:fillRef>
+      <a:effectRef idx="0">
+        <a:scrgbClr r="0" g="0" b="0"/>
+      </a:effectRef>
+      <a:fontRef idx="minor">
+        <a:schemeClr val="lt1"/>
+      </a:fontRef>
+    </dgm:style>
+  </dgm:styleLbl>
+  <dgm:styleLbl name="parChTrans2D1">
+    <dgm:scene3d>
+      <a:camera prst="orthographicFront"/>
+      <a:lightRig rig="threePt" dir="t"/>
+    </dgm:scene3d>
+    <dgm:sp3d/>
+    <dgm:txPr/>
+    <dgm:style>
+      <a:lnRef idx="2">
+        <a:scrgbClr r="0" g="0" b="0"/>
+      </a:lnRef>
+      <a:fillRef idx="1">
+        <a:scrgbClr r="0" g="0" b="0"/>
+      </a:fillRef>
+      <a:effectRef idx="0">
+        <a:scrgbClr r="0" g="0" b="0"/>
+      </a:effectRef>
+      <a:fontRef idx="minor">
+        <a:schemeClr val="lt1"/>
+      </a:fontRef>
+    </dgm:style>
+  </dgm:styleLbl>
+  <dgm:styleLbl name="parChTrans2D2">
+    <dgm:scene3d>
+      <a:camera prst="orthographicFront"/>
+      <a:lightRig rig="threePt" dir="t"/>
+    </dgm:scene3d>
+    <dgm:sp3d/>
+    <dgm:txPr/>
+    <dgm:style>
+      <a:lnRef idx="2">
+        <a:scrgbClr r="0" g="0" b="0"/>
+      </a:lnRef>
+      <a:fillRef idx="1">
+        <a:scrgbClr r="0" g="0" b="0"/>
+      </a:fillRef>
+      <a:effectRef idx="0">
+        <a:scrgbClr r="0" g="0" b="0"/>
+      </a:effectRef>
+      <a:fontRef idx="minor">
+        <a:schemeClr val="lt1"/>
+      </a:fontRef>
+    </dgm:style>
+  </dgm:styleLbl>
+  <dgm:styleLbl name="parChTrans2D3">
+    <dgm:scene3d>
+      <a:camera prst="orthographicFront"/>
+      <a:lightRig rig="threePt" dir="t"/>
+    </dgm:scene3d>
+    <dgm:sp3d/>
+    <dgm:txPr/>
+    <dgm:style>
+      <a:lnRef idx="2">
+        <a:scrgbClr r="0" g="0" b="0"/>
+      </a:lnRef>
+      <a:fillRef idx="1">
+        <a:scrgbClr r="0" g="0" b="0"/>
+      </a:fillRef>
+      <a:effectRef idx="0">
+        <a:scrgbClr r="0" g="0" b="0"/>
+      </a:effectRef>
+      <a:fontRef idx="minor">
+        <a:schemeClr val="lt1"/>
+      </a:fontRef>
+    </dgm:style>
+  </dgm:styleLbl>
+  <dgm:styleLbl name="parChTrans2D4">
+    <dgm:scene3d>
+      <a:camera prst="orthographicFront"/>
+      <a:lightRig rig="threePt" dir="t"/>
+    </dgm:scene3d>
+    <dgm:sp3d/>
+    <dgm:txPr/>
+    <dgm:style>
+      <a:lnRef idx="2">
+        <a:scrgbClr r="0" g="0" b="0"/>
+      </a:lnRef>
+      <a:fillRef idx="1">
+        <a:scrgbClr r="0" g="0" b="0"/>
+      </a:fillRef>
+      <a:effectRef idx="0">
+        <a:scrgbClr r="0" g="0" b="0"/>
+      </a:effectRef>
+      <a:fontRef idx="minor">
+        <a:schemeClr val="lt1"/>
+      </a:fontRef>
+    </dgm:style>
+  </dgm:styleLbl>
+  <dgm:styleLbl name="parChTrans1D1">
+    <dgm:scene3d>
+      <a:camera prst="orthographicFront"/>
+      <a:lightRig rig="threePt" dir="t"/>
+    </dgm:scene3d>
+    <dgm:sp3d/>
+    <dgm:txPr/>
+    <dgm:style>
+      <a:lnRef idx="2">
+        <a:scrgbClr r="0" g="0" b="0"/>
+      </a:lnRef>
+      <a:fillRef idx="0">
+        <a:scrgbClr r="0" g="0" b="0"/>
+      </a:fillRef>
+      <a:effectRef idx="0">
+        <a:scrgbClr r="0" g="0" b="0"/>
+      </a:effectRef>
+      <a:fontRef idx="minor"/>
+    </dgm:style>
+  </dgm:styleLbl>
+  <dgm:styleLbl name="parChTrans1D2">
+    <dgm:scene3d>
+      <a:camera prst="orthographicFront"/>
+      <a:lightRig rig="threePt" dir="t"/>
+    </dgm:scene3d>
+    <dgm:sp3d/>
+    <dgm:txPr/>
+    <dgm:style>
+      <a:lnRef idx="2">
+        <a:scrgbClr r="0" g="0" b="0"/>
+      </a:lnRef>
+      <a:fillRef idx="0">
+        <a:scrgbClr r="0" g="0" b="0"/>
+      </a:fillRef>
+      <a:effectRef idx="0">
+        <a:scrgbClr r="0" g="0" b="0"/>
+      </a:effectRef>
+      <a:fontRef idx="minor"/>
+    </dgm:style>
+  </dgm:styleLbl>
+  <dgm:styleLbl name="parChTrans1D3">
+    <dgm:scene3d>
+      <a:camera prst="orthographicFront"/>
+      <a:lightRig rig="threePt" dir="t"/>
+    </dgm:scene3d>
+    <dgm:sp3d/>
+    <dgm:txPr/>
+    <dgm:style>
+      <a:lnRef idx="2">
+        <a:scrgbClr r="0" g="0" b="0"/>
+      </a:lnRef>
+      <a:fillRef idx="0">
+        <a:scrgbClr r="0" g="0" b="0"/>
+      </a:fillRef>
+      <a:effectRef idx="0">
+        <a:scrgbClr r="0" g="0" b="0"/>
+      </a:effectRef>
+      <a:fontRef idx="minor"/>
+    </dgm:style>
+  </dgm:styleLbl>
+  <dgm:styleLbl name="parChTrans1D4">
+    <dgm:scene3d>
+      <a:camera prst="orthographicFront"/>
+      <a:lightRig rig="threePt" dir="t"/>
+    </dgm:scene3d>
+    <dgm:sp3d/>
+    <dgm:txPr/>
+    <dgm:style>
+      <a:lnRef idx="2">
+        <a:scrgbClr r="0" g="0" b="0"/>
+      </a:lnRef>
+      <a:fillRef idx="0">
+        <a:scrgbClr r="0" g="0" b="0"/>
+      </a:fillRef>
+      <a:effectRef idx="0">
+        <a:scrgbClr r="0" g="0" b="0"/>
+      </a:effectRef>
+      <a:fontRef idx="minor"/>
+    </dgm:style>
+  </dgm:styleLbl>
+  <dgm:styleLbl name="fgAcc1">
+    <dgm:scene3d>
+      <a:camera prst="orthographicFront"/>
+      <a:lightRig rig="threePt" dir="t"/>
+    </dgm:scene3d>
+    <dgm:sp3d/>
+    <dgm:txPr/>
+    <dgm:style>
+      <a:lnRef idx="2">
+        <a:scrgbClr r="0" g="0" b="0"/>
+      </a:lnRef>
+      <a:fillRef idx="1">
+        <a:scrgbClr r="0" g="0" b="0"/>
+      </a:fillRef>
+      <a:effectRef idx="0">
+        <a:scrgbClr r="0" g="0" b="0"/>
+      </a:effectRef>
+      <a:fontRef idx="minor"/>
+    </dgm:style>
+  </dgm:styleLbl>
+  <dgm:styleLbl name="conFgAcc1">
+    <dgm:scene3d>
+      <a:camera prst="orthographicFront"/>
+      <a:lightRig rig="threePt" dir="t"/>
+    </dgm:scene3d>
+    <dgm:sp3d/>
+    <dgm:txPr/>
+    <dgm:style>
+      <a:lnRef idx="2">
+        <a:scrgbClr r="0" g="0" b="0"/>
+      </a:lnRef>
+      <a:fillRef idx="1">
+        <a:scrgbClr r="0" g="0" b="0"/>
+      </a:fillRef>
+      <a:effectRef idx="0">
+        <a:scrgbClr r="0" g="0" b="0"/>
+      </a:effectRef>
+      <a:fontRef idx="minor"/>
+    </dgm:style>
+  </dgm:styleLbl>
+  <dgm:styleLbl name="alignAcc1">
+    <dgm:scene3d>
+      <a:camera prst="orthographicFront"/>
+      <a:lightRig rig="threePt" dir="t"/>
+    </dgm:scene3d>
+    <dgm:sp3d/>
+    <dgm:txPr/>
+    <dgm:style>
+      <a:lnRef idx="2">
+        <a:scrgbClr r="0" g="0" b="0"/>
+      </a:lnRef>
+      <a:fillRef idx="1">
+        <a:scrgbClr r="0" g="0" b="0"/>
+      </a:fillRef>
+      <a:effectRef idx="0">
+        <a:scrgbClr r="0" g="0" b="0"/>
+      </a:effectRef>
+      <a:fontRef idx="minor"/>
+    </dgm:style>
+  </dgm:styleLbl>
+  <dgm:styleLbl name="trAlignAcc1">
+    <dgm:scene3d>
+      <a:camera prst="orthographicFront"/>
+      <a:lightRig rig="threePt" dir="t"/>
+    </dgm:scene3d>
+    <dgm:sp3d/>
+    <dgm:txPr/>
+    <dgm:style>
+      <a:lnRef idx="1">
+        <a:scrgbClr r="0" g="0" b="0"/>
+      </a:lnRef>
+      <a:fillRef idx="1">
+        <a:scrgbClr r="0" g="0" b="0"/>
+      </a:fillRef>
+      <a:effectRef idx="0">
+        <a:scrgbClr r="0" g="0" b="0"/>
+      </a:effectRef>
+      <a:fontRef idx="minor"/>
+    </dgm:style>
+  </dgm:styleLbl>
+  <dgm:styleLbl name="bgAcc1">
+    <dgm:scene3d>
+      <a:camera prst="orthographicFront"/>
+      <a:lightRig rig="threePt" dir="t"/>
+    </dgm:scene3d>
+    <dgm:sp3d/>
+    <dgm:txPr/>
+    <dgm:style>
+      <a:lnRef idx="2">
+        <a:scrgbClr r="0" g="0" b="0"/>
+      </a:lnRef>
+      <a:fillRef idx="1">
+        <a:scrgbClr r="0" g="0" b="0"/>
+      </a:fillRef>
+      <a:effectRef idx="0">
+        <a:scrgbClr r="0" g="0" b="0"/>
+      </a:effectRef>
+      <a:fontRef idx="minor"/>
+    </dgm:style>
+  </dgm:styleLbl>
+  <dgm:styleLbl name="solidFgAcc1">
+    <dgm:scene3d>
+      <a:camera prst="orthographicFront"/>
+      <a:lightRig rig="threePt" dir="t"/>
+    </dgm:scene3d>
+    <dgm:sp3d/>
+    <dgm:txPr/>
+    <dgm:style>
+      <a:lnRef idx="2">
+        <a:scrgbClr r="0" g="0" b="0"/>
+      </a:lnRef>
+      <a:fillRef idx="1">
+        <a:scrgbClr r="0" g="0" b="0"/>
+      </a:fillRef>
+      <a:effectRef idx="0">
+        <a:scrgbClr r="0" g="0" b="0"/>
+      </a:effectRef>
+      <a:fontRef idx="minor"/>
+    </dgm:style>
+  </dgm:styleLbl>
+  <dgm:styleLbl name="solidAlignAcc1">
+    <dgm:scene3d>
+      <a:camera prst="orthographicFront"/>
+      <a:lightRig rig="threePt" dir="t"/>
+    </dgm:scene3d>
+    <dgm:sp3d/>
+    <dgm:txPr/>
+    <dgm:style>
+      <a:lnRef idx="2">
+        <a:scrgbClr r="0" g="0" b="0"/>
+      </a:lnRef>
+      <a:fillRef idx="1">
+        <a:scrgbClr r="0" g="0" b="0"/>
+      </a:fillRef>
+      <a:effectRef idx="0">
+        <a:scrgbClr r="0" g="0" b="0"/>
+      </a:effectRef>
+      <a:fontRef idx="minor"/>
+    </dgm:style>
+  </dgm:styleLbl>
+  <dgm:styleLbl name="solidBgAcc1">
+    <dgm:scene3d>
+      <a:camera prst="orthographicFront"/>
+      <a:lightRig rig="threePt" dir="t"/>
+    </dgm:scene3d>
+    <dgm:sp3d/>
+    <dgm:txPr/>
+    <dgm:style>
+      <a:lnRef idx="2">
+        <a:scrgbClr r="0" g="0" b="0"/>
+      </a:lnRef>
+      <a:fillRef idx="1">
+        <a:scrgbClr r="0" g="0" b="0"/>
+      </a:fillRef>
+      <a:effectRef idx="0">
+        <a:scrgbClr r="0" g="0" b="0"/>
+      </a:effectRef>
+      <a:fontRef idx="minor"/>
+    </dgm:style>
+  </dgm:styleLbl>
+  <dgm:styleLbl name="fgAccFollowNode1">
+    <dgm:scene3d>
+      <a:camera prst="orthographicFront"/>
+      <a:lightRig rig="threePt" dir="t"/>
+    </dgm:scene3d>
+    <dgm:sp3d/>
+    <dgm:txPr/>
+    <dgm:style>
+      <a:lnRef idx="2">
+        <a:scrgbClr r="0" g="0" b="0"/>
+      </a:lnRef>
+      <a:fillRef idx="1">
+        <a:scrgbClr r="0" g="0" b="0"/>
+      </a:fillRef>
+      <a:effectRef idx="0">
+        <a:scrgbClr r="0" g="0" b="0"/>
+      </a:effectRef>
+      <a:fontRef idx="minor"/>
+    </dgm:style>
+  </dgm:styleLbl>
+  <dgm:styleLbl name="alignAccFollowNode1">
+    <dgm:scene3d>
+      <a:camera prst="orthographicFront"/>
+      <a:lightRig rig="threePt" dir="t"/>
+    </dgm:scene3d>
+    <dgm:sp3d/>
+    <dgm:txPr/>
+    <dgm:style>
+      <a:lnRef idx="2">
+        <a:scrgbClr r="0" g="0" b="0"/>
+      </a:lnRef>
+      <a:fillRef idx="1">
+        <a:scrgbClr r="0" g="0" b="0"/>
+      </a:fillRef>
+      <a:effectRef idx="0">
+        <a:scrgbClr r="0" g="0" b="0"/>
+      </a:effectRef>
+      <a:fontRef idx="minor"/>
+    </dgm:style>
+  </dgm:styleLbl>
+  <dgm:styleLbl name="bgAccFollowNode1">
+    <dgm:scene3d>
+      <a:camera prst="orthographicFront"/>
+      <a:lightRig rig="threePt" dir="t"/>
+    </dgm:scene3d>
+    <dgm:sp3d/>
+    <dgm:txPr/>
+    <dgm:style>
+      <a:lnRef idx="2">
+        <a:scrgbClr r="0" g="0" b="0"/>
+      </a:lnRef>
+      <a:fillRef idx="1">
+        <a:scrgbClr r="0" g="0" b="0"/>
+      </a:fillRef>
+      <a:effectRef idx="0">
+        <a:scrgbClr r="0" g="0" b="0"/>
+      </a:effectRef>
+      <a:fontRef idx="minor"/>
+    </dgm:style>
+  </dgm:styleLbl>
+  <dgm:styleLbl name="fgAcc0">
+    <dgm:scene3d>
+      <a:camera prst="orthographicFront"/>
+      <a:lightRig rig="threePt" dir="t"/>
+    </dgm:scene3d>
+    <dgm:sp3d/>
+    <dgm:txPr/>
+    <dgm:style>
+      <a:lnRef idx="2">
+        <a:scrgbClr r="0" g="0" b="0"/>
+      </a:lnRef>
+      <a:fillRef idx="1">
+        <a:scrgbClr r="0" g="0" b="0"/>
+      </a:fillRef>
+      <a:effectRef idx="0">
+        <a:scrgbClr r="0" g="0" b="0"/>
+      </a:effectRef>
+      <a:fontRef idx="minor"/>
+    </dgm:style>
+  </dgm:styleLbl>
+  <dgm:styleLbl name="fgAcc2">
+    <dgm:scene3d>
+      <a:camera prst="orthographicFront"/>
+      <a:lightRig rig="threePt" dir="t"/>
+    </dgm:scene3d>
+    <dgm:sp3d/>
+    <dgm:txPr/>
+    <dgm:style>
+      <a:lnRef idx="2">
+        <a:scrgbClr r="0" g="0" b="0"/>
+      </a:lnRef>
+      <a:fillRef idx="1">
+        <a:scrgbClr r="0" g="0" b="0"/>
+      </a:fillRef>
+      <a:effectRef idx="0">
+        <a:scrgbClr r="0" g="0" b="0"/>
+      </a:effectRef>
+      <a:fontRef idx="minor"/>
+    </dgm:style>
+  </dgm:styleLbl>
+  <dgm:styleLbl name="fgAcc3">
+    <dgm:scene3d>
+      <a:camera prst="orthographicFront"/>
+      <a:lightRig rig="threePt" dir="t"/>
+    </dgm:scene3d>
+    <dgm:sp3d/>
+    <dgm:txPr/>
+    <dgm:style>
+      <a:lnRef idx="2">
+        <a:scrgbClr r="0" g="0" b="0"/>
+      </a:lnRef>
+      <a:fillRef idx="1">
+        <a:scrgbClr r="0" g="0" b="0"/>
+      </a:fillRef>
+      <a:effectRef idx="0">
+        <a:scrgbClr r="0" g="0" b="0"/>
+      </a:effectRef>
+      <a:fontRef idx="minor"/>
+    </dgm:style>
+  </dgm:styleLbl>
+  <dgm:styleLbl name="fgAcc4">
+    <dgm:scene3d>
+      <a:camera prst="orthographicFront"/>
+      <a:lightRig rig="threePt" dir="t"/>
+    </dgm:scene3d>
+    <dgm:sp3d/>
+    <dgm:txPr/>
+    <dgm:style>
+      <a:lnRef idx="2">
+        <a:scrgbClr r="0" g="0" b="0"/>
+      </a:lnRef>
+      <a:fillRef idx="1">
+        <a:scrgbClr r="0" g="0" b="0"/>
+      </a:fillRef>
+      <a:effectRef idx="0">
+        <a:scrgbClr r="0" g="0" b="0"/>
+      </a:effectRef>
+      <a:fontRef idx="minor"/>
+    </dgm:style>
+  </dgm:styleLbl>
+  <dgm:styleLbl name="bgShp">
+    <dgm:scene3d>
+      <a:camera prst="orthographicFront"/>
+      <a:lightRig rig="threePt" dir="t"/>
+    </dgm:scene3d>
+    <dgm:sp3d/>
+    <dgm:txPr/>
+    <dgm:style>
+      <a:lnRef idx="0">
+        <a:scrgbClr r="0" g="0" b="0"/>
+      </a:lnRef>
+      <a:fillRef idx="1">
+        <a:scrgbClr r="0" g="0" b="0"/>
+      </a:fillRef>
+      <a:effectRef idx="0">
+        <a:scrgbClr r="0" g="0" b="0"/>
+      </a:effectRef>
+      <a:fontRef idx="minor"/>
+    </dgm:style>
+  </dgm:styleLbl>
+  <dgm:styleLbl name="dkBgShp">
+    <dgm:scene3d>
+      <a:camera prst="orthographicFront"/>
+      <a:lightRig rig="threePt" dir="t"/>
+    </dgm:scene3d>
+    <dgm:sp3d/>
+    <dgm:txPr/>
+    <dgm:style>
+      <a:lnRef idx="0">
+        <a:scrgbClr r="0" g="0" b="0"/>
+      </a:lnRef>
+      <a:fillRef idx="1">
+        <a:scrgbClr r="0" g="0" b="0"/>
+      </a:fillRef>
+      <a:effectRef idx="0">
+        <a:scrgbClr r="0" g="0" b="0"/>
+      </a:effectRef>
+      <a:fontRef idx="minor"/>
+    </dgm:style>
+  </dgm:styleLbl>
+  <dgm:styleLbl name="trBgShp">
+    <dgm:scene3d>
+      <a:camera prst="orthographicFront"/>
+      <a:lightRig rig="threePt" dir="t"/>
+    </dgm:scene3d>
+    <dgm:sp3d/>
+    <dgm:txPr/>
+    <dgm:style>
+      <a:lnRef idx="0">
+        <a:scrgbClr r="0" g="0" b="0"/>
+      </a:lnRef>
+      <a:fillRef idx="1">
+        <a:scrgbClr r="0" g="0" b="0"/>
+      </a:fillRef>
+      <a:effectRef idx="0">
+        <a:scrgbClr r="0" g="0" b="0"/>
+      </a:effectRef>
+      <a:fontRef idx="minor"/>
+    </dgm:style>
+  </dgm:styleLbl>
+  <dgm:styleLbl name="fgShp">
+    <dgm:scene3d>
+      <a:camera prst="orthographicFront"/>
+      <a:lightRig rig="threePt" dir="t"/>
+    </dgm:scene3d>
+    <dgm:sp3d/>
+    <dgm:txPr/>
+    <dgm:style>
+      <a:lnRef idx="2">
+        <a:scrgbClr r="0" g="0" b="0"/>
+      </a:lnRef>
+      <a:fillRef idx="1">
+        <a:scrgbClr r="0" g="0" b="0"/>
+      </a:fillRef>
+      <a:effectRef idx="0">
+        <a:scrgbClr r="0" g="0" b="0"/>
+      </a:effectRef>
+      <a:fontRef idx="minor"/>
+    </dgm:style>
+  </dgm:styleLbl>
+  <dgm:styleLbl name="revTx">
+    <dgm:scene3d>
+      <a:camera prst="orthographicFront"/>
+      <a:lightRig rig="threePt" dir="t"/>
+    </dgm:scene3d>
+    <dgm:sp3d/>
+    <dgm:txPr/>
+    <dgm:style>
+      <a:lnRef idx="0">
+        <a:scrgbClr r="0" g="0" b="0"/>
+      </a:lnRef>
+      <a:fillRef idx="0">
+        <a:scrgbClr r="0" g="0" b="0"/>
+      </a:fillRef>
+      <a:effectRef idx="0">
+        <a:scrgbClr r="0" g="0" b="0"/>
+      </a:effectRef>
+      <a:fontRef idx="minor"/>
+    </dgm:style>
+  </dgm:styleLbl>
+</dgm:styleDef>
 </file>
 
 <file path=ppt/slideLayouts/slideLayout1.xml><?xml version="1.0" encoding="utf-8"?>
@@ -257,7 +3556,7 @@
           <a:p>
             <a:fld id="{062B8C5F-8AC5-4E7D-8456-DDA4B987C3A3}" type="datetimeFigureOut">
               <a:rPr lang="en-US" smtClean="0"/>
-              <a:t>8/16/2020</a:t>
+              <a:t>8/17/2020</a:t>
             </a:fld>
             <a:endParaRPr lang="en-US"/>
           </a:p>
@@ -457,7 +3756,7 @@
           <a:p>
             <a:fld id="{062B8C5F-8AC5-4E7D-8456-DDA4B987C3A3}" type="datetimeFigureOut">
               <a:rPr lang="en-US" smtClean="0"/>
-              <a:t>8/16/2020</a:t>
+              <a:t>8/17/2020</a:t>
             </a:fld>
             <a:endParaRPr lang="en-US"/>
           </a:p>
@@ -667,7 +3966,7 @@
           <a:p>
             <a:fld id="{062B8C5F-8AC5-4E7D-8456-DDA4B987C3A3}" type="datetimeFigureOut">
               <a:rPr lang="en-US" smtClean="0"/>
-              <a:t>8/16/2020</a:t>
+              <a:t>8/17/2020</a:t>
             </a:fld>
             <a:endParaRPr lang="en-US"/>
           </a:p>
@@ -867,7 +4166,7 @@
           <a:p>
             <a:fld id="{062B8C5F-8AC5-4E7D-8456-DDA4B987C3A3}" type="datetimeFigureOut">
               <a:rPr lang="en-US" smtClean="0"/>
-              <a:t>8/16/2020</a:t>
+              <a:t>8/17/2020</a:t>
             </a:fld>
             <a:endParaRPr lang="en-US"/>
           </a:p>
@@ -1143,7 +4442,7 @@
           <a:p>
             <a:fld id="{062B8C5F-8AC5-4E7D-8456-DDA4B987C3A3}" type="datetimeFigureOut">
               <a:rPr lang="en-US" smtClean="0"/>
-              <a:t>8/16/2020</a:t>
+              <a:t>8/17/2020</a:t>
             </a:fld>
             <a:endParaRPr lang="en-US"/>
           </a:p>
@@ -1411,7 +4710,7 @@
           <a:p>
             <a:fld id="{062B8C5F-8AC5-4E7D-8456-DDA4B987C3A3}" type="datetimeFigureOut">
               <a:rPr lang="en-US" smtClean="0"/>
-              <a:t>8/16/2020</a:t>
+              <a:t>8/17/2020</a:t>
             </a:fld>
             <a:endParaRPr lang="en-US"/>
           </a:p>
@@ -1826,7 +5125,7 @@
           <a:p>
             <a:fld id="{062B8C5F-8AC5-4E7D-8456-DDA4B987C3A3}" type="datetimeFigureOut">
               <a:rPr lang="en-US" smtClean="0"/>
-              <a:t>8/16/2020</a:t>
+              <a:t>8/17/2020</a:t>
             </a:fld>
             <a:endParaRPr lang="en-US"/>
           </a:p>
@@ -1968,7 +5267,7 @@
           <a:p>
             <a:fld id="{062B8C5F-8AC5-4E7D-8456-DDA4B987C3A3}" type="datetimeFigureOut">
               <a:rPr lang="en-US" smtClean="0"/>
-              <a:t>8/16/2020</a:t>
+              <a:t>8/17/2020</a:t>
             </a:fld>
             <a:endParaRPr lang="en-US"/>
           </a:p>
@@ -2081,7 +5380,7 @@
           <a:p>
             <a:fld id="{062B8C5F-8AC5-4E7D-8456-DDA4B987C3A3}" type="datetimeFigureOut">
               <a:rPr lang="en-US" smtClean="0"/>
-              <a:t>8/16/2020</a:t>
+              <a:t>8/17/2020</a:t>
             </a:fld>
             <a:endParaRPr lang="en-US"/>
           </a:p>
@@ -2394,7 +5693,7 @@
           <a:p>
             <a:fld id="{062B8C5F-8AC5-4E7D-8456-DDA4B987C3A3}" type="datetimeFigureOut">
               <a:rPr lang="en-US" smtClean="0"/>
-              <a:t>8/16/2020</a:t>
+              <a:t>8/17/2020</a:t>
             </a:fld>
             <a:endParaRPr lang="en-US"/>
           </a:p>
@@ -2683,7 +5982,7 @@
           <a:p>
             <a:fld id="{062B8C5F-8AC5-4E7D-8456-DDA4B987C3A3}" type="datetimeFigureOut">
               <a:rPr lang="en-US" smtClean="0"/>
-              <a:t>8/16/2020</a:t>
+              <a:t>8/17/2020</a:t>
             </a:fld>
             <a:endParaRPr lang="en-US"/>
           </a:p>
@@ -2926,7 +6225,7 @@
           <a:p>
             <a:fld id="{062B8C5F-8AC5-4E7D-8456-DDA4B987C3A3}" type="datetimeFigureOut">
               <a:rPr lang="en-US" smtClean="0"/>
-              <a:t>8/16/2020</a:t>
+              <a:t>8/17/2020</a:t>
             </a:fld>
             <a:endParaRPr lang="en-US"/>
           </a:p>
@@ -4085,7 +7384,7 @@
 </p:sld>
 </file>
 
-<file path=ppt/slides/slide2.xml><?xml version="1.0" encoding="utf-8"?>
+<file path=ppt/slides/slide10.xml><?xml version="1.0" encoding="utf-8"?>
 <p:sld xmlns:a="http://schemas.openxmlformats.org/drawingml/2006/main" xmlns:r="http://schemas.openxmlformats.org/officeDocument/2006/relationships" xmlns:p="http://schemas.openxmlformats.org/presentationml/2006/main">
   <p:cSld>
     <p:bg>
@@ -4112,10 +7411,10 @@
       </p:grpSpPr>
       <p:sp>
         <p:nvSpPr>
-          <p:cNvPr id="2" name="Titel 1">
+          <p:cNvPr id="2" name="Title 1">
             <a:extLst>
               <a:ext uri="{FF2B5EF4-FFF2-40B4-BE49-F238E27FC236}">
-                <a16:creationId xmlns:a16="http://schemas.microsoft.com/office/drawing/2014/main" id="{6EFD0A7E-E313-411F-979B-725290ADB1CD}"/>
+                <a16:creationId xmlns:a16="http://schemas.microsoft.com/office/drawing/2014/main" id="{975D5733-3DD3-4876-AAED-4C480AFB14A6}"/>
               </a:ext>
             </a:extLst>
           </p:cNvPr>
@@ -4138,7 +7437,10 @@
           </a:bodyPr>
           <a:lstStyle/>
           <a:p>
-            <a:endParaRPr lang="en-US"/>
+            <a:r>
+              <a:rPr lang="da-DK" dirty="0"/>
+              <a:t>Demo</a:t>
+            </a:r>
           </a:p>
         </p:txBody>
       </p:sp>
@@ -4614,10 +7916,10 @@
       </p:sp>
       <p:sp>
         <p:nvSpPr>
-          <p:cNvPr id="3" name="Pladsholder til indhold 2">
+          <p:cNvPr id="3" name="Content Placeholder 2">
             <a:extLst>
               <a:ext uri="{FF2B5EF4-FFF2-40B4-BE49-F238E27FC236}">
-                <a16:creationId xmlns:a16="http://schemas.microsoft.com/office/drawing/2014/main" id="{310DAE20-BB2F-4D4D-9288-DC3604E989C0}"/>
+                <a16:creationId xmlns:a16="http://schemas.microsoft.com/office/drawing/2014/main" id="{3C53FBCB-6B1C-447C-B96A-CB2AB3F289C1}"/>
               </a:ext>
             </a:extLst>
           </p:cNvPr>
@@ -4640,7 +7942,614 @@
           </a:bodyPr>
           <a:lstStyle/>
           <a:p>
-            <a:endParaRPr lang="en-US" sz="2400"/>
+            <a:endParaRPr lang="da-DK" sz="2400"/>
+          </a:p>
+        </p:txBody>
+      </p:sp>
+    </p:spTree>
+    <p:extLst>
+      <p:ext uri="{BB962C8B-B14F-4D97-AF65-F5344CB8AC3E}">
+        <p14:creationId xmlns:p14="http://schemas.microsoft.com/office/powerpoint/2010/main" val="589269416"/>
+      </p:ext>
+    </p:extLst>
+  </p:cSld>
+  <p:clrMapOvr>
+    <a:masterClrMapping/>
+  </p:clrMapOvr>
+</p:sld>
+</file>
+
+<file path=ppt/slides/slide2.xml><?xml version="1.0" encoding="utf-8"?>
+<p:sld xmlns:a="http://schemas.openxmlformats.org/drawingml/2006/main" xmlns:r="http://schemas.openxmlformats.org/officeDocument/2006/relationships" xmlns:p="http://schemas.openxmlformats.org/presentationml/2006/main">
+  <p:cSld>
+    <p:bg>
+      <p:bgPr>
+        <a:solidFill>
+          <a:schemeClr val="bg1"/>
+        </a:solidFill>
+        <a:effectLst/>
+      </p:bgPr>
+    </p:bg>
+    <p:spTree>
+      <p:nvGrpSpPr>
+        <p:cNvPr id="1" name=""/>
+        <p:cNvGrpSpPr/>
+        <p:nvPr/>
+      </p:nvGrpSpPr>
+      <p:grpSpPr>
+        <a:xfrm>
+          <a:off x="0" y="0"/>
+          <a:ext cx="0" cy="0"/>
+          <a:chOff x="0" y="0"/>
+          <a:chExt cx="0" cy="0"/>
+        </a:xfrm>
+      </p:grpSpPr>
+      <p:sp>
+        <p:nvSpPr>
+          <p:cNvPr id="2" name="Titel 1">
+            <a:extLst>
+              <a:ext uri="{FF2B5EF4-FFF2-40B4-BE49-F238E27FC236}">
+                <a16:creationId xmlns:a16="http://schemas.microsoft.com/office/drawing/2014/main" id="{6EFD0A7E-E313-411F-979B-725290ADB1CD}"/>
+              </a:ext>
+            </a:extLst>
+          </p:cNvPr>
+          <p:cNvSpPr>
+            <a:spLocks noGrp="1"/>
+          </p:cNvSpPr>
+          <p:nvPr>
+            <p:ph type="title"/>
+          </p:nvPr>
+        </p:nvSpPr>
+        <p:spPr>
+          <a:xfrm>
+            <a:off x="1653363" y="365760"/>
+            <a:ext cx="9367203" cy="1188720"/>
+          </a:xfrm>
+        </p:spPr>
+        <p:txBody>
+          <a:bodyPr>
+            <a:normAutofit/>
+          </a:bodyPr>
+          <a:lstStyle/>
+          <a:p>
+            <a:r>
+              <a:rPr lang="da-DK" dirty="0"/>
+              <a:t>Hvorfor bruge </a:t>
+            </a:r>
+            <a:r>
+              <a:rPr lang="da-DK" dirty="0" err="1"/>
+              <a:t>webcomponent</a:t>
+            </a:r>
+            <a:r>
+              <a:rPr lang="da-DK" dirty="0"/>
+              <a:t>?</a:t>
+            </a:r>
+            <a:endParaRPr lang="en-US" dirty="0"/>
+          </a:p>
+        </p:txBody>
+      </p:sp>
+      <p:sp>
+        <p:nvSpPr>
+          <p:cNvPr id="8" name="Freeform: Shape 7">
+            <a:extLst>
+              <a:ext uri="{FF2B5EF4-FFF2-40B4-BE49-F238E27FC236}">
+                <a16:creationId xmlns:a16="http://schemas.microsoft.com/office/drawing/2014/main" id="{7CB4857B-ED7C-444D-9F04-2F885114A1C2}"/>
+              </a:ext>
+              <a:ext uri="{C183D7F6-B498-43B3-948B-1728B52AA6E4}">
+                <adec:decorative xmlns:adec="http://schemas.microsoft.com/office/drawing/2017/decorative" val="1"/>
+              </a:ext>
+            </a:extLst>
+          </p:cNvPr>
+          <p:cNvSpPr>
+            <a:spLocks noGrp="1" noRot="1" noChangeAspect="1" noMove="1" noResize="1" noEditPoints="1" noAdjustHandles="1" noChangeArrowheads="1" noChangeShapeType="1" noTextEdit="1"/>
+          </p:cNvSpPr>
+          <p:nvPr>
+            <p:extLst>
+              <p:ext uri="{386F3935-93C4-4BCD-93E2-E3B085C9AB24}">
+                <p16:designElem xmlns:p16="http://schemas.microsoft.com/office/powerpoint/2015/main" val="1"/>
+              </p:ext>
+            </p:extLst>
+          </p:nvPr>
+        </p:nvSpPr>
+        <p:spPr>
+          <a:xfrm>
+            <a:off x="1" y="0"/>
+            <a:ext cx="1764099" cy="1558212"/>
+          </a:xfrm>
+          <a:custGeom>
+            <a:avLst/>
+            <a:gdLst>
+              <a:gd name="connsiteX0" fmla="*/ 0 w 1764099"/>
+              <a:gd name="connsiteY0" fmla="*/ 0 h 1558212"/>
+              <a:gd name="connsiteX1" fmla="*/ 1764099 w 1764099"/>
+              <a:gd name="connsiteY1" fmla="*/ 0 h 1558212"/>
+              <a:gd name="connsiteX2" fmla="*/ 1042087 w 1764099"/>
+              <a:gd name="connsiteY2" fmla="*/ 1558212 h 1558212"/>
+              <a:gd name="connsiteX3" fmla="*/ 0 w 1764099"/>
+              <a:gd name="connsiteY3" fmla="*/ 1558212 h 1558212"/>
+            </a:gdLst>
+            <a:ahLst/>
+            <a:cxnLst>
+              <a:cxn ang="0">
+                <a:pos x="connsiteX0" y="connsiteY0"/>
+              </a:cxn>
+              <a:cxn ang="0">
+                <a:pos x="connsiteX1" y="connsiteY1"/>
+              </a:cxn>
+              <a:cxn ang="0">
+                <a:pos x="connsiteX2" y="connsiteY2"/>
+              </a:cxn>
+              <a:cxn ang="0">
+                <a:pos x="connsiteX3" y="connsiteY3"/>
+              </a:cxn>
+            </a:cxnLst>
+            <a:rect l="l" t="t" r="r" b="b"/>
+            <a:pathLst>
+              <a:path w="1764099" h="1558212">
+                <a:moveTo>
+                  <a:pt x="0" y="0"/>
+                </a:moveTo>
+                <a:lnTo>
+                  <a:pt x="1764099" y="0"/>
+                </a:lnTo>
+                <a:lnTo>
+                  <a:pt x="1042087" y="1558212"/>
+                </a:lnTo>
+                <a:lnTo>
+                  <a:pt x="0" y="1558212"/>
+                </a:lnTo>
+                <a:close/>
+              </a:path>
+            </a:pathLst>
+          </a:custGeom>
+          <a:solidFill>
+            <a:schemeClr val="accent4"/>
+          </a:solidFill>
+          <a:ln>
+            <a:noFill/>
+          </a:ln>
+        </p:spPr>
+        <p:style>
+          <a:lnRef idx="2">
+            <a:schemeClr val="accent1">
+              <a:shade val="50000"/>
+            </a:schemeClr>
+          </a:lnRef>
+          <a:fillRef idx="1">
+            <a:schemeClr val="accent1"/>
+          </a:fillRef>
+          <a:effectRef idx="0">
+            <a:schemeClr val="accent1"/>
+          </a:effectRef>
+          <a:fontRef idx="minor">
+            <a:schemeClr val="lt1"/>
+          </a:fontRef>
+        </p:style>
+        <p:txBody>
+          <a:bodyPr wrap="square" rtlCol="0" anchor="ctr">
+            <a:noAutofit/>
+          </a:bodyPr>
+          <a:lstStyle/>
+          <a:p>
+            <a:pPr algn="ctr"/>
+            <a:endParaRPr lang="en-US"/>
+          </a:p>
+        </p:txBody>
+      </p:sp>
+      <p:sp>
+        <p:nvSpPr>
+          <p:cNvPr id="10" name="Freeform: Shape 9">
+            <a:extLst>
+              <a:ext uri="{FF2B5EF4-FFF2-40B4-BE49-F238E27FC236}">
+                <a16:creationId xmlns:a16="http://schemas.microsoft.com/office/drawing/2014/main" id="{D18046FB-44EA-4FD8-A585-EA09A319B2D0}"/>
+              </a:ext>
+              <a:ext uri="{C183D7F6-B498-43B3-948B-1728B52AA6E4}">
+                <adec:decorative xmlns:adec="http://schemas.microsoft.com/office/drawing/2017/decorative" val="1"/>
+              </a:ext>
+            </a:extLst>
+          </p:cNvPr>
+          <p:cNvSpPr>
+            <a:spLocks noGrp="1" noRot="1" noChangeAspect="1" noMove="1" noResize="1" noEditPoints="1" noAdjustHandles="1" noChangeArrowheads="1" noChangeShapeType="1" noTextEdit="1"/>
+          </p:cNvSpPr>
+          <p:nvPr>
+            <p:extLst>
+              <p:ext uri="{386F3935-93C4-4BCD-93E2-E3B085C9AB24}">
+                <p16:designElem xmlns:p16="http://schemas.microsoft.com/office/powerpoint/2015/main" val="1"/>
+              </p:ext>
+            </p:extLst>
+          </p:nvPr>
+        </p:nvSpPr>
+        <p:spPr>
+          <a:xfrm>
+            <a:off x="1" y="1691640"/>
+            <a:ext cx="12191999" cy="5166360"/>
+          </a:xfrm>
+          <a:custGeom>
+            <a:avLst/>
+            <a:gdLst>
+              <a:gd name="connsiteX0" fmla="*/ 0 w 12191999"/>
+              <a:gd name="connsiteY0" fmla="*/ 0 h 5166360"/>
+              <a:gd name="connsiteX1" fmla="*/ 1822388 w 12191999"/>
+              <a:gd name="connsiteY1" fmla="*/ 0 h 5166360"/>
+              <a:gd name="connsiteX2" fmla="*/ 6468290 w 12191999"/>
+              <a:gd name="connsiteY2" fmla="*/ 0 h 5166360"/>
+              <a:gd name="connsiteX3" fmla="*/ 7796394 w 12191999"/>
+              <a:gd name="connsiteY3" fmla="*/ 0 h 5166360"/>
+              <a:gd name="connsiteX4" fmla="*/ 8376834 w 12191999"/>
+              <a:gd name="connsiteY4" fmla="*/ 0 h 5166360"/>
+              <a:gd name="connsiteX5" fmla="*/ 9704938 w 12191999"/>
+              <a:gd name="connsiteY5" fmla="*/ 0 h 5166360"/>
+              <a:gd name="connsiteX6" fmla="*/ 9704938 w 12191999"/>
+              <a:gd name="connsiteY6" fmla="*/ 2 h 5166360"/>
+              <a:gd name="connsiteX7" fmla="*/ 10283456 w 12191999"/>
+              <a:gd name="connsiteY7" fmla="*/ 2 h 5166360"/>
+              <a:gd name="connsiteX8" fmla="*/ 10863897 w 12191999"/>
+              <a:gd name="connsiteY8" fmla="*/ 2 h 5166360"/>
+              <a:gd name="connsiteX9" fmla="*/ 12191999 w 12191999"/>
+              <a:gd name="connsiteY9" fmla="*/ 2 h 5166360"/>
+              <a:gd name="connsiteX10" fmla="*/ 12191999 w 12191999"/>
+              <a:gd name="connsiteY10" fmla="*/ 5166360 h 5166360"/>
+              <a:gd name="connsiteX11" fmla="*/ 0 w 12191999"/>
+              <a:gd name="connsiteY11" fmla="*/ 5166360 h 5166360"/>
+              <a:gd name="connsiteX12" fmla="*/ 0 w 12191999"/>
+              <a:gd name="connsiteY12" fmla="*/ 2604436 h 5166360"/>
+              <a:gd name="connsiteX13" fmla="*/ 862341 w 12191999"/>
+              <a:gd name="connsiteY13" fmla="*/ 743371 h 5166360"/>
+              <a:gd name="connsiteX14" fmla="*/ 0 w 12191999"/>
+              <a:gd name="connsiteY14" fmla="*/ 743371 h 5166360"/>
+              <a:gd name="connsiteX15" fmla="*/ 0 w 12191999"/>
+              <a:gd name="connsiteY15" fmla="*/ 742508 h 5166360"/>
+              <a:gd name="connsiteX16" fmla="*/ 92826 w 12191999"/>
+              <a:gd name="connsiteY16" fmla="*/ 742508 h 5166360"/>
+              <a:gd name="connsiteX17" fmla="*/ 406486 w 12191999"/>
+              <a:gd name="connsiteY17" fmla="*/ 742508 h 5166360"/>
+              <a:gd name="connsiteX18" fmla="*/ 406486 w 12191999"/>
+              <a:gd name="connsiteY18" fmla="*/ 742507 h 5166360"/>
+              <a:gd name="connsiteX19" fmla="*/ 862741 w 12191999"/>
+              <a:gd name="connsiteY19" fmla="*/ 742507 h 5166360"/>
+              <a:gd name="connsiteX20" fmla="*/ 1206388 w 12191999"/>
+              <a:gd name="connsiteY20" fmla="*/ 864 h 5166360"/>
+              <a:gd name="connsiteX21" fmla="*/ 748500 w 12191999"/>
+              <a:gd name="connsiteY21" fmla="*/ 864 h 5166360"/>
+              <a:gd name="connsiteX22" fmla="*/ 0 w 12191999"/>
+              <a:gd name="connsiteY22" fmla="*/ 864 h 5166360"/>
+            </a:gdLst>
+            <a:ahLst/>
+            <a:cxnLst>
+              <a:cxn ang="0">
+                <a:pos x="connsiteX0" y="connsiteY0"/>
+              </a:cxn>
+              <a:cxn ang="0">
+                <a:pos x="connsiteX1" y="connsiteY1"/>
+              </a:cxn>
+              <a:cxn ang="0">
+                <a:pos x="connsiteX2" y="connsiteY2"/>
+              </a:cxn>
+              <a:cxn ang="0">
+                <a:pos x="connsiteX3" y="connsiteY3"/>
+              </a:cxn>
+              <a:cxn ang="0">
+                <a:pos x="connsiteX4" y="connsiteY4"/>
+              </a:cxn>
+              <a:cxn ang="0">
+                <a:pos x="connsiteX5" y="connsiteY5"/>
+              </a:cxn>
+              <a:cxn ang="0">
+                <a:pos x="connsiteX6" y="connsiteY6"/>
+              </a:cxn>
+              <a:cxn ang="0">
+                <a:pos x="connsiteX7" y="connsiteY7"/>
+              </a:cxn>
+              <a:cxn ang="0">
+                <a:pos x="connsiteX8" y="connsiteY8"/>
+              </a:cxn>
+              <a:cxn ang="0">
+                <a:pos x="connsiteX9" y="connsiteY9"/>
+              </a:cxn>
+              <a:cxn ang="0">
+                <a:pos x="connsiteX10" y="connsiteY10"/>
+              </a:cxn>
+              <a:cxn ang="0">
+                <a:pos x="connsiteX11" y="connsiteY11"/>
+              </a:cxn>
+              <a:cxn ang="0">
+                <a:pos x="connsiteX12" y="connsiteY12"/>
+              </a:cxn>
+              <a:cxn ang="0">
+                <a:pos x="connsiteX13" y="connsiteY13"/>
+              </a:cxn>
+              <a:cxn ang="0">
+                <a:pos x="connsiteX14" y="connsiteY14"/>
+              </a:cxn>
+              <a:cxn ang="0">
+                <a:pos x="connsiteX15" y="connsiteY15"/>
+              </a:cxn>
+              <a:cxn ang="0">
+                <a:pos x="connsiteX16" y="connsiteY16"/>
+              </a:cxn>
+              <a:cxn ang="0">
+                <a:pos x="connsiteX17" y="connsiteY17"/>
+              </a:cxn>
+              <a:cxn ang="0">
+                <a:pos x="connsiteX18" y="connsiteY18"/>
+              </a:cxn>
+              <a:cxn ang="0">
+                <a:pos x="connsiteX19" y="connsiteY19"/>
+              </a:cxn>
+              <a:cxn ang="0">
+                <a:pos x="connsiteX20" y="connsiteY20"/>
+              </a:cxn>
+              <a:cxn ang="0">
+                <a:pos x="connsiteX21" y="connsiteY21"/>
+              </a:cxn>
+              <a:cxn ang="0">
+                <a:pos x="connsiteX22" y="connsiteY22"/>
+              </a:cxn>
+            </a:cxnLst>
+            <a:rect l="l" t="t" r="r" b="b"/>
+            <a:pathLst>
+              <a:path w="12191999" h="5166360">
+                <a:moveTo>
+                  <a:pt x="0" y="0"/>
+                </a:moveTo>
+                <a:lnTo>
+                  <a:pt x="1822388" y="0"/>
+                </a:lnTo>
+                <a:lnTo>
+                  <a:pt x="6468290" y="0"/>
+                </a:lnTo>
+                <a:lnTo>
+                  <a:pt x="7796394" y="0"/>
+                </a:lnTo>
+                <a:lnTo>
+                  <a:pt x="8376834" y="0"/>
+                </a:lnTo>
+                <a:lnTo>
+                  <a:pt x="9704938" y="0"/>
+                </a:lnTo>
+                <a:lnTo>
+                  <a:pt x="9704938" y="2"/>
+                </a:lnTo>
+                <a:lnTo>
+                  <a:pt x="10283456" y="2"/>
+                </a:lnTo>
+                <a:lnTo>
+                  <a:pt x="10863897" y="2"/>
+                </a:lnTo>
+                <a:lnTo>
+                  <a:pt x="12191999" y="2"/>
+                </a:lnTo>
+                <a:lnTo>
+                  <a:pt x="12191999" y="5166360"/>
+                </a:lnTo>
+                <a:lnTo>
+                  <a:pt x="0" y="5166360"/>
+                </a:lnTo>
+                <a:lnTo>
+                  <a:pt x="0" y="2604436"/>
+                </a:lnTo>
+                <a:lnTo>
+                  <a:pt x="862341" y="743371"/>
+                </a:lnTo>
+                <a:lnTo>
+                  <a:pt x="0" y="743371"/>
+                </a:lnTo>
+                <a:lnTo>
+                  <a:pt x="0" y="742508"/>
+                </a:lnTo>
+                <a:lnTo>
+                  <a:pt x="92826" y="742508"/>
+                </a:lnTo>
+                <a:lnTo>
+                  <a:pt x="406486" y="742508"/>
+                </a:lnTo>
+                <a:lnTo>
+                  <a:pt x="406486" y="742507"/>
+                </a:lnTo>
+                <a:lnTo>
+                  <a:pt x="862741" y="742507"/>
+                </a:lnTo>
+                <a:lnTo>
+                  <a:pt x="1206388" y="864"/>
+                </a:lnTo>
+                <a:lnTo>
+                  <a:pt x="748500" y="864"/>
+                </a:lnTo>
+                <a:lnTo>
+                  <a:pt x="0" y="864"/>
+                </a:lnTo>
+                <a:close/>
+              </a:path>
+            </a:pathLst>
+          </a:custGeom>
+          <a:solidFill>
+            <a:srgbClr val="A6A6A6">
+              <a:alpha val="49804"/>
+            </a:srgbClr>
+          </a:solidFill>
+          <a:ln>
+            <a:noFill/>
+          </a:ln>
+        </p:spPr>
+        <p:style>
+          <a:lnRef idx="2">
+            <a:schemeClr val="accent1">
+              <a:shade val="50000"/>
+            </a:schemeClr>
+          </a:lnRef>
+          <a:fillRef idx="1">
+            <a:schemeClr val="accent1"/>
+          </a:fillRef>
+          <a:effectRef idx="0">
+            <a:schemeClr val="accent1"/>
+          </a:effectRef>
+          <a:fontRef idx="minor">
+            <a:schemeClr val="lt1"/>
+          </a:fontRef>
+        </p:style>
+        <p:txBody>
+          <a:bodyPr wrap="square" rtlCol="0" anchor="ctr">
+            <a:noAutofit/>
+          </a:bodyPr>
+          <a:lstStyle/>
+          <a:p>
+            <a:pPr algn="ctr"/>
+            <a:endParaRPr lang="en-US"/>
+          </a:p>
+        </p:txBody>
+      </p:sp>
+      <p:sp>
+        <p:nvSpPr>
+          <p:cNvPr id="12" name="Freeform: Shape 11">
+            <a:extLst>
+              <a:ext uri="{FF2B5EF4-FFF2-40B4-BE49-F238E27FC236}">
+                <a16:creationId xmlns:a16="http://schemas.microsoft.com/office/drawing/2014/main" id="{479F5F2B-8B58-4140-AE6A-51F6C67B18D9}"/>
+              </a:ext>
+              <a:ext uri="{C183D7F6-B498-43B3-948B-1728B52AA6E4}">
+                <adec:decorative xmlns:adec="http://schemas.microsoft.com/office/drawing/2017/decorative" val="1"/>
+              </a:ext>
+            </a:extLst>
+          </p:cNvPr>
+          <p:cNvSpPr>
+            <a:spLocks noGrp="1" noRot="1" noChangeAspect="1" noMove="1" noResize="1" noEditPoints="1" noAdjustHandles="1" noChangeArrowheads="1" noChangeShapeType="1" noTextEdit="1"/>
+          </p:cNvSpPr>
+          <p:nvPr>
+            <p:extLst>
+              <p:ext uri="{386F3935-93C4-4BCD-93E2-E3B085C9AB24}">
+                <p16:designElem xmlns:p16="http://schemas.microsoft.com/office/powerpoint/2015/main" val="1"/>
+              </p:ext>
+            </p:extLst>
+          </p:nvPr>
+        </p:nvSpPr>
+        <p:spPr>
+          <a:xfrm>
+            <a:off x="0" y="1691641"/>
+            <a:ext cx="971654" cy="2096979"/>
+          </a:xfrm>
+          <a:custGeom>
+            <a:avLst/>
+            <a:gdLst>
+              <a:gd name="connsiteX0" fmla="*/ 0 w 971654"/>
+              <a:gd name="connsiteY0" fmla="*/ 0 h 2096979"/>
+              <a:gd name="connsiteX1" fmla="*/ 971654 w 971654"/>
+              <a:gd name="connsiteY1" fmla="*/ 0 h 2096979"/>
+              <a:gd name="connsiteX2" fmla="*/ 0 w 971654"/>
+              <a:gd name="connsiteY2" fmla="*/ 2096979 h 2096979"/>
+            </a:gdLst>
+            <a:ahLst/>
+            <a:cxnLst>
+              <a:cxn ang="0">
+                <a:pos x="connsiteX0" y="connsiteY0"/>
+              </a:cxn>
+              <a:cxn ang="0">
+                <a:pos x="connsiteX1" y="connsiteY1"/>
+              </a:cxn>
+              <a:cxn ang="0">
+                <a:pos x="connsiteX2" y="connsiteY2"/>
+              </a:cxn>
+            </a:cxnLst>
+            <a:rect l="l" t="t" r="r" b="b"/>
+            <a:pathLst>
+              <a:path w="971654" h="2096979">
+                <a:moveTo>
+                  <a:pt x="0" y="0"/>
+                </a:moveTo>
+                <a:lnTo>
+                  <a:pt x="971654" y="0"/>
+                </a:lnTo>
+                <a:lnTo>
+                  <a:pt x="0" y="2096979"/>
+                </a:lnTo>
+                <a:close/>
+              </a:path>
+            </a:pathLst>
+          </a:custGeom>
+          <a:solidFill>
+            <a:srgbClr val="404040"/>
+          </a:solidFill>
+          <a:ln>
+            <a:noFill/>
+          </a:ln>
+        </p:spPr>
+        <p:style>
+          <a:lnRef idx="2">
+            <a:schemeClr val="accent1">
+              <a:shade val="50000"/>
+            </a:schemeClr>
+          </a:lnRef>
+          <a:fillRef idx="1">
+            <a:schemeClr val="accent1"/>
+          </a:fillRef>
+          <a:effectRef idx="0">
+            <a:schemeClr val="accent1"/>
+          </a:effectRef>
+          <a:fontRef idx="minor">
+            <a:schemeClr val="lt1"/>
+          </a:fontRef>
+        </p:style>
+        <p:txBody>
+          <a:bodyPr wrap="square" rtlCol="0" anchor="ctr">
+            <a:noAutofit/>
+          </a:bodyPr>
+          <a:lstStyle/>
+          <a:p>
+            <a:pPr algn="ctr"/>
+            <a:endParaRPr lang="en-US"/>
+          </a:p>
+        </p:txBody>
+      </p:sp>
+      <p:sp>
+        <p:nvSpPr>
+          <p:cNvPr id="3" name="Pladsholder til indhold 2">
+            <a:extLst>
+              <a:ext uri="{FF2B5EF4-FFF2-40B4-BE49-F238E27FC236}">
+                <a16:creationId xmlns:a16="http://schemas.microsoft.com/office/drawing/2014/main" id="{310DAE20-BB2F-4D4D-9288-DC3604E989C0}"/>
+              </a:ext>
+            </a:extLst>
+          </p:cNvPr>
+          <p:cNvSpPr>
+            <a:spLocks noGrp="1"/>
+          </p:cNvSpPr>
+          <p:nvPr>
+            <p:ph idx="1"/>
+          </p:nvPr>
+        </p:nvSpPr>
+        <p:spPr>
+          <a:xfrm>
+            <a:off x="1653363" y="2176272"/>
+            <a:ext cx="9367204" cy="4041648"/>
+          </a:xfrm>
+        </p:spPr>
+        <p:txBody>
+          <a:bodyPr anchor="t">
+            <a:normAutofit/>
+          </a:bodyPr>
+          <a:lstStyle/>
+          <a:p>
+            <a:r>
+              <a:rPr lang="da-DK" sz="2400" dirty="0"/>
+              <a:t>At have en masse css, js og html filer kan blive uoverskueligt at holde styr på. </a:t>
+            </a:r>
+          </a:p>
+          <a:p>
+            <a:r>
+              <a:rPr lang="da-DK" sz="2400" dirty="0"/>
+              <a:t>Ved at indkapsle det hele i et web komponent, bliver vedligeholdelse nemmere. </a:t>
+            </a:r>
+          </a:p>
+          <a:p>
+            <a:r>
+              <a:rPr lang="da-DK" sz="2400" dirty="0"/>
+              <a:t>Klient oplevelsen bliver generelt bedre i det at en udvikler får mere kontrol over komponenterne og specifikt hvordan UI-elementerne kommer til at </a:t>
+            </a:r>
+            <a:r>
+              <a:rPr lang="da-DK" sz="2400" dirty="0" err="1"/>
+              <a:t>displayes</a:t>
+            </a:r>
+            <a:r>
+              <a:rPr lang="da-DK" sz="2400" dirty="0"/>
+              <a:t> i forhold til hinanden.</a:t>
+            </a:r>
           </a:p>
         </p:txBody>
       </p:sp>
@@ -4648,6 +8557,5314 @@
     <p:extLst>
       <p:ext uri="{BB962C8B-B14F-4D97-AF65-F5344CB8AC3E}">
         <p14:creationId xmlns:p14="http://schemas.microsoft.com/office/powerpoint/2010/main" val="2037994072"/>
+      </p:ext>
+    </p:extLst>
+  </p:cSld>
+  <p:clrMapOvr>
+    <a:masterClrMapping/>
+  </p:clrMapOvr>
+</p:sld>
+</file>
+
+<file path=ppt/slides/slide3.xml><?xml version="1.0" encoding="utf-8"?>
+<p:sld xmlns:a="http://schemas.openxmlformats.org/drawingml/2006/main" xmlns:r="http://schemas.openxmlformats.org/officeDocument/2006/relationships" xmlns:p="http://schemas.openxmlformats.org/presentationml/2006/main">
+  <p:cSld>
+    <p:bg>
+      <p:bgPr>
+        <a:solidFill>
+          <a:schemeClr val="bg1"/>
+        </a:solidFill>
+        <a:effectLst/>
+      </p:bgPr>
+    </p:bg>
+    <p:spTree>
+      <p:nvGrpSpPr>
+        <p:cNvPr id="1" name=""/>
+        <p:cNvGrpSpPr/>
+        <p:nvPr/>
+      </p:nvGrpSpPr>
+      <p:grpSpPr>
+        <a:xfrm>
+          <a:off x="0" y="0"/>
+          <a:ext cx="0" cy="0"/>
+          <a:chOff x="0" y="0"/>
+          <a:chExt cx="0" cy="0"/>
+        </a:xfrm>
+      </p:grpSpPr>
+      <p:sp>
+        <p:nvSpPr>
+          <p:cNvPr id="10" name="Freeform: Shape 9">
+            <a:extLst>
+              <a:ext uri="{FF2B5EF4-FFF2-40B4-BE49-F238E27FC236}">
+                <a16:creationId xmlns:a16="http://schemas.microsoft.com/office/drawing/2014/main" id="{42285737-90EE-47DC-AC80-8AE156B11969}"/>
+              </a:ext>
+              <a:ext uri="{C183D7F6-B498-43B3-948B-1728B52AA6E4}">
+                <adec:decorative xmlns:adec="http://schemas.microsoft.com/office/drawing/2017/decorative" val="1"/>
+              </a:ext>
+            </a:extLst>
+          </p:cNvPr>
+          <p:cNvSpPr>
+            <a:spLocks noGrp="1" noRot="1" noChangeAspect="1" noMove="1" noResize="1" noEditPoints="1" noAdjustHandles="1" noChangeArrowheads="1" noChangeShapeType="1" noTextEdit="1"/>
+          </p:cNvSpPr>
+          <p:nvPr>
+            <p:extLst>
+              <p:ext uri="{386F3935-93C4-4BCD-93E2-E3B085C9AB24}">
+                <p16:designElem xmlns:p16="http://schemas.microsoft.com/office/powerpoint/2015/main" val="1"/>
+              </p:ext>
+            </p:extLst>
+          </p:nvPr>
+        </p:nvSpPr>
+        <p:spPr>
+          <a:xfrm flipV="1">
+            <a:off x="-1" y="-1"/>
+            <a:ext cx="4403709" cy="6858001"/>
+          </a:xfrm>
+          <a:custGeom>
+            <a:avLst/>
+            <a:gdLst>
+              <a:gd name="connsiteX0" fmla="*/ 3223890 w 4403709"/>
+              <a:gd name="connsiteY0" fmla="*/ 6858001 h 6858001"/>
+              <a:gd name="connsiteX1" fmla="*/ 4101908 w 4403709"/>
+              <a:gd name="connsiteY1" fmla="*/ 6858001 h 6858001"/>
+              <a:gd name="connsiteX2" fmla="*/ 3254950 w 4403709"/>
+              <a:gd name="connsiteY2" fmla="*/ 1599356 h 6858001"/>
+              <a:gd name="connsiteX3" fmla="*/ 3254950 w 4403709"/>
+              <a:gd name="connsiteY3" fmla="*/ 1594062 h 6858001"/>
+              <a:gd name="connsiteX4" fmla="*/ 4403709 w 4403709"/>
+              <a:gd name="connsiteY4" fmla="*/ 0 h 6858001"/>
+              <a:gd name="connsiteX5" fmla="*/ 3254950 w 4403709"/>
+              <a:gd name="connsiteY5" fmla="*/ 0 h 6858001"/>
+              <a:gd name="connsiteX6" fmla="*/ 2903520 w 4403709"/>
+              <a:gd name="connsiteY6" fmla="*/ 0 h 6858001"/>
+              <a:gd name="connsiteX7" fmla="*/ 0 w 4403709"/>
+              <a:gd name="connsiteY7" fmla="*/ 0 h 6858001"/>
+              <a:gd name="connsiteX8" fmla="*/ 0 w 4403709"/>
+              <a:gd name="connsiteY8" fmla="*/ 6858000 h 6858001"/>
+              <a:gd name="connsiteX9" fmla="*/ 3223890 w 4403709"/>
+              <a:gd name="connsiteY9" fmla="*/ 6858000 h 6858001"/>
+            </a:gdLst>
+            <a:ahLst/>
+            <a:cxnLst>
+              <a:cxn ang="0">
+                <a:pos x="connsiteX0" y="connsiteY0"/>
+              </a:cxn>
+              <a:cxn ang="0">
+                <a:pos x="connsiteX1" y="connsiteY1"/>
+              </a:cxn>
+              <a:cxn ang="0">
+                <a:pos x="connsiteX2" y="connsiteY2"/>
+              </a:cxn>
+              <a:cxn ang="0">
+                <a:pos x="connsiteX3" y="connsiteY3"/>
+              </a:cxn>
+              <a:cxn ang="0">
+                <a:pos x="connsiteX4" y="connsiteY4"/>
+              </a:cxn>
+              <a:cxn ang="0">
+                <a:pos x="connsiteX5" y="connsiteY5"/>
+              </a:cxn>
+              <a:cxn ang="0">
+                <a:pos x="connsiteX6" y="connsiteY6"/>
+              </a:cxn>
+              <a:cxn ang="0">
+                <a:pos x="connsiteX7" y="connsiteY7"/>
+              </a:cxn>
+              <a:cxn ang="0">
+                <a:pos x="connsiteX8" y="connsiteY8"/>
+              </a:cxn>
+              <a:cxn ang="0">
+                <a:pos x="connsiteX9" y="connsiteY9"/>
+              </a:cxn>
+            </a:cxnLst>
+            <a:rect l="l" t="t" r="r" b="b"/>
+            <a:pathLst>
+              <a:path w="4403709" h="6858001">
+                <a:moveTo>
+                  <a:pt x="3223890" y="6858001"/>
+                </a:moveTo>
+                <a:lnTo>
+                  <a:pt x="4101908" y="6858001"/>
+                </a:lnTo>
+                <a:lnTo>
+                  <a:pt x="3254950" y="1599356"/>
+                </a:lnTo>
+                <a:lnTo>
+                  <a:pt x="3254950" y="1594062"/>
+                </a:lnTo>
+                <a:lnTo>
+                  <a:pt x="4403709" y="0"/>
+                </a:lnTo>
+                <a:lnTo>
+                  <a:pt x="3254950" y="0"/>
+                </a:lnTo>
+                <a:lnTo>
+                  <a:pt x="2903520" y="0"/>
+                </a:lnTo>
+                <a:lnTo>
+                  <a:pt x="0" y="0"/>
+                </a:lnTo>
+                <a:lnTo>
+                  <a:pt x="0" y="6858000"/>
+                </a:lnTo>
+                <a:lnTo>
+                  <a:pt x="3223890" y="6858000"/>
+                </a:lnTo>
+                <a:close/>
+              </a:path>
+            </a:pathLst>
+          </a:custGeom>
+          <a:ln>
+            <a:noFill/>
+          </a:ln>
+        </p:spPr>
+        <p:style>
+          <a:lnRef idx="2">
+            <a:schemeClr val="accent1">
+              <a:shade val="50000"/>
+            </a:schemeClr>
+          </a:lnRef>
+          <a:fillRef idx="1002">
+            <a:schemeClr val="dk1"/>
+          </a:fillRef>
+          <a:effectRef idx="0">
+            <a:schemeClr val="accent1"/>
+          </a:effectRef>
+          <a:fontRef idx="minor">
+            <a:schemeClr val="lt1"/>
+          </a:fontRef>
+        </p:style>
+        <p:txBody>
+          <a:bodyPr rtlCol="0" anchor="ctr"/>
+          <a:lstStyle/>
+          <a:p>
+            <a:pPr marL="0" marR="0" lvl="0" indent="0" algn="ctr" defTabSz="457200" rtl="0" eaLnBrk="1" fontAlgn="auto" latinLnBrk="0" hangingPunct="1">
+              <a:lnSpc>
+                <a:spcPct val="100000"/>
+              </a:lnSpc>
+              <a:spcBef>
+                <a:spcPts val="0"/>
+              </a:spcBef>
+              <a:spcAft>
+                <a:spcPts val="0"/>
+              </a:spcAft>
+              <a:buClrTx/>
+              <a:buSzTx/>
+              <a:buFontTx/>
+              <a:buNone/>
+              <a:tabLst/>
+              <a:defRPr/>
+            </a:pPr>
+            <a:endParaRPr kumimoji="0" lang="en-US" sz="1800" b="0" i="0" u="none" strike="noStrike" kern="1200" cap="none" spc="0" normalizeH="0" baseline="0" noProof="0">
+              <a:ln>
+                <a:noFill/>
+              </a:ln>
+              <a:solidFill>
+                <a:prstClr val="black"/>
+              </a:solidFill>
+              <a:effectLst/>
+              <a:uLnTx/>
+              <a:uFillTx/>
+              <a:latin typeface="Calibri" panose="020F0502020204030204"/>
+              <a:ea typeface="+mn-ea"/>
+              <a:cs typeface="+mn-cs"/>
+            </a:endParaRPr>
+          </a:p>
+        </p:txBody>
+      </p:sp>
+      <p:grpSp>
+        <p:nvGrpSpPr>
+          <p:cNvPr id="12" name="Group 11">
+            <a:extLst>
+              <a:ext uri="{FF2B5EF4-FFF2-40B4-BE49-F238E27FC236}">
+                <a16:creationId xmlns:a16="http://schemas.microsoft.com/office/drawing/2014/main" id="{B57BDC17-F1B3-455F-BBF1-680AA1F25C06}"/>
+              </a:ext>
+              <a:ext uri="{C183D7F6-B498-43B3-948B-1728B52AA6E4}">
+                <adec:decorative xmlns:adec="http://schemas.microsoft.com/office/drawing/2017/decorative" val="1"/>
+              </a:ext>
+            </a:extLst>
+          </p:cNvPr>
+          <p:cNvGrpSpPr>
+            <a:grpSpLocks noGrp="1" noUngrp="1" noRot="1" noChangeAspect="1" noMove="1" noResize="1"/>
+          </p:cNvGrpSpPr>
+          <p:nvPr>
+            <p:extLst>
+              <p:ext uri="{386F3935-93C4-4BCD-93E2-E3B085C9AB24}">
+                <p16:designElem xmlns:p16="http://schemas.microsoft.com/office/powerpoint/2015/main" val="1"/>
+              </p:ext>
+            </p:extLst>
+          </p:nvPr>
+        </p:nvGrpSpPr>
+        <p:grpSpPr>
+          <a:xfrm>
+            <a:off x="3315292" y="0"/>
+            <a:ext cx="2436813" cy="6858001"/>
+            <a:chOff x="1320800" y="0"/>
+            <a:chExt cx="2436813" cy="6858001"/>
+          </a:xfrm>
+        </p:grpSpPr>
+        <p:sp>
+          <p:nvSpPr>
+            <p:cNvPr id="13" name="Freeform 6">
+              <a:extLst>
+                <a:ext uri="{FF2B5EF4-FFF2-40B4-BE49-F238E27FC236}">
+                  <a16:creationId xmlns:a16="http://schemas.microsoft.com/office/drawing/2014/main" id="{64E2FA9A-FEF7-4501-B0EB-5E45EDD2177A}"/>
+                </a:ext>
+                <a:ext uri="{C183D7F6-B498-43B3-948B-1728B52AA6E4}">
+                  <adec:decorative xmlns:adec="http://schemas.microsoft.com/office/drawing/2017/decorative" val="1"/>
+                </a:ext>
+              </a:extLst>
+            </p:cNvPr>
+            <p:cNvSpPr/>
+            <p:nvPr>
+              <p:extLst>
+                <p:ext uri="{386F3935-93C4-4BCD-93E2-E3B085C9AB24}">
+                  <p16:designElem xmlns:p16="http://schemas.microsoft.com/office/powerpoint/2015/main" val="1"/>
+                </p:ext>
+              </p:extLst>
+            </p:nvPr>
+          </p:nvSpPr>
+          <p:spPr bwMode="auto">
+            <a:xfrm>
+              <a:off x="1627188" y="0"/>
+              <a:ext cx="1122363" cy="5329238"/>
+            </a:xfrm>
+            <a:custGeom>
+              <a:avLst/>
+              <a:gdLst/>
+              <a:ahLst/>
+              <a:cxnLst/>
+              <a:rect l="0" t="0" r="r" b="b"/>
+              <a:pathLst>
+                <a:path w="707" h="3357">
+                  <a:moveTo>
+                    <a:pt x="0" y="3330"/>
+                  </a:moveTo>
+                  <a:lnTo>
+                    <a:pt x="156" y="3357"/>
+                  </a:lnTo>
+                  <a:lnTo>
+                    <a:pt x="707" y="0"/>
+                  </a:lnTo>
+                  <a:lnTo>
+                    <a:pt x="547" y="0"/>
+                  </a:lnTo>
+                  <a:lnTo>
+                    <a:pt x="0" y="3330"/>
+                  </a:lnTo>
+                  <a:close/>
+                </a:path>
+              </a:pathLst>
+            </a:custGeom>
+            <a:solidFill>
+              <a:schemeClr val="accent1"/>
+            </a:solidFill>
+            <a:ln>
+              <a:noFill/>
+            </a:ln>
+          </p:spPr>
+        </p:sp>
+        <p:sp>
+          <p:nvSpPr>
+            <p:cNvPr id="14" name="Freeform 7">
+              <a:extLst>
+                <a:ext uri="{FF2B5EF4-FFF2-40B4-BE49-F238E27FC236}">
+                  <a16:creationId xmlns:a16="http://schemas.microsoft.com/office/drawing/2014/main" id="{BC38192B-B4CB-47D4-A3B1-10010247F158}"/>
+                </a:ext>
+                <a:ext uri="{C183D7F6-B498-43B3-948B-1728B52AA6E4}">
+                  <adec:decorative xmlns:adec="http://schemas.microsoft.com/office/drawing/2017/decorative" val="1"/>
+                </a:ext>
+              </a:extLst>
+            </p:cNvPr>
+            <p:cNvSpPr/>
+            <p:nvPr>
+              <p:extLst>
+                <p:ext uri="{386F3935-93C4-4BCD-93E2-E3B085C9AB24}">
+                  <p16:designElem xmlns:p16="http://schemas.microsoft.com/office/powerpoint/2015/main" val="1"/>
+                </p:ext>
+              </p:extLst>
+            </p:nvPr>
+          </p:nvSpPr>
+          <p:spPr bwMode="auto">
+            <a:xfrm>
+              <a:off x="1320800" y="0"/>
+              <a:ext cx="1117600" cy="5276850"/>
+            </a:xfrm>
+            <a:custGeom>
+              <a:avLst/>
+              <a:gdLst/>
+              <a:ahLst/>
+              <a:cxnLst/>
+              <a:rect l="0" t="0" r="r" b="b"/>
+              <a:pathLst>
+                <a:path w="704" h="3324">
+                  <a:moveTo>
+                    <a:pt x="704" y="0"/>
+                  </a:moveTo>
+                  <a:lnTo>
+                    <a:pt x="545" y="0"/>
+                  </a:lnTo>
+                  <a:lnTo>
+                    <a:pt x="0" y="3300"/>
+                  </a:lnTo>
+                  <a:lnTo>
+                    <a:pt x="157" y="3324"/>
+                  </a:lnTo>
+                  <a:lnTo>
+                    <a:pt x="704" y="0"/>
+                  </a:lnTo>
+                  <a:close/>
+                </a:path>
+              </a:pathLst>
+            </a:custGeom>
+            <a:solidFill>
+              <a:srgbClr val="595959"/>
+            </a:solidFill>
+            <a:ln>
+              <a:noFill/>
+            </a:ln>
+          </p:spPr>
+        </p:sp>
+        <p:sp>
+          <p:nvSpPr>
+            <p:cNvPr id="15" name="Freeform 8">
+              <a:extLst>
+                <a:ext uri="{FF2B5EF4-FFF2-40B4-BE49-F238E27FC236}">
+                  <a16:creationId xmlns:a16="http://schemas.microsoft.com/office/drawing/2014/main" id="{96330E33-E171-4B0F-82B5-AF7230399B5C}"/>
+                </a:ext>
+                <a:ext uri="{C183D7F6-B498-43B3-948B-1728B52AA6E4}">
+                  <adec:decorative xmlns:adec="http://schemas.microsoft.com/office/drawing/2017/decorative" val="1"/>
+                </a:ext>
+              </a:extLst>
+            </p:cNvPr>
+            <p:cNvSpPr/>
+            <p:nvPr>
+              <p:extLst>
+                <p:ext uri="{386F3935-93C4-4BCD-93E2-E3B085C9AB24}">
+                  <p16:designElem xmlns:p16="http://schemas.microsoft.com/office/powerpoint/2015/main" val="1"/>
+                </p:ext>
+              </p:extLst>
+            </p:nvPr>
+          </p:nvSpPr>
+          <p:spPr bwMode="auto">
+            <a:xfrm>
+              <a:off x="1320800" y="5238750"/>
+              <a:ext cx="1228725" cy="1619250"/>
+            </a:xfrm>
+            <a:custGeom>
+              <a:avLst/>
+              <a:gdLst/>
+              <a:ahLst/>
+              <a:cxnLst/>
+              <a:rect l="0" t="0" r="r" b="b"/>
+              <a:pathLst>
+                <a:path w="774" h="1020">
+                  <a:moveTo>
+                    <a:pt x="0" y="0"/>
+                  </a:moveTo>
+                  <a:lnTo>
+                    <a:pt x="740" y="1020"/>
+                  </a:lnTo>
+                  <a:lnTo>
+                    <a:pt x="774" y="1020"/>
+                  </a:lnTo>
+                  <a:lnTo>
+                    <a:pt x="0" y="0"/>
+                  </a:lnTo>
+                  <a:close/>
+                </a:path>
+              </a:pathLst>
+            </a:custGeom>
+            <a:solidFill>
+              <a:srgbClr val="262626"/>
+            </a:solidFill>
+            <a:ln>
+              <a:noFill/>
+            </a:ln>
+          </p:spPr>
+        </p:sp>
+        <p:sp>
+          <p:nvSpPr>
+            <p:cNvPr id="16" name="Freeform 9">
+              <a:extLst>
+                <a:ext uri="{FF2B5EF4-FFF2-40B4-BE49-F238E27FC236}">
+                  <a16:creationId xmlns:a16="http://schemas.microsoft.com/office/drawing/2014/main" id="{332B1723-69BF-42D7-B757-0FA059E15256}"/>
+                </a:ext>
+                <a:ext uri="{C183D7F6-B498-43B3-948B-1728B52AA6E4}">
+                  <adec:decorative xmlns:adec="http://schemas.microsoft.com/office/drawing/2017/decorative" val="1"/>
+                </a:ext>
+              </a:extLst>
+            </p:cNvPr>
+            <p:cNvSpPr/>
+            <p:nvPr>
+              <p:extLst>
+                <p:ext uri="{386F3935-93C4-4BCD-93E2-E3B085C9AB24}">
+                  <p16:designElem xmlns:p16="http://schemas.microsoft.com/office/powerpoint/2015/main" val="1"/>
+                </p:ext>
+              </p:extLst>
+            </p:nvPr>
+          </p:nvSpPr>
+          <p:spPr bwMode="auto">
+            <a:xfrm>
+              <a:off x="1627188" y="5291138"/>
+              <a:ext cx="1495425" cy="1566863"/>
+            </a:xfrm>
+            <a:custGeom>
+              <a:avLst/>
+              <a:gdLst/>
+              <a:ahLst/>
+              <a:cxnLst/>
+              <a:rect l="0" t="0" r="r" b="b"/>
+              <a:pathLst>
+                <a:path w="942" h="987">
+                  <a:moveTo>
+                    <a:pt x="0" y="0"/>
+                  </a:moveTo>
+                  <a:lnTo>
+                    <a:pt x="909" y="987"/>
+                  </a:lnTo>
+                  <a:lnTo>
+                    <a:pt x="942" y="987"/>
+                  </a:lnTo>
+                  <a:lnTo>
+                    <a:pt x="0" y="0"/>
+                  </a:lnTo>
+                  <a:close/>
+                </a:path>
+              </a:pathLst>
+            </a:custGeom>
+            <a:solidFill>
+              <a:schemeClr val="accent1">
+                <a:lumMod val="50000"/>
+              </a:schemeClr>
+            </a:solidFill>
+            <a:ln>
+              <a:noFill/>
+            </a:ln>
+          </p:spPr>
+        </p:sp>
+        <p:sp>
+          <p:nvSpPr>
+            <p:cNvPr id="17" name="Freeform 10">
+              <a:extLst>
+                <a:ext uri="{FF2B5EF4-FFF2-40B4-BE49-F238E27FC236}">
+                  <a16:creationId xmlns:a16="http://schemas.microsoft.com/office/drawing/2014/main" id="{F115D62D-1E96-48D1-A78D-D370A0BFB9B5}"/>
+                </a:ext>
+                <a:ext uri="{C183D7F6-B498-43B3-948B-1728B52AA6E4}">
+                  <adec:decorative xmlns:adec="http://schemas.microsoft.com/office/drawing/2017/decorative" val="1"/>
+                </a:ext>
+              </a:extLst>
+            </p:cNvPr>
+            <p:cNvSpPr/>
+            <p:nvPr>
+              <p:extLst>
+                <p:ext uri="{386F3935-93C4-4BCD-93E2-E3B085C9AB24}">
+                  <p16:designElem xmlns:p16="http://schemas.microsoft.com/office/powerpoint/2015/main" val="1"/>
+                </p:ext>
+              </p:extLst>
+            </p:nvPr>
+          </p:nvSpPr>
+          <p:spPr bwMode="auto">
+            <a:xfrm>
+              <a:off x="1627188" y="5286375"/>
+              <a:ext cx="2130425" cy="1571625"/>
+            </a:xfrm>
+            <a:custGeom>
+              <a:avLst/>
+              <a:gdLst/>
+              <a:ahLst/>
+              <a:cxnLst/>
+              <a:rect l="0" t="0" r="r" b="b"/>
+              <a:pathLst>
+                <a:path w="1342" h="990">
+                  <a:moveTo>
+                    <a:pt x="0" y="3"/>
+                  </a:moveTo>
+                  <a:lnTo>
+                    <a:pt x="942" y="990"/>
+                  </a:lnTo>
+                  <a:lnTo>
+                    <a:pt x="1342" y="990"/>
+                  </a:lnTo>
+                  <a:lnTo>
+                    <a:pt x="156" y="27"/>
+                  </a:lnTo>
+                  <a:lnTo>
+                    <a:pt x="0" y="0"/>
+                  </a:lnTo>
+                  <a:lnTo>
+                    <a:pt x="0" y="3"/>
+                  </a:lnTo>
+                  <a:close/>
+                </a:path>
+              </a:pathLst>
+            </a:custGeom>
+            <a:solidFill>
+              <a:schemeClr val="accent1">
+                <a:lumMod val="75000"/>
+              </a:schemeClr>
+            </a:solidFill>
+            <a:ln>
+              <a:noFill/>
+            </a:ln>
+          </p:spPr>
+        </p:sp>
+        <p:sp>
+          <p:nvSpPr>
+            <p:cNvPr id="18" name="Freeform 11">
+              <a:extLst>
+                <a:ext uri="{FF2B5EF4-FFF2-40B4-BE49-F238E27FC236}">
+                  <a16:creationId xmlns:a16="http://schemas.microsoft.com/office/drawing/2014/main" id="{91C2876A-169D-4822-A766-C00578C88B4B}"/>
+                </a:ext>
+                <a:ext uri="{C183D7F6-B498-43B3-948B-1728B52AA6E4}">
+                  <adec:decorative xmlns:adec="http://schemas.microsoft.com/office/drawing/2017/decorative" val="1"/>
+                </a:ext>
+              </a:extLst>
+            </p:cNvPr>
+            <p:cNvSpPr/>
+            <p:nvPr>
+              <p:extLst>
+                <p:ext uri="{386F3935-93C4-4BCD-93E2-E3B085C9AB24}">
+                  <p16:designElem xmlns:p16="http://schemas.microsoft.com/office/powerpoint/2015/main" val="1"/>
+                </p:ext>
+              </p:extLst>
+            </p:nvPr>
+          </p:nvSpPr>
+          <p:spPr bwMode="auto">
+            <a:xfrm>
+              <a:off x="1320800" y="5238750"/>
+              <a:ext cx="1695450" cy="1619250"/>
+            </a:xfrm>
+            <a:custGeom>
+              <a:avLst/>
+              <a:gdLst/>
+              <a:ahLst/>
+              <a:cxnLst/>
+              <a:rect l="0" t="0" r="r" b="b"/>
+              <a:pathLst>
+                <a:path w="1068" h="1020">
+                  <a:moveTo>
+                    <a:pt x="1068" y="1020"/>
+                  </a:moveTo>
+                  <a:lnTo>
+                    <a:pt x="184" y="60"/>
+                  </a:lnTo>
+                  <a:lnTo>
+                    <a:pt x="154" y="27"/>
+                  </a:lnTo>
+                  <a:lnTo>
+                    <a:pt x="157" y="27"/>
+                  </a:lnTo>
+                  <a:lnTo>
+                    <a:pt x="157" y="24"/>
+                  </a:lnTo>
+                  <a:lnTo>
+                    <a:pt x="154" y="24"/>
+                  </a:lnTo>
+                  <a:lnTo>
+                    <a:pt x="0" y="0"/>
+                  </a:lnTo>
+                  <a:lnTo>
+                    <a:pt x="0" y="0"/>
+                  </a:lnTo>
+                  <a:lnTo>
+                    <a:pt x="774" y="1020"/>
+                  </a:lnTo>
+                  <a:lnTo>
+                    <a:pt x="1068" y="1020"/>
+                  </a:lnTo>
+                  <a:close/>
+                </a:path>
+              </a:pathLst>
+            </a:custGeom>
+            <a:solidFill>
+              <a:srgbClr val="404040"/>
+            </a:solidFill>
+            <a:ln>
+              <a:noFill/>
+            </a:ln>
+          </p:spPr>
+        </p:sp>
+      </p:grpSp>
+      <p:sp>
+        <p:nvSpPr>
+          <p:cNvPr id="2" name="Title 1">
+            <a:extLst>
+              <a:ext uri="{FF2B5EF4-FFF2-40B4-BE49-F238E27FC236}">
+                <a16:creationId xmlns:a16="http://schemas.microsoft.com/office/drawing/2014/main" id="{D473C1E7-1A05-46E1-A34A-06719E08238C}"/>
+              </a:ext>
+            </a:extLst>
+          </p:cNvPr>
+          <p:cNvSpPr>
+            <a:spLocks noGrp="1"/>
+          </p:cNvSpPr>
+          <p:nvPr>
+            <p:ph type="title"/>
+          </p:nvPr>
+        </p:nvSpPr>
+        <p:spPr>
+          <a:xfrm>
+            <a:off x="535020" y="685800"/>
+            <a:ext cx="2780271" cy="5105400"/>
+          </a:xfrm>
+        </p:spPr>
+        <p:txBody>
+          <a:bodyPr>
+            <a:normAutofit/>
+          </a:bodyPr>
+          <a:lstStyle/>
+          <a:p>
+            <a:r>
+              <a:rPr lang="da-DK" sz="3400">
+                <a:solidFill>
+                  <a:srgbClr val="FFFFFF"/>
+                </a:solidFill>
+              </a:rPr>
+              <a:t>De fire hovede specifikationer</a:t>
+            </a:r>
+          </a:p>
+        </p:txBody>
+      </p:sp>
+      <p:graphicFrame>
+        <p:nvGraphicFramePr>
+          <p:cNvPr id="5" name="Content Placeholder 2">
+            <a:extLst>
+              <a:ext uri="{FF2B5EF4-FFF2-40B4-BE49-F238E27FC236}">
+                <a16:creationId xmlns:a16="http://schemas.microsoft.com/office/drawing/2014/main" id="{06456676-73A9-4F31-AF9E-B63D894C06D9}"/>
+              </a:ext>
+            </a:extLst>
+          </p:cNvPr>
+          <p:cNvGraphicFramePr>
+            <a:graphicFrameLocks noGrp="1"/>
+          </p:cNvGraphicFramePr>
+          <p:nvPr>
+            <p:ph idx="1"/>
+            <p:extLst>
+              <p:ext uri="{D42A27DB-BD31-4B8C-83A1-F6EECF244321}">
+                <p14:modId xmlns:p14="http://schemas.microsoft.com/office/powerpoint/2010/main" val="2286502421"/>
+              </p:ext>
+            </p:extLst>
+          </p:nvPr>
+        </p:nvGraphicFramePr>
+        <p:xfrm>
+          <a:off x="5010150" y="685800"/>
+          <a:ext cx="6492875" cy="5105400"/>
+        </p:xfrm>
+        <a:graphic>
+          <a:graphicData uri="http://schemas.openxmlformats.org/drawingml/2006/diagram">
+            <dgm:relIds xmlns:dgm="http://schemas.openxmlformats.org/drawingml/2006/diagram" xmlns:r="http://schemas.openxmlformats.org/officeDocument/2006/relationships" r:dm="rId2" r:lo="rId3" r:qs="rId4" r:cs="rId5"/>
+          </a:graphicData>
+        </a:graphic>
+      </p:graphicFrame>
+    </p:spTree>
+    <p:extLst>
+      <p:ext uri="{BB962C8B-B14F-4D97-AF65-F5344CB8AC3E}">
+        <p14:creationId xmlns:p14="http://schemas.microsoft.com/office/powerpoint/2010/main" val="4146430642"/>
+      </p:ext>
+    </p:extLst>
+  </p:cSld>
+  <p:clrMapOvr>
+    <a:masterClrMapping/>
+  </p:clrMapOvr>
+</p:sld>
+</file>
+
+<file path=ppt/slides/slide4.xml><?xml version="1.0" encoding="utf-8"?>
+<p:sld xmlns:a="http://schemas.openxmlformats.org/drawingml/2006/main" xmlns:r="http://schemas.openxmlformats.org/officeDocument/2006/relationships" xmlns:p="http://schemas.openxmlformats.org/presentationml/2006/main">
+  <p:cSld>
+    <p:bg>
+      <p:bgPr>
+        <a:solidFill>
+          <a:schemeClr val="bg1"/>
+        </a:solidFill>
+        <a:effectLst/>
+      </p:bgPr>
+    </p:bg>
+    <p:spTree>
+      <p:nvGrpSpPr>
+        <p:cNvPr id="1" name=""/>
+        <p:cNvGrpSpPr/>
+        <p:nvPr/>
+      </p:nvGrpSpPr>
+      <p:grpSpPr>
+        <a:xfrm>
+          <a:off x="0" y="0"/>
+          <a:ext cx="0" cy="0"/>
+          <a:chOff x="0" y="0"/>
+          <a:chExt cx="0" cy="0"/>
+        </a:xfrm>
+      </p:grpSpPr>
+      <p:sp>
+        <p:nvSpPr>
+          <p:cNvPr id="2" name="Title 1">
+            <a:extLst>
+              <a:ext uri="{FF2B5EF4-FFF2-40B4-BE49-F238E27FC236}">
+                <a16:creationId xmlns:a16="http://schemas.microsoft.com/office/drawing/2014/main" id="{05B350AE-F602-48BE-8C3E-B7A9E4B0DEA1}"/>
+              </a:ext>
+            </a:extLst>
+          </p:cNvPr>
+          <p:cNvSpPr>
+            <a:spLocks noGrp="1"/>
+          </p:cNvSpPr>
+          <p:nvPr>
+            <p:ph type="title"/>
+          </p:nvPr>
+        </p:nvSpPr>
+        <p:spPr>
+          <a:xfrm>
+            <a:off x="1653363" y="365760"/>
+            <a:ext cx="9367203" cy="1188720"/>
+          </a:xfrm>
+        </p:spPr>
+        <p:txBody>
+          <a:bodyPr>
+            <a:normAutofit/>
+          </a:bodyPr>
+          <a:lstStyle/>
+          <a:p>
+            <a:r>
+              <a:rPr lang="da-DK" dirty="0"/>
+              <a:t>Custom Element</a:t>
+            </a:r>
+          </a:p>
+        </p:txBody>
+      </p:sp>
+      <p:sp>
+        <p:nvSpPr>
+          <p:cNvPr id="8" name="Freeform: Shape 7">
+            <a:extLst>
+              <a:ext uri="{FF2B5EF4-FFF2-40B4-BE49-F238E27FC236}">
+                <a16:creationId xmlns:a16="http://schemas.microsoft.com/office/drawing/2014/main" id="{7CB4857B-ED7C-444D-9F04-2F885114A1C2}"/>
+              </a:ext>
+              <a:ext uri="{C183D7F6-B498-43B3-948B-1728B52AA6E4}">
+                <adec:decorative xmlns:adec="http://schemas.microsoft.com/office/drawing/2017/decorative" val="1"/>
+              </a:ext>
+            </a:extLst>
+          </p:cNvPr>
+          <p:cNvSpPr>
+            <a:spLocks noGrp="1" noRot="1" noChangeAspect="1" noMove="1" noResize="1" noEditPoints="1" noAdjustHandles="1" noChangeArrowheads="1" noChangeShapeType="1" noTextEdit="1"/>
+          </p:cNvSpPr>
+          <p:nvPr>
+            <p:extLst>
+              <p:ext uri="{386F3935-93C4-4BCD-93E2-E3B085C9AB24}">
+                <p16:designElem xmlns:p16="http://schemas.microsoft.com/office/powerpoint/2015/main" val="1"/>
+              </p:ext>
+            </p:extLst>
+          </p:nvPr>
+        </p:nvSpPr>
+        <p:spPr>
+          <a:xfrm>
+            <a:off x="1" y="0"/>
+            <a:ext cx="1764099" cy="1558212"/>
+          </a:xfrm>
+          <a:custGeom>
+            <a:avLst/>
+            <a:gdLst>
+              <a:gd name="connsiteX0" fmla="*/ 0 w 1764099"/>
+              <a:gd name="connsiteY0" fmla="*/ 0 h 1558212"/>
+              <a:gd name="connsiteX1" fmla="*/ 1764099 w 1764099"/>
+              <a:gd name="connsiteY1" fmla="*/ 0 h 1558212"/>
+              <a:gd name="connsiteX2" fmla="*/ 1042087 w 1764099"/>
+              <a:gd name="connsiteY2" fmla="*/ 1558212 h 1558212"/>
+              <a:gd name="connsiteX3" fmla="*/ 0 w 1764099"/>
+              <a:gd name="connsiteY3" fmla="*/ 1558212 h 1558212"/>
+            </a:gdLst>
+            <a:ahLst/>
+            <a:cxnLst>
+              <a:cxn ang="0">
+                <a:pos x="connsiteX0" y="connsiteY0"/>
+              </a:cxn>
+              <a:cxn ang="0">
+                <a:pos x="connsiteX1" y="connsiteY1"/>
+              </a:cxn>
+              <a:cxn ang="0">
+                <a:pos x="connsiteX2" y="connsiteY2"/>
+              </a:cxn>
+              <a:cxn ang="0">
+                <a:pos x="connsiteX3" y="connsiteY3"/>
+              </a:cxn>
+            </a:cxnLst>
+            <a:rect l="l" t="t" r="r" b="b"/>
+            <a:pathLst>
+              <a:path w="1764099" h="1558212">
+                <a:moveTo>
+                  <a:pt x="0" y="0"/>
+                </a:moveTo>
+                <a:lnTo>
+                  <a:pt x="1764099" y="0"/>
+                </a:lnTo>
+                <a:lnTo>
+                  <a:pt x="1042087" y="1558212"/>
+                </a:lnTo>
+                <a:lnTo>
+                  <a:pt x="0" y="1558212"/>
+                </a:lnTo>
+                <a:close/>
+              </a:path>
+            </a:pathLst>
+          </a:custGeom>
+          <a:solidFill>
+            <a:schemeClr val="accent4"/>
+          </a:solidFill>
+          <a:ln>
+            <a:noFill/>
+          </a:ln>
+        </p:spPr>
+        <p:style>
+          <a:lnRef idx="2">
+            <a:schemeClr val="accent1">
+              <a:shade val="50000"/>
+            </a:schemeClr>
+          </a:lnRef>
+          <a:fillRef idx="1">
+            <a:schemeClr val="accent1"/>
+          </a:fillRef>
+          <a:effectRef idx="0">
+            <a:schemeClr val="accent1"/>
+          </a:effectRef>
+          <a:fontRef idx="minor">
+            <a:schemeClr val="lt1"/>
+          </a:fontRef>
+        </p:style>
+        <p:txBody>
+          <a:bodyPr wrap="square" rtlCol="0" anchor="ctr">
+            <a:noAutofit/>
+          </a:bodyPr>
+          <a:lstStyle/>
+          <a:p>
+            <a:pPr algn="ctr"/>
+            <a:endParaRPr lang="en-US"/>
+          </a:p>
+        </p:txBody>
+      </p:sp>
+      <p:sp>
+        <p:nvSpPr>
+          <p:cNvPr id="10" name="Freeform: Shape 9">
+            <a:extLst>
+              <a:ext uri="{FF2B5EF4-FFF2-40B4-BE49-F238E27FC236}">
+                <a16:creationId xmlns:a16="http://schemas.microsoft.com/office/drawing/2014/main" id="{D18046FB-44EA-4FD8-A585-EA09A319B2D0}"/>
+              </a:ext>
+              <a:ext uri="{C183D7F6-B498-43B3-948B-1728B52AA6E4}">
+                <adec:decorative xmlns:adec="http://schemas.microsoft.com/office/drawing/2017/decorative" val="1"/>
+              </a:ext>
+            </a:extLst>
+          </p:cNvPr>
+          <p:cNvSpPr>
+            <a:spLocks noGrp="1" noRot="1" noChangeAspect="1" noMove="1" noResize="1" noEditPoints="1" noAdjustHandles="1" noChangeArrowheads="1" noChangeShapeType="1" noTextEdit="1"/>
+          </p:cNvSpPr>
+          <p:nvPr>
+            <p:extLst>
+              <p:ext uri="{386F3935-93C4-4BCD-93E2-E3B085C9AB24}">
+                <p16:designElem xmlns:p16="http://schemas.microsoft.com/office/powerpoint/2015/main" val="1"/>
+              </p:ext>
+            </p:extLst>
+          </p:nvPr>
+        </p:nvSpPr>
+        <p:spPr>
+          <a:xfrm>
+            <a:off x="1" y="1691640"/>
+            <a:ext cx="12191999" cy="5166360"/>
+          </a:xfrm>
+          <a:custGeom>
+            <a:avLst/>
+            <a:gdLst>
+              <a:gd name="connsiteX0" fmla="*/ 0 w 12191999"/>
+              <a:gd name="connsiteY0" fmla="*/ 0 h 5166360"/>
+              <a:gd name="connsiteX1" fmla="*/ 1822388 w 12191999"/>
+              <a:gd name="connsiteY1" fmla="*/ 0 h 5166360"/>
+              <a:gd name="connsiteX2" fmla="*/ 6468290 w 12191999"/>
+              <a:gd name="connsiteY2" fmla="*/ 0 h 5166360"/>
+              <a:gd name="connsiteX3" fmla="*/ 7796394 w 12191999"/>
+              <a:gd name="connsiteY3" fmla="*/ 0 h 5166360"/>
+              <a:gd name="connsiteX4" fmla="*/ 8376834 w 12191999"/>
+              <a:gd name="connsiteY4" fmla="*/ 0 h 5166360"/>
+              <a:gd name="connsiteX5" fmla="*/ 9704938 w 12191999"/>
+              <a:gd name="connsiteY5" fmla="*/ 0 h 5166360"/>
+              <a:gd name="connsiteX6" fmla="*/ 9704938 w 12191999"/>
+              <a:gd name="connsiteY6" fmla="*/ 2 h 5166360"/>
+              <a:gd name="connsiteX7" fmla="*/ 10283456 w 12191999"/>
+              <a:gd name="connsiteY7" fmla="*/ 2 h 5166360"/>
+              <a:gd name="connsiteX8" fmla="*/ 10863897 w 12191999"/>
+              <a:gd name="connsiteY8" fmla="*/ 2 h 5166360"/>
+              <a:gd name="connsiteX9" fmla="*/ 12191999 w 12191999"/>
+              <a:gd name="connsiteY9" fmla="*/ 2 h 5166360"/>
+              <a:gd name="connsiteX10" fmla="*/ 12191999 w 12191999"/>
+              <a:gd name="connsiteY10" fmla="*/ 5166360 h 5166360"/>
+              <a:gd name="connsiteX11" fmla="*/ 0 w 12191999"/>
+              <a:gd name="connsiteY11" fmla="*/ 5166360 h 5166360"/>
+              <a:gd name="connsiteX12" fmla="*/ 0 w 12191999"/>
+              <a:gd name="connsiteY12" fmla="*/ 2604436 h 5166360"/>
+              <a:gd name="connsiteX13" fmla="*/ 862341 w 12191999"/>
+              <a:gd name="connsiteY13" fmla="*/ 743371 h 5166360"/>
+              <a:gd name="connsiteX14" fmla="*/ 0 w 12191999"/>
+              <a:gd name="connsiteY14" fmla="*/ 743371 h 5166360"/>
+              <a:gd name="connsiteX15" fmla="*/ 0 w 12191999"/>
+              <a:gd name="connsiteY15" fmla="*/ 742508 h 5166360"/>
+              <a:gd name="connsiteX16" fmla="*/ 92826 w 12191999"/>
+              <a:gd name="connsiteY16" fmla="*/ 742508 h 5166360"/>
+              <a:gd name="connsiteX17" fmla="*/ 406486 w 12191999"/>
+              <a:gd name="connsiteY17" fmla="*/ 742508 h 5166360"/>
+              <a:gd name="connsiteX18" fmla="*/ 406486 w 12191999"/>
+              <a:gd name="connsiteY18" fmla="*/ 742507 h 5166360"/>
+              <a:gd name="connsiteX19" fmla="*/ 862741 w 12191999"/>
+              <a:gd name="connsiteY19" fmla="*/ 742507 h 5166360"/>
+              <a:gd name="connsiteX20" fmla="*/ 1206388 w 12191999"/>
+              <a:gd name="connsiteY20" fmla="*/ 864 h 5166360"/>
+              <a:gd name="connsiteX21" fmla="*/ 748500 w 12191999"/>
+              <a:gd name="connsiteY21" fmla="*/ 864 h 5166360"/>
+              <a:gd name="connsiteX22" fmla="*/ 0 w 12191999"/>
+              <a:gd name="connsiteY22" fmla="*/ 864 h 5166360"/>
+            </a:gdLst>
+            <a:ahLst/>
+            <a:cxnLst>
+              <a:cxn ang="0">
+                <a:pos x="connsiteX0" y="connsiteY0"/>
+              </a:cxn>
+              <a:cxn ang="0">
+                <a:pos x="connsiteX1" y="connsiteY1"/>
+              </a:cxn>
+              <a:cxn ang="0">
+                <a:pos x="connsiteX2" y="connsiteY2"/>
+              </a:cxn>
+              <a:cxn ang="0">
+                <a:pos x="connsiteX3" y="connsiteY3"/>
+              </a:cxn>
+              <a:cxn ang="0">
+                <a:pos x="connsiteX4" y="connsiteY4"/>
+              </a:cxn>
+              <a:cxn ang="0">
+                <a:pos x="connsiteX5" y="connsiteY5"/>
+              </a:cxn>
+              <a:cxn ang="0">
+                <a:pos x="connsiteX6" y="connsiteY6"/>
+              </a:cxn>
+              <a:cxn ang="0">
+                <a:pos x="connsiteX7" y="connsiteY7"/>
+              </a:cxn>
+              <a:cxn ang="0">
+                <a:pos x="connsiteX8" y="connsiteY8"/>
+              </a:cxn>
+              <a:cxn ang="0">
+                <a:pos x="connsiteX9" y="connsiteY9"/>
+              </a:cxn>
+              <a:cxn ang="0">
+                <a:pos x="connsiteX10" y="connsiteY10"/>
+              </a:cxn>
+              <a:cxn ang="0">
+                <a:pos x="connsiteX11" y="connsiteY11"/>
+              </a:cxn>
+              <a:cxn ang="0">
+                <a:pos x="connsiteX12" y="connsiteY12"/>
+              </a:cxn>
+              <a:cxn ang="0">
+                <a:pos x="connsiteX13" y="connsiteY13"/>
+              </a:cxn>
+              <a:cxn ang="0">
+                <a:pos x="connsiteX14" y="connsiteY14"/>
+              </a:cxn>
+              <a:cxn ang="0">
+                <a:pos x="connsiteX15" y="connsiteY15"/>
+              </a:cxn>
+              <a:cxn ang="0">
+                <a:pos x="connsiteX16" y="connsiteY16"/>
+              </a:cxn>
+              <a:cxn ang="0">
+                <a:pos x="connsiteX17" y="connsiteY17"/>
+              </a:cxn>
+              <a:cxn ang="0">
+                <a:pos x="connsiteX18" y="connsiteY18"/>
+              </a:cxn>
+              <a:cxn ang="0">
+                <a:pos x="connsiteX19" y="connsiteY19"/>
+              </a:cxn>
+              <a:cxn ang="0">
+                <a:pos x="connsiteX20" y="connsiteY20"/>
+              </a:cxn>
+              <a:cxn ang="0">
+                <a:pos x="connsiteX21" y="connsiteY21"/>
+              </a:cxn>
+              <a:cxn ang="0">
+                <a:pos x="connsiteX22" y="connsiteY22"/>
+              </a:cxn>
+            </a:cxnLst>
+            <a:rect l="l" t="t" r="r" b="b"/>
+            <a:pathLst>
+              <a:path w="12191999" h="5166360">
+                <a:moveTo>
+                  <a:pt x="0" y="0"/>
+                </a:moveTo>
+                <a:lnTo>
+                  <a:pt x="1822388" y="0"/>
+                </a:lnTo>
+                <a:lnTo>
+                  <a:pt x="6468290" y="0"/>
+                </a:lnTo>
+                <a:lnTo>
+                  <a:pt x="7796394" y="0"/>
+                </a:lnTo>
+                <a:lnTo>
+                  <a:pt x="8376834" y="0"/>
+                </a:lnTo>
+                <a:lnTo>
+                  <a:pt x="9704938" y="0"/>
+                </a:lnTo>
+                <a:lnTo>
+                  <a:pt x="9704938" y="2"/>
+                </a:lnTo>
+                <a:lnTo>
+                  <a:pt x="10283456" y="2"/>
+                </a:lnTo>
+                <a:lnTo>
+                  <a:pt x="10863897" y="2"/>
+                </a:lnTo>
+                <a:lnTo>
+                  <a:pt x="12191999" y="2"/>
+                </a:lnTo>
+                <a:lnTo>
+                  <a:pt x="12191999" y="5166360"/>
+                </a:lnTo>
+                <a:lnTo>
+                  <a:pt x="0" y="5166360"/>
+                </a:lnTo>
+                <a:lnTo>
+                  <a:pt x="0" y="2604436"/>
+                </a:lnTo>
+                <a:lnTo>
+                  <a:pt x="862341" y="743371"/>
+                </a:lnTo>
+                <a:lnTo>
+                  <a:pt x="0" y="743371"/>
+                </a:lnTo>
+                <a:lnTo>
+                  <a:pt x="0" y="742508"/>
+                </a:lnTo>
+                <a:lnTo>
+                  <a:pt x="92826" y="742508"/>
+                </a:lnTo>
+                <a:lnTo>
+                  <a:pt x="406486" y="742508"/>
+                </a:lnTo>
+                <a:lnTo>
+                  <a:pt x="406486" y="742507"/>
+                </a:lnTo>
+                <a:lnTo>
+                  <a:pt x="862741" y="742507"/>
+                </a:lnTo>
+                <a:lnTo>
+                  <a:pt x="1206388" y="864"/>
+                </a:lnTo>
+                <a:lnTo>
+                  <a:pt x="748500" y="864"/>
+                </a:lnTo>
+                <a:lnTo>
+                  <a:pt x="0" y="864"/>
+                </a:lnTo>
+                <a:close/>
+              </a:path>
+            </a:pathLst>
+          </a:custGeom>
+          <a:solidFill>
+            <a:srgbClr val="A6A6A6">
+              <a:alpha val="49804"/>
+            </a:srgbClr>
+          </a:solidFill>
+          <a:ln>
+            <a:noFill/>
+          </a:ln>
+        </p:spPr>
+        <p:style>
+          <a:lnRef idx="2">
+            <a:schemeClr val="accent1">
+              <a:shade val="50000"/>
+            </a:schemeClr>
+          </a:lnRef>
+          <a:fillRef idx="1">
+            <a:schemeClr val="accent1"/>
+          </a:fillRef>
+          <a:effectRef idx="0">
+            <a:schemeClr val="accent1"/>
+          </a:effectRef>
+          <a:fontRef idx="minor">
+            <a:schemeClr val="lt1"/>
+          </a:fontRef>
+        </p:style>
+        <p:txBody>
+          <a:bodyPr wrap="square" rtlCol="0" anchor="ctr">
+            <a:noAutofit/>
+          </a:bodyPr>
+          <a:lstStyle/>
+          <a:p>
+            <a:pPr algn="ctr"/>
+            <a:endParaRPr lang="en-US"/>
+          </a:p>
+        </p:txBody>
+      </p:sp>
+      <p:sp>
+        <p:nvSpPr>
+          <p:cNvPr id="12" name="Freeform: Shape 11">
+            <a:extLst>
+              <a:ext uri="{FF2B5EF4-FFF2-40B4-BE49-F238E27FC236}">
+                <a16:creationId xmlns:a16="http://schemas.microsoft.com/office/drawing/2014/main" id="{479F5F2B-8B58-4140-AE6A-51F6C67B18D9}"/>
+              </a:ext>
+              <a:ext uri="{C183D7F6-B498-43B3-948B-1728B52AA6E4}">
+                <adec:decorative xmlns:adec="http://schemas.microsoft.com/office/drawing/2017/decorative" val="1"/>
+              </a:ext>
+            </a:extLst>
+          </p:cNvPr>
+          <p:cNvSpPr>
+            <a:spLocks noGrp="1" noRot="1" noChangeAspect="1" noMove="1" noResize="1" noEditPoints="1" noAdjustHandles="1" noChangeArrowheads="1" noChangeShapeType="1" noTextEdit="1"/>
+          </p:cNvSpPr>
+          <p:nvPr>
+            <p:extLst>
+              <p:ext uri="{386F3935-93C4-4BCD-93E2-E3B085C9AB24}">
+                <p16:designElem xmlns:p16="http://schemas.microsoft.com/office/powerpoint/2015/main" val="1"/>
+              </p:ext>
+            </p:extLst>
+          </p:nvPr>
+        </p:nvSpPr>
+        <p:spPr>
+          <a:xfrm>
+            <a:off x="0" y="1691641"/>
+            <a:ext cx="971654" cy="2096979"/>
+          </a:xfrm>
+          <a:custGeom>
+            <a:avLst/>
+            <a:gdLst>
+              <a:gd name="connsiteX0" fmla="*/ 0 w 971654"/>
+              <a:gd name="connsiteY0" fmla="*/ 0 h 2096979"/>
+              <a:gd name="connsiteX1" fmla="*/ 971654 w 971654"/>
+              <a:gd name="connsiteY1" fmla="*/ 0 h 2096979"/>
+              <a:gd name="connsiteX2" fmla="*/ 0 w 971654"/>
+              <a:gd name="connsiteY2" fmla="*/ 2096979 h 2096979"/>
+            </a:gdLst>
+            <a:ahLst/>
+            <a:cxnLst>
+              <a:cxn ang="0">
+                <a:pos x="connsiteX0" y="connsiteY0"/>
+              </a:cxn>
+              <a:cxn ang="0">
+                <a:pos x="connsiteX1" y="connsiteY1"/>
+              </a:cxn>
+              <a:cxn ang="0">
+                <a:pos x="connsiteX2" y="connsiteY2"/>
+              </a:cxn>
+            </a:cxnLst>
+            <a:rect l="l" t="t" r="r" b="b"/>
+            <a:pathLst>
+              <a:path w="971654" h="2096979">
+                <a:moveTo>
+                  <a:pt x="0" y="0"/>
+                </a:moveTo>
+                <a:lnTo>
+                  <a:pt x="971654" y="0"/>
+                </a:lnTo>
+                <a:lnTo>
+                  <a:pt x="0" y="2096979"/>
+                </a:lnTo>
+                <a:close/>
+              </a:path>
+            </a:pathLst>
+          </a:custGeom>
+          <a:solidFill>
+            <a:srgbClr val="404040"/>
+          </a:solidFill>
+          <a:ln>
+            <a:noFill/>
+          </a:ln>
+        </p:spPr>
+        <p:style>
+          <a:lnRef idx="2">
+            <a:schemeClr val="accent1">
+              <a:shade val="50000"/>
+            </a:schemeClr>
+          </a:lnRef>
+          <a:fillRef idx="1">
+            <a:schemeClr val="accent1"/>
+          </a:fillRef>
+          <a:effectRef idx="0">
+            <a:schemeClr val="accent1"/>
+          </a:effectRef>
+          <a:fontRef idx="minor">
+            <a:schemeClr val="lt1"/>
+          </a:fontRef>
+        </p:style>
+        <p:txBody>
+          <a:bodyPr wrap="square" rtlCol="0" anchor="ctr">
+            <a:noAutofit/>
+          </a:bodyPr>
+          <a:lstStyle/>
+          <a:p>
+            <a:pPr algn="ctr"/>
+            <a:endParaRPr lang="en-US"/>
+          </a:p>
+        </p:txBody>
+      </p:sp>
+      <p:sp>
+        <p:nvSpPr>
+          <p:cNvPr id="3" name="Content Placeholder 2">
+            <a:extLst>
+              <a:ext uri="{FF2B5EF4-FFF2-40B4-BE49-F238E27FC236}">
+                <a16:creationId xmlns:a16="http://schemas.microsoft.com/office/drawing/2014/main" id="{24AC0D97-EB7E-42D6-8C04-D25BCE802DE1}"/>
+              </a:ext>
+            </a:extLst>
+          </p:cNvPr>
+          <p:cNvSpPr>
+            <a:spLocks noGrp="1"/>
+          </p:cNvSpPr>
+          <p:nvPr>
+            <p:ph idx="1"/>
+          </p:nvPr>
+        </p:nvSpPr>
+        <p:spPr>
+          <a:xfrm>
+            <a:off x="1653363" y="2176272"/>
+            <a:ext cx="9367204" cy="4041648"/>
+          </a:xfrm>
+        </p:spPr>
+        <p:txBody>
+          <a:bodyPr anchor="t">
+            <a:normAutofit/>
+          </a:bodyPr>
+          <a:lstStyle/>
+          <a:p>
+            <a:r>
+              <a:rPr lang="da-DK" sz="2400"/>
+              <a:t>Muligheden for at lave sit eget element, som kan få sin egen funktionalitet.</a:t>
+            </a:r>
+          </a:p>
+          <a:p>
+            <a:r>
+              <a:rPr lang="da-DK" sz="2400"/>
+              <a:t>Hvis denne funktionalitet ikke understøttes ses et custom element som et &lt;div&gt; elementd.</a:t>
+            </a:r>
+          </a:p>
+        </p:txBody>
+      </p:sp>
+    </p:spTree>
+    <p:extLst>
+      <p:ext uri="{BB962C8B-B14F-4D97-AF65-F5344CB8AC3E}">
+        <p14:creationId xmlns:p14="http://schemas.microsoft.com/office/powerpoint/2010/main" val="815506596"/>
+      </p:ext>
+    </p:extLst>
+  </p:cSld>
+  <p:clrMapOvr>
+    <a:masterClrMapping/>
+  </p:clrMapOvr>
+</p:sld>
+</file>
+
+<file path=ppt/slides/slide5.xml><?xml version="1.0" encoding="utf-8"?>
+<p:sld xmlns:a="http://schemas.openxmlformats.org/drawingml/2006/main" xmlns:r="http://schemas.openxmlformats.org/officeDocument/2006/relationships" xmlns:p="http://schemas.openxmlformats.org/presentationml/2006/main">
+  <p:cSld>
+    <p:bg>
+      <p:bgPr>
+        <a:solidFill>
+          <a:schemeClr val="bg1"/>
+        </a:solidFill>
+        <a:effectLst/>
+      </p:bgPr>
+    </p:bg>
+    <p:spTree>
+      <p:nvGrpSpPr>
+        <p:cNvPr id="1" name=""/>
+        <p:cNvGrpSpPr/>
+        <p:nvPr/>
+      </p:nvGrpSpPr>
+      <p:grpSpPr>
+        <a:xfrm>
+          <a:off x="0" y="0"/>
+          <a:ext cx="0" cy="0"/>
+          <a:chOff x="0" y="0"/>
+          <a:chExt cx="0" cy="0"/>
+        </a:xfrm>
+      </p:grpSpPr>
+      <p:sp>
+        <p:nvSpPr>
+          <p:cNvPr id="2" name="Title 1">
+            <a:extLst>
+              <a:ext uri="{FF2B5EF4-FFF2-40B4-BE49-F238E27FC236}">
+                <a16:creationId xmlns:a16="http://schemas.microsoft.com/office/drawing/2014/main" id="{CA1FE31F-DBF6-440D-A086-F7319118D1AC}"/>
+              </a:ext>
+            </a:extLst>
+          </p:cNvPr>
+          <p:cNvSpPr>
+            <a:spLocks noGrp="1"/>
+          </p:cNvSpPr>
+          <p:nvPr>
+            <p:ph type="title"/>
+          </p:nvPr>
+        </p:nvSpPr>
+        <p:spPr>
+          <a:xfrm>
+            <a:off x="841249" y="365760"/>
+            <a:ext cx="9912072" cy="1188404"/>
+          </a:xfrm>
+        </p:spPr>
+        <p:txBody>
+          <a:bodyPr>
+            <a:normAutofit/>
+          </a:bodyPr>
+          <a:lstStyle/>
+          <a:p>
+            <a:r>
+              <a:rPr lang="da-DK" dirty="0"/>
+              <a:t>HTML Template</a:t>
+            </a:r>
+          </a:p>
+        </p:txBody>
+      </p:sp>
+      <p:sp>
+        <p:nvSpPr>
+          <p:cNvPr id="8" name="Freeform: Shape 7">
+            <a:extLst>
+              <a:ext uri="{FF2B5EF4-FFF2-40B4-BE49-F238E27FC236}">
+                <a16:creationId xmlns:a16="http://schemas.microsoft.com/office/drawing/2014/main" id="{F0BC1D9E-4401-4EC0-88FD-ED103CB570EA}"/>
+              </a:ext>
+              <a:ext uri="{C183D7F6-B498-43B3-948B-1728B52AA6E4}">
+                <adec:decorative xmlns:adec="http://schemas.microsoft.com/office/drawing/2017/decorative" val="1"/>
+              </a:ext>
+            </a:extLst>
+          </p:cNvPr>
+          <p:cNvSpPr>
+            <a:spLocks noGrp="1" noRot="1" noChangeAspect="1" noMove="1" noResize="1" noEditPoints="1" noAdjustHandles="1" noChangeArrowheads="1" noChangeShapeType="1" noTextEdit="1"/>
+          </p:cNvSpPr>
+          <p:nvPr>
+            <p:extLst>
+              <p:ext uri="{386F3935-93C4-4BCD-93E2-E3B085C9AB24}">
+                <p16:designElem xmlns:p16="http://schemas.microsoft.com/office/powerpoint/2015/main" val="1"/>
+              </p:ext>
+            </p:extLst>
+          </p:nvPr>
+        </p:nvSpPr>
+        <p:spPr>
+          <a:xfrm>
+            <a:off x="11000670" y="2"/>
+            <a:ext cx="1191330" cy="1511301"/>
+          </a:xfrm>
+          <a:custGeom>
+            <a:avLst/>
+            <a:gdLst>
+              <a:gd name="connsiteX0" fmla="*/ 697617 w 1191330"/>
+              <a:gd name="connsiteY0" fmla="*/ 0 h 1511301"/>
+              <a:gd name="connsiteX1" fmla="*/ 1191330 w 1191330"/>
+              <a:gd name="connsiteY1" fmla="*/ 0 h 1511301"/>
+              <a:gd name="connsiteX2" fmla="*/ 1191330 w 1191330"/>
+              <a:gd name="connsiteY2" fmla="*/ 1511301 h 1511301"/>
+              <a:gd name="connsiteX3" fmla="*/ 0 w 1191330"/>
+              <a:gd name="connsiteY3" fmla="*/ 1511301 h 1511301"/>
+            </a:gdLst>
+            <a:ahLst/>
+            <a:cxnLst>
+              <a:cxn ang="0">
+                <a:pos x="connsiteX0" y="connsiteY0"/>
+              </a:cxn>
+              <a:cxn ang="0">
+                <a:pos x="connsiteX1" y="connsiteY1"/>
+              </a:cxn>
+              <a:cxn ang="0">
+                <a:pos x="connsiteX2" y="connsiteY2"/>
+              </a:cxn>
+              <a:cxn ang="0">
+                <a:pos x="connsiteX3" y="connsiteY3"/>
+              </a:cxn>
+            </a:cxnLst>
+            <a:rect l="l" t="t" r="r" b="b"/>
+            <a:pathLst>
+              <a:path w="1191330" h="1511301">
+                <a:moveTo>
+                  <a:pt x="697617" y="0"/>
+                </a:moveTo>
+                <a:lnTo>
+                  <a:pt x="1191330" y="0"/>
+                </a:lnTo>
+                <a:lnTo>
+                  <a:pt x="1191330" y="1511301"/>
+                </a:lnTo>
+                <a:lnTo>
+                  <a:pt x="0" y="1511301"/>
+                </a:lnTo>
+                <a:close/>
+              </a:path>
+            </a:pathLst>
+          </a:custGeom>
+          <a:solidFill>
+            <a:schemeClr val="accent4"/>
+          </a:solidFill>
+          <a:ln>
+            <a:noFill/>
+          </a:ln>
+        </p:spPr>
+        <p:style>
+          <a:lnRef idx="2">
+            <a:schemeClr val="accent1">
+              <a:shade val="50000"/>
+            </a:schemeClr>
+          </a:lnRef>
+          <a:fillRef idx="1">
+            <a:schemeClr val="accent1"/>
+          </a:fillRef>
+          <a:effectRef idx="0">
+            <a:schemeClr val="accent1"/>
+          </a:effectRef>
+          <a:fontRef idx="minor">
+            <a:schemeClr val="lt1"/>
+          </a:fontRef>
+        </p:style>
+        <p:txBody>
+          <a:bodyPr wrap="square" rtlCol="0" anchor="ctr">
+            <a:noAutofit/>
+          </a:bodyPr>
+          <a:lstStyle/>
+          <a:p>
+            <a:pPr algn="ctr"/>
+            <a:endParaRPr lang="en-US"/>
+          </a:p>
+        </p:txBody>
+      </p:sp>
+      <p:sp>
+        <p:nvSpPr>
+          <p:cNvPr id="10" name="Freeform: Shape 9">
+            <a:extLst>
+              <a:ext uri="{FF2B5EF4-FFF2-40B4-BE49-F238E27FC236}">
+                <a16:creationId xmlns:a16="http://schemas.microsoft.com/office/drawing/2014/main" id="{6200B311-3585-4069-AAC6-CD443FA5B8AD}"/>
+              </a:ext>
+              <a:ext uri="{C183D7F6-B498-43B3-948B-1728B52AA6E4}">
+                <adec:decorative xmlns:adec="http://schemas.microsoft.com/office/drawing/2017/decorative" val="1"/>
+              </a:ext>
+            </a:extLst>
+          </p:cNvPr>
+          <p:cNvSpPr>
+            <a:spLocks noGrp="1" noRot="1" noChangeAspect="1" noMove="1" noResize="1" noEditPoints="1" noAdjustHandles="1" noChangeArrowheads="1" noChangeShapeType="1" noTextEdit="1"/>
+          </p:cNvSpPr>
+          <p:nvPr>
+            <p:extLst>
+              <p:ext uri="{386F3935-93C4-4BCD-93E2-E3B085C9AB24}">
+                <p16:designElem xmlns:p16="http://schemas.microsoft.com/office/powerpoint/2015/main" val="1"/>
+              </p:ext>
+            </p:extLst>
+          </p:nvPr>
+        </p:nvSpPr>
+        <p:spPr>
+          <a:xfrm>
+            <a:off x="8523986" y="1690688"/>
+            <a:ext cx="3668014" cy="5167312"/>
+          </a:xfrm>
+          <a:custGeom>
+            <a:avLst/>
+            <a:gdLst>
+              <a:gd name="connsiteX0" fmla="*/ 2391664 w 3668014"/>
+              <a:gd name="connsiteY0" fmla="*/ 0 h 5167312"/>
+              <a:gd name="connsiteX1" fmla="*/ 3668014 w 3668014"/>
+              <a:gd name="connsiteY1" fmla="*/ 0 h 5167312"/>
+              <a:gd name="connsiteX2" fmla="*/ 3668014 w 3668014"/>
+              <a:gd name="connsiteY2" fmla="*/ 5167312 h 5167312"/>
+              <a:gd name="connsiteX3" fmla="*/ 0 w 3668014"/>
+              <a:gd name="connsiteY3" fmla="*/ 5167312 h 5167312"/>
+              <a:gd name="connsiteX4" fmla="*/ 2393879 w 3668014"/>
+              <a:gd name="connsiteY4" fmla="*/ 952 h 5167312"/>
+              <a:gd name="connsiteX5" fmla="*/ 2391664 w 3668014"/>
+              <a:gd name="connsiteY5" fmla="*/ 952 h 5167312"/>
+            </a:gdLst>
+            <a:ahLst/>
+            <a:cxnLst>
+              <a:cxn ang="0">
+                <a:pos x="connsiteX0" y="connsiteY0"/>
+              </a:cxn>
+              <a:cxn ang="0">
+                <a:pos x="connsiteX1" y="connsiteY1"/>
+              </a:cxn>
+              <a:cxn ang="0">
+                <a:pos x="connsiteX2" y="connsiteY2"/>
+              </a:cxn>
+              <a:cxn ang="0">
+                <a:pos x="connsiteX3" y="connsiteY3"/>
+              </a:cxn>
+              <a:cxn ang="0">
+                <a:pos x="connsiteX4" y="connsiteY4"/>
+              </a:cxn>
+              <a:cxn ang="0">
+                <a:pos x="connsiteX5" y="connsiteY5"/>
+              </a:cxn>
+            </a:cxnLst>
+            <a:rect l="l" t="t" r="r" b="b"/>
+            <a:pathLst>
+              <a:path w="3668014" h="5167312">
+                <a:moveTo>
+                  <a:pt x="2391664" y="0"/>
+                </a:moveTo>
+                <a:lnTo>
+                  <a:pt x="3668014" y="0"/>
+                </a:lnTo>
+                <a:lnTo>
+                  <a:pt x="3668014" y="5167312"/>
+                </a:lnTo>
+                <a:lnTo>
+                  <a:pt x="0" y="5167312"/>
+                </a:lnTo>
+                <a:lnTo>
+                  <a:pt x="2393879" y="952"/>
+                </a:lnTo>
+                <a:lnTo>
+                  <a:pt x="2391664" y="952"/>
+                </a:lnTo>
+                <a:close/>
+              </a:path>
+            </a:pathLst>
+          </a:custGeom>
+          <a:solidFill>
+            <a:srgbClr val="A6A6A6">
+              <a:alpha val="49804"/>
+            </a:srgbClr>
+          </a:solidFill>
+          <a:ln>
+            <a:noFill/>
+          </a:ln>
+        </p:spPr>
+        <p:style>
+          <a:lnRef idx="2">
+            <a:schemeClr val="accent1">
+              <a:shade val="50000"/>
+            </a:schemeClr>
+          </a:lnRef>
+          <a:fillRef idx="1">
+            <a:schemeClr val="accent1"/>
+          </a:fillRef>
+          <a:effectRef idx="0">
+            <a:schemeClr val="accent1"/>
+          </a:effectRef>
+          <a:fontRef idx="minor">
+            <a:schemeClr val="lt1"/>
+          </a:fontRef>
+        </p:style>
+        <p:txBody>
+          <a:bodyPr wrap="square" rtlCol="0" anchor="ctr">
+            <a:noAutofit/>
+          </a:bodyPr>
+          <a:lstStyle/>
+          <a:p>
+            <a:pPr algn="ctr"/>
+            <a:endParaRPr lang="en-US"/>
+          </a:p>
+        </p:txBody>
+      </p:sp>
+      <p:sp>
+        <p:nvSpPr>
+          <p:cNvPr id="12" name="Freeform: Shape 11">
+            <a:extLst>
+              <a:ext uri="{FF2B5EF4-FFF2-40B4-BE49-F238E27FC236}">
+                <a16:creationId xmlns:a16="http://schemas.microsoft.com/office/drawing/2014/main" id="{B0AAF7C9-094E-400C-A428-F6C2262F6527}"/>
+              </a:ext>
+              <a:ext uri="{C183D7F6-B498-43B3-948B-1728B52AA6E4}">
+                <adec:decorative xmlns:adec="http://schemas.microsoft.com/office/drawing/2017/decorative" val="1"/>
+              </a:ext>
+            </a:extLst>
+          </p:cNvPr>
+          <p:cNvSpPr>
+            <a:spLocks noGrp="1" noRot="1" noChangeAspect="1" noMove="1" noResize="1" noEditPoints="1" noAdjustHandles="1" noChangeArrowheads="1" noChangeShapeType="1" noTextEdit="1"/>
+          </p:cNvSpPr>
+          <p:nvPr>
+            <p:extLst>
+              <p:ext uri="{386F3935-93C4-4BCD-93E2-E3B085C9AB24}">
+                <p16:designElem xmlns:p16="http://schemas.microsoft.com/office/powerpoint/2015/main" val="1"/>
+              </p:ext>
+            </p:extLst>
+          </p:nvPr>
+        </p:nvSpPr>
+        <p:spPr>
+          <a:xfrm>
+            <a:off x="0" y="1690688"/>
+            <a:ext cx="10753320" cy="5167312"/>
+          </a:xfrm>
+          <a:custGeom>
+            <a:avLst/>
+            <a:gdLst>
+              <a:gd name="connsiteX0" fmla="*/ 0 w 10753320"/>
+              <a:gd name="connsiteY0" fmla="*/ 0 h 5167312"/>
+              <a:gd name="connsiteX1" fmla="*/ 9680943 w 10753320"/>
+              <a:gd name="connsiteY1" fmla="*/ 0 h 5167312"/>
+              <a:gd name="connsiteX2" fmla="*/ 9680223 w 10753320"/>
+              <a:gd name="connsiteY2" fmla="*/ 952 h 5167312"/>
+              <a:gd name="connsiteX3" fmla="*/ 10753320 w 10753320"/>
+              <a:gd name="connsiteY3" fmla="*/ 952 h 5167312"/>
+              <a:gd name="connsiteX4" fmla="*/ 8359441 w 10753320"/>
+              <a:gd name="connsiteY4" fmla="*/ 5167312 h 5167312"/>
+              <a:gd name="connsiteX5" fmla="*/ 4821866 w 10753320"/>
+              <a:gd name="connsiteY5" fmla="*/ 5167312 h 5167312"/>
+              <a:gd name="connsiteX6" fmla="*/ 4821866 w 10753320"/>
+              <a:gd name="connsiteY6" fmla="*/ 5166360 h 5167312"/>
+              <a:gd name="connsiteX7" fmla="*/ 0 w 10753320"/>
+              <a:gd name="connsiteY7" fmla="*/ 5166360 h 5167312"/>
+            </a:gdLst>
+            <a:ahLst/>
+            <a:cxnLst>
+              <a:cxn ang="0">
+                <a:pos x="connsiteX0" y="connsiteY0"/>
+              </a:cxn>
+              <a:cxn ang="0">
+                <a:pos x="connsiteX1" y="connsiteY1"/>
+              </a:cxn>
+              <a:cxn ang="0">
+                <a:pos x="connsiteX2" y="connsiteY2"/>
+              </a:cxn>
+              <a:cxn ang="0">
+                <a:pos x="connsiteX3" y="connsiteY3"/>
+              </a:cxn>
+              <a:cxn ang="0">
+                <a:pos x="connsiteX4" y="connsiteY4"/>
+              </a:cxn>
+              <a:cxn ang="0">
+                <a:pos x="connsiteX5" y="connsiteY5"/>
+              </a:cxn>
+              <a:cxn ang="0">
+                <a:pos x="connsiteX6" y="connsiteY6"/>
+              </a:cxn>
+              <a:cxn ang="0">
+                <a:pos x="connsiteX7" y="connsiteY7"/>
+              </a:cxn>
+            </a:cxnLst>
+            <a:rect l="l" t="t" r="r" b="b"/>
+            <a:pathLst>
+              <a:path w="10753320" h="5167312">
+                <a:moveTo>
+                  <a:pt x="0" y="0"/>
+                </a:moveTo>
+                <a:lnTo>
+                  <a:pt x="9680943" y="0"/>
+                </a:lnTo>
+                <a:lnTo>
+                  <a:pt x="9680223" y="952"/>
+                </a:lnTo>
+                <a:lnTo>
+                  <a:pt x="10753320" y="952"/>
+                </a:lnTo>
+                <a:lnTo>
+                  <a:pt x="8359441" y="5167312"/>
+                </a:lnTo>
+                <a:lnTo>
+                  <a:pt x="4821866" y="5167312"/>
+                </a:lnTo>
+                <a:lnTo>
+                  <a:pt x="4821866" y="5166360"/>
+                </a:lnTo>
+                <a:lnTo>
+                  <a:pt x="0" y="5166360"/>
+                </a:lnTo>
+                <a:close/>
+              </a:path>
+            </a:pathLst>
+          </a:custGeom>
+          <a:solidFill>
+            <a:srgbClr val="303030"/>
+          </a:solidFill>
+          <a:ln>
+            <a:noFill/>
+          </a:ln>
+        </p:spPr>
+        <p:style>
+          <a:lnRef idx="2">
+            <a:schemeClr val="accent1">
+              <a:shade val="50000"/>
+            </a:schemeClr>
+          </a:lnRef>
+          <a:fillRef idx="1">
+            <a:schemeClr val="accent1"/>
+          </a:fillRef>
+          <a:effectRef idx="0">
+            <a:schemeClr val="accent1"/>
+          </a:effectRef>
+          <a:fontRef idx="minor">
+            <a:schemeClr val="lt1"/>
+          </a:fontRef>
+        </p:style>
+        <p:txBody>
+          <a:bodyPr wrap="square" rtlCol="0" anchor="ctr">
+            <a:noAutofit/>
+          </a:bodyPr>
+          <a:lstStyle/>
+          <a:p>
+            <a:pPr algn="ctr"/>
+            <a:endParaRPr lang="en-US"/>
+          </a:p>
+        </p:txBody>
+      </p:sp>
+      <p:sp>
+        <p:nvSpPr>
+          <p:cNvPr id="3" name="Content Placeholder 2">
+            <a:extLst>
+              <a:ext uri="{FF2B5EF4-FFF2-40B4-BE49-F238E27FC236}">
+                <a16:creationId xmlns:a16="http://schemas.microsoft.com/office/drawing/2014/main" id="{4229B8FA-155D-4EC7-8472-C8E6174B82B0}"/>
+              </a:ext>
+            </a:extLst>
+          </p:cNvPr>
+          <p:cNvSpPr>
+            <a:spLocks noGrp="1"/>
+          </p:cNvSpPr>
+          <p:nvPr>
+            <p:ph idx="1"/>
+          </p:nvPr>
+        </p:nvSpPr>
+        <p:spPr>
+          <a:xfrm>
+            <a:off x="841248" y="2174358"/>
+            <a:ext cx="7731642" cy="4045467"/>
+          </a:xfrm>
+        </p:spPr>
+        <p:txBody>
+          <a:bodyPr anchor="t">
+            <a:normAutofit/>
+          </a:bodyPr>
+          <a:lstStyle/>
+          <a:p>
+            <a:r>
+              <a:rPr lang="da-DK" sz="2400">
+                <a:solidFill>
+                  <a:schemeClr val="bg1"/>
+                </a:solidFill>
+              </a:rPr>
+              <a:t>HTML templates er et godt værktøj at bruge når der dynamisk skal opdateres noget tekst. </a:t>
+            </a:r>
+          </a:p>
+          <a:p>
+            <a:r>
+              <a:rPr lang="da-DK" sz="2400">
+                <a:solidFill>
+                  <a:schemeClr val="bg1"/>
+                </a:solidFill>
+              </a:rPr>
+              <a:t>Når der skal loades et komponent ind skal det også være muligt at loade HTML delen af komponentet ind, hvilket kræver at browseren understøtter HTML template funktionaliteten. </a:t>
+            </a:r>
+          </a:p>
+          <a:p>
+            <a:r>
+              <a:rPr lang="da-DK" sz="2400">
+                <a:solidFill>
+                  <a:schemeClr val="bg1"/>
+                </a:solidFill>
+              </a:rPr>
+              <a:t>Denne funktionalitet betyder at der hvor der i HTML står &lt;slot&gt; eller &lt;template&gt; kan overskrives med komponentets template.</a:t>
+            </a:r>
+          </a:p>
+        </p:txBody>
+      </p:sp>
+    </p:spTree>
+    <p:extLst>
+      <p:ext uri="{BB962C8B-B14F-4D97-AF65-F5344CB8AC3E}">
+        <p14:creationId xmlns:p14="http://schemas.microsoft.com/office/powerpoint/2010/main" val="370711399"/>
+      </p:ext>
+    </p:extLst>
+  </p:cSld>
+  <p:clrMapOvr>
+    <a:masterClrMapping/>
+  </p:clrMapOvr>
+</p:sld>
+</file>
+
+<file path=ppt/slides/slide6.xml><?xml version="1.0" encoding="utf-8"?>
+<p:sld xmlns:a="http://schemas.openxmlformats.org/drawingml/2006/main" xmlns:r="http://schemas.openxmlformats.org/officeDocument/2006/relationships" xmlns:p="http://schemas.openxmlformats.org/presentationml/2006/main">
+  <p:cSld>
+    <p:bg>
+      <p:bgPr>
+        <a:solidFill>
+          <a:schemeClr val="bg1"/>
+        </a:solidFill>
+        <a:effectLst/>
+      </p:bgPr>
+    </p:bg>
+    <p:spTree>
+      <p:nvGrpSpPr>
+        <p:cNvPr id="1" name=""/>
+        <p:cNvGrpSpPr/>
+        <p:nvPr/>
+      </p:nvGrpSpPr>
+      <p:grpSpPr>
+        <a:xfrm>
+          <a:off x="0" y="0"/>
+          <a:ext cx="0" cy="0"/>
+          <a:chOff x="0" y="0"/>
+          <a:chExt cx="0" cy="0"/>
+        </a:xfrm>
+      </p:grpSpPr>
+      <p:sp>
+        <p:nvSpPr>
+          <p:cNvPr id="2" name="Title 1">
+            <a:extLst>
+              <a:ext uri="{FF2B5EF4-FFF2-40B4-BE49-F238E27FC236}">
+                <a16:creationId xmlns:a16="http://schemas.microsoft.com/office/drawing/2014/main" id="{B64BFE60-C8DA-4F4F-BDD2-814267F9D124}"/>
+              </a:ext>
+            </a:extLst>
+          </p:cNvPr>
+          <p:cNvSpPr>
+            <a:spLocks noGrp="1"/>
+          </p:cNvSpPr>
+          <p:nvPr>
+            <p:ph type="title"/>
+          </p:nvPr>
+        </p:nvSpPr>
+        <p:spPr>
+          <a:xfrm>
+            <a:off x="1653363" y="365760"/>
+            <a:ext cx="9367203" cy="1188720"/>
+          </a:xfrm>
+        </p:spPr>
+        <p:txBody>
+          <a:bodyPr>
+            <a:normAutofit/>
+          </a:bodyPr>
+          <a:lstStyle/>
+          <a:p>
+            <a:r>
+              <a:rPr lang="da-DK" dirty="0"/>
+              <a:t>Shadow DOM</a:t>
+            </a:r>
+          </a:p>
+        </p:txBody>
+      </p:sp>
+      <p:sp>
+        <p:nvSpPr>
+          <p:cNvPr id="8" name="Freeform: Shape 7">
+            <a:extLst>
+              <a:ext uri="{FF2B5EF4-FFF2-40B4-BE49-F238E27FC236}">
+                <a16:creationId xmlns:a16="http://schemas.microsoft.com/office/drawing/2014/main" id="{7CB4857B-ED7C-444D-9F04-2F885114A1C2}"/>
+              </a:ext>
+              <a:ext uri="{C183D7F6-B498-43B3-948B-1728B52AA6E4}">
+                <adec:decorative xmlns:adec="http://schemas.microsoft.com/office/drawing/2017/decorative" val="1"/>
+              </a:ext>
+            </a:extLst>
+          </p:cNvPr>
+          <p:cNvSpPr>
+            <a:spLocks noGrp="1" noRot="1" noChangeAspect="1" noMove="1" noResize="1" noEditPoints="1" noAdjustHandles="1" noChangeArrowheads="1" noChangeShapeType="1" noTextEdit="1"/>
+          </p:cNvSpPr>
+          <p:nvPr>
+            <p:extLst>
+              <p:ext uri="{386F3935-93C4-4BCD-93E2-E3B085C9AB24}">
+                <p16:designElem xmlns:p16="http://schemas.microsoft.com/office/powerpoint/2015/main" val="1"/>
+              </p:ext>
+            </p:extLst>
+          </p:nvPr>
+        </p:nvSpPr>
+        <p:spPr>
+          <a:xfrm>
+            <a:off x="1" y="0"/>
+            <a:ext cx="1764099" cy="1558212"/>
+          </a:xfrm>
+          <a:custGeom>
+            <a:avLst/>
+            <a:gdLst>
+              <a:gd name="connsiteX0" fmla="*/ 0 w 1764099"/>
+              <a:gd name="connsiteY0" fmla="*/ 0 h 1558212"/>
+              <a:gd name="connsiteX1" fmla="*/ 1764099 w 1764099"/>
+              <a:gd name="connsiteY1" fmla="*/ 0 h 1558212"/>
+              <a:gd name="connsiteX2" fmla="*/ 1042087 w 1764099"/>
+              <a:gd name="connsiteY2" fmla="*/ 1558212 h 1558212"/>
+              <a:gd name="connsiteX3" fmla="*/ 0 w 1764099"/>
+              <a:gd name="connsiteY3" fmla="*/ 1558212 h 1558212"/>
+            </a:gdLst>
+            <a:ahLst/>
+            <a:cxnLst>
+              <a:cxn ang="0">
+                <a:pos x="connsiteX0" y="connsiteY0"/>
+              </a:cxn>
+              <a:cxn ang="0">
+                <a:pos x="connsiteX1" y="connsiteY1"/>
+              </a:cxn>
+              <a:cxn ang="0">
+                <a:pos x="connsiteX2" y="connsiteY2"/>
+              </a:cxn>
+              <a:cxn ang="0">
+                <a:pos x="connsiteX3" y="connsiteY3"/>
+              </a:cxn>
+            </a:cxnLst>
+            <a:rect l="l" t="t" r="r" b="b"/>
+            <a:pathLst>
+              <a:path w="1764099" h="1558212">
+                <a:moveTo>
+                  <a:pt x="0" y="0"/>
+                </a:moveTo>
+                <a:lnTo>
+                  <a:pt x="1764099" y="0"/>
+                </a:lnTo>
+                <a:lnTo>
+                  <a:pt x="1042087" y="1558212"/>
+                </a:lnTo>
+                <a:lnTo>
+                  <a:pt x="0" y="1558212"/>
+                </a:lnTo>
+                <a:close/>
+              </a:path>
+            </a:pathLst>
+          </a:custGeom>
+          <a:solidFill>
+            <a:schemeClr val="accent4"/>
+          </a:solidFill>
+          <a:ln>
+            <a:noFill/>
+          </a:ln>
+        </p:spPr>
+        <p:style>
+          <a:lnRef idx="2">
+            <a:schemeClr val="accent1">
+              <a:shade val="50000"/>
+            </a:schemeClr>
+          </a:lnRef>
+          <a:fillRef idx="1">
+            <a:schemeClr val="accent1"/>
+          </a:fillRef>
+          <a:effectRef idx="0">
+            <a:schemeClr val="accent1"/>
+          </a:effectRef>
+          <a:fontRef idx="minor">
+            <a:schemeClr val="lt1"/>
+          </a:fontRef>
+        </p:style>
+        <p:txBody>
+          <a:bodyPr wrap="square" rtlCol="0" anchor="ctr">
+            <a:noAutofit/>
+          </a:bodyPr>
+          <a:lstStyle/>
+          <a:p>
+            <a:pPr algn="ctr"/>
+            <a:endParaRPr lang="en-US"/>
+          </a:p>
+        </p:txBody>
+      </p:sp>
+      <p:sp>
+        <p:nvSpPr>
+          <p:cNvPr id="10" name="Freeform: Shape 9">
+            <a:extLst>
+              <a:ext uri="{FF2B5EF4-FFF2-40B4-BE49-F238E27FC236}">
+                <a16:creationId xmlns:a16="http://schemas.microsoft.com/office/drawing/2014/main" id="{D18046FB-44EA-4FD8-A585-EA09A319B2D0}"/>
+              </a:ext>
+              <a:ext uri="{C183D7F6-B498-43B3-948B-1728B52AA6E4}">
+                <adec:decorative xmlns:adec="http://schemas.microsoft.com/office/drawing/2017/decorative" val="1"/>
+              </a:ext>
+            </a:extLst>
+          </p:cNvPr>
+          <p:cNvSpPr>
+            <a:spLocks noGrp="1" noRot="1" noChangeAspect="1" noMove="1" noResize="1" noEditPoints="1" noAdjustHandles="1" noChangeArrowheads="1" noChangeShapeType="1" noTextEdit="1"/>
+          </p:cNvSpPr>
+          <p:nvPr>
+            <p:extLst>
+              <p:ext uri="{386F3935-93C4-4BCD-93E2-E3B085C9AB24}">
+                <p16:designElem xmlns:p16="http://schemas.microsoft.com/office/powerpoint/2015/main" val="1"/>
+              </p:ext>
+            </p:extLst>
+          </p:nvPr>
+        </p:nvSpPr>
+        <p:spPr>
+          <a:xfrm>
+            <a:off x="1" y="1691640"/>
+            <a:ext cx="12191999" cy="5166360"/>
+          </a:xfrm>
+          <a:custGeom>
+            <a:avLst/>
+            <a:gdLst>
+              <a:gd name="connsiteX0" fmla="*/ 0 w 12191999"/>
+              <a:gd name="connsiteY0" fmla="*/ 0 h 5166360"/>
+              <a:gd name="connsiteX1" fmla="*/ 1822388 w 12191999"/>
+              <a:gd name="connsiteY1" fmla="*/ 0 h 5166360"/>
+              <a:gd name="connsiteX2" fmla="*/ 6468290 w 12191999"/>
+              <a:gd name="connsiteY2" fmla="*/ 0 h 5166360"/>
+              <a:gd name="connsiteX3" fmla="*/ 7796394 w 12191999"/>
+              <a:gd name="connsiteY3" fmla="*/ 0 h 5166360"/>
+              <a:gd name="connsiteX4" fmla="*/ 8376834 w 12191999"/>
+              <a:gd name="connsiteY4" fmla="*/ 0 h 5166360"/>
+              <a:gd name="connsiteX5" fmla="*/ 9704938 w 12191999"/>
+              <a:gd name="connsiteY5" fmla="*/ 0 h 5166360"/>
+              <a:gd name="connsiteX6" fmla="*/ 9704938 w 12191999"/>
+              <a:gd name="connsiteY6" fmla="*/ 2 h 5166360"/>
+              <a:gd name="connsiteX7" fmla="*/ 10283456 w 12191999"/>
+              <a:gd name="connsiteY7" fmla="*/ 2 h 5166360"/>
+              <a:gd name="connsiteX8" fmla="*/ 10863897 w 12191999"/>
+              <a:gd name="connsiteY8" fmla="*/ 2 h 5166360"/>
+              <a:gd name="connsiteX9" fmla="*/ 12191999 w 12191999"/>
+              <a:gd name="connsiteY9" fmla="*/ 2 h 5166360"/>
+              <a:gd name="connsiteX10" fmla="*/ 12191999 w 12191999"/>
+              <a:gd name="connsiteY10" fmla="*/ 5166360 h 5166360"/>
+              <a:gd name="connsiteX11" fmla="*/ 0 w 12191999"/>
+              <a:gd name="connsiteY11" fmla="*/ 5166360 h 5166360"/>
+              <a:gd name="connsiteX12" fmla="*/ 0 w 12191999"/>
+              <a:gd name="connsiteY12" fmla="*/ 2604436 h 5166360"/>
+              <a:gd name="connsiteX13" fmla="*/ 862341 w 12191999"/>
+              <a:gd name="connsiteY13" fmla="*/ 743371 h 5166360"/>
+              <a:gd name="connsiteX14" fmla="*/ 0 w 12191999"/>
+              <a:gd name="connsiteY14" fmla="*/ 743371 h 5166360"/>
+              <a:gd name="connsiteX15" fmla="*/ 0 w 12191999"/>
+              <a:gd name="connsiteY15" fmla="*/ 742508 h 5166360"/>
+              <a:gd name="connsiteX16" fmla="*/ 92826 w 12191999"/>
+              <a:gd name="connsiteY16" fmla="*/ 742508 h 5166360"/>
+              <a:gd name="connsiteX17" fmla="*/ 406486 w 12191999"/>
+              <a:gd name="connsiteY17" fmla="*/ 742508 h 5166360"/>
+              <a:gd name="connsiteX18" fmla="*/ 406486 w 12191999"/>
+              <a:gd name="connsiteY18" fmla="*/ 742507 h 5166360"/>
+              <a:gd name="connsiteX19" fmla="*/ 862741 w 12191999"/>
+              <a:gd name="connsiteY19" fmla="*/ 742507 h 5166360"/>
+              <a:gd name="connsiteX20" fmla="*/ 1206388 w 12191999"/>
+              <a:gd name="connsiteY20" fmla="*/ 864 h 5166360"/>
+              <a:gd name="connsiteX21" fmla="*/ 748500 w 12191999"/>
+              <a:gd name="connsiteY21" fmla="*/ 864 h 5166360"/>
+              <a:gd name="connsiteX22" fmla="*/ 0 w 12191999"/>
+              <a:gd name="connsiteY22" fmla="*/ 864 h 5166360"/>
+            </a:gdLst>
+            <a:ahLst/>
+            <a:cxnLst>
+              <a:cxn ang="0">
+                <a:pos x="connsiteX0" y="connsiteY0"/>
+              </a:cxn>
+              <a:cxn ang="0">
+                <a:pos x="connsiteX1" y="connsiteY1"/>
+              </a:cxn>
+              <a:cxn ang="0">
+                <a:pos x="connsiteX2" y="connsiteY2"/>
+              </a:cxn>
+              <a:cxn ang="0">
+                <a:pos x="connsiteX3" y="connsiteY3"/>
+              </a:cxn>
+              <a:cxn ang="0">
+                <a:pos x="connsiteX4" y="connsiteY4"/>
+              </a:cxn>
+              <a:cxn ang="0">
+                <a:pos x="connsiteX5" y="connsiteY5"/>
+              </a:cxn>
+              <a:cxn ang="0">
+                <a:pos x="connsiteX6" y="connsiteY6"/>
+              </a:cxn>
+              <a:cxn ang="0">
+                <a:pos x="connsiteX7" y="connsiteY7"/>
+              </a:cxn>
+              <a:cxn ang="0">
+                <a:pos x="connsiteX8" y="connsiteY8"/>
+              </a:cxn>
+              <a:cxn ang="0">
+                <a:pos x="connsiteX9" y="connsiteY9"/>
+              </a:cxn>
+              <a:cxn ang="0">
+                <a:pos x="connsiteX10" y="connsiteY10"/>
+              </a:cxn>
+              <a:cxn ang="0">
+                <a:pos x="connsiteX11" y="connsiteY11"/>
+              </a:cxn>
+              <a:cxn ang="0">
+                <a:pos x="connsiteX12" y="connsiteY12"/>
+              </a:cxn>
+              <a:cxn ang="0">
+                <a:pos x="connsiteX13" y="connsiteY13"/>
+              </a:cxn>
+              <a:cxn ang="0">
+                <a:pos x="connsiteX14" y="connsiteY14"/>
+              </a:cxn>
+              <a:cxn ang="0">
+                <a:pos x="connsiteX15" y="connsiteY15"/>
+              </a:cxn>
+              <a:cxn ang="0">
+                <a:pos x="connsiteX16" y="connsiteY16"/>
+              </a:cxn>
+              <a:cxn ang="0">
+                <a:pos x="connsiteX17" y="connsiteY17"/>
+              </a:cxn>
+              <a:cxn ang="0">
+                <a:pos x="connsiteX18" y="connsiteY18"/>
+              </a:cxn>
+              <a:cxn ang="0">
+                <a:pos x="connsiteX19" y="connsiteY19"/>
+              </a:cxn>
+              <a:cxn ang="0">
+                <a:pos x="connsiteX20" y="connsiteY20"/>
+              </a:cxn>
+              <a:cxn ang="0">
+                <a:pos x="connsiteX21" y="connsiteY21"/>
+              </a:cxn>
+              <a:cxn ang="0">
+                <a:pos x="connsiteX22" y="connsiteY22"/>
+              </a:cxn>
+            </a:cxnLst>
+            <a:rect l="l" t="t" r="r" b="b"/>
+            <a:pathLst>
+              <a:path w="12191999" h="5166360">
+                <a:moveTo>
+                  <a:pt x="0" y="0"/>
+                </a:moveTo>
+                <a:lnTo>
+                  <a:pt x="1822388" y="0"/>
+                </a:lnTo>
+                <a:lnTo>
+                  <a:pt x="6468290" y="0"/>
+                </a:lnTo>
+                <a:lnTo>
+                  <a:pt x="7796394" y="0"/>
+                </a:lnTo>
+                <a:lnTo>
+                  <a:pt x="8376834" y="0"/>
+                </a:lnTo>
+                <a:lnTo>
+                  <a:pt x="9704938" y="0"/>
+                </a:lnTo>
+                <a:lnTo>
+                  <a:pt x="9704938" y="2"/>
+                </a:lnTo>
+                <a:lnTo>
+                  <a:pt x="10283456" y="2"/>
+                </a:lnTo>
+                <a:lnTo>
+                  <a:pt x="10863897" y="2"/>
+                </a:lnTo>
+                <a:lnTo>
+                  <a:pt x="12191999" y="2"/>
+                </a:lnTo>
+                <a:lnTo>
+                  <a:pt x="12191999" y="5166360"/>
+                </a:lnTo>
+                <a:lnTo>
+                  <a:pt x="0" y="5166360"/>
+                </a:lnTo>
+                <a:lnTo>
+                  <a:pt x="0" y="2604436"/>
+                </a:lnTo>
+                <a:lnTo>
+                  <a:pt x="862341" y="743371"/>
+                </a:lnTo>
+                <a:lnTo>
+                  <a:pt x="0" y="743371"/>
+                </a:lnTo>
+                <a:lnTo>
+                  <a:pt x="0" y="742508"/>
+                </a:lnTo>
+                <a:lnTo>
+                  <a:pt x="92826" y="742508"/>
+                </a:lnTo>
+                <a:lnTo>
+                  <a:pt x="406486" y="742508"/>
+                </a:lnTo>
+                <a:lnTo>
+                  <a:pt x="406486" y="742507"/>
+                </a:lnTo>
+                <a:lnTo>
+                  <a:pt x="862741" y="742507"/>
+                </a:lnTo>
+                <a:lnTo>
+                  <a:pt x="1206388" y="864"/>
+                </a:lnTo>
+                <a:lnTo>
+                  <a:pt x="748500" y="864"/>
+                </a:lnTo>
+                <a:lnTo>
+                  <a:pt x="0" y="864"/>
+                </a:lnTo>
+                <a:close/>
+              </a:path>
+            </a:pathLst>
+          </a:custGeom>
+          <a:solidFill>
+            <a:srgbClr val="A6A6A6">
+              <a:alpha val="49804"/>
+            </a:srgbClr>
+          </a:solidFill>
+          <a:ln>
+            <a:noFill/>
+          </a:ln>
+        </p:spPr>
+        <p:style>
+          <a:lnRef idx="2">
+            <a:schemeClr val="accent1">
+              <a:shade val="50000"/>
+            </a:schemeClr>
+          </a:lnRef>
+          <a:fillRef idx="1">
+            <a:schemeClr val="accent1"/>
+          </a:fillRef>
+          <a:effectRef idx="0">
+            <a:schemeClr val="accent1"/>
+          </a:effectRef>
+          <a:fontRef idx="minor">
+            <a:schemeClr val="lt1"/>
+          </a:fontRef>
+        </p:style>
+        <p:txBody>
+          <a:bodyPr wrap="square" rtlCol="0" anchor="ctr">
+            <a:noAutofit/>
+          </a:bodyPr>
+          <a:lstStyle/>
+          <a:p>
+            <a:pPr algn="ctr"/>
+            <a:endParaRPr lang="en-US"/>
+          </a:p>
+        </p:txBody>
+      </p:sp>
+      <p:sp>
+        <p:nvSpPr>
+          <p:cNvPr id="12" name="Freeform: Shape 11">
+            <a:extLst>
+              <a:ext uri="{FF2B5EF4-FFF2-40B4-BE49-F238E27FC236}">
+                <a16:creationId xmlns:a16="http://schemas.microsoft.com/office/drawing/2014/main" id="{479F5F2B-8B58-4140-AE6A-51F6C67B18D9}"/>
+              </a:ext>
+              <a:ext uri="{C183D7F6-B498-43B3-948B-1728B52AA6E4}">
+                <adec:decorative xmlns:adec="http://schemas.microsoft.com/office/drawing/2017/decorative" val="1"/>
+              </a:ext>
+            </a:extLst>
+          </p:cNvPr>
+          <p:cNvSpPr>
+            <a:spLocks noGrp="1" noRot="1" noChangeAspect="1" noMove="1" noResize="1" noEditPoints="1" noAdjustHandles="1" noChangeArrowheads="1" noChangeShapeType="1" noTextEdit="1"/>
+          </p:cNvSpPr>
+          <p:nvPr>
+            <p:extLst>
+              <p:ext uri="{386F3935-93C4-4BCD-93E2-E3B085C9AB24}">
+                <p16:designElem xmlns:p16="http://schemas.microsoft.com/office/powerpoint/2015/main" val="1"/>
+              </p:ext>
+            </p:extLst>
+          </p:nvPr>
+        </p:nvSpPr>
+        <p:spPr>
+          <a:xfrm>
+            <a:off x="0" y="1691641"/>
+            <a:ext cx="971654" cy="2096979"/>
+          </a:xfrm>
+          <a:custGeom>
+            <a:avLst/>
+            <a:gdLst>
+              <a:gd name="connsiteX0" fmla="*/ 0 w 971654"/>
+              <a:gd name="connsiteY0" fmla="*/ 0 h 2096979"/>
+              <a:gd name="connsiteX1" fmla="*/ 971654 w 971654"/>
+              <a:gd name="connsiteY1" fmla="*/ 0 h 2096979"/>
+              <a:gd name="connsiteX2" fmla="*/ 0 w 971654"/>
+              <a:gd name="connsiteY2" fmla="*/ 2096979 h 2096979"/>
+            </a:gdLst>
+            <a:ahLst/>
+            <a:cxnLst>
+              <a:cxn ang="0">
+                <a:pos x="connsiteX0" y="connsiteY0"/>
+              </a:cxn>
+              <a:cxn ang="0">
+                <a:pos x="connsiteX1" y="connsiteY1"/>
+              </a:cxn>
+              <a:cxn ang="0">
+                <a:pos x="connsiteX2" y="connsiteY2"/>
+              </a:cxn>
+            </a:cxnLst>
+            <a:rect l="l" t="t" r="r" b="b"/>
+            <a:pathLst>
+              <a:path w="971654" h="2096979">
+                <a:moveTo>
+                  <a:pt x="0" y="0"/>
+                </a:moveTo>
+                <a:lnTo>
+                  <a:pt x="971654" y="0"/>
+                </a:lnTo>
+                <a:lnTo>
+                  <a:pt x="0" y="2096979"/>
+                </a:lnTo>
+                <a:close/>
+              </a:path>
+            </a:pathLst>
+          </a:custGeom>
+          <a:solidFill>
+            <a:srgbClr val="404040"/>
+          </a:solidFill>
+          <a:ln>
+            <a:noFill/>
+          </a:ln>
+        </p:spPr>
+        <p:style>
+          <a:lnRef idx="2">
+            <a:schemeClr val="accent1">
+              <a:shade val="50000"/>
+            </a:schemeClr>
+          </a:lnRef>
+          <a:fillRef idx="1">
+            <a:schemeClr val="accent1"/>
+          </a:fillRef>
+          <a:effectRef idx="0">
+            <a:schemeClr val="accent1"/>
+          </a:effectRef>
+          <a:fontRef idx="minor">
+            <a:schemeClr val="lt1"/>
+          </a:fontRef>
+        </p:style>
+        <p:txBody>
+          <a:bodyPr wrap="square" rtlCol="0" anchor="ctr">
+            <a:noAutofit/>
+          </a:bodyPr>
+          <a:lstStyle/>
+          <a:p>
+            <a:pPr algn="ctr"/>
+            <a:endParaRPr lang="en-US"/>
+          </a:p>
+        </p:txBody>
+      </p:sp>
+      <p:sp>
+        <p:nvSpPr>
+          <p:cNvPr id="3" name="Content Placeholder 2">
+            <a:extLst>
+              <a:ext uri="{FF2B5EF4-FFF2-40B4-BE49-F238E27FC236}">
+                <a16:creationId xmlns:a16="http://schemas.microsoft.com/office/drawing/2014/main" id="{F0F2C094-8CF3-447C-9590-CBF033EEF023}"/>
+              </a:ext>
+            </a:extLst>
+          </p:cNvPr>
+          <p:cNvSpPr>
+            <a:spLocks noGrp="1"/>
+          </p:cNvSpPr>
+          <p:nvPr>
+            <p:ph idx="1"/>
+          </p:nvPr>
+        </p:nvSpPr>
+        <p:spPr>
+          <a:xfrm>
+            <a:off x="1653363" y="2176272"/>
+            <a:ext cx="9367204" cy="4041648"/>
+          </a:xfrm>
+        </p:spPr>
+        <p:txBody>
+          <a:bodyPr anchor="t">
+            <a:normAutofit/>
+          </a:bodyPr>
+          <a:lstStyle/>
+          <a:p>
+            <a:r>
+              <a:rPr lang="da-DK" sz="2400"/>
+              <a:t>En DOM, som kun er gældende for det specifikke komponent.</a:t>
+            </a:r>
+          </a:p>
+          <a:p>
+            <a:r>
+              <a:rPr lang="da-DK" sz="2400"/>
+              <a:t>Shadow DOM’en attaches til DOM’en på sidden</a:t>
+            </a:r>
+          </a:p>
+          <a:p>
+            <a:r>
+              <a:rPr lang="da-DK" sz="2400"/>
+              <a:t>Der kan på den måde forhindres at UI-elementerne clasher</a:t>
+            </a:r>
+          </a:p>
+        </p:txBody>
+      </p:sp>
+    </p:spTree>
+    <p:extLst>
+      <p:ext uri="{BB962C8B-B14F-4D97-AF65-F5344CB8AC3E}">
+        <p14:creationId xmlns:p14="http://schemas.microsoft.com/office/powerpoint/2010/main" val="3080917701"/>
+      </p:ext>
+    </p:extLst>
+  </p:cSld>
+  <p:clrMapOvr>
+    <a:masterClrMapping/>
+  </p:clrMapOvr>
+</p:sld>
+</file>
+
+<file path=ppt/slides/slide7.xml><?xml version="1.0" encoding="utf-8"?>
+<p:sld xmlns:a="http://schemas.openxmlformats.org/drawingml/2006/main" xmlns:r="http://schemas.openxmlformats.org/officeDocument/2006/relationships" xmlns:p="http://schemas.openxmlformats.org/presentationml/2006/main">
+  <p:cSld>
+    <p:bg>
+      <p:bgPr>
+        <a:solidFill>
+          <a:schemeClr val="bg1"/>
+        </a:solidFill>
+        <a:effectLst/>
+      </p:bgPr>
+    </p:bg>
+    <p:spTree>
+      <p:nvGrpSpPr>
+        <p:cNvPr id="1" name=""/>
+        <p:cNvGrpSpPr/>
+        <p:nvPr/>
+      </p:nvGrpSpPr>
+      <p:grpSpPr>
+        <a:xfrm>
+          <a:off x="0" y="0"/>
+          <a:ext cx="0" cy="0"/>
+          <a:chOff x="0" y="0"/>
+          <a:chExt cx="0" cy="0"/>
+        </a:xfrm>
+      </p:grpSpPr>
+      <p:sp>
+        <p:nvSpPr>
+          <p:cNvPr id="2" name="Title 1">
+            <a:extLst>
+              <a:ext uri="{FF2B5EF4-FFF2-40B4-BE49-F238E27FC236}">
+                <a16:creationId xmlns:a16="http://schemas.microsoft.com/office/drawing/2014/main" id="{1611303F-3429-434D-8422-E99620C869C3}"/>
+              </a:ext>
+            </a:extLst>
+          </p:cNvPr>
+          <p:cNvSpPr>
+            <a:spLocks noGrp="1"/>
+          </p:cNvSpPr>
+          <p:nvPr>
+            <p:ph type="title"/>
+          </p:nvPr>
+        </p:nvSpPr>
+        <p:spPr>
+          <a:xfrm>
+            <a:off x="841249" y="365760"/>
+            <a:ext cx="9912072" cy="1188404"/>
+          </a:xfrm>
+        </p:spPr>
+        <p:txBody>
+          <a:bodyPr>
+            <a:normAutofit/>
+          </a:bodyPr>
+          <a:lstStyle/>
+          <a:p>
+            <a:r>
+              <a:rPr lang="da-DK" dirty="0"/>
+              <a:t>ES Modules</a:t>
+            </a:r>
+          </a:p>
+        </p:txBody>
+      </p:sp>
+      <p:sp>
+        <p:nvSpPr>
+          <p:cNvPr id="8" name="Freeform: Shape 7">
+            <a:extLst>
+              <a:ext uri="{FF2B5EF4-FFF2-40B4-BE49-F238E27FC236}">
+                <a16:creationId xmlns:a16="http://schemas.microsoft.com/office/drawing/2014/main" id="{F0BC1D9E-4401-4EC0-88FD-ED103CB570EA}"/>
+              </a:ext>
+              <a:ext uri="{C183D7F6-B498-43B3-948B-1728B52AA6E4}">
+                <adec:decorative xmlns:adec="http://schemas.microsoft.com/office/drawing/2017/decorative" val="1"/>
+              </a:ext>
+            </a:extLst>
+          </p:cNvPr>
+          <p:cNvSpPr>
+            <a:spLocks noGrp="1" noRot="1" noChangeAspect="1" noMove="1" noResize="1" noEditPoints="1" noAdjustHandles="1" noChangeArrowheads="1" noChangeShapeType="1" noTextEdit="1"/>
+          </p:cNvSpPr>
+          <p:nvPr>
+            <p:extLst>
+              <p:ext uri="{386F3935-93C4-4BCD-93E2-E3B085C9AB24}">
+                <p16:designElem xmlns:p16="http://schemas.microsoft.com/office/powerpoint/2015/main" val="1"/>
+              </p:ext>
+            </p:extLst>
+          </p:nvPr>
+        </p:nvSpPr>
+        <p:spPr>
+          <a:xfrm>
+            <a:off x="11000670" y="2"/>
+            <a:ext cx="1191330" cy="1511301"/>
+          </a:xfrm>
+          <a:custGeom>
+            <a:avLst/>
+            <a:gdLst>
+              <a:gd name="connsiteX0" fmla="*/ 697617 w 1191330"/>
+              <a:gd name="connsiteY0" fmla="*/ 0 h 1511301"/>
+              <a:gd name="connsiteX1" fmla="*/ 1191330 w 1191330"/>
+              <a:gd name="connsiteY1" fmla="*/ 0 h 1511301"/>
+              <a:gd name="connsiteX2" fmla="*/ 1191330 w 1191330"/>
+              <a:gd name="connsiteY2" fmla="*/ 1511301 h 1511301"/>
+              <a:gd name="connsiteX3" fmla="*/ 0 w 1191330"/>
+              <a:gd name="connsiteY3" fmla="*/ 1511301 h 1511301"/>
+            </a:gdLst>
+            <a:ahLst/>
+            <a:cxnLst>
+              <a:cxn ang="0">
+                <a:pos x="connsiteX0" y="connsiteY0"/>
+              </a:cxn>
+              <a:cxn ang="0">
+                <a:pos x="connsiteX1" y="connsiteY1"/>
+              </a:cxn>
+              <a:cxn ang="0">
+                <a:pos x="connsiteX2" y="connsiteY2"/>
+              </a:cxn>
+              <a:cxn ang="0">
+                <a:pos x="connsiteX3" y="connsiteY3"/>
+              </a:cxn>
+            </a:cxnLst>
+            <a:rect l="l" t="t" r="r" b="b"/>
+            <a:pathLst>
+              <a:path w="1191330" h="1511301">
+                <a:moveTo>
+                  <a:pt x="697617" y="0"/>
+                </a:moveTo>
+                <a:lnTo>
+                  <a:pt x="1191330" y="0"/>
+                </a:lnTo>
+                <a:lnTo>
+                  <a:pt x="1191330" y="1511301"/>
+                </a:lnTo>
+                <a:lnTo>
+                  <a:pt x="0" y="1511301"/>
+                </a:lnTo>
+                <a:close/>
+              </a:path>
+            </a:pathLst>
+          </a:custGeom>
+          <a:solidFill>
+            <a:schemeClr val="accent4"/>
+          </a:solidFill>
+          <a:ln>
+            <a:noFill/>
+          </a:ln>
+        </p:spPr>
+        <p:style>
+          <a:lnRef idx="2">
+            <a:schemeClr val="accent1">
+              <a:shade val="50000"/>
+            </a:schemeClr>
+          </a:lnRef>
+          <a:fillRef idx="1">
+            <a:schemeClr val="accent1"/>
+          </a:fillRef>
+          <a:effectRef idx="0">
+            <a:schemeClr val="accent1"/>
+          </a:effectRef>
+          <a:fontRef idx="minor">
+            <a:schemeClr val="lt1"/>
+          </a:fontRef>
+        </p:style>
+        <p:txBody>
+          <a:bodyPr wrap="square" rtlCol="0" anchor="ctr">
+            <a:noAutofit/>
+          </a:bodyPr>
+          <a:lstStyle/>
+          <a:p>
+            <a:pPr algn="ctr"/>
+            <a:endParaRPr lang="en-US"/>
+          </a:p>
+        </p:txBody>
+      </p:sp>
+      <p:sp>
+        <p:nvSpPr>
+          <p:cNvPr id="10" name="Freeform: Shape 9">
+            <a:extLst>
+              <a:ext uri="{FF2B5EF4-FFF2-40B4-BE49-F238E27FC236}">
+                <a16:creationId xmlns:a16="http://schemas.microsoft.com/office/drawing/2014/main" id="{6200B311-3585-4069-AAC6-CD443FA5B8AD}"/>
+              </a:ext>
+              <a:ext uri="{C183D7F6-B498-43B3-948B-1728B52AA6E4}">
+                <adec:decorative xmlns:adec="http://schemas.microsoft.com/office/drawing/2017/decorative" val="1"/>
+              </a:ext>
+            </a:extLst>
+          </p:cNvPr>
+          <p:cNvSpPr>
+            <a:spLocks noGrp="1" noRot="1" noChangeAspect="1" noMove="1" noResize="1" noEditPoints="1" noAdjustHandles="1" noChangeArrowheads="1" noChangeShapeType="1" noTextEdit="1"/>
+          </p:cNvSpPr>
+          <p:nvPr>
+            <p:extLst>
+              <p:ext uri="{386F3935-93C4-4BCD-93E2-E3B085C9AB24}">
+                <p16:designElem xmlns:p16="http://schemas.microsoft.com/office/powerpoint/2015/main" val="1"/>
+              </p:ext>
+            </p:extLst>
+          </p:nvPr>
+        </p:nvSpPr>
+        <p:spPr>
+          <a:xfrm>
+            <a:off x="8523986" y="1690688"/>
+            <a:ext cx="3668014" cy="5167312"/>
+          </a:xfrm>
+          <a:custGeom>
+            <a:avLst/>
+            <a:gdLst>
+              <a:gd name="connsiteX0" fmla="*/ 2391664 w 3668014"/>
+              <a:gd name="connsiteY0" fmla="*/ 0 h 5167312"/>
+              <a:gd name="connsiteX1" fmla="*/ 3668014 w 3668014"/>
+              <a:gd name="connsiteY1" fmla="*/ 0 h 5167312"/>
+              <a:gd name="connsiteX2" fmla="*/ 3668014 w 3668014"/>
+              <a:gd name="connsiteY2" fmla="*/ 5167312 h 5167312"/>
+              <a:gd name="connsiteX3" fmla="*/ 0 w 3668014"/>
+              <a:gd name="connsiteY3" fmla="*/ 5167312 h 5167312"/>
+              <a:gd name="connsiteX4" fmla="*/ 2393879 w 3668014"/>
+              <a:gd name="connsiteY4" fmla="*/ 952 h 5167312"/>
+              <a:gd name="connsiteX5" fmla="*/ 2391664 w 3668014"/>
+              <a:gd name="connsiteY5" fmla="*/ 952 h 5167312"/>
+            </a:gdLst>
+            <a:ahLst/>
+            <a:cxnLst>
+              <a:cxn ang="0">
+                <a:pos x="connsiteX0" y="connsiteY0"/>
+              </a:cxn>
+              <a:cxn ang="0">
+                <a:pos x="connsiteX1" y="connsiteY1"/>
+              </a:cxn>
+              <a:cxn ang="0">
+                <a:pos x="connsiteX2" y="connsiteY2"/>
+              </a:cxn>
+              <a:cxn ang="0">
+                <a:pos x="connsiteX3" y="connsiteY3"/>
+              </a:cxn>
+              <a:cxn ang="0">
+                <a:pos x="connsiteX4" y="connsiteY4"/>
+              </a:cxn>
+              <a:cxn ang="0">
+                <a:pos x="connsiteX5" y="connsiteY5"/>
+              </a:cxn>
+            </a:cxnLst>
+            <a:rect l="l" t="t" r="r" b="b"/>
+            <a:pathLst>
+              <a:path w="3668014" h="5167312">
+                <a:moveTo>
+                  <a:pt x="2391664" y="0"/>
+                </a:moveTo>
+                <a:lnTo>
+                  <a:pt x="3668014" y="0"/>
+                </a:lnTo>
+                <a:lnTo>
+                  <a:pt x="3668014" y="5167312"/>
+                </a:lnTo>
+                <a:lnTo>
+                  <a:pt x="0" y="5167312"/>
+                </a:lnTo>
+                <a:lnTo>
+                  <a:pt x="2393879" y="952"/>
+                </a:lnTo>
+                <a:lnTo>
+                  <a:pt x="2391664" y="952"/>
+                </a:lnTo>
+                <a:close/>
+              </a:path>
+            </a:pathLst>
+          </a:custGeom>
+          <a:solidFill>
+            <a:srgbClr val="A6A6A6">
+              <a:alpha val="49804"/>
+            </a:srgbClr>
+          </a:solidFill>
+          <a:ln>
+            <a:noFill/>
+          </a:ln>
+        </p:spPr>
+        <p:style>
+          <a:lnRef idx="2">
+            <a:schemeClr val="accent1">
+              <a:shade val="50000"/>
+            </a:schemeClr>
+          </a:lnRef>
+          <a:fillRef idx="1">
+            <a:schemeClr val="accent1"/>
+          </a:fillRef>
+          <a:effectRef idx="0">
+            <a:schemeClr val="accent1"/>
+          </a:effectRef>
+          <a:fontRef idx="minor">
+            <a:schemeClr val="lt1"/>
+          </a:fontRef>
+        </p:style>
+        <p:txBody>
+          <a:bodyPr wrap="square" rtlCol="0" anchor="ctr">
+            <a:noAutofit/>
+          </a:bodyPr>
+          <a:lstStyle/>
+          <a:p>
+            <a:pPr algn="ctr"/>
+            <a:endParaRPr lang="en-US"/>
+          </a:p>
+        </p:txBody>
+      </p:sp>
+      <p:sp>
+        <p:nvSpPr>
+          <p:cNvPr id="12" name="Freeform: Shape 11">
+            <a:extLst>
+              <a:ext uri="{FF2B5EF4-FFF2-40B4-BE49-F238E27FC236}">
+                <a16:creationId xmlns:a16="http://schemas.microsoft.com/office/drawing/2014/main" id="{B0AAF7C9-094E-400C-A428-F6C2262F6527}"/>
+              </a:ext>
+              <a:ext uri="{C183D7F6-B498-43B3-948B-1728B52AA6E4}">
+                <adec:decorative xmlns:adec="http://schemas.microsoft.com/office/drawing/2017/decorative" val="1"/>
+              </a:ext>
+            </a:extLst>
+          </p:cNvPr>
+          <p:cNvSpPr>
+            <a:spLocks noGrp="1" noRot="1" noChangeAspect="1" noMove="1" noResize="1" noEditPoints="1" noAdjustHandles="1" noChangeArrowheads="1" noChangeShapeType="1" noTextEdit="1"/>
+          </p:cNvSpPr>
+          <p:nvPr>
+            <p:extLst>
+              <p:ext uri="{386F3935-93C4-4BCD-93E2-E3B085C9AB24}">
+                <p16:designElem xmlns:p16="http://schemas.microsoft.com/office/powerpoint/2015/main" val="1"/>
+              </p:ext>
+            </p:extLst>
+          </p:nvPr>
+        </p:nvSpPr>
+        <p:spPr>
+          <a:xfrm>
+            <a:off x="0" y="1690688"/>
+            <a:ext cx="10753320" cy="5167312"/>
+          </a:xfrm>
+          <a:custGeom>
+            <a:avLst/>
+            <a:gdLst>
+              <a:gd name="connsiteX0" fmla="*/ 0 w 10753320"/>
+              <a:gd name="connsiteY0" fmla="*/ 0 h 5167312"/>
+              <a:gd name="connsiteX1" fmla="*/ 9680943 w 10753320"/>
+              <a:gd name="connsiteY1" fmla="*/ 0 h 5167312"/>
+              <a:gd name="connsiteX2" fmla="*/ 9680223 w 10753320"/>
+              <a:gd name="connsiteY2" fmla="*/ 952 h 5167312"/>
+              <a:gd name="connsiteX3" fmla="*/ 10753320 w 10753320"/>
+              <a:gd name="connsiteY3" fmla="*/ 952 h 5167312"/>
+              <a:gd name="connsiteX4" fmla="*/ 8359441 w 10753320"/>
+              <a:gd name="connsiteY4" fmla="*/ 5167312 h 5167312"/>
+              <a:gd name="connsiteX5" fmla="*/ 4821866 w 10753320"/>
+              <a:gd name="connsiteY5" fmla="*/ 5167312 h 5167312"/>
+              <a:gd name="connsiteX6" fmla="*/ 4821866 w 10753320"/>
+              <a:gd name="connsiteY6" fmla="*/ 5166360 h 5167312"/>
+              <a:gd name="connsiteX7" fmla="*/ 0 w 10753320"/>
+              <a:gd name="connsiteY7" fmla="*/ 5166360 h 5167312"/>
+            </a:gdLst>
+            <a:ahLst/>
+            <a:cxnLst>
+              <a:cxn ang="0">
+                <a:pos x="connsiteX0" y="connsiteY0"/>
+              </a:cxn>
+              <a:cxn ang="0">
+                <a:pos x="connsiteX1" y="connsiteY1"/>
+              </a:cxn>
+              <a:cxn ang="0">
+                <a:pos x="connsiteX2" y="connsiteY2"/>
+              </a:cxn>
+              <a:cxn ang="0">
+                <a:pos x="connsiteX3" y="connsiteY3"/>
+              </a:cxn>
+              <a:cxn ang="0">
+                <a:pos x="connsiteX4" y="connsiteY4"/>
+              </a:cxn>
+              <a:cxn ang="0">
+                <a:pos x="connsiteX5" y="connsiteY5"/>
+              </a:cxn>
+              <a:cxn ang="0">
+                <a:pos x="connsiteX6" y="connsiteY6"/>
+              </a:cxn>
+              <a:cxn ang="0">
+                <a:pos x="connsiteX7" y="connsiteY7"/>
+              </a:cxn>
+            </a:cxnLst>
+            <a:rect l="l" t="t" r="r" b="b"/>
+            <a:pathLst>
+              <a:path w="10753320" h="5167312">
+                <a:moveTo>
+                  <a:pt x="0" y="0"/>
+                </a:moveTo>
+                <a:lnTo>
+                  <a:pt x="9680943" y="0"/>
+                </a:lnTo>
+                <a:lnTo>
+                  <a:pt x="9680223" y="952"/>
+                </a:lnTo>
+                <a:lnTo>
+                  <a:pt x="10753320" y="952"/>
+                </a:lnTo>
+                <a:lnTo>
+                  <a:pt x="8359441" y="5167312"/>
+                </a:lnTo>
+                <a:lnTo>
+                  <a:pt x="4821866" y="5167312"/>
+                </a:lnTo>
+                <a:lnTo>
+                  <a:pt x="4821866" y="5166360"/>
+                </a:lnTo>
+                <a:lnTo>
+                  <a:pt x="0" y="5166360"/>
+                </a:lnTo>
+                <a:close/>
+              </a:path>
+            </a:pathLst>
+          </a:custGeom>
+          <a:solidFill>
+            <a:srgbClr val="303030"/>
+          </a:solidFill>
+          <a:ln>
+            <a:noFill/>
+          </a:ln>
+        </p:spPr>
+        <p:style>
+          <a:lnRef idx="2">
+            <a:schemeClr val="accent1">
+              <a:shade val="50000"/>
+            </a:schemeClr>
+          </a:lnRef>
+          <a:fillRef idx="1">
+            <a:schemeClr val="accent1"/>
+          </a:fillRef>
+          <a:effectRef idx="0">
+            <a:schemeClr val="accent1"/>
+          </a:effectRef>
+          <a:fontRef idx="minor">
+            <a:schemeClr val="lt1"/>
+          </a:fontRef>
+        </p:style>
+        <p:txBody>
+          <a:bodyPr wrap="square" rtlCol="0" anchor="ctr">
+            <a:noAutofit/>
+          </a:bodyPr>
+          <a:lstStyle/>
+          <a:p>
+            <a:pPr algn="ctr"/>
+            <a:endParaRPr lang="en-US"/>
+          </a:p>
+        </p:txBody>
+      </p:sp>
+      <p:sp>
+        <p:nvSpPr>
+          <p:cNvPr id="3" name="Content Placeholder 2">
+            <a:extLst>
+              <a:ext uri="{FF2B5EF4-FFF2-40B4-BE49-F238E27FC236}">
+                <a16:creationId xmlns:a16="http://schemas.microsoft.com/office/drawing/2014/main" id="{8FFB7E5B-BEF5-43F5-92AA-889FE36BB195}"/>
+              </a:ext>
+            </a:extLst>
+          </p:cNvPr>
+          <p:cNvSpPr>
+            <a:spLocks noGrp="1"/>
+          </p:cNvSpPr>
+          <p:nvPr>
+            <p:ph idx="1"/>
+          </p:nvPr>
+        </p:nvSpPr>
+        <p:spPr>
+          <a:xfrm>
+            <a:off x="841248" y="2174358"/>
+            <a:ext cx="7731642" cy="4045467"/>
+          </a:xfrm>
+        </p:spPr>
+        <p:txBody>
+          <a:bodyPr anchor="t">
+            <a:normAutofit/>
+          </a:bodyPr>
+          <a:lstStyle/>
+          <a:p>
+            <a:r>
+              <a:rPr lang="da-DK" sz="2400">
+                <a:solidFill>
+                  <a:schemeClr val="bg1"/>
+                </a:solidFill>
+              </a:rPr>
+              <a:t>ES Modules giver udvikleren mulighed for at isolere sit javascript og tage det i brug når det er gældende.</a:t>
+            </a:r>
+          </a:p>
+          <a:p>
+            <a:r>
+              <a:rPr lang="da-DK" sz="2400">
+                <a:solidFill>
+                  <a:schemeClr val="bg1"/>
+                </a:solidFill>
+              </a:rPr>
+              <a:t>Dette gøres ved at ”export” eller ”Import” scripts</a:t>
+            </a:r>
+          </a:p>
+        </p:txBody>
+      </p:sp>
+    </p:spTree>
+    <p:extLst>
+      <p:ext uri="{BB962C8B-B14F-4D97-AF65-F5344CB8AC3E}">
+        <p14:creationId xmlns:p14="http://schemas.microsoft.com/office/powerpoint/2010/main" val="1101306430"/>
+      </p:ext>
+    </p:extLst>
+  </p:cSld>
+  <p:clrMapOvr>
+    <a:masterClrMapping/>
+  </p:clrMapOvr>
+</p:sld>
+</file>
+
+<file path=ppt/slides/slide8.xml><?xml version="1.0" encoding="utf-8"?>
+<p:sld xmlns:a="http://schemas.openxmlformats.org/drawingml/2006/main" xmlns:r="http://schemas.openxmlformats.org/officeDocument/2006/relationships" xmlns:p="http://schemas.openxmlformats.org/presentationml/2006/main">
+  <p:cSld>
+    <p:bg>
+      <p:bgPr>
+        <a:solidFill>
+          <a:schemeClr val="bg1"/>
+        </a:solidFill>
+        <a:effectLst/>
+      </p:bgPr>
+    </p:bg>
+    <p:spTree>
+      <p:nvGrpSpPr>
+        <p:cNvPr id="1" name=""/>
+        <p:cNvGrpSpPr/>
+        <p:nvPr/>
+      </p:nvGrpSpPr>
+      <p:grpSpPr>
+        <a:xfrm>
+          <a:off x="0" y="0"/>
+          <a:ext cx="0" cy="0"/>
+          <a:chOff x="0" y="0"/>
+          <a:chExt cx="0" cy="0"/>
+        </a:xfrm>
+      </p:grpSpPr>
+      <p:sp>
+        <p:nvSpPr>
+          <p:cNvPr id="10" name="Rectangle 9">
+            <a:extLst>
+              <a:ext uri="{FF2B5EF4-FFF2-40B4-BE49-F238E27FC236}">
+                <a16:creationId xmlns:a16="http://schemas.microsoft.com/office/drawing/2014/main" id="{A3BAF07C-C39E-42EB-BB22-8D46691D9735}"/>
+              </a:ext>
+              <a:ext uri="{C183D7F6-B498-43B3-948B-1728B52AA6E4}">
+                <adec:decorative xmlns:adec="http://schemas.microsoft.com/office/drawing/2017/decorative" val="1"/>
+              </a:ext>
+            </a:extLst>
+          </p:cNvPr>
+          <p:cNvSpPr>
+            <a:spLocks noGrp="1" noRot="1" noChangeAspect="1" noMove="1" noResize="1" noEditPoints="1" noAdjustHandles="1" noChangeArrowheads="1" noChangeShapeType="1" noTextEdit="1"/>
+          </p:cNvSpPr>
+          <p:nvPr>
+            <p:extLst>
+              <p:ext uri="{386F3935-93C4-4BCD-93E2-E3B085C9AB24}">
+                <p16:designElem xmlns:p16="http://schemas.microsoft.com/office/powerpoint/2015/main" val="1"/>
+              </p:ext>
+            </p:extLst>
+          </p:nvPr>
+        </p:nvSpPr>
+        <p:spPr>
+          <a:xfrm>
+            <a:off x="-1" y="0"/>
+            <a:ext cx="12193061" cy="6858000"/>
+          </a:xfrm>
+          <a:prstGeom prst="rect">
+            <a:avLst/>
+          </a:prstGeom>
+          <a:solidFill>
+            <a:schemeClr val="bg1">
+              <a:lumMod val="75000"/>
+              <a:lumOff val="25000"/>
+            </a:schemeClr>
+          </a:solidFill>
+          <a:ln>
+            <a:noFill/>
+          </a:ln>
+        </p:spPr>
+        <p:style>
+          <a:lnRef idx="2">
+            <a:schemeClr val="accent1">
+              <a:shade val="50000"/>
+            </a:schemeClr>
+          </a:lnRef>
+          <a:fillRef idx="1">
+            <a:schemeClr val="accent1"/>
+          </a:fillRef>
+          <a:effectRef idx="0">
+            <a:schemeClr val="accent1"/>
+          </a:effectRef>
+          <a:fontRef idx="minor">
+            <a:schemeClr val="lt1"/>
+          </a:fontRef>
+        </p:style>
+        <p:txBody>
+          <a:bodyPr rtlCol="0" anchor="ctr"/>
+          <a:lstStyle/>
+          <a:p>
+            <a:pPr algn="ctr"/>
+            <a:endParaRPr lang="en-US"/>
+          </a:p>
+        </p:txBody>
+      </p:sp>
+      <p:grpSp>
+        <p:nvGrpSpPr>
+          <p:cNvPr id="12" name="Group 11">
+            <a:extLst>
+              <a:ext uri="{FF2B5EF4-FFF2-40B4-BE49-F238E27FC236}">
+                <a16:creationId xmlns:a16="http://schemas.microsoft.com/office/drawing/2014/main" id="{D8E9CF54-0466-4261-9E62-0249E60E1886}"/>
+              </a:ext>
+              <a:ext uri="{C183D7F6-B498-43B3-948B-1728B52AA6E4}">
+                <adec:decorative xmlns:adec="http://schemas.microsoft.com/office/drawing/2017/decorative" val="1"/>
+              </a:ext>
+            </a:extLst>
+          </p:cNvPr>
+          <p:cNvGrpSpPr>
+            <a:grpSpLocks noGrp="1" noUngrp="1" noRot="1" noChangeAspect="1" noMove="1" noResize="1"/>
+          </p:cNvGrpSpPr>
+          <p:nvPr>
+            <p:extLst>
+              <p:ext uri="{386F3935-93C4-4BCD-93E2-E3B085C9AB24}">
+                <p16:designElem xmlns:p16="http://schemas.microsoft.com/office/powerpoint/2015/main" val="1"/>
+              </p:ext>
+            </p:extLst>
+          </p:nvPr>
+        </p:nvGrpSpPr>
+        <p:grpSpPr>
+          <a:xfrm>
+            <a:off x="-329674" y="-59376"/>
+            <a:ext cx="12515851" cy="6923798"/>
+            <a:chOff x="-329674" y="-51881"/>
+            <a:chExt cx="12515851" cy="6923798"/>
+          </a:xfrm>
+        </p:grpSpPr>
+        <p:sp>
+          <p:nvSpPr>
+            <p:cNvPr id="13" name="Freeform 5">
+              <a:extLst>
+                <a:ext uri="{FF2B5EF4-FFF2-40B4-BE49-F238E27FC236}">
+                  <a16:creationId xmlns:a16="http://schemas.microsoft.com/office/drawing/2014/main" id="{33E32106-E8B1-4F76-9EE6-58537738A3C4}"/>
+                </a:ext>
+                <a:ext uri="{C183D7F6-B498-43B3-948B-1728B52AA6E4}">
+                  <adec:decorative xmlns:adec="http://schemas.microsoft.com/office/drawing/2017/decorative" val="1"/>
+                </a:ext>
+              </a:extLst>
+            </p:cNvPr>
+            <p:cNvSpPr/>
+            <p:nvPr>
+              <p:extLst>
+                <p:ext uri="{386F3935-93C4-4BCD-93E2-E3B085C9AB24}">
+                  <p16:designElem xmlns:p16="http://schemas.microsoft.com/office/powerpoint/2015/main" val="1"/>
+                </p:ext>
+              </p:extLst>
+            </p:nvPr>
+          </p:nvSpPr>
+          <p:spPr bwMode="auto">
+            <a:xfrm>
+              <a:off x="-329674" y="1298404"/>
+              <a:ext cx="9702800" cy="5573512"/>
+            </a:xfrm>
+            <a:custGeom>
+              <a:avLst/>
+              <a:gdLst/>
+              <a:ahLst/>
+              <a:cxnLst/>
+              <a:rect l="0" t="0" r="r" b="b"/>
+              <a:pathLst>
+                <a:path w="2038" h="1169">
+                  <a:moveTo>
+                    <a:pt x="1752" y="1169"/>
+                  </a:moveTo>
+                  <a:cubicBezTo>
+                    <a:pt x="2038" y="928"/>
+                    <a:pt x="1673" y="513"/>
+                    <a:pt x="1487" y="334"/>
+                  </a:cubicBezTo>
+                  <a:cubicBezTo>
+                    <a:pt x="1316" y="170"/>
+                    <a:pt x="1099" y="43"/>
+                    <a:pt x="860" y="22"/>
+                  </a:cubicBezTo>
+                  <a:cubicBezTo>
+                    <a:pt x="621" y="0"/>
+                    <a:pt x="341" y="128"/>
+                    <a:pt x="199" y="318"/>
+                  </a:cubicBezTo>
+                  <a:cubicBezTo>
+                    <a:pt x="0" y="586"/>
+                    <a:pt x="184" y="965"/>
+                    <a:pt x="399" y="1165"/>
+                  </a:cubicBezTo>
+                </a:path>
+              </a:pathLst>
+            </a:custGeom>
+            <a:noFill/>
+            <a:ln w="9525" cap="flat">
+              <a:solidFill>
+                <a:schemeClr val="tx1">
+                  <a:alpha val="35000"/>
+                </a:schemeClr>
+              </a:solidFill>
+              <a:prstDash val="solid"/>
+              <a:miter lim="800000"/>
+              <a:headEnd/>
+              <a:tailEnd/>
+            </a:ln>
+            <a:extLst>
+              <a:ext uri="{909E8E84-426E-40DD-AFC4-6F175D3DCCD1}">
+                <a14:hiddenFill xmlns:a14="http://schemas.microsoft.com/office/drawing/2010/main">
+                  <a:solidFill>
+                    <a:srgbClr val="FFFFFF"/>
+                  </a:solidFill>
+                </a14:hiddenFill>
+              </a:ext>
+            </a:extLst>
+          </p:spPr>
+        </p:sp>
+        <p:sp>
+          <p:nvSpPr>
+            <p:cNvPr id="14" name="Freeform 6">
+              <a:extLst>
+                <a:ext uri="{FF2B5EF4-FFF2-40B4-BE49-F238E27FC236}">
+                  <a16:creationId xmlns:a16="http://schemas.microsoft.com/office/drawing/2014/main" id="{C32C2C46-A045-44FB-8A74-5EBD650C2787}"/>
+                </a:ext>
+                <a:ext uri="{C183D7F6-B498-43B3-948B-1728B52AA6E4}">
+                  <adec:decorative xmlns:adec="http://schemas.microsoft.com/office/drawing/2017/decorative" val="1"/>
+                </a:ext>
+              </a:extLst>
+            </p:cNvPr>
+            <p:cNvSpPr/>
+            <p:nvPr>
+              <p:extLst>
+                <p:ext uri="{386F3935-93C4-4BCD-93E2-E3B085C9AB24}">
+                  <p16:designElem xmlns:p16="http://schemas.microsoft.com/office/powerpoint/2015/main" val="1"/>
+                </p:ext>
+              </p:extLst>
+            </p:nvPr>
+          </p:nvSpPr>
+          <p:spPr bwMode="auto">
+            <a:xfrm>
+              <a:off x="670451" y="2018236"/>
+              <a:ext cx="7373938" cy="4848892"/>
+            </a:xfrm>
+            <a:custGeom>
+              <a:avLst/>
+              <a:gdLst/>
+              <a:ahLst/>
+              <a:cxnLst/>
+              <a:rect l="0" t="0" r="r" b="b"/>
+              <a:pathLst>
+                <a:path w="1549" h="1017">
+                  <a:moveTo>
+                    <a:pt x="1025" y="1016"/>
+                  </a:moveTo>
+                  <a:cubicBezTo>
+                    <a:pt x="1223" y="971"/>
+                    <a:pt x="1549" y="857"/>
+                    <a:pt x="1443" y="592"/>
+                  </a:cubicBezTo>
+                  <a:cubicBezTo>
+                    <a:pt x="1344" y="344"/>
+                    <a:pt x="1041" y="111"/>
+                    <a:pt x="782" y="53"/>
+                  </a:cubicBezTo>
+                  <a:cubicBezTo>
+                    <a:pt x="545" y="0"/>
+                    <a:pt x="275" y="117"/>
+                    <a:pt x="150" y="329"/>
+                  </a:cubicBezTo>
+                  <a:cubicBezTo>
+                    <a:pt x="0" y="584"/>
+                    <a:pt x="243" y="911"/>
+                    <a:pt x="477" y="1017"/>
+                  </a:cubicBezTo>
+                </a:path>
+              </a:pathLst>
+            </a:custGeom>
+            <a:noFill/>
+            <a:ln w="9525" cap="flat">
+              <a:solidFill>
+                <a:schemeClr val="tx1">
+                  <a:alpha val="35000"/>
+                </a:schemeClr>
+              </a:solidFill>
+              <a:prstDash val="solid"/>
+              <a:miter lim="800000"/>
+              <a:headEnd/>
+              <a:tailEnd/>
+            </a:ln>
+            <a:extLst>
+              <a:ext uri="{909E8E84-426E-40DD-AFC4-6F175D3DCCD1}">
+                <a14:hiddenFill xmlns:a14="http://schemas.microsoft.com/office/drawing/2010/main">
+                  <a:solidFill>
+                    <a:srgbClr val="FFFFFF"/>
+                  </a:solidFill>
+                </a14:hiddenFill>
+              </a:ext>
+            </a:extLst>
+          </p:spPr>
+        </p:sp>
+        <p:sp>
+          <p:nvSpPr>
+            <p:cNvPr id="15" name="Freeform 7">
+              <a:extLst>
+                <a:ext uri="{FF2B5EF4-FFF2-40B4-BE49-F238E27FC236}">
+                  <a16:creationId xmlns:a16="http://schemas.microsoft.com/office/drawing/2014/main" id="{6A76F79C-6683-4940-BCF7-4BCCCEE40688}"/>
+                </a:ext>
+                <a:ext uri="{C183D7F6-B498-43B3-948B-1728B52AA6E4}">
+                  <adec:decorative xmlns:adec="http://schemas.microsoft.com/office/drawing/2017/decorative" val="1"/>
+                </a:ext>
+              </a:extLst>
+            </p:cNvPr>
+            <p:cNvSpPr/>
+            <p:nvPr>
+              <p:extLst>
+                <p:ext uri="{386F3935-93C4-4BCD-93E2-E3B085C9AB24}">
+                  <p16:designElem xmlns:p16="http://schemas.microsoft.com/office/powerpoint/2015/main" val="1"/>
+                </p:ext>
+              </p:extLst>
+            </p:nvPr>
+          </p:nvSpPr>
+          <p:spPr bwMode="auto">
+            <a:xfrm>
+              <a:off x="251351" y="1788400"/>
+              <a:ext cx="8035925" cy="5083516"/>
+            </a:xfrm>
+            <a:custGeom>
+              <a:avLst/>
+              <a:gdLst/>
+              <a:ahLst/>
+              <a:cxnLst/>
+              <a:rect l="0" t="0" r="r" b="b"/>
+              <a:pathLst>
+                <a:path w="1688" h="1066">
+                  <a:moveTo>
+                    <a:pt x="1302" y="1066"/>
+                  </a:moveTo>
+                  <a:cubicBezTo>
+                    <a:pt x="1416" y="1024"/>
+                    <a:pt x="1551" y="962"/>
+                    <a:pt x="1613" y="850"/>
+                  </a:cubicBezTo>
+                  <a:cubicBezTo>
+                    <a:pt x="1688" y="715"/>
+                    <a:pt x="1606" y="575"/>
+                    <a:pt x="1517" y="471"/>
+                  </a:cubicBezTo>
+                  <a:cubicBezTo>
+                    <a:pt x="1336" y="258"/>
+                    <a:pt x="1084" y="62"/>
+                    <a:pt x="798" y="28"/>
+                  </a:cubicBezTo>
+                  <a:cubicBezTo>
+                    <a:pt x="559" y="0"/>
+                    <a:pt x="317" y="138"/>
+                    <a:pt x="181" y="333"/>
+                  </a:cubicBezTo>
+                  <a:cubicBezTo>
+                    <a:pt x="0" y="592"/>
+                    <a:pt x="191" y="907"/>
+                    <a:pt x="420" y="1066"/>
+                  </a:cubicBezTo>
+                </a:path>
+              </a:pathLst>
+            </a:custGeom>
+            <a:noFill/>
+            <a:ln w="9525" cap="flat">
+              <a:solidFill>
+                <a:schemeClr val="tx1">
+                  <a:alpha val="35000"/>
+                </a:schemeClr>
+              </a:solidFill>
+              <a:prstDash val="dash"/>
+              <a:miter lim="800000"/>
+              <a:headEnd/>
+              <a:tailEnd/>
+            </a:ln>
+            <a:extLst>
+              <a:ext uri="{909E8E84-426E-40DD-AFC4-6F175D3DCCD1}">
+                <a14:hiddenFill xmlns:a14="http://schemas.microsoft.com/office/drawing/2010/main">
+                  <a:solidFill>
+                    <a:srgbClr val="FFFFFF"/>
+                  </a:solidFill>
+                </a14:hiddenFill>
+              </a:ext>
+            </a:extLst>
+          </p:spPr>
+        </p:sp>
+        <p:sp>
+          <p:nvSpPr>
+            <p:cNvPr id="16" name="Freeform 8">
+              <a:extLst>
+                <a:ext uri="{FF2B5EF4-FFF2-40B4-BE49-F238E27FC236}">
+                  <a16:creationId xmlns:a16="http://schemas.microsoft.com/office/drawing/2014/main" id="{FF4675A3-6D07-4B1F-9BFC-AEBEA1AD067D}"/>
+                </a:ext>
+                <a:ext uri="{C183D7F6-B498-43B3-948B-1728B52AA6E4}">
+                  <adec:decorative xmlns:adec="http://schemas.microsoft.com/office/drawing/2017/decorative" val="1"/>
+                </a:ext>
+              </a:extLst>
+            </p:cNvPr>
+            <p:cNvSpPr/>
+            <p:nvPr>
+              <p:extLst>
+                <p:ext uri="{386F3935-93C4-4BCD-93E2-E3B085C9AB24}">
+                  <p16:designElem xmlns:p16="http://schemas.microsoft.com/office/powerpoint/2015/main" val="1"/>
+                </p:ext>
+              </p:extLst>
+            </p:nvPr>
+          </p:nvSpPr>
+          <p:spPr bwMode="auto">
+            <a:xfrm>
+              <a:off x="-1061" y="549842"/>
+              <a:ext cx="10334625" cy="6322075"/>
+            </a:xfrm>
+            <a:custGeom>
+              <a:avLst/>
+              <a:gdLst/>
+              <a:ahLst/>
+              <a:cxnLst/>
+              <a:rect l="0" t="0" r="r" b="b"/>
+              <a:pathLst>
+                <a:path w="2171" h="1326">
+                  <a:moveTo>
+                    <a:pt x="1873" y="1326"/>
+                  </a:moveTo>
+                  <a:cubicBezTo>
+                    <a:pt x="2171" y="1045"/>
+                    <a:pt x="1825" y="678"/>
+                    <a:pt x="1609" y="473"/>
+                  </a:cubicBezTo>
+                  <a:cubicBezTo>
+                    <a:pt x="1406" y="281"/>
+                    <a:pt x="1159" y="116"/>
+                    <a:pt x="880" y="63"/>
+                  </a:cubicBezTo>
+                  <a:cubicBezTo>
+                    <a:pt x="545" y="0"/>
+                    <a:pt x="214" y="161"/>
+                    <a:pt x="0" y="423"/>
+                  </a:cubicBezTo>
+                </a:path>
+              </a:pathLst>
+            </a:custGeom>
+            <a:noFill/>
+            <a:ln w="9525" cap="flat">
+              <a:solidFill>
+                <a:schemeClr val="tx1">
+                  <a:alpha val="35000"/>
+                </a:schemeClr>
+              </a:solidFill>
+              <a:prstDash val="solid"/>
+              <a:miter lim="800000"/>
+              <a:headEnd/>
+              <a:tailEnd/>
+            </a:ln>
+            <a:extLst>
+              <a:ext uri="{909E8E84-426E-40DD-AFC4-6F175D3DCCD1}">
+                <a14:hiddenFill xmlns:a14="http://schemas.microsoft.com/office/drawing/2010/main">
+                  <a:solidFill>
+                    <a:srgbClr val="FFFFFF"/>
+                  </a:solidFill>
+                </a14:hiddenFill>
+              </a:ext>
+            </a:extLst>
+          </p:spPr>
+        </p:sp>
+        <p:sp>
+          <p:nvSpPr>
+            <p:cNvPr id="17" name="Freeform 9">
+              <a:extLst>
+                <a:ext uri="{FF2B5EF4-FFF2-40B4-BE49-F238E27FC236}">
+                  <a16:creationId xmlns:a16="http://schemas.microsoft.com/office/drawing/2014/main" id="{765E127A-B6B7-4B1D-B7BD-6C8C969D29C3}"/>
+                </a:ext>
+                <a:ext uri="{C183D7F6-B498-43B3-948B-1728B52AA6E4}">
+                  <adec:decorative xmlns:adec="http://schemas.microsoft.com/office/drawing/2017/decorative" val="1"/>
+                </a:ext>
+              </a:extLst>
+            </p:cNvPr>
+            <p:cNvSpPr/>
+            <p:nvPr>
+              <p:extLst>
+                <p:ext uri="{386F3935-93C4-4BCD-93E2-E3B085C9AB24}">
+                  <p16:designElem xmlns:p16="http://schemas.microsoft.com/office/powerpoint/2015/main" val="1"/>
+                </p:ext>
+              </p:extLst>
+            </p:nvPr>
+          </p:nvSpPr>
+          <p:spPr bwMode="auto">
+            <a:xfrm>
+              <a:off x="3701" y="6186246"/>
+              <a:ext cx="504825" cy="681527"/>
+            </a:xfrm>
+            <a:custGeom>
+              <a:avLst/>
+              <a:gdLst/>
+              <a:ahLst/>
+              <a:cxnLst/>
+              <a:rect l="0" t="0" r="r" b="b"/>
+              <a:pathLst>
+                <a:path w="106" h="143">
+                  <a:moveTo>
+                    <a:pt x="0" y="0"/>
+                  </a:moveTo>
+                  <a:cubicBezTo>
+                    <a:pt x="35" y="54"/>
+                    <a:pt x="70" y="101"/>
+                    <a:pt x="106" y="143"/>
+                  </a:cubicBezTo>
+                </a:path>
+              </a:pathLst>
+            </a:custGeom>
+            <a:noFill/>
+            <a:ln w="4763" cap="flat">
+              <a:solidFill>
+                <a:schemeClr val="tx1">
+                  <a:alpha val="35000"/>
+                </a:schemeClr>
+              </a:solidFill>
+              <a:prstDash val="solid"/>
+              <a:miter lim="800000"/>
+              <a:headEnd/>
+              <a:tailEnd/>
+            </a:ln>
+            <a:extLst>
+              <a:ext uri="{909E8E84-426E-40DD-AFC4-6F175D3DCCD1}">
+                <a14:hiddenFill xmlns:a14="http://schemas.microsoft.com/office/drawing/2010/main">
+                  <a:solidFill>
+                    <a:srgbClr val="FFFFFF"/>
+                  </a:solidFill>
+                </a14:hiddenFill>
+              </a:ext>
+            </a:extLst>
+          </p:spPr>
+        </p:sp>
+        <p:sp>
+          <p:nvSpPr>
+            <p:cNvPr id="18" name="Freeform 10">
+              <a:extLst>
+                <a:ext uri="{FF2B5EF4-FFF2-40B4-BE49-F238E27FC236}">
+                  <a16:creationId xmlns:a16="http://schemas.microsoft.com/office/drawing/2014/main" id="{3BCA9D9E-C72C-4751-BFA9-10B85CACE3CA}"/>
+                </a:ext>
+                <a:ext uri="{C183D7F6-B498-43B3-948B-1728B52AA6E4}">
+                  <adec:decorative xmlns:adec="http://schemas.microsoft.com/office/drawing/2017/decorative" val="1"/>
+                </a:ext>
+              </a:extLst>
+            </p:cNvPr>
+            <p:cNvSpPr/>
+            <p:nvPr>
+              <p:extLst>
+                <p:ext uri="{386F3935-93C4-4BCD-93E2-E3B085C9AB24}">
+                  <p16:designElem xmlns:p16="http://schemas.microsoft.com/office/powerpoint/2015/main" val="1"/>
+                </p:ext>
+              </p:extLst>
+            </p:nvPr>
+          </p:nvSpPr>
+          <p:spPr bwMode="auto">
+            <a:xfrm>
+              <a:off x="-1061" y="-51881"/>
+              <a:ext cx="11091863" cy="6923796"/>
+            </a:xfrm>
+            <a:custGeom>
+              <a:avLst/>
+              <a:gdLst/>
+              <a:ahLst/>
+              <a:cxnLst/>
+              <a:rect l="0" t="0" r="r" b="b"/>
+              <a:pathLst>
+                <a:path w="2330" h="1452">
+                  <a:moveTo>
+                    <a:pt x="2046" y="1452"/>
+                  </a:moveTo>
+                  <a:cubicBezTo>
+                    <a:pt x="2330" y="1153"/>
+                    <a:pt x="2049" y="821"/>
+                    <a:pt x="1813" y="601"/>
+                  </a:cubicBezTo>
+                  <a:cubicBezTo>
+                    <a:pt x="1569" y="375"/>
+                    <a:pt x="1282" y="179"/>
+                    <a:pt x="956" y="97"/>
+                  </a:cubicBezTo>
+                  <a:cubicBezTo>
+                    <a:pt x="572" y="0"/>
+                    <a:pt x="292" y="101"/>
+                    <a:pt x="0" y="366"/>
+                  </a:cubicBezTo>
+                </a:path>
+              </a:pathLst>
+            </a:custGeom>
+            <a:noFill/>
+            <a:ln w="9525" cap="flat">
+              <a:solidFill>
+                <a:schemeClr val="tx1">
+                  <a:alpha val="35000"/>
+                </a:schemeClr>
+              </a:solidFill>
+              <a:prstDash val="solid"/>
+              <a:miter lim="800000"/>
+              <a:headEnd/>
+              <a:tailEnd/>
+            </a:ln>
+            <a:extLst>
+              <a:ext uri="{909E8E84-426E-40DD-AFC4-6F175D3DCCD1}">
+                <a14:hiddenFill xmlns:a14="http://schemas.microsoft.com/office/drawing/2010/main">
+                  <a:solidFill>
+                    <a:srgbClr val="FFFFFF"/>
+                  </a:solidFill>
+                </a14:hiddenFill>
+              </a:ext>
+            </a:extLst>
+          </p:spPr>
+        </p:sp>
+        <p:sp>
+          <p:nvSpPr>
+            <p:cNvPr id="19" name="Freeform 11">
+              <a:extLst>
+                <a:ext uri="{FF2B5EF4-FFF2-40B4-BE49-F238E27FC236}">
+                  <a16:creationId xmlns:a16="http://schemas.microsoft.com/office/drawing/2014/main" id="{080C708C-69BF-441B-AB75-C98160ED06DE}"/>
+                </a:ext>
+                <a:ext uri="{C183D7F6-B498-43B3-948B-1728B52AA6E4}">
+                  <adec:decorative xmlns:adec="http://schemas.microsoft.com/office/drawing/2017/decorative" val="1"/>
+                </a:ext>
+              </a:extLst>
+            </p:cNvPr>
+            <p:cNvSpPr/>
+            <p:nvPr>
+              <p:extLst>
+                <p:ext uri="{386F3935-93C4-4BCD-93E2-E3B085C9AB24}">
+                  <p16:designElem xmlns:p16="http://schemas.microsoft.com/office/powerpoint/2015/main" val="1"/>
+                </p:ext>
+              </p:extLst>
+            </p:nvPr>
+          </p:nvSpPr>
+          <p:spPr bwMode="auto">
+            <a:xfrm>
+              <a:off x="5426601" y="5579"/>
+              <a:ext cx="5788025" cy="6847184"/>
+            </a:xfrm>
+            <a:custGeom>
+              <a:avLst/>
+              <a:gdLst/>
+              <a:ahLst/>
+              <a:cxnLst/>
+              <a:rect l="0" t="0" r="r" b="b"/>
+              <a:pathLst>
+                <a:path w="1216" h="1436">
+                  <a:moveTo>
+                    <a:pt x="1094" y="1436"/>
+                  </a:moveTo>
+                  <a:cubicBezTo>
+                    <a:pt x="1216" y="1114"/>
+                    <a:pt x="904" y="770"/>
+                    <a:pt x="709" y="551"/>
+                  </a:cubicBezTo>
+                  <a:cubicBezTo>
+                    <a:pt x="509" y="327"/>
+                    <a:pt x="274" y="127"/>
+                    <a:pt x="0" y="0"/>
+                  </a:cubicBezTo>
+                </a:path>
+              </a:pathLst>
+            </a:custGeom>
+            <a:noFill/>
+            <a:ln w="9525" cap="flat">
+              <a:solidFill>
+                <a:schemeClr val="tx1">
+                  <a:alpha val="35000"/>
+                </a:schemeClr>
+              </a:solidFill>
+              <a:prstDash val="solid"/>
+              <a:miter lim="800000"/>
+              <a:headEnd/>
+              <a:tailEnd/>
+            </a:ln>
+            <a:extLst>
+              <a:ext uri="{909E8E84-426E-40DD-AFC4-6F175D3DCCD1}">
+                <a14:hiddenFill xmlns:a14="http://schemas.microsoft.com/office/drawing/2010/main">
+                  <a:solidFill>
+                    <a:srgbClr val="FFFFFF"/>
+                  </a:solidFill>
+                </a14:hiddenFill>
+              </a:ext>
+            </a:extLst>
+          </p:spPr>
+        </p:sp>
+        <p:sp>
+          <p:nvSpPr>
+            <p:cNvPr id="20" name="Freeform 12">
+              <a:extLst>
+                <a:ext uri="{FF2B5EF4-FFF2-40B4-BE49-F238E27FC236}">
+                  <a16:creationId xmlns:a16="http://schemas.microsoft.com/office/drawing/2014/main" id="{3E79964E-F8F1-4763-8892-7BC3DAE306E9}"/>
+                </a:ext>
+                <a:ext uri="{C183D7F6-B498-43B3-948B-1728B52AA6E4}">
+                  <adec:decorative xmlns:adec="http://schemas.microsoft.com/office/drawing/2017/decorative" val="1"/>
+                </a:ext>
+              </a:extLst>
+            </p:cNvPr>
+            <p:cNvSpPr/>
+            <p:nvPr>
+              <p:extLst>
+                <p:ext uri="{386F3935-93C4-4BCD-93E2-E3B085C9AB24}">
+                  <p16:designElem xmlns:p16="http://schemas.microsoft.com/office/powerpoint/2015/main" val="1"/>
+                </p:ext>
+              </p:extLst>
+            </p:nvPr>
+          </p:nvSpPr>
+          <p:spPr bwMode="auto">
+            <a:xfrm>
+              <a:off x="-1061" y="5579"/>
+              <a:ext cx="1057275" cy="614491"/>
+            </a:xfrm>
+            <a:custGeom>
+              <a:avLst/>
+              <a:gdLst/>
+              <a:ahLst/>
+              <a:cxnLst/>
+              <a:rect l="0" t="0" r="r" b="b"/>
+              <a:pathLst>
+                <a:path w="222" h="129">
+                  <a:moveTo>
+                    <a:pt x="222" y="0"/>
+                  </a:moveTo>
+                  <a:cubicBezTo>
+                    <a:pt x="152" y="35"/>
+                    <a:pt x="76" y="78"/>
+                    <a:pt x="0" y="129"/>
+                  </a:cubicBezTo>
+                </a:path>
+              </a:pathLst>
+            </a:custGeom>
+            <a:noFill/>
+            <a:ln w="9525" cap="flat">
+              <a:solidFill>
+                <a:schemeClr val="tx1">
+                  <a:alpha val="35000"/>
+                </a:schemeClr>
+              </a:solidFill>
+              <a:prstDash val="solid"/>
+              <a:miter lim="800000"/>
+              <a:headEnd/>
+              <a:tailEnd/>
+            </a:ln>
+            <a:extLst>
+              <a:ext uri="{909E8E84-426E-40DD-AFC4-6F175D3DCCD1}">
+                <a14:hiddenFill xmlns:a14="http://schemas.microsoft.com/office/drawing/2010/main">
+                  <a:solidFill>
+                    <a:srgbClr val="FFFFFF"/>
+                  </a:solidFill>
+                </a14:hiddenFill>
+              </a:ext>
+            </a:extLst>
+          </p:spPr>
+        </p:sp>
+        <p:sp>
+          <p:nvSpPr>
+            <p:cNvPr id="21" name="Freeform 13">
+              <a:extLst>
+                <a:ext uri="{FF2B5EF4-FFF2-40B4-BE49-F238E27FC236}">
+                  <a16:creationId xmlns:a16="http://schemas.microsoft.com/office/drawing/2014/main" id="{FE09592A-FCC9-4AE5-BA0B-730C6F3BBE95}"/>
+                </a:ext>
+                <a:ext uri="{C183D7F6-B498-43B3-948B-1728B52AA6E4}">
+                  <adec:decorative xmlns:adec="http://schemas.microsoft.com/office/drawing/2017/decorative" val="1"/>
+                </a:ext>
+              </a:extLst>
+            </p:cNvPr>
+            <p:cNvSpPr/>
+            <p:nvPr>
+              <p:extLst>
+                <p:ext uri="{386F3935-93C4-4BCD-93E2-E3B085C9AB24}">
+                  <p16:designElem xmlns:p16="http://schemas.microsoft.com/office/powerpoint/2015/main" val="1"/>
+                </p:ext>
+              </p:extLst>
+            </p:nvPr>
+          </p:nvSpPr>
+          <p:spPr bwMode="auto">
+            <a:xfrm>
+              <a:off x="5821889" y="5579"/>
+              <a:ext cx="5588000" cy="6866337"/>
+            </a:xfrm>
+            <a:custGeom>
+              <a:avLst/>
+              <a:gdLst/>
+              <a:ahLst/>
+              <a:cxnLst/>
+              <a:rect l="0" t="0" r="r" b="b"/>
+              <a:pathLst>
+                <a:path w="1174" h="1440">
+                  <a:moveTo>
+                    <a:pt x="1067" y="1440"/>
+                  </a:moveTo>
+                  <a:cubicBezTo>
+                    <a:pt x="1174" y="1124"/>
+                    <a:pt x="887" y="797"/>
+                    <a:pt x="698" y="577"/>
+                  </a:cubicBezTo>
+                  <a:cubicBezTo>
+                    <a:pt x="500" y="348"/>
+                    <a:pt x="270" y="141"/>
+                    <a:pt x="0" y="0"/>
+                  </a:cubicBezTo>
+                </a:path>
+              </a:pathLst>
+            </a:custGeom>
+            <a:noFill/>
+            <a:ln w="9525" cap="flat">
+              <a:solidFill>
+                <a:schemeClr val="tx1">
+                  <a:alpha val="35000"/>
+                </a:schemeClr>
+              </a:solidFill>
+              <a:prstDash val="dash"/>
+              <a:miter lim="800000"/>
+              <a:headEnd/>
+              <a:tailEnd/>
+            </a:ln>
+            <a:extLst>
+              <a:ext uri="{909E8E84-426E-40DD-AFC4-6F175D3DCCD1}">
+                <a14:hiddenFill xmlns:a14="http://schemas.microsoft.com/office/drawing/2010/main">
+                  <a:solidFill>
+                    <a:srgbClr val="FFFFFF"/>
+                  </a:solidFill>
+                </a14:hiddenFill>
+              </a:ext>
+            </a:extLst>
+          </p:spPr>
+        </p:sp>
+        <p:sp>
+          <p:nvSpPr>
+            <p:cNvPr id="22" name="Freeform 14">
+              <a:extLst>
+                <a:ext uri="{FF2B5EF4-FFF2-40B4-BE49-F238E27FC236}">
+                  <a16:creationId xmlns:a16="http://schemas.microsoft.com/office/drawing/2014/main" id="{96448994-820C-4BC1-ABF3-4579C6F99A63}"/>
+                </a:ext>
+                <a:ext uri="{C183D7F6-B498-43B3-948B-1728B52AA6E4}">
+                  <adec:decorative xmlns:adec="http://schemas.microsoft.com/office/drawing/2017/decorative" val="1"/>
+                </a:ext>
+              </a:extLst>
+            </p:cNvPr>
+            <p:cNvSpPr/>
+            <p:nvPr>
+              <p:extLst>
+                <p:ext uri="{386F3935-93C4-4BCD-93E2-E3B085C9AB24}">
+                  <p16:designElem xmlns:p16="http://schemas.microsoft.com/office/powerpoint/2015/main" val="1"/>
+                </p:ext>
+              </p:extLst>
+            </p:nvPr>
+          </p:nvSpPr>
+          <p:spPr bwMode="auto">
+            <a:xfrm>
+              <a:off x="3701" y="790"/>
+              <a:ext cx="595313" cy="352734"/>
+            </a:xfrm>
+            <a:custGeom>
+              <a:avLst/>
+              <a:gdLst/>
+              <a:ahLst/>
+              <a:cxnLst/>
+              <a:rect l="0" t="0" r="r" b="b"/>
+              <a:pathLst>
+                <a:path w="125" h="74">
+                  <a:moveTo>
+                    <a:pt x="125" y="0"/>
+                  </a:moveTo>
+                  <a:cubicBezTo>
+                    <a:pt x="85" y="22"/>
+                    <a:pt x="43" y="47"/>
+                    <a:pt x="0" y="74"/>
+                  </a:cubicBezTo>
+                </a:path>
+              </a:pathLst>
+            </a:custGeom>
+            <a:noFill/>
+            <a:ln w="9525" cap="flat">
+              <a:solidFill>
+                <a:schemeClr val="tx1">
+                  <a:alpha val="35000"/>
+                </a:schemeClr>
+              </a:solidFill>
+              <a:prstDash val="dash"/>
+              <a:miter lim="800000"/>
+              <a:headEnd/>
+              <a:tailEnd/>
+            </a:ln>
+            <a:extLst>
+              <a:ext uri="{909E8E84-426E-40DD-AFC4-6F175D3DCCD1}">
+                <a14:hiddenFill xmlns:a14="http://schemas.microsoft.com/office/drawing/2010/main">
+                  <a:solidFill>
+                    <a:srgbClr val="FFFFFF"/>
+                  </a:solidFill>
+                </a14:hiddenFill>
+              </a:ext>
+            </a:extLst>
+          </p:spPr>
+        </p:sp>
+        <p:sp>
+          <p:nvSpPr>
+            <p:cNvPr id="23" name="Freeform 15">
+              <a:extLst>
+                <a:ext uri="{FF2B5EF4-FFF2-40B4-BE49-F238E27FC236}">
+                  <a16:creationId xmlns:a16="http://schemas.microsoft.com/office/drawing/2014/main" id="{9BB0D192-565A-42B9-B292-CC032D71A6A1}"/>
+                </a:ext>
+                <a:ext uri="{C183D7F6-B498-43B3-948B-1728B52AA6E4}">
+                  <adec:decorative xmlns:adec="http://schemas.microsoft.com/office/drawing/2017/decorative" val="1"/>
+                </a:ext>
+              </a:extLst>
+            </p:cNvPr>
+            <p:cNvSpPr/>
+            <p:nvPr>
+              <p:extLst>
+                <p:ext uri="{386F3935-93C4-4BCD-93E2-E3B085C9AB24}">
+                  <p16:designElem xmlns:p16="http://schemas.microsoft.com/office/powerpoint/2015/main" val="1"/>
+                </p:ext>
+              </p:extLst>
+            </p:nvPr>
+          </p:nvSpPr>
+          <p:spPr bwMode="auto">
+            <a:xfrm>
+              <a:off x="6012389" y="5579"/>
+              <a:ext cx="5497513" cy="6866337"/>
+            </a:xfrm>
+            <a:custGeom>
+              <a:avLst/>
+              <a:gdLst/>
+              <a:ahLst/>
+              <a:cxnLst/>
+              <a:rect l="0" t="0" r="r" b="b"/>
+              <a:pathLst>
+                <a:path w="1155" h="1440">
+                  <a:moveTo>
+                    <a:pt x="1056" y="1440"/>
+                  </a:moveTo>
+                  <a:cubicBezTo>
+                    <a:pt x="1155" y="1123"/>
+                    <a:pt x="875" y="801"/>
+                    <a:pt x="686" y="580"/>
+                  </a:cubicBezTo>
+                  <a:cubicBezTo>
+                    <a:pt x="491" y="352"/>
+                    <a:pt x="264" y="145"/>
+                    <a:pt x="0" y="0"/>
+                  </a:cubicBezTo>
+                </a:path>
+              </a:pathLst>
+            </a:custGeom>
+            <a:noFill/>
+            <a:ln w="12700" cap="flat">
+              <a:solidFill>
+                <a:schemeClr val="tx1">
+                  <a:alpha val="35000"/>
+                </a:schemeClr>
+              </a:solidFill>
+              <a:prstDash val="dashDot"/>
+              <a:miter lim="800000"/>
+              <a:headEnd/>
+              <a:tailEnd/>
+            </a:ln>
+            <a:extLst>
+              <a:ext uri="{909E8E84-426E-40DD-AFC4-6F175D3DCCD1}">
+                <a14:hiddenFill xmlns:a14="http://schemas.microsoft.com/office/drawing/2010/main">
+                  <a:solidFill>
+                    <a:srgbClr val="FFFFFF"/>
+                  </a:solidFill>
+                </a14:hiddenFill>
+              </a:ext>
+            </a:extLst>
+          </p:spPr>
+        </p:sp>
+        <p:sp>
+          <p:nvSpPr>
+            <p:cNvPr id="24" name="Freeform 16">
+              <a:extLst>
+                <a:ext uri="{FF2B5EF4-FFF2-40B4-BE49-F238E27FC236}">
+                  <a16:creationId xmlns:a16="http://schemas.microsoft.com/office/drawing/2014/main" id="{6D1CA09C-5F40-4E92-A7E9-D1FCEE51283D}"/>
+                </a:ext>
+                <a:ext uri="{C183D7F6-B498-43B3-948B-1728B52AA6E4}">
+                  <adec:decorative xmlns:adec="http://schemas.microsoft.com/office/drawing/2017/decorative" val="1"/>
+                </a:ext>
+              </a:extLst>
+            </p:cNvPr>
+            <p:cNvSpPr/>
+            <p:nvPr>
+              <p:extLst>
+                <p:ext uri="{386F3935-93C4-4BCD-93E2-E3B085C9AB24}">
+                  <p16:designElem xmlns:p16="http://schemas.microsoft.com/office/powerpoint/2015/main" val="1"/>
+                </p:ext>
+              </p:extLst>
+            </p:nvPr>
+          </p:nvSpPr>
+          <p:spPr bwMode="auto">
+            <a:xfrm>
+              <a:off x="-1061" y="5579"/>
+              <a:ext cx="357188" cy="213875"/>
+            </a:xfrm>
+            <a:custGeom>
+              <a:avLst/>
+              <a:gdLst/>
+              <a:ahLst/>
+              <a:cxnLst/>
+              <a:rect l="0" t="0" r="r" b="b"/>
+              <a:pathLst>
+                <a:path w="75" h="45">
+                  <a:moveTo>
+                    <a:pt x="75" y="0"/>
+                  </a:moveTo>
+                  <a:cubicBezTo>
+                    <a:pt x="50" y="14"/>
+                    <a:pt x="25" y="29"/>
+                    <a:pt x="0" y="45"/>
+                  </a:cubicBezTo>
+                </a:path>
+              </a:pathLst>
+            </a:custGeom>
+            <a:noFill/>
+            <a:ln w="12700" cap="flat">
+              <a:solidFill>
+                <a:schemeClr val="tx1">
+                  <a:alpha val="35000"/>
+                </a:schemeClr>
+              </a:solidFill>
+              <a:prstDash val="dashDot"/>
+              <a:miter lim="800000"/>
+              <a:headEnd/>
+              <a:tailEnd/>
+            </a:ln>
+            <a:extLst>
+              <a:ext uri="{909E8E84-426E-40DD-AFC4-6F175D3DCCD1}">
+                <a14:hiddenFill xmlns:a14="http://schemas.microsoft.com/office/drawing/2010/main">
+                  <a:solidFill>
+                    <a:srgbClr val="FFFFFF"/>
+                  </a:solidFill>
+                </a14:hiddenFill>
+              </a:ext>
+            </a:extLst>
+          </p:spPr>
+        </p:sp>
+        <p:sp>
+          <p:nvSpPr>
+            <p:cNvPr id="25" name="Freeform 17">
+              <a:extLst>
+                <a:ext uri="{FF2B5EF4-FFF2-40B4-BE49-F238E27FC236}">
+                  <a16:creationId xmlns:a16="http://schemas.microsoft.com/office/drawing/2014/main" id="{379F5AA5-2E14-4880-A5A6-07AEF2AD89DB}"/>
+                </a:ext>
+                <a:ext uri="{C183D7F6-B498-43B3-948B-1728B52AA6E4}">
+                  <adec:decorative xmlns:adec="http://schemas.microsoft.com/office/drawing/2017/decorative" val="1"/>
+                </a:ext>
+              </a:extLst>
+            </p:cNvPr>
+            <p:cNvSpPr/>
+            <p:nvPr>
+              <p:extLst>
+                <p:ext uri="{386F3935-93C4-4BCD-93E2-E3B085C9AB24}">
+                  <p16:designElem xmlns:p16="http://schemas.microsoft.com/office/powerpoint/2015/main" val="1"/>
+                </p:ext>
+              </p:extLst>
+            </p:nvPr>
+          </p:nvSpPr>
+          <p:spPr bwMode="auto">
+            <a:xfrm>
+              <a:off x="6210826" y="790"/>
+              <a:ext cx="5522913" cy="6871126"/>
+            </a:xfrm>
+            <a:custGeom>
+              <a:avLst/>
+              <a:gdLst/>
+              <a:ahLst/>
+              <a:cxnLst/>
+              <a:rect l="0" t="0" r="r" b="b"/>
+              <a:pathLst>
+                <a:path w="1160" h="1441">
+                  <a:moveTo>
+                    <a:pt x="1053" y="1441"/>
+                  </a:moveTo>
+                  <a:cubicBezTo>
+                    <a:pt x="1160" y="1129"/>
+                    <a:pt x="892" y="817"/>
+                    <a:pt x="705" y="599"/>
+                  </a:cubicBezTo>
+                  <a:cubicBezTo>
+                    <a:pt x="503" y="365"/>
+                    <a:pt x="270" y="152"/>
+                    <a:pt x="0" y="0"/>
+                  </a:cubicBezTo>
+                </a:path>
+              </a:pathLst>
+            </a:custGeom>
+            <a:noFill/>
+            <a:ln w="9525" cap="flat">
+              <a:solidFill>
+                <a:schemeClr val="tx1">
+                  <a:alpha val="35000"/>
+                </a:schemeClr>
+              </a:solidFill>
+              <a:prstDash val="solid"/>
+              <a:miter lim="800000"/>
+              <a:headEnd/>
+              <a:tailEnd/>
+            </a:ln>
+            <a:extLst>
+              <a:ext uri="{909E8E84-426E-40DD-AFC4-6F175D3DCCD1}">
+                <a14:hiddenFill xmlns:a14="http://schemas.microsoft.com/office/drawing/2010/main">
+                  <a:solidFill>
+                    <a:srgbClr val="FFFFFF"/>
+                  </a:solidFill>
+                </a14:hiddenFill>
+              </a:ext>
+            </a:extLst>
+          </p:spPr>
+        </p:sp>
+        <p:sp>
+          <p:nvSpPr>
+            <p:cNvPr id="26" name="Freeform 18">
+              <a:extLst>
+                <a:ext uri="{FF2B5EF4-FFF2-40B4-BE49-F238E27FC236}">
+                  <a16:creationId xmlns:a16="http://schemas.microsoft.com/office/drawing/2014/main" id="{EF14BD32-D239-4DA3-98B3-7752073657CC}"/>
+                </a:ext>
+                <a:ext uri="{C183D7F6-B498-43B3-948B-1728B52AA6E4}">
+                  <adec:decorative xmlns:adec="http://schemas.microsoft.com/office/drawing/2017/decorative" val="1"/>
+                </a:ext>
+              </a:extLst>
+            </p:cNvPr>
+            <p:cNvSpPr/>
+            <p:nvPr>
+              <p:extLst>
+                <p:ext uri="{386F3935-93C4-4BCD-93E2-E3B085C9AB24}">
+                  <p16:designElem xmlns:p16="http://schemas.microsoft.com/office/powerpoint/2015/main" val="1"/>
+                </p:ext>
+              </p:extLst>
+            </p:nvPr>
+          </p:nvSpPr>
+          <p:spPr bwMode="auto">
+            <a:xfrm>
+              <a:off x="6463239" y="5579"/>
+              <a:ext cx="5413375" cy="6866337"/>
+            </a:xfrm>
+            <a:custGeom>
+              <a:avLst/>
+              <a:gdLst/>
+              <a:ahLst/>
+              <a:cxnLst/>
+              <a:rect l="0" t="0" r="r" b="b"/>
+              <a:pathLst>
+                <a:path w="1137" h="1440">
+                  <a:moveTo>
+                    <a:pt x="1040" y="1440"/>
+                  </a:moveTo>
+                  <a:cubicBezTo>
+                    <a:pt x="1137" y="1131"/>
+                    <a:pt x="883" y="828"/>
+                    <a:pt x="698" y="611"/>
+                  </a:cubicBezTo>
+                  <a:cubicBezTo>
+                    <a:pt x="498" y="375"/>
+                    <a:pt x="268" y="159"/>
+                    <a:pt x="0" y="0"/>
+                  </a:cubicBezTo>
+                </a:path>
+              </a:pathLst>
+            </a:custGeom>
+            <a:noFill/>
+            <a:ln w="9525" cap="flat">
+              <a:solidFill>
+                <a:schemeClr val="tx1">
+                  <a:alpha val="35000"/>
+                </a:schemeClr>
+              </a:solidFill>
+              <a:prstDash val="solid"/>
+              <a:miter lim="800000"/>
+              <a:headEnd/>
+              <a:tailEnd/>
+            </a:ln>
+            <a:extLst>
+              <a:ext uri="{909E8E84-426E-40DD-AFC4-6F175D3DCCD1}">
+                <a14:hiddenFill xmlns:a14="http://schemas.microsoft.com/office/drawing/2010/main">
+                  <a:solidFill>
+                    <a:srgbClr val="FFFFFF"/>
+                  </a:solidFill>
+                </a14:hiddenFill>
+              </a:ext>
+            </a:extLst>
+          </p:spPr>
+        </p:sp>
+        <p:sp>
+          <p:nvSpPr>
+            <p:cNvPr id="27" name="Freeform 19">
+              <a:extLst>
+                <a:ext uri="{FF2B5EF4-FFF2-40B4-BE49-F238E27FC236}">
+                  <a16:creationId xmlns:a16="http://schemas.microsoft.com/office/drawing/2014/main" id="{CF07B250-E5E4-4624-9BD7-8D513A67B731}"/>
+                </a:ext>
+                <a:ext uri="{C183D7F6-B498-43B3-948B-1728B52AA6E4}">
+                  <adec:decorative xmlns:adec="http://schemas.microsoft.com/office/drawing/2017/decorative" val="1"/>
+                </a:ext>
+              </a:extLst>
+            </p:cNvPr>
+            <p:cNvSpPr/>
+            <p:nvPr>
+              <p:extLst>
+                <p:ext uri="{386F3935-93C4-4BCD-93E2-E3B085C9AB24}">
+                  <p16:designElem xmlns:p16="http://schemas.microsoft.com/office/powerpoint/2015/main" val="1"/>
+                </p:ext>
+              </p:extLst>
+            </p:nvPr>
+          </p:nvSpPr>
+          <p:spPr bwMode="auto">
+            <a:xfrm>
+              <a:off x="6877576" y="5579"/>
+              <a:ext cx="5037138" cy="6861550"/>
+            </a:xfrm>
+            <a:custGeom>
+              <a:avLst/>
+              <a:gdLst/>
+              <a:ahLst/>
+              <a:cxnLst/>
+              <a:rect l="0" t="0" r="r" b="b"/>
+              <a:pathLst>
+                <a:path w="1058" h="1439">
+                  <a:moveTo>
+                    <a:pt x="1011" y="1439"/>
+                  </a:moveTo>
+                  <a:cubicBezTo>
+                    <a:pt x="1058" y="1131"/>
+                    <a:pt x="825" y="841"/>
+                    <a:pt x="648" y="617"/>
+                  </a:cubicBezTo>
+                  <a:cubicBezTo>
+                    <a:pt x="462" y="383"/>
+                    <a:pt x="248" y="168"/>
+                    <a:pt x="0" y="0"/>
+                  </a:cubicBezTo>
+                </a:path>
+              </a:pathLst>
+            </a:custGeom>
+            <a:noFill/>
+            <a:ln w="9525" cap="flat">
+              <a:solidFill>
+                <a:schemeClr val="tx1">
+                  <a:alpha val="35000"/>
+                </a:schemeClr>
+              </a:solidFill>
+              <a:prstDash val="solid"/>
+              <a:miter lim="800000"/>
+              <a:headEnd/>
+              <a:tailEnd/>
+            </a:ln>
+            <a:extLst>
+              <a:ext uri="{909E8E84-426E-40DD-AFC4-6F175D3DCCD1}">
+                <a14:hiddenFill xmlns:a14="http://schemas.microsoft.com/office/drawing/2010/main">
+                  <a:solidFill>
+                    <a:srgbClr val="FFFFFF"/>
+                  </a:solidFill>
+                </a14:hiddenFill>
+              </a:ext>
+            </a:extLst>
+          </p:spPr>
+        </p:sp>
+        <p:sp>
+          <p:nvSpPr>
+            <p:cNvPr id="28" name="Freeform 20">
+              <a:extLst>
+                <a:ext uri="{FF2B5EF4-FFF2-40B4-BE49-F238E27FC236}">
+                  <a16:creationId xmlns:a16="http://schemas.microsoft.com/office/drawing/2014/main" id="{BCC5D120-7C8C-4290-865C-4EE6E4F245F9}"/>
+                </a:ext>
+                <a:ext uri="{C183D7F6-B498-43B3-948B-1728B52AA6E4}">
+                  <adec:decorative xmlns:adec="http://schemas.microsoft.com/office/drawing/2017/decorative" val="1"/>
+                </a:ext>
+              </a:extLst>
+            </p:cNvPr>
+            <p:cNvSpPr/>
+            <p:nvPr>
+              <p:extLst>
+                <p:ext uri="{386F3935-93C4-4BCD-93E2-E3B085C9AB24}">
+                  <p16:designElem xmlns:p16="http://schemas.microsoft.com/office/powerpoint/2015/main" val="1"/>
+                </p:ext>
+              </p:extLst>
+            </p:nvPr>
+          </p:nvSpPr>
+          <p:spPr bwMode="auto">
+            <a:xfrm>
+              <a:off x="8768289" y="5579"/>
+              <a:ext cx="3417888" cy="2742066"/>
+            </a:xfrm>
+            <a:custGeom>
+              <a:avLst/>
+              <a:gdLst/>
+              <a:ahLst/>
+              <a:cxnLst/>
+              <a:rect l="0" t="0" r="r" b="b"/>
+              <a:pathLst>
+                <a:path w="718" h="575">
+                  <a:moveTo>
+                    <a:pt x="718" y="575"/>
+                  </a:moveTo>
+                  <a:cubicBezTo>
+                    <a:pt x="500" y="360"/>
+                    <a:pt x="260" y="163"/>
+                    <a:pt x="0" y="0"/>
+                  </a:cubicBezTo>
+                </a:path>
+              </a:pathLst>
+            </a:custGeom>
+            <a:noFill/>
+            <a:ln w="9525" cap="flat">
+              <a:solidFill>
+                <a:schemeClr val="tx1">
+                  <a:alpha val="35000"/>
+                </a:schemeClr>
+              </a:solidFill>
+              <a:prstDash val="solid"/>
+              <a:miter lim="800000"/>
+              <a:headEnd/>
+              <a:tailEnd/>
+            </a:ln>
+            <a:extLst>
+              <a:ext uri="{909E8E84-426E-40DD-AFC4-6F175D3DCCD1}">
+                <a14:hiddenFill xmlns:a14="http://schemas.microsoft.com/office/drawing/2010/main">
+                  <a:solidFill>
+                    <a:srgbClr val="FFFFFF"/>
+                  </a:solidFill>
+                </a14:hiddenFill>
+              </a:ext>
+            </a:extLst>
+          </p:spPr>
+        </p:sp>
+        <p:sp>
+          <p:nvSpPr>
+            <p:cNvPr id="29" name="Freeform 21">
+              <a:extLst>
+                <a:ext uri="{FF2B5EF4-FFF2-40B4-BE49-F238E27FC236}">
+                  <a16:creationId xmlns:a16="http://schemas.microsoft.com/office/drawing/2014/main" id="{C24688C6-CAE5-4EF2-B2BA-A138DA0A24B9}"/>
+                </a:ext>
+                <a:ext uri="{C183D7F6-B498-43B3-948B-1728B52AA6E4}">
+                  <adec:decorative xmlns:adec="http://schemas.microsoft.com/office/drawing/2017/decorative" val="1"/>
+                </a:ext>
+              </a:extLst>
+            </p:cNvPr>
+            <p:cNvSpPr/>
+            <p:nvPr>
+              <p:extLst>
+                <p:ext uri="{386F3935-93C4-4BCD-93E2-E3B085C9AB24}">
+                  <p16:designElem xmlns:p16="http://schemas.microsoft.com/office/powerpoint/2015/main" val="1"/>
+                </p:ext>
+              </p:extLst>
+            </p:nvPr>
+          </p:nvSpPr>
+          <p:spPr bwMode="auto">
+            <a:xfrm>
+              <a:off x="9235014" y="10367"/>
+              <a:ext cx="2951163" cy="2555325"/>
+            </a:xfrm>
+            <a:custGeom>
+              <a:avLst/>
+              <a:gdLst/>
+              <a:ahLst/>
+              <a:cxnLst/>
+              <a:rect l="0" t="0" r="r" b="b"/>
+              <a:pathLst>
+                <a:path w="620" h="536">
+                  <a:moveTo>
+                    <a:pt x="620" y="536"/>
+                  </a:moveTo>
+                  <a:cubicBezTo>
+                    <a:pt x="404" y="314"/>
+                    <a:pt x="196" y="138"/>
+                    <a:pt x="0" y="0"/>
+                  </a:cubicBezTo>
+                </a:path>
+              </a:pathLst>
+            </a:custGeom>
+            <a:noFill/>
+            <a:ln w="9525" cap="flat">
+              <a:solidFill>
+                <a:schemeClr val="tx1">
+                  <a:alpha val="35000"/>
+                </a:schemeClr>
+              </a:solidFill>
+              <a:prstDash val="solid"/>
+              <a:miter lim="800000"/>
+              <a:headEnd/>
+              <a:tailEnd/>
+            </a:ln>
+            <a:extLst>
+              <a:ext uri="{909E8E84-426E-40DD-AFC4-6F175D3DCCD1}">
+                <a14:hiddenFill xmlns:a14="http://schemas.microsoft.com/office/drawing/2010/main">
+                  <a:solidFill>
+                    <a:srgbClr val="FFFFFF"/>
+                  </a:solidFill>
+                </a14:hiddenFill>
+              </a:ext>
+            </a:extLst>
+          </p:spPr>
+        </p:sp>
+        <p:sp>
+          <p:nvSpPr>
+            <p:cNvPr id="30" name="Freeform 22">
+              <a:extLst>
+                <a:ext uri="{FF2B5EF4-FFF2-40B4-BE49-F238E27FC236}">
+                  <a16:creationId xmlns:a16="http://schemas.microsoft.com/office/drawing/2014/main" id="{6BD31099-7C13-4901-A04F-632B1CD84627}"/>
+                </a:ext>
+                <a:ext uri="{C183D7F6-B498-43B3-948B-1728B52AA6E4}">
+                  <adec:decorative xmlns:adec="http://schemas.microsoft.com/office/drawing/2017/decorative" val="1"/>
+                </a:ext>
+              </a:extLst>
+            </p:cNvPr>
+            <p:cNvSpPr/>
+            <p:nvPr>
+              <p:extLst>
+                <p:ext uri="{386F3935-93C4-4BCD-93E2-E3B085C9AB24}">
+                  <p16:designElem xmlns:p16="http://schemas.microsoft.com/office/powerpoint/2015/main" val="1"/>
+                </p:ext>
+              </p:extLst>
+            </p:nvPr>
+          </p:nvSpPr>
+          <p:spPr bwMode="auto">
+            <a:xfrm>
+              <a:off x="10020826" y="5579"/>
+              <a:ext cx="2165350" cy="1358265"/>
+            </a:xfrm>
+            <a:custGeom>
+              <a:avLst/>
+              <a:gdLst/>
+              <a:ahLst/>
+              <a:cxnLst/>
+              <a:rect l="0" t="0" r="r" b="b"/>
+              <a:pathLst>
+                <a:path w="455" h="285">
+                  <a:moveTo>
+                    <a:pt x="0" y="0"/>
+                  </a:moveTo>
+                  <a:cubicBezTo>
+                    <a:pt x="153" y="85"/>
+                    <a:pt x="308" y="180"/>
+                    <a:pt x="455" y="285"/>
+                  </a:cubicBezTo>
+                </a:path>
+              </a:pathLst>
+            </a:custGeom>
+            <a:noFill/>
+            <a:ln w="9525" cap="flat">
+              <a:solidFill>
+                <a:schemeClr val="tx1">
+                  <a:alpha val="35000"/>
+                </a:schemeClr>
+              </a:solidFill>
+              <a:prstDash val="dash"/>
+              <a:miter lim="800000"/>
+              <a:headEnd/>
+              <a:tailEnd/>
+            </a:ln>
+            <a:extLst>
+              <a:ext uri="{909E8E84-426E-40DD-AFC4-6F175D3DCCD1}">
+                <a14:hiddenFill xmlns:a14="http://schemas.microsoft.com/office/drawing/2010/main">
+                  <a:solidFill>
+                    <a:srgbClr val="FFFFFF"/>
+                  </a:solidFill>
+                </a14:hiddenFill>
+              </a:ext>
+            </a:extLst>
+          </p:spPr>
+        </p:sp>
+        <p:sp>
+          <p:nvSpPr>
+            <p:cNvPr id="31" name="Freeform 23">
+              <a:extLst>
+                <a:ext uri="{FF2B5EF4-FFF2-40B4-BE49-F238E27FC236}">
+                  <a16:creationId xmlns:a16="http://schemas.microsoft.com/office/drawing/2014/main" id="{679F5FF7-82B2-4033-8FBE-63170C937833}"/>
+                </a:ext>
+                <a:ext uri="{C183D7F6-B498-43B3-948B-1728B52AA6E4}">
+                  <adec:decorative xmlns:adec="http://schemas.microsoft.com/office/drawing/2017/decorative" val="1"/>
+                </a:ext>
+              </a:extLst>
+            </p:cNvPr>
+            <p:cNvSpPr/>
+            <p:nvPr>
+              <p:extLst>
+                <p:ext uri="{386F3935-93C4-4BCD-93E2-E3B085C9AB24}">
+                  <p16:designElem xmlns:p16="http://schemas.microsoft.com/office/powerpoint/2015/main" val="1"/>
+                </p:ext>
+              </p:extLst>
+            </p:nvPr>
+          </p:nvSpPr>
+          <p:spPr bwMode="auto">
+            <a:xfrm>
+              <a:off x="11290826" y="5579"/>
+              <a:ext cx="895350" cy="534687"/>
+            </a:xfrm>
+            <a:custGeom>
+              <a:avLst/>
+              <a:gdLst/>
+              <a:ahLst/>
+              <a:cxnLst/>
+              <a:rect l="0" t="0" r="r" b="b"/>
+              <a:pathLst>
+                <a:path w="188" h="112">
+                  <a:moveTo>
+                    <a:pt x="0" y="0"/>
+                  </a:moveTo>
+                  <a:cubicBezTo>
+                    <a:pt x="63" y="36"/>
+                    <a:pt x="126" y="73"/>
+                    <a:pt x="188" y="112"/>
+                  </a:cubicBezTo>
+                </a:path>
+              </a:pathLst>
+            </a:custGeom>
+            <a:noFill/>
+            <a:ln w="9525" cap="flat">
+              <a:solidFill>
+                <a:schemeClr val="tx1">
+                  <a:alpha val="35000"/>
+                </a:schemeClr>
+              </a:solidFill>
+              <a:prstDash val="solid"/>
+              <a:miter lim="800000"/>
+              <a:headEnd/>
+              <a:tailEnd/>
+            </a:ln>
+            <a:extLst>
+              <a:ext uri="{909E8E84-426E-40DD-AFC4-6F175D3DCCD1}">
+                <a14:hiddenFill xmlns:a14="http://schemas.microsoft.com/office/drawing/2010/main">
+                  <a:solidFill>
+                    <a:srgbClr val="FFFFFF"/>
+                  </a:solidFill>
+                </a14:hiddenFill>
+              </a:ext>
+            </a:extLst>
+          </p:spPr>
+        </p:sp>
+      </p:grpSp>
+      <p:sp>
+        <p:nvSpPr>
+          <p:cNvPr id="2" name="Title 1">
+            <a:extLst>
+              <a:ext uri="{FF2B5EF4-FFF2-40B4-BE49-F238E27FC236}">
+                <a16:creationId xmlns:a16="http://schemas.microsoft.com/office/drawing/2014/main" id="{8B8D753A-DA33-4F06-ACC1-6F053F062026}"/>
+              </a:ext>
+            </a:extLst>
+          </p:cNvPr>
+          <p:cNvSpPr>
+            <a:spLocks noGrp="1"/>
+          </p:cNvSpPr>
+          <p:nvPr>
+            <p:ph type="title"/>
+          </p:nvPr>
+        </p:nvSpPr>
+        <p:spPr>
+          <a:xfrm>
+            <a:off x="1267698" y="4397472"/>
+            <a:ext cx="3947420" cy="1777829"/>
+          </a:xfrm>
+          <a:prstGeom prst="ellipse">
+            <a:avLst/>
+          </a:prstGeom>
+        </p:spPr>
+        <p:txBody>
+          <a:bodyPr vert="horz" lIns="91440" tIns="45720" rIns="91440" bIns="45720" rtlCol="0" anchor="ctr">
+            <a:normAutofit/>
+          </a:bodyPr>
+          <a:lstStyle/>
+          <a:p>
+            <a:r>
+              <a:rPr lang="en-US" sz="3400" kern="1200" dirty="0">
+                <a:solidFill>
+                  <a:schemeClr val="tx1"/>
+                </a:solidFill>
+                <a:latin typeface="+mj-lt"/>
+                <a:ea typeface="+mj-ea"/>
+                <a:cs typeface="+mj-cs"/>
+              </a:rPr>
+              <a:t>Browser </a:t>
+            </a:r>
+            <a:r>
+              <a:rPr lang="en-US" sz="3400" kern="1200" dirty="0" err="1">
+                <a:solidFill>
+                  <a:schemeClr val="tx1"/>
+                </a:solidFill>
+                <a:latin typeface="+mj-lt"/>
+                <a:ea typeface="+mj-ea"/>
+                <a:cs typeface="+mj-cs"/>
+              </a:rPr>
+              <a:t>understøttelse</a:t>
+            </a:r>
+            <a:endParaRPr lang="en-US" sz="3400" kern="1200" dirty="0">
+              <a:solidFill>
+                <a:schemeClr val="tx1"/>
+              </a:solidFill>
+              <a:latin typeface="+mj-lt"/>
+              <a:ea typeface="+mj-ea"/>
+              <a:cs typeface="+mj-cs"/>
+            </a:endParaRPr>
+          </a:p>
+        </p:txBody>
+      </p:sp>
+      <p:sp>
+        <p:nvSpPr>
+          <p:cNvPr id="33" name="Freeform: Shape 32">
+            <a:extLst>
+              <a:ext uri="{FF2B5EF4-FFF2-40B4-BE49-F238E27FC236}">
+                <a16:creationId xmlns:a16="http://schemas.microsoft.com/office/drawing/2014/main" id="{44C110BA-81E8-4247-853A-5F2B93E92E46}"/>
+              </a:ext>
+              <a:ext uri="{C183D7F6-B498-43B3-948B-1728B52AA6E4}">
+                <adec:decorative xmlns:adec="http://schemas.microsoft.com/office/drawing/2017/decorative" val="1"/>
+              </a:ext>
+            </a:extLst>
+          </p:cNvPr>
+          <p:cNvSpPr>
+            <a:spLocks noGrp="1" noRot="1" noChangeAspect="1" noMove="1" noResize="1" noEditPoints="1" noAdjustHandles="1" noChangeArrowheads="1" noChangeShapeType="1" noTextEdit="1"/>
+          </p:cNvSpPr>
+          <p:nvPr>
+            <p:extLst>
+              <p:ext uri="{386F3935-93C4-4BCD-93E2-E3B085C9AB24}">
+                <p16:designElem xmlns:p16="http://schemas.microsoft.com/office/powerpoint/2015/main" val="1"/>
+              </p:ext>
+            </p:extLst>
+          </p:nvPr>
+        </p:nvSpPr>
+        <p:spPr>
+          <a:xfrm>
+            <a:off x="0" y="0"/>
+            <a:ext cx="12192000" cy="4537825"/>
+          </a:xfrm>
+          <a:custGeom>
+            <a:avLst/>
+            <a:gdLst>
+              <a:gd name="connsiteX0" fmla="*/ 0 w 12192000"/>
+              <a:gd name="connsiteY0" fmla="*/ 0 h 4537825"/>
+              <a:gd name="connsiteX1" fmla="*/ 12192000 w 12192000"/>
+              <a:gd name="connsiteY1" fmla="*/ 0 h 4537825"/>
+              <a:gd name="connsiteX2" fmla="*/ 12192000 w 12192000"/>
+              <a:gd name="connsiteY2" fmla="*/ 3020937 h 4537825"/>
+              <a:gd name="connsiteX3" fmla="*/ 12192000 w 12192000"/>
+              <a:gd name="connsiteY3" fmla="*/ 3213062 h 4537825"/>
+              <a:gd name="connsiteX4" fmla="*/ 12192000 w 12192000"/>
+              <a:gd name="connsiteY4" fmla="*/ 4188880 h 4537825"/>
+              <a:gd name="connsiteX5" fmla="*/ 12113803 w 12192000"/>
+              <a:gd name="connsiteY5" fmla="*/ 4197163 h 4537825"/>
+              <a:gd name="connsiteX6" fmla="*/ 6753597 w 12192000"/>
+              <a:gd name="connsiteY6" fmla="*/ 4520720 h 4537825"/>
+              <a:gd name="connsiteX7" fmla="*/ 400746 w 12192000"/>
+              <a:gd name="connsiteY7" fmla="*/ 4349377 h 4537825"/>
+              <a:gd name="connsiteX8" fmla="*/ 0 w 12192000"/>
+              <a:gd name="connsiteY8" fmla="*/ 4312401 h 4537825"/>
+              <a:gd name="connsiteX9" fmla="*/ 0 w 12192000"/>
+              <a:gd name="connsiteY9" fmla="*/ 3213062 h 4537825"/>
+              <a:gd name="connsiteX10" fmla="*/ 0 w 12192000"/>
+              <a:gd name="connsiteY10" fmla="*/ 3020937 h 4537825"/>
+            </a:gdLst>
+            <a:ahLst/>
+            <a:cxnLst>
+              <a:cxn ang="0">
+                <a:pos x="connsiteX0" y="connsiteY0"/>
+              </a:cxn>
+              <a:cxn ang="0">
+                <a:pos x="connsiteX1" y="connsiteY1"/>
+              </a:cxn>
+              <a:cxn ang="0">
+                <a:pos x="connsiteX2" y="connsiteY2"/>
+              </a:cxn>
+              <a:cxn ang="0">
+                <a:pos x="connsiteX3" y="connsiteY3"/>
+              </a:cxn>
+              <a:cxn ang="0">
+                <a:pos x="connsiteX4" y="connsiteY4"/>
+              </a:cxn>
+              <a:cxn ang="0">
+                <a:pos x="connsiteX5" y="connsiteY5"/>
+              </a:cxn>
+              <a:cxn ang="0">
+                <a:pos x="connsiteX6" y="connsiteY6"/>
+              </a:cxn>
+              <a:cxn ang="0">
+                <a:pos x="connsiteX7" y="connsiteY7"/>
+              </a:cxn>
+              <a:cxn ang="0">
+                <a:pos x="connsiteX8" y="connsiteY8"/>
+              </a:cxn>
+              <a:cxn ang="0">
+                <a:pos x="connsiteX9" y="connsiteY9"/>
+              </a:cxn>
+              <a:cxn ang="0">
+                <a:pos x="connsiteX10" y="connsiteY10"/>
+              </a:cxn>
+            </a:cxnLst>
+            <a:rect l="l" t="t" r="r" b="b"/>
+            <a:pathLst>
+              <a:path w="12192000" h="4537825">
+                <a:moveTo>
+                  <a:pt x="0" y="0"/>
+                </a:moveTo>
+                <a:lnTo>
+                  <a:pt x="12192000" y="0"/>
+                </a:lnTo>
+                <a:lnTo>
+                  <a:pt x="12192000" y="3020937"/>
+                </a:lnTo>
+                <a:lnTo>
+                  <a:pt x="12192000" y="3213062"/>
+                </a:lnTo>
+                <a:lnTo>
+                  <a:pt x="12192000" y="4188880"/>
+                </a:lnTo>
+                <a:lnTo>
+                  <a:pt x="12113803" y="4197163"/>
+                </a:lnTo>
+                <a:cubicBezTo>
+                  <a:pt x="10139508" y="4395112"/>
+                  <a:pt x="8237152" y="4488115"/>
+                  <a:pt x="6753597" y="4520720"/>
+                </a:cubicBezTo>
+                <a:cubicBezTo>
+                  <a:pt x="4940362" y="4560569"/>
+                  <a:pt x="2657278" y="4541239"/>
+                  <a:pt x="400746" y="4349377"/>
+                </a:cubicBezTo>
+                <a:lnTo>
+                  <a:pt x="0" y="4312401"/>
+                </a:lnTo>
+                <a:lnTo>
+                  <a:pt x="0" y="3213062"/>
+                </a:lnTo>
+                <a:lnTo>
+                  <a:pt x="0" y="3020937"/>
+                </a:lnTo>
+                <a:close/>
+              </a:path>
+            </a:pathLst>
+          </a:custGeom>
+          <a:solidFill>
+            <a:schemeClr val="tx1"/>
+          </a:solidFill>
+          <a:ln w="44450">
+            <a:noFill/>
+          </a:ln>
+          <a:effectLst/>
+        </p:spPr>
+        <p:style>
+          <a:lnRef idx="2">
+            <a:schemeClr val="accent1">
+              <a:shade val="50000"/>
+            </a:schemeClr>
+          </a:lnRef>
+          <a:fillRef idx="1003">
+            <a:schemeClr val="dk2"/>
+          </a:fillRef>
+          <a:effectRef idx="0">
+            <a:schemeClr val="accent1"/>
+          </a:effectRef>
+          <a:fontRef idx="minor">
+            <a:schemeClr val="lt1"/>
+          </a:fontRef>
+        </p:style>
+        <p:txBody>
+          <a:bodyPr wrap="square" rtlCol="0" anchor="ctr">
+            <a:noAutofit/>
+          </a:bodyPr>
+          <a:lstStyle/>
+          <a:p>
+            <a:pPr algn="ctr"/>
+            <a:endParaRPr lang="en-US"/>
+          </a:p>
+        </p:txBody>
+      </p:sp>
+      <p:pic>
+        <p:nvPicPr>
+          <p:cNvPr id="4" name="Content Placeholder 3">
+            <a:extLst>
+              <a:ext uri="{FF2B5EF4-FFF2-40B4-BE49-F238E27FC236}">
+                <a16:creationId xmlns:a16="http://schemas.microsoft.com/office/drawing/2014/main" id="{043592E8-5458-4BF2-B514-573395092B58}"/>
+              </a:ext>
+            </a:extLst>
+          </p:cNvPr>
+          <p:cNvPicPr>
+            <a:picLocks noGrp="1" noChangeAspect="1"/>
+          </p:cNvPicPr>
+          <p:nvPr>
+            <p:ph idx="1"/>
+          </p:nvPr>
+        </p:nvPicPr>
+        <p:blipFill>
+          <a:blip r:embed="rId2"/>
+          <a:stretch>
+            <a:fillRect/>
+          </a:stretch>
+        </p:blipFill>
+        <p:spPr>
+          <a:xfrm>
+            <a:off x="2469029" y="671951"/>
+            <a:ext cx="7262936" cy="3359108"/>
+          </a:xfrm>
+          <a:prstGeom prst="rect">
+            <a:avLst/>
+          </a:prstGeom>
+        </p:spPr>
+      </p:pic>
+      <p:sp>
+        <p:nvSpPr>
+          <p:cNvPr id="5" name="TextBox 4">
+            <a:extLst>
+              <a:ext uri="{FF2B5EF4-FFF2-40B4-BE49-F238E27FC236}">
+                <a16:creationId xmlns:a16="http://schemas.microsoft.com/office/drawing/2014/main" id="{FBEBAD08-C91B-4B88-B3D4-32868E5BABF8}"/>
+              </a:ext>
+            </a:extLst>
+          </p:cNvPr>
+          <p:cNvSpPr txBox="1"/>
+          <p:nvPr/>
+        </p:nvSpPr>
+        <p:spPr>
+          <a:xfrm>
+            <a:off x="5605068" y="4627353"/>
+            <a:ext cx="6281873" cy="1770300"/>
+          </a:xfrm>
+          <a:prstGeom prst="rect">
+            <a:avLst/>
+          </a:prstGeom>
+        </p:spPr>
+        <p:txBody>
+          <a:bodyPr vert="horz" lIns="91440" tIns="45720" rIns="91440" bIns="45720" rtlCol="0" anchor="ctr">
+            <a:normAutofit/>
+          </a:bodyPr>
+          <a:lstStyle/>
+          <a:p>
+            <a:pPr indent="-228600">
+              <a:lnSpc>
+                <a:spcPct val="90000"/>
+              </a:lnSpc>
+              <a:spcAft>
+                <a:spcPts val="600"/>
+              </a:spcAft>
+              <a:buFont typeface="Arial" panose="020B0604020202020204" pitchFamily="34" charset="0"/>
+              <a:buChar char="•"/>
+            </a:pPr>
+            <a:r>
+              <a:rPr lang="en-US" dirty="0"/>
+              <a:t>Source: https://www.webcomponents.org/</a:t>
+            </a:r>
+          </a:p>
+        </p:txBody>
+      </p:sp>
+    </p:spTree>
+    <p:extLst>
+      <p:ext uri="{BB962C8B-B14F-4D97-AF65-F5344CB8AC3E}">
+        <p14:creationId xmlns:p14="http://schemas.microsoft.com/office/powerpoint/2010/main" val="1453806456"/>
+      </p:ext>
+    </p:extLst>
+  </p:cSld>
+  <p:clrMapOvr>
+    <a:overrideClrMapping bg1="dk1" tx1="lt1" bg2="dk2" tx2="lt2" accent1="accent1" accent2="accent2" accent3="accent3" accent4="accent4" accent5="accent5" accent6="accent6" hlink="hlink" folHlink="folHlink"/>
+  </p:clrMapOvr>
+</p:sld>
+</file>
+
+<file path=ppt/slides/slide9.xml><?xml version="1.0" encoding="utf-8"?>
+<p:sld xmlns:a="http://schemas.openxmlformats.org/drawingml/2006/main" xmlns:r="http://schemas.openxmlformats.org/officeDocument/2006/relationships" xmlns:p="http://schemas.openxmlformats.org/presentationml/2006/main">
+  <p:cSld>
+    <p:bg>
+      <p:bgPr>
+        <a:solidFill>
+          <a:schemeClr val="bg1"/>
+        </a:solidFill>
+        <a:effectLst/>
+      </p:bgPr>
+    </p:bg>
+    <p:spTree>
+      <p:nvGrpSpPr>
+        <p:cNvPr id="1" name=""/>
+        <p:cNvGrpSpPr/>
+        <p:nvPr/>
+      </p:nvGrpSpPr>
+      <p:grpSpPr>
+        <a:xfrm>
+          <a:off x="0" y="0"/>
+          <a:ext cx="0" cy="0"/>
+          <a:chOff x="0" y="0"/>
+          <a:chExt cx="0" cy="0"/>
+        </a:xfrm>
+      </p:grpSpPr>
+      <p:sp>
+        <p:nvSpPr>
+          <p:cNvPr id="2" name="Title 1">
+            <a:extLst>
+              <a:ext uri="{FF2B5EF4-FFF2-40B4-BE49-F238E27FC236}">
+                <a16:creationId xmlns:a16="http://schemas.microsoft.com/office/drawing/2014/main" id="{9C993B7B-C697-4C2D-B964-8EFD57CB6F79}"/>
+              </a:ext>
+            </a:extLst>
+          </p:cNvPr>
+          <p:cNvSpPr>
+            <a:spLocks noGrp="1"/>
+          </p:cNvSpPr>
+          <p:nvPr>
+            <p:ph type="title"/>
+          </p:nvPr>
+        </p:nvSpPr>
+        <p:spPr>
+          <a:xfrm>
+            <a:off x="1653363" y="365760"/>
+            <a:ext cx="9367203" cy="1188720"/>
+          </a:xfrm>
+        </p:spPr>
+        <p:txBody>
+          <a:bodyPr>
+            <a:normAutofit/>
+          </a:bodyPr>
+          <a:lstStyle/>
+          <a:p>
+            <a:r>
+              <a:rPr lang="da-DK" dirty="0"/>
+              <a:t>Teknologier og Frameworks</a:t>
+            </a:r>
+          </a:p>
+        </p:txBody>
+      </p:sp>
+      <p:sp>
+        <p:nvSpPr>
+          <p:cNvPr id="8" name="Freeform: Shape 7">
+            <a:extLst>
+              <a:ext uri="{FF2B5EF4-FFF2-40B4-BE49-F238E27FC236}">
+                <a16:creationId xmlns:a16="http://schemas.microsoft.com/office/drawing/2014/main" id="{7CB4857B-ED7C-444D-9F04-2F885114A1C2}"/>
+              </a:ext>
+              <a:ext uri="{C183D7F6-B498-43B3-948B-1728B52AA6E4}">
+                <adec:decorative xmlns:adec="http://schemas.microsoft.com/office/drawing/2017/decorative" val="1"/>
+              </a:ext>
+            </a:extLst>
+          </p:cNvPr>
+          <p:cNvSpPr>
+            <a:spLocks noGrp="1" noRot="1" noChangeAspect="1" noMove="1" noResize="1" noEditPoints="1" noAdjustHandles="1" noChangeArrowheads="1" noChangeShapeType="1" noTextEdit="1"/>
+          </p:cNvSpPr>
+          <p:nvPr>
+            <p:extLst>
+              <p:ext uri="{386F3935-93C4-4BCD-93E2-E3B085C9AB24}">
+                <p16:designElem xmlns:p16="http://schemas.microsoft.com/office/powerpoint/2015/main" val="1"/>
+              </p:ext>
+            </p:extLst>
+          </p:nvPr>
+        </p:nvSpPr>
+        <p:spPr>
+          <a:xfrm>
+            <a:off x="1" y="0"/>
+            <a:ext cx="1764099" cy="1558212"/>
+          </a:xfrm>
+          <a:custGeom>
+            <a:avLst/>
+            <a:gdLst>
+              <a:gd name="connsiteX0" fmla="*/ 0 w 1764099"/>
+              <a:gd name="connsiteY0" fmla="*/ 0 h 1558212"/>
+              <a:gd name="connsiteX1" fmla="*/ 1764099 w 1764099"/>
+              <a:gd name="connsiteY1" fmla="*/ 0 h 1558212"/>
+              <a:gd name="connsiteX2" fmla="*/ 1042087 w 1764099"/>
+              <a:gd name="connsiteY2" fmla="*/ 1558212 h 1558212"/>
+              <a:gd name="connsiteX3" fmla="*/ 0 w 1764099"/>
+              <a:gd name="connsiteY3" fmla="*/ 1558212 h 1558212"/>
+            </a:gdLst>
+            <a:ahLst/>
+            <a:cxnLst>
+              <a:cxn ang="0">
+                <a:pos x="connsiteX0" y="connsiteY0"/>
+              </a:cxn>
+              <a:cxn ang="0">
+                <a:pos x="connsiteX1" y="connsiteY1"/>
+              </a:cxn>
+              <a:cxn ang="0">
+                <a:pos x="connsiteX2" y="connsiteY2"/>
+              </a:cxn>
+              <a:cxn ang="0">
+                <a:pos x="connsiteX3" y="connsiteY3"/>
+              </a:cxn>
+            </a:cxnLst>
+            <a:rect l="l" t="t" r="r" b="b"/>
+            <a:pathLst>
+              <a:path w="1764099" h="1558212">
+                <a:moveTo>
+                  <a:pt x="0" y="0"/>
+                </a:moveTo>
+                <a:lnTo>
+                  <a:pt x="1764099" y="0"/>
+                </a:lnTo>
+                <a:lnTo>
+                  <a:pt x="1042087" y="1558212"/>
+                </a:lnTo>
+                <a:lnTo>
+                  <a:pt x="0" y="1558212"/>
+                </a:lnTo>
+                <a:close/>
+              </a:path>
+            </a:pathLst>
+          </a:custGeom>
+          <a:solidFill>
+            <a:schemeClr val="accent4"/>
+          </a:solidFill>
+          <a:ln>
+            <a:noFill/>
+          </a:ln>
+        </p:spPr>
+        <p:style>
+          <a:lnRef idx="2">
+            <a:schemeClr val="accent1">
+              <a:shade val="50000"/>
+            </a:schemeClr>
+          </a:lnRef>
+          <a:fillRef idx="1">
+            <a:schemeClr val="accent1"/>
+          </a:fillRef>
+          <a:effectRef idx="0">
+            <a:schemeClr val="accent1"/>
+          </a:effectRef>
+          <a:fontRef idx="minor">
+            <a:schemeClr val="lt1"/>
+          </a:fontRef>
+        </p:style>
+        <p:txBody>
+          <a:bodyPr wrap="square" rtlCol="0" anchor="ctr">
+            <a:noAutofit/>
+          </a:bodyPr>
+          <a:lstStyle/>
+          <a:p>
+            <a:pPr algn="ctr"/>
+            <a:endParaRPr lang="en-US"/>
+          </a:p>
+        </p:txBody>
+      </p:sp>
+      <p:sp>
+        <p:nvSpPr>
+          <p:cNvPr id="10" name="Freeform: Shape 9">
+            <a:extLst>
+              <a:ext uri="{FF2B5EF4-FFF2-40B4-BE49-F238E27FC236}">
+                <a16:creationId xmlns:a16="http://schemas.microsoft.com/office/drawing/2014/main" id="{D18046FB-44EA-4FD8-A585-EA09A319B2D0}"/>
+              </a:ext>
+              <a:ext uri="{C183D7F6-B498-43B3-948B-1728B52AA6E4}">
+                <adec:decorative xmlns:adec="http://schemas.microsoft.com/office/drawing/2017/decorative" val="1"/>
+              </a:ext>
+            </a:extLst>
+          </p:cNvPr>
+          <p:cNvSpPr>
+            <a:spLocks noGrp="1" noRot="1" noChangeAspect="1" noMove="1" noResize="1" noEditPoints="1" noAdjustHandles="1" noChangeArrowheads="1" noChangeShapeType="1" noTextEdit="1"/>
+          </p:cNvSpPr>
+          <p:nvPr>
+            <p:extLst>
+              <p:ext uri="{386F3935-93C4-4BCD-93E2-E3B085C9AB24}">
+                <p16:designElem xmlns:p16="http://schemas.microsoft.com/office/powerpoint/2015/main" val="1"/>
+              </p:ext>
+            </p:extLst>
+          </p:nvPr>
+        </p:nvSpPr>
+        <p:spPr>
+          <a:xfrm>
+            <a:off x="1" y="1691640"/>
+            <a:ext cx="12191999" cy="5166360"/>
+          </a:xfrm>
+          <a:custGeom>
+            <a:avLst/>
+            <a:gdLst>
+              <a:gd name="connsiteX0" fmla="*/ 0 w 12191999"/>
+              <a:gd name="connsiteY0" fmla="*/ 0 h 5166360"/>
+              <a:gd name="connsiteX1" fmla="*/ 1822388 w 12191999"/>
+              <a:gd name="connsiteY1" fmla="*/ 0 h 5166360"/>
+              <a:gd name="connsiteX2" fmla="*/ 6468290 w 12191999"/>
+              <a:gd name="connsiteY2" fmla="*/ 0 h 5166360"/>
+              <a:gd name="connsiteX3" fmla="*/ 7796394 w 12191999"/>
+              <a:gd name="connsiteY3" fmla="*/ 0 h 5166360"/>
+              <a:gd name="connsiteX4" fmla="*/ 8376834 w 12191999"/>
+              <a:gd name="connsiteY4" fmla="*/ 0 h 5166360"/>
+              <a:gd name="connsiteX5" fmla="*/ 9704938 w 12191999"/>
+              <a:gd name="connsiteY5" fmla="*/ 0 h 5166360"/>
+              <a:gd name="connsiteX6" fmla="*/ 9704938 w 12191999"/>
+              <a:gd name="connsiteY6" fmla="*/ 2 h 5166360"/>
+              <a:gd name="connsiteX7" fmla="*/ 10283456 w 12191999"/>
+              <a:gd name="connsiteY7" fmla="*/ 2 h 5166360"/>
+              <a:gd name="connsiteX8" fmla="*/ 10863897 w 12191999"/>
+              <a:gd name="connsiteY8" fmla="*/ 2 h 5166360"/>
+              <a:gd name="connsiteX9" fmla="*/ 12191999 w 12191999"/>
+              <a:gd name="connsiteY9" fmla="*/ 2 h 5166360"/>
+              <a:gd name="connsiteX10" fmla="*/ 12191999 w 12191999"/>
+              <a:gd name="connsiteY10" fmla="*/ 5166360 h 5166360"/>
+              <a:gd name="connsiteX11" fmla="*/ 0 w 12191999"/>
+              <a:gd name="connsiteY11" fmla="*/ 5166360 h 5166360"/>
+              <a:gd name="connsiteX12" fmla="*/ 0 w 12191999"/>
+              <a:gd name="connsiteY12" fmla="*/ 2604436 h 5166360"/>
+              <a:gd name="connsiteX13" fmla="*/ 862341 w 12191999"/>
+              <a:gd name="connsiteY13" fmla="*/ 743371 h 5166360"/>
+              <a:gd name="connsiteX14" fmla="*/ 0 w 12191999"/>
+              <a:gd name="connsiteY14" fmla="*/ 743371 h 5166360"/>
+              <a:gd name="connsiteX15" fmla="*/ 0 w 12191999"/>
+              <a:gd name="connsiteY15" fmla="*/ 742508 h 5166360"/>
+              <a:gd name="connsiteX16" fmla="*/ 92826 w 12191999"/>
+              <a:gd name="connsiteY16" fmla="*/ 742508 h 5166360"/>
+              <a:gd name="connsiteX17" fmla="*/ 406486 w 12191999"/>
+              <a:gd name="connsiteY17" fmla="*/ 742508 h 5166360"/>
+              <a:gd name="connsiteX18" fmla="*/ 406486 w 12191999"/>
+              <a:gd name="connsiteY18" fmla="*/ 742507 h 5166360"/>
+              <a:gd name="connsiteX19" fmla="*/ 862741 w 12191999"/>
+              <a:gd name="connsiteY19" fmla="*/ 742507 h 5166360"/>
+              <a:gd name="connsiteX20" fmla="*/ 1206388 w 12191999"/>
+              <a:gd name="connsiteY20" fmla="*/ 864 h 5166360"/>
+              <a:gd name="connsiteX21" fmla="*/ 748500 w 12191999"/>
+              <a:gd name="connsiteY21" fmla="*/ 864 h 5166360"/>
+              <a:gd name="connsiteX22" fmla="*/ 0 w 12191999"/>
+              <a:gd name="connsiteY22" fmla="*/ 864 h 5166360"/>
+            </a:gdLst>
+            <a:ahLst/>
+            <a:cxnLst>
+              <a:cxn ang="0">
+                <a:pos x="connsiteX0" y="connsiteY0"/>
+              </a:cxn>
+              <a:cxn ang="0">
+                <a:pos x="connsiteX1" y="connsiteY1"/>
+              </a:cxn>
+              <a:cxn ang="0">
+                <a:pos x="connsiteX2" y="connsiteY2"/>
+              </a:cxn>
+              <a:cxn ang="0">
+                <a:pos x="connsiteX3" y="connsiteY3"/>
+              </a:cxn>
+              <a:cxn ang="0">
+                <a:pos x="connsiteX4" y="connsiteY4"/>
+              </a:cxn>
+              <a:cxn ang="0">
+                <a:pos x="connsiteX5" y="connsiteY5"/>
+              </a:cxn>
+              <a:cxn ang="0">
+                <a:pos x="connsiteX6" y="connsiteY6"/>
+              </a:cxn>
+              <a:cxn ang="0">
+                <a:pos x="connsiteX7" y="connsiteY7"/>
+              </a:cxn>
+              <a:cxn ang="0">
+                <a:pos x="connsiteX8" y="connsiteY8"/>
+              </a:cxn>
+              <a:cxn ang="0">
+                <a:pos x="connsiteX9" y="connsiteY9"/>
+              </a:cxn>
+              <a:cxn ang="0">
+                <a:pos x="connsiteX10" y="connsiteY10"/>
+              </a:cxn>
+              <a:cxn ang="0">
+                <a:pos x="connsiteX11" y="connsiteY11"/>
+              </a:cxn>
+              <a:cxn ang="0">
+                <a:pos x="connsiteX12" y="connsiteY12"/>
+              </a:cxn>
+              <a:cxn ang="0">
+                <a:pos x="connsiteX13" y="connsiteY13"/>
+              </a:cxn>
+              <a:cxn ang="0">
+                <a:pos x="connsiteX14" y="connsiteY14"/>
+              </a:cxn>
+              <a:cxn ang="0">
+                <a:pos x="connsiteX15" y="connsiteY15"/>
+              </a:cxn>
+              <a:cxn ang="0">
+                <a:pos x="connsiteX16" y="connsiteY16"/>
+              </a:cxn>
+              <a:cxn ang="0">
+                <a:pos x="connsiteX17" y="connsiteY17"/>
+              </a:cxn>
+              <a:cxn ang="0">
+                <a:pos x="connsiteX18" y="connsiteY18"/>
+              </a:cxn>
+              <a:cxn ang="0">
+                <a:pos x="connsiteX19" y="connsiteY19"/>
+              </a:cxn>
+              <a:cxn ang="0">
+                <a:pos x="connsiteX20" y="connsiteY20"/>
+              </a:cxn>
+              <a:cxn ang="0">
+                <a:pos x="connsiteX21" y="connsiteY21"/>
+              </a:cxn>
+              <a:cxn ang="0">
+                <a:pos x="connsiteX22" y="connsiteY22"/>
+              </a:cxn>
+            </a:cxnLst>
+            <a:rect l="l" t="t" r="r" b="b"/>
+            <a:pathLst>
+              <a:path w="12191999" h="5166360">
+                <a:moveTo>
+                  <a:pt x="0" y="0"/>
+                </a:moveTo>
+                <a:lnTo>
+                  <a:pt x="1822388" y="0"/>
+                </a:lnTo>
+                <a:lnTo>
+                  <a:pt x="6468290" y="0"/>
+                </a:lnTo>
+                <a:lnTo>
+                  <a:pt x="7796394" y="0"/>
+                </a:lnTo>
+                <a:lnTo>
+                  <a:pt x="8376834" y="0"/>
+                </a:lnTo>
+                <a:lnTo>
+                  <a:pt x="9704938" y="0"/>
+                </a:lnTo>
+                <a:lnTo>
+                  <a:pt x="9704938" y="2"/>
+                </a:lnTo>
+                <a:lnTo>
+                  <a:pt x="10283456" y="2"/>
+                </a:lnTo>
+                <a:lnTo>
+                  <a:pt x="10863897" y="2"/>
+                </a:lnTo>
+                <a:lnTo>
+                  <a:pt x="12191999" y="2"/>
+                </a:lnTo>
+                <a:lnTo>
+                  <a:pt x="12191999" y="5166360"/>
+                </a:lnTo>
+                <a:lnTo>
+                  <a:pt x="0" y="5166360"/>
+                </a:lnTo>
+                <a:lnTo>
+                  <a:pt x="0" y="2604436"/>
+                </a:lnTo>
+                <a:lnTo>
+                  <a:pt x="862341" y="743371"/>
+                </a:lnTo>
+                <a:lnTo>
+                  <a:pt x="0" y="743371"/>
+                </a:lnTo>
+                <a:lnTo>
+                  <a:pt x="0" y="742508"/>
+                </a:lnTo>
+                <a:lnTo>
+                  <a:pt x="92826" y="742508"/>
+                </a:lnTo>
+                <a:lnTo>
+                  <a:pt x="406486" y="742508"/>
+                </a:lnTo>
+                <a:lnTo>
+                  <a:pt x="406486" y="742507"/>
+                </a:lnTo>
+                <a:lnTo>
+                  <a:pt x="862741" y="742507"/>
+                </a:lnTo>
+                <a:lnTo>
+                  <a:pt x="1206388" y="864"/>
+                </a:lnTo>
+                <a:lnTo>
+                  <a:pt x="748500" y="864"/>
+                </a:lnTo>
+                <a:lnTo>
+                  <a:pt x="0" y="864"/>
+                </a:lnTo>
+                <a:close/>
+              </a:path>
+            </a:pathLst>
+          </a:custGeom>
+          <a:solidFill>
+            <a:srgbClr val="A6A6A6">
+              <a:alpha val="49804"/>
+            </a:srgbClr>
+          </a:solidFill>
+          <a:ln>
+            <a:noFill/>
+          </a:ln>
+        </p:spPr>
+        <p:style>
+          <a:lnRef idx="2">
+            <a:schemeClr val="accent1">
+              <a:shade val="50000"/>
+            </a:schemeClr>
+          </a:lnRef>
+          <a:fillRef idx="1">
+            <a:schemeClr val="accent1"/>
+          </a:fillRef>
+          <a:effectRef idx="0">
+            <a:schemeClr val="accent1"/>
+          </a:effectRef>
+          <a:fontRef idx="minor">
+            <a:schemeClr val="lt1"/>
+          </a:fontRef>
+        </p:style>
+        <p:txBody>
+          <a:bodyPr wrap="square" rtlCol="0" anchor="ctr">
+            <a:noAutofit/>
+          </a:bodyPr>
+          <a:lstStyle/>
+          <a:p>
+            <a:pPr algn="ctr"/>
+            <a:endParaRPr lang="en-US"/>
+          </a:p>
+        </p:txBody>
+      </p:sp>
+      <p:sp>
+        <p:nvSpPr>
+          <p:cNvPr id="12" name="Freeform: Shape 11">
+            <a:extLst>
+              <a:ext uri="{FF2B5EF4-FFF2-40B4-BE49-F238E27FC236}">
+                <a16:creationId xmlns:a16="http://schemas.microsoft.com/office/drawing/2014/main" id="{479F5F2B-8B58-4140-AE6A-51F6C67B18D9}"/>
+              </a:ext>
+              <a:ext uri="{C183D7F6-B498-43B3-948B-1728B52AA6E4}">
+                <adec:decorative xmlns:adec="http://schemas.microsoft.com/office/drawing/2017/decorative" val="1"/>
+              </a:ext>
+            </a:extLst>
+          </p:cNvPr>
+          <p:cNvSpPr>
+            <a:spLocks noGrp="1" noRot="1" noChangeAspect="1" noMove="1" noResize="1" noEditPoints="1" noAdjustHandles="1" noChangeArrowheads="1" noChangeShapeType="1" noTextEdit="1"/>
+          </p:cNvSpPr>
+          <p:nvPr>
+            <p:extLst>
+              <p:ext uri="{386F3935-93C4-4BCD-93E2-E3B085C9AB24}">
+                <p16:designElem xmlns:p16="http://schemas.microsoft.com/office/powerpoint/2015/main" val="1"/>
+              </p:ext>
+            </p:extLst>
+          </p:nvPr>
+        </p:nvSpPr>
+        <p:spPr>
+          <a:xfrm>
+            <a:off x="0" y="1691641"/>
+            <a:ext cx="971654" cy="2096979"/>
+          </a:xfrm>
+          <a:custGeom>
+            <a:avLst/>
+            <a:gdLst>
+              <a:gd name="connsiteX0" fmla="*/ 0 w 971654"/>
+              <a:gd name="connsiteY0" fmla="*/ 0 h 2096979"/>
+              <a:gd name="connsiteX1" fmla="*/ 971654 w 971654"/>
+              <a:gd name="connsiteY1" fmla="*/ 0 h 2096979"/>
+              <a:gd name="connsiteX2" fmla="*/ 0 w 971654"/>
+              <a:gd name="connsiteY2" fmla="*/ 2096979 h 2096979"/>
+            </a:gdLst>
+            <a:ahLst/>
+            <a:cxnLst>
+              <a:cxn ang="0">
+                <a:pos x="connsiteX0" y="connsiteY0"/>
+              </a:cxn>
+              <a:cxn ang="0">
+                <a:pos x="connsiteX1" y="connsiteY1"/>
+              </a:cxn>
+              <a:cxn ang="0">
+                <a:pos x="connsiteX2" y="connsiteY2"/>
+              </a:cxn>
+            </a:cxnLst>
+            <a:rect l="l" t="t" r="r" b="b"/>
+            <a:pathLst>
+              <a:path w="971654" h="2096979">
+                <a:moveTo>
+                  <a:pt x="0" y="0"/>
+                </a:moveTo>
+                <a:lnTo>
+                  <a:pt x="971654" y="0"/>
+                </a:lnTo>
+                <a:lnTo>
+                  <a:pt x="0" y="2096979"/>
+                </a:lnTo>
+                <a:close/>
+              </a:path>
+            </a:pathLst>
+          </a:custGeom>
+          <a:solidFill>
+            <a:srgbClr val="404040"/>
+          </a:solidFill>
+          <a:ln>
+            <a:noFill/>
+          </a:ln>
+        </p:spPr>
+        <p:style>
+          <a:lnRef idx="2">
+            <a:schemeClr val="accent1">
+              <a:shade val="50000"/>
+            </a:schemeClr>
+          </a:lnRef>
+          <a:fillRef idx="1">
+            <a:schemeClr val="accent1"/>
+          </a:fillRef>
+          <a:effectRef idx="0">
+            <a:schemeClr val="accent1"/>
+          </a:effectRef>
+          <a:fontRef idx="minor">
+            <a:schemeClr val="lt1"/>
+          </a:fontRef>
+        </p:style>
+        <p:txBody>
+          <a:bodyPr wrap="square" rtlCol="0" anchor="ctr">
+            <a:noAutofit/>
+          </a:bodyPr>
+          <a:lstStyle/>
+          <a:p>
+            <a:pPr algn="ctr"/>
+            <a:endParaRPr lang="en-US"/>
+          </a:p>
+        </p:txBody>
+      </p:sp>
+      <p:sp>
+        <p:nvSpPr>
+          <p:cNvPr id="3" name="Content Placeholder 2">
+            <a:extLst>
+              <a:ext uri="{FF2B5EF4-FFF2-40B4-BE49-F238E27FC236}">
+                <a16:creationId xmlns:a16="http://schemas.microsoft.com/office/drawing/2014/main" id="{26F12730-2086-4B67-93A6-CBCB896F5F7C}"/>
+              </a:ext>
+            </a:extLst>
+          </p:cNvPr>
+          <p:cNvSpPr>
+            <a:spLocks noGrp="1"/>
+          </p:cNvSpPr>
+          <p:nvPr>
+            <p:ph idx="1"/>
+          </p:nvPr>
+        </p:nvSpPr>
+        <p:spPr>
+          <a:xfrm>
+            <a:off x="1653363" y="2176272"/>
+            <a:ext cx="9367204" cy="4041648"/>
+          </a:xfrm>
+        </p:spPr>
+        <p:txBody>
+          <a:bodyPr anchor="t">
+            <a:normAutofit/>
+          </a:bodyPr>
+          <a:lstStyle/>
+          <a:p>
+            <a:r>
+              <a:rPr lang="da-DK" sz="2400"/>
+              <a:t>Vue.js</a:t>
+            </a:r>
+          </a:p>
+          <a:p>
+            <a:r>
+              <a:rPr lang="da-DK" sz="2400"/>
+              <a:t>Angular</a:t>
+            </a:r>
+          </a:p>
+          <a:p>
+            <a:r>
+              <a:rPr lang="da-DK" sz="2400"/>
+              <a:t>React.js</a:t>
+            </a:r>
+          </a:p>
+          <a:p>
+            <a:endParaRPr lang="da-DK" sz="2400"/>
+          </a:p>
+        </p:txBody>
+      </p:sp>
+    </p:spTree>
+    <p:extLst>
+      <p:ext uri="{BB962C8B-B14F-4D97-AF65-F5344CB8AC3E}">
+        <p14:creationId xmlns:p14="http://schemas.microsoft.com/office/powerpoint/2010/main" val="3932915970"/>
       </p:ext>
     </p:extLst>
   </p:cSld>

--- a/Presentations/10_Web.pptx
+++ b/Presentations/10_Web.pptx
@@ -6725,23 +6725,7 @@
             </a:r>
             <a:r>
               <a:rPr lang="da-DK" sz="1800" dirty="0"/>
-              <a:t> side webudvikling. Hvad skal browseren understøtte for at man kan lave UI-komponenter, som er uafhængige af et JavaScript framework. Vis et eksempel på en web </a:t>
-            </a:r>
-            <a:r>
-              <a:rPr lang="da-DK" sz="1800" dirty="0" err="1"/>
-              <a:t>komponent,som</a:t>
-            </a:r>
-            <a:r>
-              <a:rPr lang="da-DK" sz="1800" dirty="0"/>
-              <a:t> er udviklet uden brug af </a:t>
-            </a:r>
-            <a:r>
-              <a:rPr lang="da-DK" sz="1800" dirty="0" err="1"/>
-              <a:t>frameworkellerevt</a:t>
-            </a:r>
-            <a:r>
-              <a:rPr lang="da-DK" sz="1800" dirty="0"/>
-              <a:t>. ved brug af </a:t>
+              <a:t> side webudvikling. Hvad skal browseren understøtte for at man kan lave UI-komponenter, som er uafhængige af et JavaScript framework. Vis et eksempel på en web komponent, som er udviklet uden brug af framework eller evt. ved brug af </a:t>
             </a:r>
             <a:r>
               <a:rPr lang="da-DK" sz="1800" dirty="0" err="1"/>
@@ -8014,15 +7998,7 @@
           <a:p>
             <a:r>
               <a:rPr lang="da-DK" dirty="0"/>
-              <a:t>Hvorfor bruge </a:t>
-            </a:r>
-            <a:r>
-              <a:rPr lang="da-DK" dirty="0" err="1"/>
-              <a:t>webcomponent</a:t>
-            </a:r>
-            <a:r>
-              <a:rPr lang="da-DK" dirty="0"/>
-              <a:t>?</a:t>
+              <a:t>Hvorfor bruge webkomponenter?</a:t>
             </a:r>
             <a:endParaRPr lang="en-US" dirty="0"/>
           </a:p>
@@ -9214,12 +9190,12 @@
           <a:lstStyle/>
           <a:p>
             <a:r>
-              <a:rPr lang="da-DK" sz="3400">
+              <a:rPr lang="da-DK" sz="3400" dirty="0">
                 <a:solidFill>
                   <a:srgbClr val="FFFFFF"/>
                 </a:solidFill>
               </a:rPr>
-              <a:t>De fire hovede specifikationer</a:t>
+              <a:t>De fire hoved-specifikationer</a:t>
             </a:r>
           </a:p>
         </p:txBody>
@@ -9323,7 +9299,7 @@
           <a:p>
             <a:r>
               <a:rPr lang="da-DK" dirty="0"/>
-              <a:t>Custom Element</a:t>
+              <a:t>Custom Elements</a:t>
             </a:r>
           </a:p>
         </p:txBody>
@@ -9827,14 +9803,22 @@
           <a:lstStyle/>
           <a:p>
             <a:r>
-              <a:rPr lang="da-DK" sz="2400"/>
+              <a:rPr lang="da-DK" sz="2400" dirty="0"/>
               <a:t>Muligheden for at lave sit eget element, som kan få sin egen funktionalitet.</a:t>
             </a:r>
           </a:p>
           <a:p>
             <a:r>
-              <a:rPr lang="da-DK" sz="2400"/>
-              <a:t>Hvis denne funktionalitet ikke understøttes ses et custom element som et &lt;div&gt; elementd.</a:t>
+              <a:rPr lang="da-DK" sz="2400" dirty="0"/>
+              <a:t>Hvis denne funktionalitet ikke understøttes ses et </a:t>
+            </a:r>
+            <a:r>
+              <a:rPr lang="da-DK" sz="2400" dirty="0" err="1"/>
+              <a:t>custom</a:t>
+            </a:r>
+            <a:r>
+              <a:rPr lang="da-DK" sz="2400" dirty="0"/>
+              <a:t> element som et &lt;div&gt; element.</a:t>
             </a:r>
           </a:p>
         </p:txBody>
@@ -11411,22 +11395,101 @@
           <a:lstStyle/>
           <a:p>
             <a:r>
-              <a:rPr lang="da-DK" sz="2400">
+              <a:rPr lang="da-DK" sz="2400" dirty="0" err="1">
                 <a:solidFill>
                   <a:schemeClr val="bg1"/>
                 </a:solidFill>
               </a:rPr>
-              <a:t>ES Modules giver udvikleren mulighed for at isolere sit javascript og tage det i brug når det er gældende.</a:t>
+              <a:t>ECMAScript</a:t>
             </a:r>
-          </a:p>
-          <a:p>
             <a:r>
-              <a:rPr lang="da-DK" sz="2400">
+              <a:rPr lang="da-DK" sz="2400" dirty="0">
                 <a:solidFill>
                   <a:schemeClr val="bg1"/>
                 </a:solidFill>
               </a:rPr>
-              <a:t>Dette gøres ved at ”export” eller ”Import” scripts</a:t>
+              <a:t> </a:t>
+            </a:r>
+            <a:r>
+              <a:rPr lang="da-DK" sz="2400" dirty="0" err="1">
+                <a:solidFill>
+                  <a:schemeClr val="bg1"/>
+                </a:solidFill>
+              </a:rPr>
+              <a:t>modules</a:t>
+            </a:r>
+            <a:endParaRPr lang="da-DK" sz="2400" dirty="0">
+              <a:solidFill>
+                <a:schemeClr val="bg1"/>
+              </a:solidFill>
+            </a:endParaRPr>
+          </a:p>
+          <a:p>
+            <a:r>
+              <a:rPr lang="da-DK" sz="2400" dirty="0">
+                <a:solidFill>
+                  <a:schemeClr val="bg1"/>
+                </a:solidFill>
+              </a:rPr>
+              <a:t>ES </a:t>
+            </a:r>
+            <a:r>
+              <a:rPr lang="da-DK" sz="2400" dirty="0" err="1">
+                <a:solidFill>
+                  <a:schemeClr val="bg1"/>
+                </a:solidFill>
+              </a:rPr>
+              <a:t>Modules</a:t>
+            </a:r>
+            <a:r>
+              <a:rPr lang="da-DK" sz="2400" dirty="0">
+                <a:solidFill>
+                  <a:schemeClr val="bg1"/>
+                </a:solidFill>
+              </a:rPr>
+              <a:t> giver udvikleren mulighed for at isolere sit </a:t>
+            </a:r>
+            <a:r>
+              <a:rPr lang="da-DK" sz="2400" dirty="0" err="1">
+                <a:solidFill>
+                  <a:schemeClr val="bg1"/>
+                </a:solidFill>
+              </a:rPr>
+              <a:t>javascript</a:t>
+            </a:r>
+            <a:r>
+              <a:rPr lang="da-DK" sz="2400" dirty="0">
+                <a:solidFill>
+                  <a:schemeClr val="bg1"/>
+                </a:solidFill>
+              </a:rPr>
+              <a:t> og tage det i brug når det er gældende.</a:t>
+            </a:r>
+          </a:p>
+          <a:p>
+            <a:r>
+              <a:rPr lang="da-DK" sz="2400" dirty="0">
+                <a:solidFill>
+                  <a:schemeClr val="bg1"/>
+                </a:solidFill>
+              </a:rPr>
+              <a:t>Dette gøres ved at ”</a:t>
+            </a:r>
+            <a:r>
+              <a:rPr lang="da-DK" sz="2400" dirty="0" err="1">
+                <a:solidFill>
+                  <a:schemeClr val="bg1"/>
+                </a:solidFill>
+              </a:rPr>
+              <a:t>export</a:t>
+            </a:r>
+            <a:r>
+              <a:rPr lang="da-DK" sz="2400" dirty="0">
+                <a:solidFill>
+                  <a:schemeClr val="bg1"/>
+                </a:solidFill>
+              </a:rPr>
+              <a:t>” eller ”Import” scripts</a:t>
             </a:r>
           </a:p>
         </p:txBody>
@@ -13840,24 +13903,41 @@
           <a:lstStyle/>
           <a:p>
             <a:r>
-              <a:rPr lang="da-DK" sz="2400"/>
+              <a:rPr lang="da-DK" sz="2400" dirty="0"/>
               <a:t>Vue.js</a:t>
             </a:r>
           </a:p>
           <a:p>
             <a:r>
-              <a:rPr lang="da-DK" sz="2400"/>
+              <a:rPr lang="da-DK" sz="2400" dirty="0" err="1"/>
               <a:t>Angular</a:t>
             </a:r>
+            <a:endParaRPr lang="da-DK" sz="2400" dirty="0"/>
           </a:p>
           <a:p>
             <a:r>
-              <a:rPr lang="da-DK" sz="2400"/>
+              <a:rPr lang="da-DK" sz="2400" dirty="0"/>
               <a:t>React.js</a:t>
             </a:r>
           </a:p>
           <a:p>
-            <a:endParaRPr lang="da-DK" sz="2400"/>
+            <a:r>
+              <a:rPr lang="da-DK" sz="2400" dirty="0" err="1"/>
+              <a:t>ASP.Net</a:t>
+            </a:r>
+            <a:endParaRPr lang="da-DK" sz="2400" dirty="0"/>
+          </a:p>
+          <a:p>
+            <a:endParaRPr lang="da-DK" sz="2400" dirty="0"/>
+          </a:p>
+          <a:p>
+            <a:r>
+              <a:rPr lang="da-DK" sz="2400" dirty="0"/>
+              <a:t>Generelt anvendes TS og JS fortsat meget, når der udvikles webkomponenter.</a:t>
+            </a:r>
+          </a:p>
+          <a:p>
+            <a:endParaRPr lang="da-DK" sz="2400" dirty="0"/>
           </a:p>
         </p:txBody>
       </p:sp>

--- a/Presentations/10_Web.pptx
+++ b/Presentations/10_Web.pptx
@@ -3556,7 +3556,7 @@
           <a:p>
             <a:fld id="{062B8C5F-8AC5-4E7D-8456-DDA4B987C3A3}" type="datetimeFigureOut">
               <a:rPr lang="en-US" smtClean="0"/>
-              <a:t>8/17/2020</a:t>
+              <a:t>8/18/2020</a:t>
             </a:fld>
             <a:endParaRPr lang="en-US"/>
           </a:p>
@@ -3756,7 +3756,7 @@
           <a:p>
             <a:fld id="{062B8C5F-8AC5-4E7D-8456-DDA4B987C3A3}" type="datetimeFigureOut">
               <a:rPr lang="en-US" smtClean="0"/>
-              <a:t>8/17/2020</a:t>
+              <a:t>8/18/2020</a:t>
             </a:fld>
             <a:endParaRPr lang="en-US"/>
           </a:p>
@@ -3966,7 +3966,7 @@
           <a:p>
             <a:fld id="{062B8C5F-8AC5-4E7D-8456-DDA4B987C3A3}" type="datetimeFigureOut">
               <a:rPr lang="en-US" smtClean="0"/>
-              <a:t>8/17/2020</a:t>
+              <a:t>8/18/2020</a:t>
             </a:fld>
             <a:endParaRPr lang="en-US"/>
           </a:p>
@@ -4166,7 +4166,7 @@
           <a:p>
             <a:fld id="{062B8C5F-8AC5-4E7D-8456-DDA4B987C3A3}" type="datetimeFigureOut">
               <a:rPr lang="en-US" smtClean="0"/>
-              <a:t>8/17/2020</a:t>
+              <a:t>8/18/2020</a:t>
             </a:fld>
             <a:endParaRPr lang="en-US"/>
           </a:p>
@@ -4442,7 +4442,7 @@
           <a:p>
             <a:fld id="{062B8C5F-8AC5-4E7D-8456-DDA4B987C3A3}" type="datetimeFigureOut">
               <a:rPr lang="en-US" smtClean="0"/>
-              <a:t>8/17/2020</a:t>
+              <a:t>8/18/2020</a:t>
             </a:fld>
             <a:endParaRPr lang="en-US"/>
           </a:p>
@@ -4710,7 +4710,7 @@
           <a:p>
             <a:fld id="{062B8C5F-8AC5-4E7D-8456-DDA4B987C3A3}" type="datetimeFigureOut">
               <a:rPr lang="en-US" smtClean="0"/>
-              <a:t>8/17/2020</a:t>
+              <a:t>8/18/2020</a:t>
             </a:fld>
             <a:endParaRPr lang="en-US"/>
           </a:p>
@@ -5125,7 +5125,7 @@
           <a:p>
             <a:fld id="{062B8C5F-8AC5-4E7D-8456-DDA4B987C3A3}" type="datetimeFigureOut">
               <a:rPr lang="en-US" smtClean="0"/>
-              <a:t>8/17/2020</a:t>
+              <a:t>8/18/2020</a:t>
             </a:fld>
             <a:endParaRPr lang="en-US"/>
           </a:p>
@@ -5267,7 +5267,7 @@
           <a:p>
             <a:fld id="{062B8C5F-8AC5-4E7D-8456-DDA4B987C3A3}" type="datetimeFigureOut">
               <a:rPr lang="en-US" smtClean="0"/>
-              <a:t>8/17/2020</a:t>
+              <a:t>8/18/2020</a:t>
             </a:fld>
             <a:endParaRPr lang="en-US"/>
           </a:p>
@@ -5380,7 +5380,7 @@
           <a:p>
             <a:fld id="{062B8C5F-8AC5-4E7D-8456-DDA4B987C3A3}" type="datetimeFigureOut">
               <a:rPr lang="en-US" smtClean="0"/>
-              <a:t>8/17/2020</a:t>
+              <a:t>8/18/2020</a:t>
             </a:fld>
             <a:endParaRPr lang="en-US"/>
           </a:p>
@@ -5693,7 +5693,7 @@
           <a:p>
             <a:fld id="{062B8C5F-8AC5-4E7D-8456-DDA4B987C3A3}" type="datetimeFigureOut">
               <a:rPr lang="en-US" smtClean="0"/>
-              <a:t>8/17/2020</a:t>
+              <a:t>8/18/2020</a:t>
             </a:fld>
             <a:endParaRPr lang="en-US"/>
           </a:p>
@@ -5982,7 +5982,7 @@
           <a:p>
             <a:fld id="{062B8C5F-8AC5-4E7D-8456-DDA4B987C3A3}" type="datetimeFigureOut">
               <a:rPr lang="en-US" smtClean="0"/>
-              <a:t>8/17/2020</a:t>
+              <a:t>8/18/2020</a:t>
             </a:fld>
             <a:endParaRPr lang="en-US"/>
           </a:p>
@@ -6225,7 +6225,7 @@
           <a:p>
             <a:fld id="{062B8C5F-8AC5-4E7D-8456-DDA4B987C3A3}" type="datetimeFigureOut">
               <a:rPr lang="en-US" smtClean="0"/>
-              <a:t>8/17/2020</a:t>
+              <a:t>8/18/2020</a:t>
             </a:fld>
             <a:endParaRPr lang="en-US"/>
           </a:p>
@@ -7352,6 +7352,264 @@
           <a:p>
             <a:pPr algn="ctr"/>
             <a:endParaRPr lang="en-US"/>
+          </a:p>
+        </p:txBody>
+      </p:sp>
+      <p:sp>
+        <p:nvSpPr>
+          <p:cNvPr id="4" name="Tekstfelt 3">
+            <a:extLst>
+              <a:ext uri="{FF2B5EF4-FFF2-40B4-BE49-F238E27FC236}">
+                <a16:creationId xmlns:a16="http://schemas.microsoft.com/office/drawing/2014/main" id="{CDBB5A4D-1445-4C68-B76A-1EE35ADB3BEF}"/>
+              </a:ext>
+            </a:extLst>
+          </p:cNvPr>
+          <p:cNvSpPr txBox="1"/>
+          <p:nvPr/>
+        </p:nvSpPr>
+        <p:spPr>
+          <a:xfrm>
+            <a:off x="8864990" y="451365"/>
+            <a:ext cx="1884106" cy="369332"/>
+          </a:xfrm>
+          <a:prstGeom prst="rect">
+            <a:avLst/>
+          </a:prstGeom>
+          <a:noFill/>
+        </p:spPr>
+        <p:txBody>
+          <a:bodyPr wrap="none" rtlCol="0">
+            <a:spAutoFit/>
+          </a:bodyPr>
+          <a:lstStyle>
+            <a:defPPr>
+              <a:defRPr lang="da-DK"/>
+            </a:defPPr>
+            <a:lvl1pPr marL="0" algn="l" defTabSz="914400" rtl="0" eaLnBrk="1" latinLnBrk="0" hangingPunct="1">
+              <a:defRPr sz="1800" kern="1200">
+                <a:solidFill>
+                  <a:schemeClr val="tx1"/>
+                </a:solidFill>
+                <a:latin typeface="+mn-lt"/>
+                <a:ea typeface="+mn-ea"/>
+                <a:cs typeface="+mn-cs"/>
+              </a:defRPr>
+            </a:lvl1pPr>
+            <a:lvl2pPr marL="457200" algn="l" defTabSz="914400" rtl="0" eaLnBrk="1" latinLnBrk="0" hangingPunct="1">
+              <a:defRPr sz="1800" kern="1200">
+                <a:solidFill>
+                  <a:schemeClr val="tx1"/>
+                </a:solidFill>
+                <a:latin typeface="+mn-lt"/>
+                <a:ea typeface="+mn-ea"/>
+                <a:cs typeface="+mn-cs"/>
+              </a:defRPr>
+            </a:lvl2pPr>
+            <a:lvl3pPr marL="914400" algn="l" defTabSz="914400" rtl="0" eaLnBrk="1" latinLnBrk="0" hangingPunct="1">
+              <a:defRPr sz="1800" kern="1200">
+                <a:solidFill>
+                  <a:schemeClr val="tx1"/>
+                </a:solidFill>
+                <a:latin typeface="+mn-lt"/>
+                <a:ea typeface="+mn-ea"/>
+                <a:cs typeface="+mn-cs"/>
+              </a:defRPr>
+            </a:lvl3pPr>
+            <a:lvl4pPr marL="1371600" algn="l" defTabSz="914400" rtl="0" eaLnBrk="1" latinLnBrk="0" hangingPunct="1">
+              <a:defRPr sz="1800" kern="1200">
+                <a:solidFill>
+                  <a:schemeClr val="tx1"/>
+                </a:solidFill>
+                <a:latin typeface="+mn-lt"/>
+                <a:ea typeface="+mn-ea"/>
+                <a:cs typeface="+mn-cs"/>
+              </a:defRPr>
+            </a:lvl4pPr>
+            <a:lvl5pPr marL="1828800" algn="l" defTabSz="914400" rtl="0" eaLnBrk="1" latinLnBrk="0" hangingPunct="1">
+              <a:defRPr sz="1800" kern="1200">
+                <a:solidFill>
+                  <a:schemeClr val="tx1"/>
+                </a:solidFill>
+                <a:latin typeface="+mn-lt"/>
+                <a:ea typeface="+mn-ea"/>
+                <a:cs typeface="+mn-cs"/>
+              </a:defRPr>
+            </a:lvl5pPr>
+            <a:lvl6pPr marL="2286000" algn="l" defTabSz="914400" rtl="0" eaLnBrk="1" latinLnBrk="0" hangingPunct="1">
+              <a:defRPr sz="1800" kern="1200">
+                <a:solidFill>
+                  <a:schemeClr val="tx1"/>
+                </a:solidFill>
+                <a:latin typeface="+mn-lt"/>
+                <a:ea typeface="+mn-ea"/>
+                <a:cs typeface="+mn-cs"/>
+              </a:defRPr>
+            </a:lvl6pPr>
+            <a:lvl7pPr marL="2743200" algn="l" defTabSz="914400" rtl="0" eaLnBrk="1" latinLnBrk="0" hangingPunct="1">
+              <a:defRPr sz="1800" kern="1200">
+                <a:solidFill>
+                  <a:schemeClr val="tx1"/>
+                </a:solidFill>
+                <a:latin typeface="+mn-lt"/>
+                <a:ea typeface="+mn-ea"/>
+                <a:cs typeface="+mn-cs"/>
+              </a:defRPr>
+            </a:lvl7pPr>
+            <a:lvl8pPr marL="3200400" algn="l" defTabSz="914400" rtl="0" eaLnBrk="1" latinLnBrk="0" hangingPunct="1">
+              <a:defRPr sz="1800" kern="1200">
+                <a:solidFill>
+                  <a:schemeClr val="tx1"/>
+                </a:solidFill>
+                <a:latin typeface="+mn-lt"/>
+                <a:ea typeface="+mn-ea"/>
+                <a:cs typeface="+mn-cs"/>
+              </a:defRPr>
+            </a:lvl8pPr>
+            <a:lvl9pPr marL="3657600" algn="l" defTabSz="914400" rtl="0" eaLnBrk="1" latinLnBrk="0" hangingPunct="1">
+              <a:defRPr sz="1800" kern="1200">
+                <a:solidFill>
+                  <a:schemeClr val="tx1"/>
+                </a:solidFill>
+                <a:latin typeface="+mn-lt"/>
+                <a:ea typeface="+mn-ea"/>
+                <a:cs typeface="+mn-cs"/>
+              </a:defRPr>
+            </a:lvl9pPr>
+          </a:lstStyle>
+          <a:p>
+            <a:r>
+              <a:rPr lang="da-DK" dirty="0"/>
+              <a:t>Andreas Blaabjerg</a:t>
+            </a:r>
+          </a:p>
+        </p:txBody>
+      </p:sp>
+      <p:sp>
+        <p:nvSpPr>
+          <p:cNvPr id="5" name="Tekstfelt 4">
+            <a:extLst>
+              <a:ext uri="{FF2B5EF4-FFF2-40B4-BE49-F238E27FC236}">
+                <a16:creationId xmlns:a16="http://schemas.microsoft.com/office/drawing/2014/main" id="{A4178C45-BF5C-4720-BEFF-FFEB11761EE0}"/>
+              </a:ext>
+            </a:extLst>
+          </p:cNvPr>
+          <p:cNvSpPr txBox="1"/>
+          <p:nvPr/>
+        </p:nvSpPr>
+        <p:spPr>
+          <a:xfrm>
+            <a:off x="9807043" y="849095"/>
+            <a:ext cx="1237839" cy="369332"/>
+          </a:xfrm>
+          <a:prstGeom prst="rect">
+            <a:avLst/>
+          </a:prstGeom>
+          <a:noFill/>
+        </p:spPr>
+        <p:txBody>
+          <a:bodyPr wrap="none" rtlCol="0">
+            <a:spAutoFit/>
+          </a:bodyPr>
+          <a:lstStyle>
+            <a:defPPr>
+              <a:defRPr lang="da-DK"/>
+            </a:defPPr>
+            <a:lvl1pPr marL="0" algn="l" defTabSz="914400" rtl="0" eaLnBrk="1" latinLnBrk="0" hangingPunct="1">
+              <a:defRPr sz="1800" kern="1200">
+                <a:solidFill>
+                  <a:schemeClr val="tx1"/>
+                </a:solidFill>
+                <a:latin typeface="+mn-lt"/>
+                <a:ea typeface="+mn-ea"/>
+                <a:cs typeface="+mn-cs"/>
+              </a:defRPr>
+            </a:lvl1pPr>
+            <a:lvl2pPr marL="457200" algn="l" defTabSz="914400" rtl="0" eaLnBrk="1" latinLnBrk="0" hangingPunct="1">
+              <a:defRPr sz="1800" kern="1200">
+                <a:solidFill>
+                  <a:schemeClr val="tx1"/>
+                </a:solidFill>
+                <a:latin typeface="+mn-lt"/>
+                <a:ea typeface="+mn-ea"/>
+                <a:cs typeface="+mn-cs"/>
+              </a:defRPr>
+            </a:lvl2pPr>
+            <a:lvl3pPr marL="914400" algn="l" defTabSz="914400" rtl="0" eaLnBrk="1" latinLnBrk="0" hangingPunct="1">
+              <a:defRPr sz="1800" kern="1200">
+                <a:solidFill>
+                  <a:schemeClr val="tx1"/>
+                </a:solidFill>
+                <a:latin typeface="+mn-lt"/>
+                <a:ea typeface="+mn-ea"/>
+                <a:cs typeface="+mn-cs"/>
+              </a:defRPr>
+            </a:lvl3pPr>
+            <a:lvl4pPr marL="1371600" algn="l" defTabSz="914400" rtl="0" eaLnBrk="1" latinLnBrk="0" hangingPunct="1">
+              <a:defRPr sz="1800" kern="1200">
+                <a:solidFill>
+                  <a:schemeClr val="tx1"/>
+                </a:solidFill>
+                <a:latin typeface="+mn-lt"/>
+                <a:ea typeface="+mn-ea"/>
+                <a:cs typeface="+mn-cs"/>
+              </a:defRPr>
+            </a:lvl4pPr>
+            <a:lvl5pPr marL="1828800" algn="l" defTabSz="914400" rtl="0" eaLnBrk="1" latinLnBrk="0" hangingPunct="1">
+              <a:defRPr sz="1800" kern="1200">
+                <a:solidFill>
+                  <a:schemeClr val="tx1"/>
+                </a:solidFill>
+                <a:latin typeface="+mn-lt"/>
+                <a:ea typeface="+mn-ea"/>
+                <a:cs typeface="+mn-cs"/>
+              </a:defRPr>
+            </a:lvl5pPr>
+            <a:lvl6pPr marL="2286000" algn="l" defTabSz="914400" rtl="0" eaLnBrk="1" latinLnBrk="0" hangingPunct="1">
+              <a:defRPr sz="1800" kern="1200">
+                <a:solidFill>
+                  <a:schemeClr val="tx1"/>
+                </a:solidFill>
+                <a:latin typeface="+mn-lt"/>
+                <a:ea typeface="+mn-ea"/>
+                <a:cs typeface="+mn-cs"/>
+              </a:defRPr>
+            </a:lvl6pPr>
+            <a:lvl7pPr marL="2743200" algn="l" defTabSz="914400" rtl="0" eaLnBrk="1" latinLnBrk="0" hangingPunct="1">
+              <a:defRPr sz="1800" kern="1200">
+                <a:solidFill>
+                  <a:schemeClr val="tx1"/>
+                </a:solidFill>
+                <a:latin typeface="+mn-lt"/>
+                <a:ea typeface="+mn-ea"/>
+                <a:cs typeface="+mn-cs"/>
+              </a:defRPr>
+            </a:lvl7pPr>
+            <a:lvl8pPr marL="3200400" algn="l" defTabSz="914400" rtl="0" eaLnBrk="1" latinLnBrk="0" hangingPunct="1">
+              <a:defRPr sz="1800" kern="1200">
+                <a:solidFill>
+                  <a:schemeClr val="tx1"/>
+                </a:solidFill>
+                <a:latin typeface="+mn-lt"/>
+                <a:ea typeface="+mn-ea"/>
+                <a:cs typeface="+mn-cs"/>
+              </a:defRPr>
+            </a:lvl8pPr>
+            <a:lvl9pPr marL="3657600" algn="l" defTabSz="914400" rtl="0" eaLnBrk="1" latinLnBrk="0" hangingPunct="1">
+              <a:defRPr sz="1800" kern="1200">
+                <a:solidFill>
+                  <a:schemeClr val="tx1"/>
+                </a:solidFill>
+                <a:latin typeface="+mn-lt"/>
+                <a:ea typeface="+mn-ea"/>
+                <a:cs typeface="+mn-cs"/>
+              </a:defRPr>
+            </a:lvl9pPr>
+          </a:lstStyle>
+          <a:p>
+            <a:r>
+              <a:rPr lang="da-DK" dirty="0"/>
+              <a:t>201510924</a:t>
+            </a:r>
           </a:p>
         </p:txBody>
       </p:sp>

--- a/Presentations/10_Web.pptx
+++ b/Presentations/10_Web.pptx
@@ -3556,7 +3556,7 @@
           <a:p>
             <a:fld id="{062B8C5F-8AC5-4E7D-8456-DDA4B987C3A3}" type="datetimeFigureOut">
               <a:rPr lang="en-US" smtClean="0"/>
-              <a:t>8/18/2020</a:t>
+              <a:t>8/19/2020</a:t>
             </a:fld>
             <a:endParaRPr lang="en-US"/>
           </a:p>
@@ -3756,7 +3756,7 @@
           <a:p>
             <a:fld id="{062B8C5F-8AC5-4E7D-8456-DDA4B987C3A3}" type="datetimeFigureOut">
               <a:rPr lang="en-US" smtClean="0"/>
-              <a:t>8/18/2020</a:t>
+              <a:t>8/19/2020</a:t>
             </a:fld>
             <a:endParaRPr lang="en-US"/>
           </a:p>
@@ -3966,7 +3966,7 @@
           <a:p>
             <a:fld id="{062B8C5F-8AC5-4E7D-8456-DDA4B987C3A3}" type="datetimeFigureOut">
               <a:rPr lang="en-US" smtClean="0"/>
-              <a:t>8/18/2020</a:t>
+              <a:t>8/19/2020</a:t>
             </a:fld>
             <a:endParaRPr lang="en-US"/>
           </a:p>
@@ -4166,7 +4166,7 @@
           <a:p>
             <a:fld id="{062B8C5F-8AC5-4E7D-8456-DDA4B987C3A3}" type="datetimeFigureOut">
               <a:rPr lang="en-US" smtClean="0"/>
-              <a:t>8/18/2020</a:t>
+              <a:t>8/19/2020</a:t>
             </a:fld>
             <a:endParaRPr lang="en-US"/>
           </a:p>
@@ -4442,7 +4442,7 @@
           <a:p>
             <a:fld id="{062B8C5F-8AC5-4E7D-8456-DDA4B987C3A3}" type="datetimeFigureOut">
               <a:rPr lang="en-US" smtClean="0"/>
-              <a:t>8/18/2020</a:t>
+              <a:t>8/19/2020</a:t>
             </a:fld>
             <a:endParaRPr lang="en-US"/>
           </a:p>
@@ -4710,7 +4710,7 @@
           <a:p>
             <a:fld id="{062B8C5F-8AC5-4E7D-8456-DDA4B987C3A3}" type="datetimeFigureOut">
               <a:rPr lang="en-US" smtClean="0"/>
-              <a:t>8/18/2020</a:t>
+              <a:t>8/19/2020</a:t>
             </a:fld>
             <a:endParaRPr lang="en-US"/>
           </a:p>
@@ -5125,7 +5125,7 @@
           <a:p>
             <a:fld id="{062B8C5F-8AC5-4E7D-8456-DDA4B987C3A3}" type="datetimeFigureOut">
               <a:rPr lang="en-US" smtClean="0"/>
-              <a:t>8/18/2020</a:t>
+              <a:t>8/19/2020</a:t>
             </a:fld>
             <a:endParaRPr lang="en-US"/>
           </a:p>
@@ -5267,7 +5267,7 @@
           <a:p>
             <a:fld id="{062B8C5F-8AC5-4E7D-8456-DDA4B987C3A3}" type="datetimeFigureOut">
               <a:rPr lang="en-US" smtClean="0"/>
-              <a:t>8/18/2020</a:t>
+              <a:t>8/19/2020</a:t>
             </a:fld>
             <a:endParaRPr lang="en-US"/>
           </a:p>
@@ -5380,7 +5380,7 @@
           <a:p>
             <a:fld id="{062B8C5F-8AC5-4E7D-8456-DDA4B987C3A3}" type="datetimeFigureOut">
               <a:rPr lang="en-US" smtClean="0"/>
-              <a:t>8/18/2020</a:t>
+              <a:t>8/19/2020</a:t>
             </a:fld>
             <a:endParaRPr lang="en-US"/>
           </a:p>
@@ -5693,7 +5693,7 @@
           <a:p>
             <a:fld id="{062B8C5F-8AC5-4E7D-8456-DDA4B987C3A3}" type="datetimeFigureOut">
               <a:rPr lang="en-US" smtClean="0"/>
-              <a:t>8/18/2020</a:t>
+              <a:t>8/19/2020</a:t>
             </a:fld>
             <a:endParaRPr lang="en-US"/>
           </a:p>
@@ -5982,7 +5982,7 @@
           <a:p>
             <a:fld id="{062B8C5F-8AC5-4E7D-8456-DDA4B987C3A3}" type="datetimeFigureOut">
               <a:rPr lang="en-US" smtClean="0"/>
-              <a:t>8/18/2020</a:t>
+              <a:t>8/19/2020</a:t>
             </a:fld>
             <a:endParaRPr lang="en-US"/>
           </a:p>
@@ -6225,7 +6225,7 @@
           <a:p>
             <a:fld id="{062B8C5F-8AC5-4E7D-8456-DDA4B987C3A3}" type="datetimeFigureOut">
               <a:rPr lang="en-US" smtClean="0"/>
-              <a:t>8/18/2020</a:t>
+              <a:t>8/19/2020</a:t>
             </a:fld>
             <a:endParaRPr lang="en-US"/>
           </a:p>
@@ -8774,7 +8774,15 @@
           <a:p>
             <a:r>
               <a:rPr lang="da-DK" sz="2400" dirty="0"/>
-              <a:t>Klient oplevelsen bliver generelt bedre i det at en udvikler får mere kontrol over komponenterne og specifikt hvordan UI-elementerne kommer til at </a:t>
+              <a:t>Client oplevelsen bliver generelt bedre, da en </a:t>
+            </a:r>
+            <a:r>
+              <a:rPr lang="da-DK" sz="2400" dirty="0" err="1"/>
+              <a:t>Dev</a:t>
+            </a:r>
+            <a:r>
+              <a:rPr lang="da-DK" sz="2400" dirty="0"/>
+              <a:t> får mere kontrol over komponenterne og specifikt hvordan UI-elementerne kommer til at </a:t>
             </a:r>
             <a:r>
               <a:rPr lang="da-DK" sz="2400" dirty="0" err="1"/>
